--- a/Presentations/AVR Live Class 16.pptx
+++ b/Presentations/AVR Live Class 16.pptx
@@ -5,35 +5,45 @@
     <p:sldMasterId id="2147483654" r:id="rId1"/>
   </p:sldMasterIdLst>
   <p:notesMasterIdLst>
-    <p:notesMasterId r:id="rId8"/>
+    <p:notesMasterId r:id="rId14"/>
   </p:notesMasterIdLst>
   <p:sldIdLst>
     <p:sldId id="256" r:id="rId2"/>
-    <p:sldId id="311" r:id="rId3"/>
-    <p:sldId id="310" r:id="rId4"/>
-    <p:sldId id="320" r:id="rId5"/>
-    <p:sldId id="321" r:id="rId6"/>
-    <p:sldId id="264" r:id="rId7"/>
+    <p:sldId id="310" r:id="rId3"/>
+    <p:sldId id="311" r:id="rId4"/>
+    <p:sldId id="287" r:id="rId5"/>
+    <p:sldId id="312" r:id="rId6"/>
+    <p:sldId id="306" r:id="rId7"/>
+    <p:sldId id="307" r:id="rId8"/>
+    <p:sldId id="308" r:id="rId9"/>
+    <p:sldId id="309" r:id="rId10"/>
+    <p:sldId id="313" r:id="rId11"/>
+    <p:sldId id="314" r:id="rId12"/>
+    <p:sldId id="264" r:id="rId13"/>
   </p:sldIdLst>
   <p:sldSz cx="9144000" cy="5143500" type="screen16x9"/>
   <p:notesSz cx="6858000" cy="9144000"/>
   <p:embeddedFontLst>
     <p:embeddedFont>
       <p:font typeface="Anek Malayalam" panose="020B0604020202020204" charset="0"/>
-      <p:regular r:id="rId9"/>
-      <p:bold r:id="rId10"/>
+      <p:regular r:id="rId15"/>
+      <p:bold r:id="rId16"/>
     </p:embeddedFont>
     <p:embeddedFont>
       <p:font typeface="Anek Malayalam SemiBold" panose="020B0604020202020204" charset="0"/>
-      <p:regular r:id="rId11"/>
-      <p:bold r:id="rId12"/>
+      <p:regular r:id="rId17"/>
+      <p:bold r:id="rId18"/>
+    </p:embeddedFont>
+    <p:embeddedFont>
+      <p:font typeface="Cambria Math" panose="02040503050406030204" pitchFamily="18" charset="0"/>
+      <p:regular r:id="rId19"/>
     </p:embeddedFont>
     <p:embeddedFont>
       <p:font typeface="Helvetica Neue" panose="020B0604020202020204" charset="0"/>
-      <p:regular r:id="rId13"/>
-      <p:bold r:id="rId14"/>
-      <p:italic r:id="rId15"/>
-      <p:boldItalic r:id="rId16"/>
+      <p:regular r:id="rId20"/>
+      <p:bold r:id="rId21"/>
+      <p:italic r:id="rId22"/>
+      <p:boldItalic r:id="rId23"/>
     </p:embeddedFont>
   </p:embeddedFontLst>
   <p:defaultTextStyle>
@@ -287,7 +297,7 @@
 <file path=ppt/revisionInfo.xml><?xml version="1.0" encoding="utf-8"?>
 <p1510:revInfo xmlns:a="http://schemas.openxmlformats.org/drawingml/2006/main" xmlns:r="http://schemas.openxmlformats.org/officeDocument/2006/relationships" xmlns:p1510="http://schemas.microsoft.com/office/powerpoint/2015/10/main">
   <p1510:revLst>
-    <p1510:client id="{761DDA50-A4D9-4F34-896E-9E5477810539}" v="3" dt="2025-10-15T13:26:53.209"/>
+    <p1510:client id="{2FCFBF2C-606B-472C-8133-19F4C98B40AA}" v="43" dt="2025-10-17T14:01:10.389"/>
   </p1510:revLst>
 </p1510:revInfo>
 </file>
@@ -297,18 +307,18 @@
   <pc:docChgLst>
     <pc:chgData name="Sreejith Rajan" userId="ec11bca0e4bee75f" providerId="LiveId" clId="{7B4F392D-EAB3-4CE7-903E-F84869825F47}"/>
     <pc:docChg chg="undo custSel addSld delSld modSld sldOrd">
-      <pc:chgData name="Sreejith Rajan" userId="ec11bca0e4bee75f" providerId="LiveId" clId="{7B4F392D-EAB3-4CE7-903E-F84869825F47}" dt="2025-10-15T13:28:12.914" v="6411" actId="207"/>
+      <pc:chgData name="Sreejith Rajan" userId="ec11bca0e4bee75f" providerId="LiveId" clId="{7B4F392D-EAB3-4CE7-903E-F84869825F47}" dt="2025-10-17T14:03:11.813" v="5293" actId="1076"/>
       <pc:docMkLst>
         <pc:docMk/>
       </pc:docMkLst>
       <pc:sldChg chg="modSp mod">
-        <pc:chgData name="Sreejith Rajan" userId="ec11bca0e4bee75f" providerId="LiveId" clId="{7B4F392D-EAB3-4CE7-903E-F84869825F47}" dt="2025-10-15T13:06:05.659" v="6205" actId="20577"/>
+        <pc:chgData name="Sreejith Rajan" userId="ec11bca0e4bee75f" providerId="LiveId" clId="{7B4F392D-EAB3-4CE7-903E-F84869825F47}" dt="2025-10-17T10:56:28.163" v="4845" actId="20577"/>
         <pc:sldMkLst>
           <pc:docMk/>
           <pc:sldMk cId="0" sldId="256"/>
         </pc:sldMkLst>
         <pc:spChg chg="mod">
-          <ac:chgData name="Sreejith Rajan" userId="ec11bca0e4bee75f" providerId="LiveId" clId="{7B4F392D-EAB3-4CE7-903E-F84869825F47}" dt="2025-10-15T13:06:05.659" v="6205" actId="20577"/>
+          <ac:chgData name="Sreejith Rajan" userId="ec11bca0e4bee75f" providerId="LiveId" clId="{7B4F392D-EAB3-4CE7-903E-F84869825F47}" dt="2025-10-17T10:56:28.163" v="4845" actId="20577"/>
           <ac:spMkLst>
             <pc:docMk/>
             <pc:sldMk cId="0" sldId="256"/>
@@ -365,12 +375,28 @@
           <pc:sldMk cId="321485736" sldId="286"/>
         </pc:sldMkLst>
       </pc:sldChg>
-      <pc:sldChg chg="addSp delSp modSp add del mod ord">
-        <pc:chgData name="Sreejith Rajan" userId="ec11bca0e4bee75f" providerId="LiveId" clId="{7B4F392D-EAB3-4CE7-903E-F84869825F47}" dt="2025-10-15T13:07:11.871" v="6227" actId="47"/>
+      <pc:sldChg chg="addSp delSp modSp mod">
+        <pc:chgData name="Sreejith Rajan" userId="ec11bca0e4bee75f" providerId="LiveId" clId="{7B4F392D-EAB3-4CE7-903E-F84869825F47}" dt="2025-10-17T11:38:00.350" v="4939" actId="20577"/>
         <pc:sldMkLst>
           <pc:docMk/>
           <pc:sldMk cId="3959199433" sldId="287"/>
         </pc:sldMkLst>
+        <pc:spChg chg="mod">
+          <ac:chgData name="Sreejith Rajan" userId="ec11bca0e4bee75f" providerId="LiveId" clId="{7B4F392D-EAB3-4CE7-903E-F84869825F47}" dt="2025-10-17T11:37:24.455" v="4929" actId="20577"/>
+          <ac:spMkLst>
+            <pc:docMk/>
+            <pc:sldMk cId="3959199433" sldId="287"/>
+            <ac:spMk id="54" creationId="{C4CE2FAD-1A13-21FB-4CDB-D7E0702E4157}"/>
+          </ac:spMkLst>
+        </pc:spChg>
+        <pc:spChg chg="mod">
+          <ac:chgData name="Sreejith Rajan" userId="ec11bca0e4bee75f" providerId="LiveId" clId="{7B4F392D-EAB3-4CE7-903E-F84869825F47}" dt="2025-10-17T11:38:00.350" v="4939" actId="20577"/>
+          <ac:spMkLst>
+            <pc:docMk/>
+            <pc:sldMk cId="3959199433" sldId="287"/>
+            <ac:spMk id="55" creationId="{FF1E4D12-E5A8-7B19-694A-8370FEB4E421}"/>
+          </ac:spMkLst>
+        </pc:spChg>
       </pc:sldChg>
       <pc:sldChg chg="del">
         <pc:chgData name="Sreejith Rajan" userId="ec11bca0e4bee75f" providerId="LiveId" clId="{7B4F392D-EAB3-4CE7-903E-F84869825F47}" dt="2025-09-19T09:13:31.674" v="1068" actId="47"/>
@@ -540,42 +566,170 @@
           <pc:sldMk cId="3947435229" sldId="305"/>
         </pc:sldMkLst>
       </pc:sldChg>
-      <pc:sldChg chg="addSp delSp modSp add del mod">
-        <pc:chgData name="Sreejith Rajan" userId="ec11bca0e4bee75f" providerId="LiveId" clId="{7B4F392D-EAB3-4CE7-903E-F84869825F47}" dt="2025-10-13T14:26:33.727" v="5953" actId="47"/>
+      <pc:sldChg chg="addSp delSp modSp add mod">
+        <pc:chgData name="Sreejith Rajan" userId="ec11bca0e4bee75f" providerId="LiveId" clId="{7B4F392D-EAB3-4CE7-903E-F84869825F47}" dt="2025-10-17T12:01:58.718" v="5116"/>
         <pc:sldMkLst>
           <pc:docMk/>
           <pc:sldMk cId="4264035287" sldId="306"/>
         </pc:sldMkLst>
+        <pc:spChg chg="mod">
+          <ac:chgData name="Sreejith Rajan" userId="ec11bca0e4bee75f" providerId="LiveId" clId="{7B4F392D-EAB3-4CE7-903E-F84869825F47}" dt="2025-10-17T11:43:26.543" v="4984" actId="20577"/>
+          <ac:spMkLst>
+            <pc:docMk/>
+            <pc:sldMk cId="4264035287" sldId="306"/>
+            <ac:spMk id="54" creationId="{02F49DB7-EDC5-358E-8CD6-35569CA25EE9}"/>
+          </ac:spMkLst>
+        </pc:spChg>
+        <pc:graphicFrameChg chg="add mod modGraphic">
+          <ac:chgData name="Sreejith Rajan" userId="ec11bca0e4bee75f" providerId="LiveId" clId="{7B4F392D-EAB3-4CE7-903E-F84869825F47}" dt="2025-10-17T12:01:58.718" v="5116"/>
+          <ac:graphicFrameMkLst>
+            <pc:docMk/>
+            <pc:sldMk cId="4264035287" sldId="306"/>
+            <ac:graphicFrameMk id="2" creationId="{11C14D1A-5AAA-3717-6B09-C7ADDC6BE69C}"/>
+          </ac:graphicFrameMkLst>
+        </pc:graphicFrameChg>
+        <pc:picChg chg="add del mod modCrop">
+          <ac:chgData name="Sreejith Rajan" userId="ec11bca0e4bee75f" providerId="LiveId" clId="{7B4F392D-EAB3-4CE7-903E-F84869825F47}" dt="2025-10-17T11:43:28.719" v="4985" actId="478"/>
+          <ac:picMkLst>
+            <pc:docMk/>
+            <pc:sldMk cId="4264035287" sldId="306"/>
+            <ac:picMk id="6" creationId="{5B4CC720-5C86-97AD-75CC-61847AD667C7}"/>
+          </ac:picMkLst>
+        </pc:picChg>
+        <pc:picChg chg="add del mod modCrop">
+          <ac:chgData name="Sreejith Rajan" userId="ec11bca0e4bee75f" providerId="LiveId" clId="{7B4F392D-EAB3-4CE7-903E-F84869825F47}" dt="2025-10-17T11:43:30.517" v="4986" actId="478"/>
+          <ac:picMkLst>
+            <pc:docMk/>
+            <pc:sldMk cId="4264035287" sldId="306"/>
+            <ac:picMk id="9" creationId="{53B7478C-1715-D417-3019-E2F0A5657FB1}"/>
+          </ac:picMkLst>
+        </pc:picChg>
       </pc:sldChg>
-      <pc:sldChg chg="addSp delSp modSp add del mod">
-        <pc:chgData name="Sreejith Rajan" userId="ec11bca0e4bee75f" providerId="LiveId" clId="{7B4F392D-EAB3-4CE7-903E-F84869825F47}" dt="2025-10-13T14:25:55.103" v="5943" actId="47"/>
+      <pc:sldChg chg="addSp delSp modSp add mod">
+        <pc:chgData name="Sreejith Rajan" userId="ec11bca0e4bee75f" providerId="LiveId" clId="{7B4F392D-EAB3-4CE7-903E-F84869825F47}" dt="2025-10-17T11:49:15.645" v="5034" actId="207"/>
         <pc:sldMkLst>
           <pc:docMk/>
           <pc:sldMk cId="3122419039" sldId="307"/>
         </pc:sldMkLst>
+        <pc:spChg chg="add mod">
+          <ac:chgData name="Sreejith Rajan" userId="ec11bca0e4bee75f" providerId="LiveId" clId="{7B4F392D-EAB3-4CE7-903E-F84869825F47}" dt="2025-10-17T11:49:15.645" v="5034" actId="207"/>
+          <ac:spMkLst>
+            <pc:docMk/>
+            <pc:sldMk cId="3122419039" sldId="307"/>
+            <ac:spMk id="4" creationId="{91A78BCC-8CA8-0617-9366-BE5A8D2982A2}"/>
+          </ac:spMkLst>
+        </pc:spChg>
+        <pc:spChg chg="add mod">
+          <ac:chgData name="Sreejith Rajan" userId="ec11bca0e4bee75f" providerId="LiveId" clId="{7B4F392D-EAB3-4CE7-903E-F84869825F47}" dt="2025-10-17T11:49:04.679" v="5033" actId="1076"/>
+          <ac:spMkLst>
+            <pc:docMk/>
+            <pc:sldMk cId="3122419039" sldId="307"/>
+            <ac:spMk id="6" creationId="{678EFDE3-6B5B-FC9B-F61D-BED436210CCA}"/>
+          </ac:spMkLst>
+        </pc:spChg>
+        <pc:spChg chg="mod">
+          <ac:chgData name="Sreejith Rajan" userId="ec11bca0e4bee75f" providerId="LiveId" clId="{7B4F392D-EAB3-4CE7-903E-F84869825F47}" dt="2025-10-17T11:47:29.141" v="4997"/>
+          <ac:spMkLst>
+            <pc:docMk/>
+            <pc:sldMk cId="3122419039" sldId="307"/>
+            <ac:spMk id="54" creationId="{F3AF189E-4033-9158-F5CD-9B7898D9D790}"/>
+          </ac:spMkLst>
+        </pc:spChg>
+        <pc:picChg chg="add del mod modCrop">
+          <ac:chgData name="Sreejith Rajan" userId="ec11bca0e4bee75f" providerId="LiveId" clId="{7B4F392D-EAB3-4CE7-903E-F84869825F47}" dt="2025-10-17T11:47:32.661" v="4998" actId="478"/>
+          <ac:picMkLst>
+            <pc:docMk/>
+            <pc:sldMk cId="3122419039" sldId="307"/>
+            <ac:picMk id="3" creationId="{4FE45B10-FD04-FF54-37FF-5F38540411F8}"/>
+          </ac:picMkLst>
+        </pc:picChg>
       </pc:sldChg>
-      <pc:sldChg chg="addSp delSp modSp add del mod">
-        <pc:chgData name="Sreejith Rajan" userId="ec11bca0e4bee75f" providerId="LiveId" clId="{7B4F392D-EAB3-4CE7-903E-F84869825F47}" dt="2025-10-13T14:25:59.499" v="5944" actId="47"/>
+      <pc:sldChg chg="addSp delSp modSp add mod">
+        <pc:chgData name="Sreejith Rajan" userId="ec11bca0e4bee75f" providerId="LiveId" clId="{7B4F392D-EAB3-4CE7-903E-F84869825F47}" dt="2025-10-17T12:01:24.471" v="5112" actId="1076"/>
         <pc:sldMkLst>
           <pc:docMk/>
           <pc:sldMk cId="4003320701" sldId="308"/>
         </pc:sldMkLst>
+        <pc:spChg chg="mod">
+          <ac:chgData name="Sreejith Rajan" userId="ec11bca0e4bee75f" providerId="LiveId" clId="{7B4F392D-EAB3-4CE7-903E-F84869825F47}" dt="2025-10-17T11:50:27.878" v="5042" actId="27636"/>
+          <ac:spMkLst>
+            <pc:docMk/>
+            <pc:sldMk cId="4003320701" sldId="308"/>
+            <ac:spMk id="54" creationId="{8061634A-979C-C166-97DF-06E0A8DA822E}"/>
+          </ac:spMkLst>
+        </pc:spChg>
+        <pc:graphicFrameChg chg="add mod modGraphic">
+          <ac:chgData name="Sreejith Rajan" userId="ec11bca0e4bee75f" providerId="LiveId" clId="{7B4F392D-EAB3-4CE7-903E-F84869825F47}" dt="2025-10-17T12:01:24.471" v="5112" actId="1076"/>
+          <ac:graphicFrameMkLst>
+            <pc:docMk/>
+            <pc:sldMk cId="4003320701" sldId="308"/>
+            <ac:graphicFrameMk id="2" creationId="{D9ECB0A0-8E32-7C48-D529-F928B9052DF5}"/>
+          </ac:graphicFrameMkLst>
+        </pc:graphicFrameChg>
+        <pc:picChg chg="add del mod modCrop">
+          <ac:chgData name="Sreejith Rajan" userId="ec11bca0e4bee75f" providerId="LiveId" clId="{7B4F392D-EAB3-4CE7-903E-F84869825F47}" dt="2025-10-17T11:50:09.362" v="5038" actId="478"/>
+          <ac:picMkLst>
+            <pc:docMk/>
+            <pc:sldMk cId="4003320701" sldId="308"/>
+            <ac:picMk id="4" creationId="{D3469F4D-2C7F-E989-BD75-467E12B0A512}"/>
+          </ac:picMkLst>
+        </pc:picChg>
+        <pc:picChg chg="add mod modCrop">
+          <ac:chgData name="Sreejith Rajan" userId="ec11bca0e4bee75f" providerId="LiveId" clId="{7B4F392D-EAB3-4CE7-903E-F84869825F47}" dt="2025-10-17T12:01:19.991" v="5111" actId="1076"/>
+          <ac:picMkLst>
+            <pc:docMk/>
+            <pc:sldMk cId="4003320701" sldId="308"/>
+            <ac:picMk id="5" creationId="{52296684-B913-1577-BDE3-62AEF4C039E1}"/>
+          </ac:picMkLst>
+        </pc:picChg>
       </pc:sldChg>
-      <pc:sldChg chg="addSp delSp modSp add del mod">
-        <pc:chgData name="Sreejith Rajan" userId="ec11bca0e4bee75f" providerId="LiveId" clId="{7B4F392D-EAB3-4CE7-903E-F84869825F47}" dt="2025-10-13T14:26:02.485" v="5945" actId="47"/>
+      <pc:sldChg chg="addSp delSp modSp add mod">
+        <pc:chgData name="Sreejith Rajan" userId="ec11bca0e4bee75f" providerId="LiveId" clId="{7B4F392D-EAB3-4CE7-903E-F84869825F47}" dt="2025-10-17T12:01:44.967" v="5115" actId="14100"/>
         <pc:sldMkLst>
           <pc:docMk/>
           <pc:sldMk cId="2237710589" sldId="309"/>
         </pc:sldMkLst>
+        <pc:spChg chg="mod">
+          <ac:chgData name="Sreejith Rajan" userId="ec11bca0e4bee75f" providerId="LiveId" clId="{7B4F392D-EAB3-4CE7-903E-F84869825F47}" dt="2025-10-17T11:55:10.086" v="5071" actId="1076"/>
+          <ac:spMkLst>
+            <pc:docMk/>
+            <pc:sldMk cId="2237710589" sldId="309"/>
+            <ac:spMk id="54" creationId="{97A3ECAF-E25E-6F1B-D904-C1BDEC6254CD}"/>
+          </ac:spMkLst>
+        </pc:spChg>
+        <pc:graphicFrameChg chg="add mod modGraphic">
+          <ac:chgData name="Sreejith Rajan" userId="ec11bca0e4bee75f" providerId="LiveId" clId="{7B4F392D-EAB3-4CE7-903E-F84869825F47}" dt="2025-10-17T12:01:44.967" v="5115" actId="14100"/>
+          <ac:graphicFrameMkLst>
+            <pc:docMk/>
+            <pc:sldMk cId="2237710589" sldId="309"/>
+            <ac:graphicFrameMk id="2" creationId="{551E3600-1FAF-CBBE-4CE6-2A896DF5E48A}"/>
+          </ac:graphicFrameMkLst>
+        </pc:graphicFrameChg>
+        <pc:picChg chg="add del mod">
+          <ac:chgData name="Sreejith Rajan" userId="ec11bca0e4bee75f" providerId="LiveId" clId="{7B4F392D-EAB3-4CE7-903E-F84869825F47}" dt="2025-10-17T11:54:51.270" v="5068" actId="478"/>
+          <ac:picMkLst>
+            <pc:docMk/>
+            <pc:sldMk cId="2237710589" sldId="309"/>
+            <ac:picMk id="3" creationId="{46BF99CB-2973-A066-BF98-EEF9D897DD33}"/>
+          </ac:picMkLst>
+        </pc:picChg>
+        <pc:picChg chg="add mod modCrop">
+          <ac:chgData name="Sreejith Rajan" userId="ec11bca0e4bee75f" providerId="LiveId" clId="{7B4F392D-EAB3-4CE7-903E-F84869825F47}" dt="2025-10-17T11:57:20.454" v="5086" actId="1076"/>
+          <ac:picMkLst>
+            <pc:docMk/>
+            <pc:sldMk cId="2237710589" sldId="309"/>
+            <ac:picMk id="5" creationId="{5174DE35-6DAA-4FBC-4A33-00BE6DDAA5C5}"/>
+          </ac:picMkLst>
+        </pc:picChg>
       </pc:sldChg>
-      <pc:sldChg chg="addSp delSp modSp add del mod ord">
-        <pc:chgData name="Sreejith Rajan" userId="ec11bca0e4bee75f" providerId="LiveId" clId="{7B4F392D-EAB3-4CE7-903E-F84869825F47}" dt="2025-10-15T13:08:27.521" v="6238" actId="14100"/>
+      <pc:sldChg chg="addSp delSp modSp add mod ord">
+        <pc:chgData name="Sreejith Rajan" userId="ec11bca0e4bee75f" providerId="LiveId" clId="{7B4F392D-EAB3-4CE7-903E-F84869825F47}" dt="2025-10-17T11:20:51.892" v="4862" actId="5793"/>
         <pc:sldMkLst>
           <pc:docMk/>
           <pc:sldMk cId="1438249901" sldId="310"/>
         </pc:sldMkLst>
         <pc:spChg chg="mod">
-          <ac:chgData name="Sreejith Rajan" userId="ec11bca0e4bee75f" providerId="LiveId" clId="{7B4F392D-EAB3-4CE7-903E-F84869825F47}" dt="2025-10-06T12:55:12.652" v="4583" actId="5793"/>
+          <ac:chgData name="Sreejith Rajan" userId="ec11bca0e4bee75f" providerId="LiveId" clId="{7B4F392D-EAB3-4CE7-903E-F84869825F47}" dt="2025-10-17T11:20:51.892" v="4862" actId="5793"/>
           <ac:spMkLst>
             <pc:docMk/>
             <pc:sldMk cId="1438249901" sldId="310"/>
@@ -583,35 +737,19 @@
           </ac:spMkLst>
         </pc:spChg>
         <pc:spChg chg="mod">
-          <ac:chgData name="Sreejith Rajan" userId="ec11bca0e4bee75f" providerId="LiveId" clId="{7B4F392D-EAB3-4CE7-903E-F84869825F47}" dt="2025-10-13T13:30:27.212" v="5893" actId="20577"/>
+          <ac:chgData name="Sreejith Rajan" userId="ec11bca0e4bee75f" providerId="LiveId" clId="{7B4F392D-EAB3-4CE7-903E-F84869825F47}" dt="2025-10-17T10:56:40.712" v="4851" actId="20577"/>
           <ac:spMkLst>
             <pc:docMk/>
             <pc:sldMk cId="1438249901" sldId="310"/>
             <ac:spMk id="3" creationId="{81FBEAC1-5C44-3BF3-C4C6-F8BD52CC6144}"/>
           </ac:spMkLst>
         </pc:spChg>
-        <pc:picChg chg="add mod">
-          <ac:chgData name="Sreejith Rajan" userId="ec11bca0e4bee75f" providerId="LiveId" clId="{7B4F392D-EAB3-4CE7-903E-F84869825F47}" dt="2025-10-15T13:08:27.521" v="6238" actId="14100"/>
+        <pc:picChg chg="add del mod">
+          <ac:chgData name="Sreejith Rajan" userId="ec11bca0e4bee75f" providerId="LiveId" clId="{7B4F392D-EAB3-4CE7-903E-F84869825F47}" dt="2025-10-17T10:56:32.806" v="4846" actId="478"/>
           <ac:picMkLst>
             <pc:docMk/>
             <pc:sldMk cId="1438249901" sldId="310"/>
-            <ac:picMk id="6" creationId="{2F13FCF5-42B6-1951-C41C-BA1F46CD8BD1}"/>
-          </ac:picMkLst>
-        </pc:picChg>
-        <pc:picChg chg="add del mod">
-          <ac:chgData name="Sreejith Rajan" userId="ec11bca0e4bee75f" providerId="LiveId" clId="{7B4F392D-EAB3-4CE7-903E-F84869825F47}" dt="2025-10-15T13:08:21.534" v="6237" actId="478"/>
-          <ac:picMkLst>
-            <pc:docMk/>
-            <pc:sldMk cId="1438249901" sldId="310"/>
-            <ac:picMk id="8" creationId="{ACDE1F7D-5B41-B9DF-BD1B-C4264EA0BC81}"/>
-          </ac:picMkLst>
-        </pc:picChg>
-        <pc:picChg chg="add del mod">
-          <ac:chgData name="Sreejith Rajan" userId="ec11bca0e4bee75f" providerId="LiveId" clId="{7B4F392D-EAB3-4CE7-903E-F84869825F47}" dt="2025-10-15T13:07:40.923" v="6235" actId="478"/>
-          <ac:picMkLst>
-            <pc:docMk/>
-            <pc:sldMk cId="1438249901" sldId="310"/>
-            <ac:picMk id="10" creationId="{F3D55F4A-C4F9-9046-729F-00B15593AD48}"/>
+            <ac:picMk id="5" creationId="{C80F0B75-E604-2229-8053-209C6597C3FC}"/>
           </ac:picMkLst>
         </pc:picChg>
       </pc:sldChg>
@@ -622,29 +760,6 @@
           <pc:sldMk cId="4077827766" sldId="310"/>
         </pc:sldMkLst>
       </pc:sldChg>
-      <pc:sldChg chg="modSp add del mod">
-        <pc:chgData name="Sreejith Rajan" userId="ec11bca0e4bee75f" providerId="LiveId" clId="{7B4F392D-EAB3-4CE7-903E-F84869825F47}" dt="2025-10-15T13:06:52.495" v="6224" actId="47"/>
-        <pc:sldMkLst>
-          <pc:docMk/>
-          <pc:sldMk cId="283639753" sldId="311"/>
-        </pc:sldMkLst>
-        <pc:spChg chg="mod">
-          <ac:chgData name="Sreejith Rajan" userId="ec11bca0e4bee75f" providerId="LiveId" clId="{7B4F392D-EAB3-4CE7-903E-F84869825F47}" dt="2025-10-13T12:14:10.093" v="5356" actId="20577"/>
-          <ac:spMkLst>
-            <pc:docMk/>
-            <pc:sldMk cId="283639753" sldId="311"/>
-            <ac:spMk id="54" creationId="{759C4512-E9E3-1EBD-F4B1-FDCC6E08015A}"/>
-          </ac:spMkLst>
-        </pc:spChg>
-        <pc:spChg chg="mod">
-          <ac:chgData name="Sreejith Rajan" userId="ec11bca0e4bee75f" providerId="LiveId" clId="{7B4F392D-EAB3-4CE7-903E-F84869825F47}" dt="2025-10-13T14:52:19.448" v="6169" actId="207"/>
-          <ac:spMkLst>
-            <pc:docMk/>
-            <pc:sldMk cId="283639753" sldId="311"/>
-            <ac:spMk id="55" creationId="{968DEF2F-D17C-A505-E33D-4CD30E54F3C7}"/>
-          </ac:spMkLst>
-        </pc:spChg>
-      </pc:sldChg>
       <pc:sldChg chg="addSp delSp modSp add del mod">
         <pc:chgData name="Sreejith Rajan" userId="ec11bca0e4bee75f" providerId="LiveId" clId="{7B4F392D-EAB3-4CE7-903E-F84869825F47}" dt="2025-10-08T05:49:18.592" v="4624" actId="47"/>
         <pc:sldMkLst>
@@ -652,121 +767,208 @@
           <pc:sldMk cId="3564116750" sldId="311"/>
         </pc:sldMkLst>
       </pc:sldChg>
-      <pc:sldChg chg="modSp add del mod">
-        <pc:chgData name="Sreejith Rajan" userId="ec11bca0e4bee75f" providerId="LiveId" clId="{7B4F392D-EAB3-4CE7-903E-F84869825F47}" dt="2025-10-15T13:07:15.446" v="6228" actId="47"/>
+      <pc:sldChg chg="modSp add mod">
+        <pc:chgData name="Sreejith Rajan" userId="ec11bca0e4bee75f" providerId="LiveId" clId="{7B4F392D-EAB3-4CE7-903E-F84869825F47}" dt="2025-10-17T11:23:45.344" v="4920" actId="20577"/>
         <pc:sldMkLst>
           <pc:docMk/>
-          <pc:sldMk cId="4188789299" sldId="312"/>
+          <pc:sldMk cId="3603331044" sldId="311"/>
         </pc:sldMkLst>
+        <pc:spChg chg="mod">
+          <ac:chgData name="Sreejith Rajan" userId="ec11bca0e4bee75f" providerId="LiveId" clId="{7B4F392D-EAB3-4CE7-903E-F84869825F47}" dt="2025-10-17T11:23:45.344" v="4920" actId="20577"/>
+          <ac:spMkLst>
+            <pc:docMk/>
+            <pc:sldMk cId="3603331044" sldId="311"/>
+            <ac:spMk id="2" creationId="{C406FC51-F050-974A-1895-D0268A085F41}"/>
+          </ac:spMkLst>
+        </pc:spChg>
+        <pc:spChg chg="mod">
+          <ac:chgData name="Sreejith Rajan" userId="ec11bca0e4bee75f" providerId="LiveId" clId="{7B4F392D-EAB3-4CE7-903E-F84869825F47}" dt="2025-10-17T11:22:55.915" v="4874" actId="20577"/>
+          <ac:spMkLst>
+            <pc:docMk/>
+            <pc:sldMk cId="3603331044" sldId="311"/>
+            <ac:spMk id="3" creationId="{217410D7-D160-3664-1380-6B61F71790CB}"/>
+          </ac:spMkLst>
+        </pc:spChg>
       </pc:sldChg>
-      <pc:sldChg chg="addSp delSp modSp add del mod">
-        <pc:chgData name="Sreejith Rajan" userId="ec11bca0e4bee75f" providerId="LiveId" clId="{7B4F392D-EAB3-4CE7-903E-F84869825F47}" dt="2025-10-15T13:07:17.019" v="6229" actId="47"/>
+      <pc:sldChg chg="delSp modSp add mod">
+        <pc:chgData name="Sreejith Rajan" userId="ec11bca0e4bee75f" providerId="LiveId" clId="{7B4F392D-EAB3-4CE7-903E-F84869825F47}" dt="2025-10-17T11:39:37.321" v="4960" actId="20577"/>
         <pc:sldMkLst>
           <pc:docMk/>
-          <pc:sldMk cId="760616594" sldId="313"/>
+          <pc:sldMk cId="2526330093" sldId="312"/>
         </pc:sldMkLst>
+        <pc:spChg chg="del mod">
+          <ac:chgData name="Sreejith Rajan" userId="ec11bca0e4bee75f" providerId="LiveId" clId="{7B4F392D-EAB3-4CE7-903E-F84869825F47}" dt="2025-10-17T11:38:58.781" v="4956" actId="478"/>
+          <ac:spMkLst>
+            <pc:docMk/>
+            <pc:sldMk cId="2526330093" sldId="312"/>
+            <ac:spMk id="7" creationId="{FBD63728-AC0B-D728-63F0-BEF9DB81DE3B}"/>
+          </ac:spMkLst>
+        </pc:spChg>
+        <pc:spChg chg="mod">
+          <ac:chgData name="Sreejith Rajan" userId="ec11bca0e4bee75f" providerId="LiveId" clId="{7B4F392D-EAB3-4CE7-903E-F84869825F47}" dt="2025-10-17T11:39:37.321" v="4960" actId="20577"/>
+          <ac:spMkLst>
+            <pc:docMk/>
+            <pc:sldMk cId="2526330093" sldId="312"/>
+            <ac:spMk id="55" creationId="{3D6DFE11-B395-1EA2-3A6E-04D6CAFA4D26}"/>
+          </ac:spMkLst>
+        </pc:spChg>
       </pc:sldChg>
-      <pc:sldChg chg="delSp modSp add del mod">
-        <pc:chgData name="Sreejith Rajan" userId="ec11bca0e4bee75f" providerId="LiveId" clId="{7B4F392D-EAB3-4CE7-903E-F84869825F47}" dt="2025-10-15T13:07:18.102" v="6230" actId="47"/>
+      <pc:sldChg chg="addSp delSp modSp new mod">
+        <pc:chgData name="Sreejith Rajan" userId="ec11bca0e4bee75f" providerId="LiveId" clId="{7B4F392D-EAB3-4CE7-903E-F84869825F47}" dt="2025-10-17T12:00:51.317" v="5107" actId="1076"/>
         <pc:sldMkLst>
           <pc:docMk/>
-          <pc:sldMk cId="4279120061" sldId="314"/>
+          <pc:sldMk cId="2855112447" sldId="313"/>
         </pc:sldMkLst>
-      </pc:sldChg>
-      <pc:sldChg chg="addSp delSp modSp add del mod">
-        <pc:chgData name="Sreejith Rajan" userId="ec11bca0e4bee75f" providerId="LiveId" clId="{7B4F392D-EAB3-4CE7-903E-F84869825F47}" dt="2025-10-15T13:07:18.658" v="6231" actId="47"/>
-        <pc:sldMkLst>
-          <pc:docMk/>
-          <pc:sldMk cId="318710655" sldId="315"/>
-        </pc:sldMkLst>
-      </pc:sldChg>
-      <pc:sldChg chg="addSp delSp modSp add del mod">
-        <pc:chgData name="Sreejith Rajan" userId="ec11bca0e4bee75f" providerId="LiveId" clId="{7B4F392D-EAB3-4CE7-903E-F84869825F47}" dt="2025-10-15T13:07:19.129" v="6232" actId="47"/>
-        <pc:sldMkLst>
-          <pc:docMk/>
-          <pc:sldMk cId="1467405760" sldId="316"/>
-        </pc:sldMkLst>
-      </pc:sldChg>
-      <pc:sldChg chg="addSp delSp modSp add del mod">
-        <pc:chgData name="Sreejith Rajan" userId="ec11bca0e4bee75f" providerId="LiveId" clId="{7B4F392D-EAB3-4CE7-903E-F84869825F47}" dt="2025-10-15T13:07:19.666" v="6233" actId="47"/>
-        <pc:sldMkLst>
-          <pc:docMk/>
-          <pc:sldMk cId="2737292630" sldId="317"/>
-        </pc:sldMkLst>
-      </pc:sldChg>
-      <pc:sldChg chg="addSp delSp modSp add del mod">
-        <pc:chgData name="Sreejith Rajan" userId="ec11bca0e4bee75f" providerId="LiveId" clId="{7B4F392D-EAB3-4CE7-903E-F84869825F47}" dt="2025-10-15T13:07:20.414" v="6234" actId="47"/>
-        <pc:sldMkLst>
-          <pc:docMk/>
-          <pc:sldMk cId="386252816" sldId="318"/>
-        </pc:sldMkLst>
-      </pc:sldChg>
-      <pc:sldChg chg="modSp add del mod">
-        <pc:chgData name="Sreejith Rajan" userId="ec11bca0e4bee75f" providerId="LiveId" clId="{7B4F392D-EAB3-4CE7-903E-F84869825F47}" dt="2025-10-15T13:06:18.926" v="6206" actId="47"/>
-        <pc:sldMkLst>
-          <pc:docMk/>
-          <pc:sldMk cId="3994397573" sldId="319"/>
-        </pc:sldMkLst>
-      </pc:sldChg>
-      <pc:sldChg chg="new del">
-        <pc:chgData name="Sreejith Rajan" userId="ec11bca0e4bee75f" providerId="LiveId" clId="{7B4F392D-EAB3-4CE7-903E-F84869825F47}" dt="2025-10-13T13:24:03.728" v="5698" actId="680"/>
-        <pc:sldMkLst>
-          <pc:docMk/>
-          <pc:sldMk cId="904723401" sldId="320"/>
-        </pc:sldMkLst>
-      </pc:sldChg>
-      <pc:sldChg chg="delSp modSp add mod">
-        <pc:chgData name="Sreejith Rajan" userId="ec11bca0e4bee75f" providerId="LiveId" clId="{7B4F392D-EAB3-4CE7-903E-F84869825F47}" dt="2025-10-15T13:27:41.350" v="6409" actId="14100"/>
-        <pc:sldMkLst>
-          <pc:docMk/>
-          <pc:sldMk cId="3204882592" sldId="320"/>
-        </pc:sldMkLst>
-        <pc:picChg chg="mod">
-          <ac:chgData name="Sreejith Rajan" userId="ec11bca0e4bee75f" providerId="LiveId" clId="{7B4F392D-EAB3-4CE7-903E-F84869825F47}" dt="2025-10-15T13:27:41.350" v="6409" actId="14100"/>
+        <pc:spChg chg="del">
+          <ac:chgData name="Sreejith Rajan" userId="ec11bca0e4bee75f" providerId="LiveId" clId="{7B4F392D-EAB3-4CE7-903E-F84869825F47}" dt="2025-10-17T11:58:30.565" v="5091" actId="478"/>
+          <ac:spMkLst>
+            <pc:docMk/>
+            <pc:sldMk cId="2855112447" sldId="313"/>
+            <ac:spMk id="2" creationId="{EA89A4A9-C353-350A-EAE8-4D1E59E56B7E}"/>
+          </ac:spMkLst>
+        </pc:spChg>
+        <pc:spChg chg="mod">
+          <ac:chgData name="Sreejith Rajan" userId="ec11bca0e4bee75f" providerId="LiveId" clId="{7B4F392D-EAB3-4CE7-903E-F84869825F47}" dt="2025-10-17T11:59:44.277" v="5103" actId="1076"/>
+          <ac:spMkLst>
+            <pc:docMk/>
+            <pc:sldMk cId="2855112447" sldId="313"/>
+            <ac:spMk id="3" creationId="{8FEA6191-CF3F-E334-EAE0-F39E153FF31A}"/>
+          </ac:spMkLst>
+        </pc:spChg>
+        <pc:graphicFrameChg chg="add mod modGraphic">
+          <ac:chgData name="Sreejith Rajan" userId="ec11bca0e4bee75f" providerId="LiveId" clId="{7B4F392D-EAB3-4CE7-903E-F84869825F47}" dt="2025-10-17T11:59:40.699" v="5102" actId="1076"/>
+          <ac:graphicFrameMkLst>
+            <pc:docMk/>
+            <pc:sldMk cId="2855112447" sldId="313"/>
+            <ac:graphicFrameMk id="4" creationId="{9C4FB3FD-2104-5D17-2624-FAC359784385}"/>
+          </ac:graphicFrameMkLst>
+        </pc:graphicFrameChg>
+        <pc:picChg chg="add mod modCrop">
+          <ac:chgData name="Sreejith Rajan" userId="ec11bca0e4bee75f" providerId="LiveId" clId="{7B4F392D-EAB3-4CE7-903E-F84869825F47}" dt="2025-10-17T12:00:51.317" v="5107" actId="1076"/>
           <ac:picMkLst>
             <pc:docMk/>
-            <pc:sldMk cId="3204882592" sldId="320"/>
-            <ac:picMk id="10" creationId="{F5628833-49E6-C01E-8AF7-8DD848DEEA9F}"/>
+            <pc:sldMk cId="2855112447" sldId="313"/>
+            <ac:picMk id="6" creationId="{17A0D31E-E12B-586E-7477-AB4BA92C112D}"/>
           </ac:picMkLst>
         </pc:picChg>
       </pc:sldChg>
-      <pc:sldChg chg="add del ord">
-        <pc:chgData name="Sreejith Rajan" userId="ec11bca0e4bee75f" providerId="LiveId" clId="{7B4F392D-EAB3-4CE7-903E-F84869825F47}" dt="2025-10-13T14:26:17.623" v="5949" actId="47"/>
+      <pc:sldChg chg="addSp delSp modSp add mod">
+        <pc:chgData name="Sreejith Rajan" userId="ec11bca0e4bee75f" providerId="LiveId" clId="{7B4F392D-EAB3-4CE7-903E-F84869825F47}" dt="2025-10-17T14:03:11.813" v="5293" actId="1076"/>
         <pc:sldMkLst>
           <pc:docMk/>
-          <pc:sldMk cId="366040641" sldId="321"/>
-        </pc:sldMkLst>
-      </pc:sldChg>
-      <pc:sldChg chg="addSp modSp add mod ord">
-        <pc:chgData name="Sreejith Rajan" userId="ec11bca0e4bee75f" providerId="LiveId" clId="{7B4F392D-EAB3-4CE7-903E-F84869825F47}" dt="2025-10-15T13:28:12.914" v="6411" actId="207"/>
-        <pc:sldMkLst>
-          <pc:docMk/>
-          <pc:sldMk cId="1199149366" sldId="321"/>
+          <pc:sldMk cId="482960161" sldId="314"/>
         </pc:sldMkLst>
         <pc:spChg chg="add mod">
-          <ac:chgData name="Sreejith Rajan" userId="ec11bca0e4bee75f" providerId="LiveId" clId="{7B4F392D-EAB3-4CE7-903E-F84869825F47}" dt="2025-10-15T13:28:12.914" v="6411" actId="207"/>
+          <ac:chgData name="Sreejith Rajan" userId="ec11bca0e4bee75f" providerId="LiveId" clId="{7B4F392D-EAB3-4CE7-903E-F84869825F47}" dt="2025-10-17T14:03:11.813" v="5293" actId="1076"/>
           <ac:spMkLst>
             <pc:docMk/>
-            <pc:sldMk cId="1199149366" sldId="321"/>
-            <ac:spMk id="3" creationId="{FCE97B46-EEFF-03D8-9215-0097CD25C94F}"/>
+            <pc:sldMk cId="482960161" sldId="314"/>
+            <ac:spMk id="2" creationId="{9825318B-F3A1-989D-E47B-AD540653FA16}"/>
           </ac:spMkLst>
         </pc:spChg>
         <pc:spChg chg="mod">
-          <ac:chgData name="Sreejith Rajan" userId="ec11bca0e4bee75f" providerId="LiveId" clId="{7B4F392D-EAB3-4CE7-903E-F84869825F47}" dt="2025-10-13T14:26:51.078" v="5988" actId="20577"/>
+          <ac:chgData name="Sreejith Rajan" userId="ec11bca0e4bee75f" providerId="LiveId" clId="{7B4F392D-EAB3-4CE7-903E-F84869825F47}" dt="2025-10-17T14:03:00.673" v="5287" actId="1076"/>
           <ac:spMkLst>
             <pc:docMk/>
-            <pc:sldMk cId="1199149366" sldId="321"/>
-            <ac:spMk id="54" creationId="{4C836891-B76E-2C0F-A35B-C7226E1C571E}"/>
+            <pc:sldMk cId="482960161" sldId="314"/>
+            <ac:spMk id="3" creationId="{A4C0EC8C-FFFA-39B0-4E3A-CE5945EE46C6}"/>
+          </ac:spMkLst>
+        </pc:spChg>
+        <pc:graphicFrameChg chg="del">
+          <ac:chgData name="Sreejith Rajan" userId="ec11bca0e4bee75f" providerId="LiveId" clId="{7B4F392D-EAB3-4CE7-903E-F84869825F47}" dt="2025-10-17T14:01:05.270" v="5196" actId="478"/>
+          <ac:graphicFrameMkLst>
+            <pc:docMk/>
+            <pc:sldMk cId="482960161" sldId="314"/>
+            <ac:graphicFrameMk id="4" creationId="{B0BF5BED-910A-9E82-BF61-55CF987C415F}"/>
+          </ac:graphicFrameMkLst>
+        </pc:graphicFrameChg>
+        <pc:picChg chg="del">
+          <ac:chgData name="Sreejith Rajan" userId="ec11bca0e4bee75f" providerId="LiveId" clId="{7B4F392D-EAB3-4CE7-903E-F84869825F47}" dt="2025-10-17T14:01:03.440" v="5195" actId="478"/>
+          <ac:picMkLst>
+            <pc:docMk/>
+            <pc:sldMk cId="482960161" sldId="314"/>
+            <ac:picMk id="6" creationId="{BE195CE9-36B3-413A-3D1A-4FD4BAEC0B28}"/>
+          </ac:picMkLst>
+        </pc:picChg>
+      </pc:sldChg>
+      <pc:sldChg chg="addSp delSp modSp add del mod">
+        <pc:chgData name="Sreejith Rajan" userId="ec11bca0e4bee75f" providerId="LiveId" clId="{7B4F392D-EAB3-4CE7-903E-F84869825F47}" dt="2025-10-17T12:06:56.243" v="5160" actId="47"/>
+        <pc:sldMkLst>
+          <pc:docMk/>
+          <pc:sldMk cId="2989276729" sldId="314"/>
+        </pc:sldMkLst>
+        <pc:spChg chg="add">
+          <ac:chgData name="Sreejith Rajan" userId="ec11bca0e4bee75f" providerId="LiveId" clId="{7B4F392D-EAB3-4CE7-903E-F84869825F47}" dt="2025-10-17T12:04:06.534" v="5121"/>
+          <ac:spMkLst>
+            <pc:docMk/>
+            <pc:sldMk cId="2989276729" sldId="314"/>
+            <ac:spMk id="2" creationId="{5A3794F0-81F6-D89C-6E37-AEF24C849296}"/>
           </ac:spMkLst>
         </pc:spChg>
         <pc:spChg chg="mod">
-          <ac:chgData name="Sreejith Rajan" userId="ec11bca0e4bee75f" providerId="LiveId" clId="{7B4F392D-EAB3-4CE7-903E-F84869825F47}" dt="2025-10-13T14:27:54.262" v="6109" actId="20577"/>
+          <ac:chgData name="Sreejith Rajan" userId="ec11bca0e4bee75f" providerId="LiveId" clId="{7B4F392D-EAB3-4CE7-903E-F84869825F47}" dt="2025-10-17T12:03:39.729" v="5118"/>
           <ac:spMkLst>
             <pc:docMk/>
-            <pc:sldMk cId="1199149366" sldId="321"/>
-            <ac:spMk id="55" creationId="{991381E5-D72E-3B4B-7D46-6923BB552066}"/>
+            <pc:sldMk cId="2989276729" sldId="314"/>
+            <ac:spMk id="3" creationId="{E46F198B-C217-1C72-FA41-13CD0234BC26}"/>
           </ac:spMkLst>
         </pc:spChg>
+        <pc:spChg chg="add">
+          <ac:chgData name="Sreejith Rajan" userId="ec11bca0e4bee75f" providerId="LiveId" clId="{7B4F392D-EAB3-4CE7-903E-F84869825F47}" dt="2025-10-17T12:04:11.031" v="5122"/>
+          <ac:spMkLst>
+            <pc:docMk/>
+            <pc:sldMk cId="2989276729" sldId="314"/>
+            <ac:spMk id="5" creationId="{BE603E97-773D-203C-B92B-847AC2F8BFF4}"/>
+          </ac:spMkLst>
+        </pc:spChg>
+        <pc:spChg chg="add mod">
+          <ac:chgData name="Sreejith Rajan" userId="ec11bca0e4bee75f" providerId="LiveId" clId="{7B4F392D-EAB3-4CE7-903E-F84869825F47}" dt="2025-10-17T12:06:41.111" v="5159"/>
+          <ac:spMkLst>
+            <pc:docMk/>
+            <pc:sldMk cId="2989276729" sldId="314"/>
+            <ac:spMk id="7" creationId="{7A25298E-3386-A62F-A5A8-3EB375DFD3A4}"/>
+          </ac:spMkLst>
+        </pc:spChg>
+        <pc:spChg chg="add">
+          <ac:chgData name="Sreejith Rajan" userId="ec11bca0e4bee75f" providerId="LiveId" clId="{7B4F392D-EAB3-4CE7-903E-F84869825F47}" dt="2025-10-17T12:04:26.331" v="5124"/>
+          <ac:spMkLst>
+            <pc:docMk/>
+            <pc:sldMk cId="2989276729" sldId="314"/>
+            <ac:spMk id="8" creationId="{ED539ACE-82A7-462D-65AC-507265D4386F}"/>
+          </ac:spMkLst>
+        </pc:spChg>
+        <pc:spChg chg="add">
+          <ac:chgData name="Sreejith Rajan" userId="ec11bca0e4bee75f" providerId="LiveId" clId="{7B4F392D-EAB3-4CE7-903E-F84869825F47}" dt="2025-10-17T12:04:34.782" v="5132"/>
+          <ac:spMkLst>
+            <pc:docMk/>
+            <pc:sldMk cId="2989276729" sldId="314"/>
+            <ac:spMk id="9" creationId="{3D0C4044-0C74-3AF3-6DA6-687E25903630}"/>
+          </ac:spMkLst>
+        </pc:spChg>
+        <pc:spChg chg="add">
+          <ac:chgData name="Sreejith Rajan" userId="ec11bca0e4bee75f" providerId="LiveId" clId="{7B4F392D-EAB3-4CE7-903E-F84869825F47}" dt="2025-10-17T12:04:47.573" v="5133"/>
+          <ac:spMkLst>
+            <pc:docMk/>
+            <pc:sldMk cId="2989276729" sldId="314"/>
+            <ac:spMk id="10" creationId="{8F7ED367-72C0-1116-3519-F3EA84351475}"/>
+          </ac:spMkLst>
+        </pc:spChg>
+        <pc:graphicFrameChg chg="del">
+          <ac:chgData name="Sreejith Rajan" userId="ec11bca0e4bee75f" providerId="LiveId" clId="{7B4F392D-EAB3-4CE7-903E-F84869825F47}" dt="2025-10-17T12:03:44.838" v="5120" actId="478"/>
+          <ac:graphicFrameMkLst>
+            <pc:docMk/>
+            <pc:sldMk cId="2989276729" sldId="314"/>
+            <ac:graphicFrameMk id="4" creationId="{DB207E35-5B5A-B6D7-A808-D5EA15E87D35}"/>
+          </ac:graphicFrameMkLst>
+        </pc:graphicFrameChg>
+        <pc:picChg chg="del">
+          <ac:chgData name="Sreejith Rajan" userId="ec11bca0e4bee75f" providerId="LiveId" clId="{7B4F392D-EAB3-4CE7-903E-F84869825F47}" dt="2025-10-17T12:03:41.584" v="5119" actId="478"/>
+          <ac:picMkLst>
+            <pc:docMk/>
+            <pc:sldMk cId="2989276729" sldId="314"/>
+            <ac:picMk id="6" creationId="{51F5B340-CFEC-60B4-CA2E-12AF1B09FA05}"/>
+          </ac:picMkLst>
+        </pc:picChg>
       </pc:sldChg>
       <pc:sldMasterChg chg="delSldLayout">
         <pc:chgData name="Sreejith Rajan" userId="ec11bca0e4bee75f" providerId="LiveId" clId="{7B4F392D-EAB3-4CE7-903E-F84869825F47}" dt="2025-09-26T13:36:35.786" v="1820" actId="47"/>
@@ -1341,7 +1543,7 @@
         <p:cNvPr id="1" name="Shape 50">
           <a:extLst>
             <a:ext uri="{FF2B5EF4-FFF2-40B4-BE49-F238E27FC236}">
-              <a16:creationId xmlns:a16="http://schemas.microsoft.com/office/drawing/2014/main" id="{52C949A3-4050-873F-EAEC-29CCF3778FAA}"/>
+              <a16:creationId xmlns:a16="http://schemas.microsoft.com/office/drawing/2014/main" id="{33CC0674-90B6-EAEB-6338-ED422B199727}"/>
             </a:ext>
           </a:extLst>
         </p:cNvPr>
@@ -1361,7 +1563,7 @@
           <p:cNvPr id="51" name="Google Shape;51;g2ff2b50d283_0_18:notes">
             <a:extLst>
               <a:ext uri="{FF2B5EF4-FFF2-40B4-BE49-F238E27FC236}">
-                <a16:creationId xmlns:a16="http://schemas.microsoft.com/office/drawing/2014/main" id="{48B8E342-9D83-0A96-B0BF-6B69F155EA6E}"/>
+                <a16:creationId xmlns:a16="http://schemas.microsoft.com/office/drawing/2014/main" id="{355D79EB-42FF-85CA-8FFC-F2A42F043D00}"/>
               </a:ext>
             </a:extLst>
           </p:cNvPr>
@@ -1408,7 +1610,7 @@
           <p:cNvPr id="52" name="Google Shape;52;g2ff2b50d283_0_18:notes">
             <a:extLst>
               <a:ext uri="{FF2B5EF4-FFF2-40B4-BE49-F238E27FC236}">
-                <a16:creationId xmlns:a16="http://schemas.microsoft.com/office/drawing/2014/main" id="{78DABD12-CED6-19CC-19A4-D94EA466E44D}"/>
+                <a16:creationId xmlns:a16="http://schemas.microsoft.com/office/drawing/2014/main" id="{4340FE91-4FAE-F81E-4431-09BEF7A1AC82}"/>
               </a:ext>
             </a:extLst>
           </p:cNvPr>
@@ -1450,7 +1652,7 @@
     </p:spTree>
     <p:extLst>
       <p:ext uri="{BB962C8B-B14F-4D97-AF65-F5344CB8AC3E}">
-        <p14:creationId xmlns:p14="http://schemas.microsoft.com/office/powerpoint/2010/main" val="3631139686"/>
+        <p14:creationId xmlns:p14="http://schemas.microsoft.com/office/powerpoint/2010/main" val="3966629633"/>
       </p:ext>
     </p:extLst>
   </p:cSld>
@@ -1468,7 +1670,7 @@
         <p:cNvPr id="1" name="Shape 50">
           <a:extLst>
             <a:ext uri="{FF2B5EF4-FFF2-40B4-BE49-F238E27FC236}">
-              <a16:creationId xmlns:a16="http://schemas.microsoft.com/office/drawing/2014/main" id="{83FDAB03-9A7A-DEA8-9D7F-B7D716E12CAD}"/>
+              <a16:creationId xmlns:a16="http://schemas.microsoft.com/office/drawing/2014/main" id="{8E601F7B-2037-198D-C0BC-12CFD54A74FD}"/>
             </a:ext>
           </a:extLst>
         </p:cNvPr>
@@ -1488,7 +1690,7 @@
           <p:cNvPr id="51" name="Google Shape;51;g2ff2b50d283_0_18:notes">
             <a:extLst>
               <a:ext uri="{FF2B5EF4-FFF2-40B4-BE49-F238E27FC236}">
-                <a16:creationId xmlns:a16="http://schemas.microsoft.com/office/drawing/2014/main" id="{A1FDC6E6-CDCB-28E9-3380-F747407986C8}"/>
+                <a16:creationId xmlns:a16="http://schemas.microsoft.com/office/drawing/2014/main" id="{7B3CA5C5-6EE8-F0B6-6967-22DAB7E742BD}"/>
               </a:ext>
             </a:extLst>
           </p:cNvPr>
@@ -1535,7 +1737,7 @@
           <p:cNvPr id="52" name="Google Shape;52;g2ff2b50d283_0_18:notes">
             <a:extLst>
               <a:ext uri="{FF2B5EF4-FFF2-40B4-BE49-F238E27FC236}">
-                <a16:creationId xmlns:a16="http://schemas.microsoft.com/office/drawing/2014/main" id="{6DBD0479-91DF-9994-9C4F-BC75059E3558}"/>
+                <a16:creationId xmlns:a16="http://schemas.microsoft.com/office/drawing/2014/main" id="{246D1FD9-DAA5-4A9F-0B37-C67F1F0E77C3}"/>
               </a:ext>
             </a:extLst>
           </p:cNvPr>
@@ -1577,7 +1779,7 @@
     </p:spTree>
     <p:extLst>
       <p:ext uri="{BB962C8B-B14F-4D97-AF65-F5344CB8AC3E}">
-        <p14:creationId xmlns:p14="http://schemas.microsoft.com/office/powerpoint/2010/main" val="2703990241"/>
+        <p14:creationId xmlns:p14="http://schemas.microsoft.com/office/powerpoint/2010/main" val="2978172124"/>
       </p:ext>
     </p:extLst>
   </p:cSld>
@@ -1588,6 +1790,514 @@
 </file>
 
 <file path=ppt/notesSlides/notesSlide4.xml><?xml version="1.0" encoding="utf-8"?>
+<p:notes xmlns:a="http://schemas.openxmlformats.org/drawingml/2006/main" xmlns:r="http://schemas.openxmlformats.org/officeDocument/2006/relationships" xmlns:p="http://schemas.openxmlformats.org/presentationml/2006/main" showMasterSp="0" showMasterPhAnim="0">
+  <p:cSld>
+    <p:spTree>
+      <p:nvGrpSpPr>
+        <p:cNvPr id="1" name="Shape 50">
+          <a:extLst>
+            <a:ext uri="{FF2B5EF4-FFF2-40B4-BE49-F238E27FC236}">
+              <a16:creationId xmlns:a16="http://schemas.microsoft.com/office/drawing/2014/main" id="{7DF43134-B624-B10D-6AD2-D3CBB0C320FE}"/>
+            </a:ext>
+          </a:extLst>
+        </p:cNvPr>
+        <p:cNvGrpSpPr/>
+        <p:nvPr/>
+      </p:nvGrpSpPr>
+      <p:grpSpPr>
+        <a:xfrm>
+          <a:off x="0" y="0"/>
+          <a:ext cx="0" cy="0"/>
+          <a:chOff x="0" y="0"/>
+          <a:chExt cx="0" cy="0"/>
+        </a:xfrm>
+      </p:grpSpPr>
+      <p:sp>
+        <p:nvSpPr>
+          <p:cNvPr id="51" name="Google Shape;51;g2ff2b50d283_0_18:notes">
+            <a:extLst>
+              <a:ext uri="{FF2B5EF4-FFF2-40B4-BE49-F238E27FC236}">
+                <a16:creationId xmlns:a16="http://schemas.microsoft.com/office/drawing/2014/main" id="{7AB7200D-362D-620D-E5FF-605BD841B956}"/>
+              </a:ext>
+            </a:extLst>
+          </p:cNvPr>
+          <p:cNvSpPr>
+            <a:spLocks noGrp="1" noRot="1" noChangeAspect="1"/>
+          </p:cNvSpPr>
+          <p:nvPr>
+            <p:ph type="sldImg" idx="2"/>
+          </p:nvPr>
+        </p:nvSpPr>
+        <p:spPr>
+          <a:xfrm>
+            <a:off x="381000" y="685800"/>
+            <a:ext cx="6096000" cy="3429000"/>
+          </a:xfrm>
+          <a:custGeom>
+            <a:avLst/>
+            <a:gdLst/>
+            <a:ahLst/>
+            <a:cxnLst/>
+            <a:rect l="l" t="t" r="r" b="b"/>
+            <a:pathLst>
+              <a:path w="120000" h="120000" extrusionOk="0">
+                <a:moveTo>
+                  <a:pt x="0" y="0"/>
+                </a:moveTo>
+                <a:lnTo>
+                  <a:pt x="120000" y="0"/>
+                </a:lnTo>
+                <a:lnTo>
+                  <a:pt x="120000" y="120000"/>
+                </a:lnTo>
+                <a:lnTo>
+                  <a:pt x="0" y="120000"/>
+                </a:lnTo>
+                <a:close/>
+              </a:path>
+            </a:pathLst>
+          </a:custGeom>
+        </p:spPr>
+      </p:sp>
+      <p:sp>
+        <p:nvSpPr>
+          <p:cNvPr id="52" name="Google Shape;52;g2ff2b50d283_0_18:notes">
+            <a:extLst>
+              <a:ext uri="{FF2B5EF4-FFF2-40B4-BE49-F238E27FC236}">
+                <a16:creationId xmlns:a16="http://schemas.microsoft.com/office/drawing/2014/main" id="{DC573112-6607-FC33-8FB6-FC8650B0D66B}"/>
+              </a:ext>
+            </a:extLst>
+          </p:cNvPr>
+          <p:cNvSpPr txBox="1">
+            <a:spLocks noGrp="1"/>
+          </p:cNvSpPr>
+          <p:nvPr>
+            <p:ph type="body" idx="1"/>
+          </p:nvPr>
+        </p:nvSpPr>
+        <p:spPr>
+          <a:xfrm>
+            <a:off x="685800" y="4343400"/>
+            <a:ext cx="5486400" cy="4114800"/>
+          </a:xfrm>
+          <a:prstGeom prst="rect">
+            <a:avLst/>
+          </a:prstGeom>
+        </p:spPr>
+        <p:txBody>
+          <a:bodyPr spcFirstLastPara="1" wrap="square" lIns="91425" tIns="91425" rIns="91425" bIns="91425" anchor="t" anchorCtr="0">
+            <a:noAutofit/>
+          </a:bodyPr>
+          <a:lstStyle/>
+          <a:p>
+            <a:pPr marL="0" lvl="0" indent="0" algn="l" rtl="0">
+              <a:spcBef>
+                <a:spcPts val="0"/>
+              </a:spcBef>
+              <a:spcAft>
+                <a:spcPts val="0"/>
+              </a:spcAft>
+              <a:buNone/>
+            </a:pPr>
+            <a:endParaRPr/>
+          </a:p>
+        </p:txBody>
+      </p:sp>
+    </p:spTree>
+    <p:extLst>
+      <p:ext uri="{BB962C8B-B14F-4D97-AF65-F5344CB8AC3E}">
+        <p14:creationId xmlns:p14="http://schemas.microsoft.com/office/powerpoint/2010/main" val="510621035"/>
+      </p:ext>
+    </p:extLst>
+  </p:cSld>
+  <p:clrMapOvr>
+    <a:masterClrMapping/>
+  </p:clrMapOvr>
+</p:notes>
+</file>
+
+<file path=ppt/notesSlides/notesSlide5.xml><?xml version="1.0" encoding="utf-8"?>
+<p:notes xmlns:a="http://schemas.openxmlformats.org/drawingml/2006/main" xmlns:r="http://schemas.openxmlformats.org/officeDocument/2006/relationships" xmlns:p="http://schemas.openxmlformats.org/presentationml/2006/main" showMasterSp="0" showMasterPhAnim="0">
+  <p:cSld>
+    <p:spTree>
+      <p:nvGrpSpPr>
+        <p:cNvPr id="1" name="Shape 50">
+          <a:extLst>
+            <a:ext uri="{FF2B5EF4-FFF2-40B4-BE49-F238E27FC236}">
+              <a16:creationId xmlns:a16="http://schemas.microsoft.com/office/drawing/2014/main" id="{D4F8BA1B-C4F8-641D-D8C0-32CFA5F1B1D3}"/>
+            </a:ext>
+          </a:extLst>
+        </p:cNvPr>
+        <p:cNvGrpSpPr/>
+        <p:nvPr/>
+      </p:nvGrpSpPr>
+      <p:grpSpPr>
+        <a:xfrm>
+          <a:off x="0" y="0"/>
+          <a:ext cx="0" cy="0"/>
+          <a:chOff x="0" y="0"/>
+          <a:chExt cx="0" cy="0"/>
+        </a:xfrm>
+      </p:grpSpPr>
+      <p:sp>
+        <p:nvSpPr>
+          <p:cNvPr id="51" name="Google Shape;51;g2ff2b50d283_0_18:notes">
+            <a:extLst>
+              <a:ext uri="{FF2B5EF4-FFF2-40B4-BE49-F238E27FC236}">
+                <a16:creationId xmlns:a16="http://schemas.microsoft.com/office/drawing/2014/main" id="{901962AB-FC3F-8EFF-73A3-23DDCED1EAAC}"/>
+              </a:ext>
+            </a:extLst>
+          </p:cNvPr>
+          <p:cNvSpPr>
+            <a:spLocks noGrp="1" noRot="1" noChangeAspect="1"/>
+          </p:cNvSpPr>
+          <p:nvPr>
+            <p:ph type="sldImg" idx="2"/>
+          </p:nvPr>
+        </p:nvSpPr>
+        <p:spPr>
+          <a:xfrm>
+            <a:off x="381000" y="685800"/>
+            <a:ext cx="6096000" cy="3429000"/>
+          </a:xfrm>
+          <a:custGeom>
+            <a:avLst/>
+            <a:gdLst/>
+            <a:ahLst/>
+            <a:cxnLst/>
+            <a:rect l="l" t="t" r="r" b="b"/>
+            <a:pathLst>
+              <a:path w="120000" h="120000" extrusionOk="0">
+                <a:moveTo>
+                  <a:pt x="0" y="0"/>
+                </a:moveTo>
+                <a:lnTo>
+                  <a:pt x="120000" y="0"/>
+                </a:lnTo>
+                <a:lnTo>
+                  <a:pt x="120000" y="120000"/>
+                </a:lnTo>
+                <a:lnTo>
+                  <a:pt x="0" y="120000"/>
+                </a:lnTo>
+                <a:close/>
+              </a:path>
+            </a:pathLst>
+          </a:custGeom>
+        </p:spPr>
+      </p:sp>
+      <p:sp>
+        <p:nvSpPr>
+          <p:cNvPr id="52" name="Google Shape;52;g2ff2b50d283_0_18:notes">
+            <a:extLst>
+              <a:ext uri="{FF2B5EF4-FFF2-40B4-BE49-F238E27FC236}">
+                <a16:creationId xmlns:a16="http://schemas.microsoft.com/office/drawing/2014/main" id="{7BD23833-829A-A031-168D-8403DE7E5871}"/>
+              </a:ext>
+            </a:extLst>
+          </p:cNvPr>
+          <p:cNvSpPr txBox="1">
+            <a:spLocks noGrp="1"/>
+          </p:cNvSpPr>
+          <p:nvPr>
+            <p:ph type="body" idx="1"/>
+          </p:nvPr>
+        </p:nvSpPr>
+        <p:spPr>
+          <a:xfrm>
+            <a:off x="685800" y="4343400"/>
+            <a:ext cx="5486400" cy="4114800"/>
+          </a:xfrm>
+          <a:prstGeom prst="rect">
+            <a:avLst/>
+          </a:prstGeom>
+        </p:spPr>
+        <p:txBody>
+          <a:bodyPr spcFirstLastPara="1" wrap="square" lIns="91425" tIns="91425" rIns="91425" bIns="91425" anchor="t" anchorCtr="0">
+            <a:noAutofit/>
+          </a:bodyPr>
+          <a:lstStyle/>
+          <a:p>
+            <a:pPr marL="0" lvl="0" indent="0" algn="l" rtl="0">
+              <a:spcBef>
+                <a:spcPts val="0"/>
+              </a:spcBef>
+              <a:spcAft>
+                <a:spcPts val="0"/>
+              </a:spcAft>
+              <a:buNone/>
+            </a:pPr>
+            <a:endParaRPr/>
+          </a:p>
+        </p:txBody>
+      </p:sp>
+    </p:spTree>
+    <p:extLst>
+      <p:ext uri="{BB962C8B-B14F-4D97-AF65-F5344CB8AC3E}">
+        <p14:creationId xmlns:p14="http://schemas.microsoft.com/office/powerpoint/2010/main" val="2078189920"/>
+      </p:ext>
+    </p:extLst>
+  </p:cSld>
+  <p:clrMapOvr>
+    <a:masterClrMapping/>
+  </p:clrMapOvr>
+</p:notes>
+</file>
+
+<file path=ppt/notesSlides/notesSlide6.xml><?xml version="1.0" encoding="utf-8"?>
+<p:notes xmlns:a="http://schemas.openxmlformats.org/drawingml/2006/main" xmlns:r="http://schemas.openxmlformats.org/officeDocument/2006/relationships" xmlns:p="http://schemas.openxmlformats.org/presentationml/2006/main" showMasterSp="0" showMasterPhAnim="0">
+  <p:cSld>
+    <p:spTree>
+      <p:nvGrpSpPr>
+        <p:cNvPr id="1" name="Shape 50">
+          <a:extLst>
+            <a:ext uri="{FF2B5EF4-FFF2-40B4-BE49-F238E27FC236}">
+              <a16:creationId xmlns:a16="http://schemas.microsoft.com/office/drawing/2014/main" id="{0FEFF198-84FC-6AA3-06AF-495AD4F509A7}"/>
+            </a:ext>
+          </a:extLst>
+        </p:cNvPr>
+        <p:cNvGrpSpPr/>
+        <p:nvPr/>
+      </p:nvGrpSpPr>
+      <p:grpSpPr>
+        <a:xfrm>
+          <a:off x="0" y="0"/>
+          <a:ext cx="0" cy="0"/>
+          <a:chOff x="0" y="0"/>
+          <a:chExt cx="0" cy="0"/>
+        </a:xfrm>
+      </p:grpSpPr>
+      <p:sp>
+        <p:nvSpPr>
+          <p:cNvPr id="51" name="Google Shape;51;g2ff2b50d283_0_18:notes">
+            <a:extLst>
+              <a:ext uri="{FF2B5EF4-FFF2-40B4-BE49-F238E27FC236}">
+                <a16:creationId xmlns:a16="http://schemas.microsoft.com/office/drawing/2014/main" id="{0EF3E80F-4324-2100-AF37-0795EA8D7AA9}"/>
+              </a:ext>
+            </a:extLst>
+          </p:cNvPr>
+          <p:cNvSpPr>
+            <a:spLocks noGrp="1" noRot="1" noChangeAspect="1"/>
+          </p:cNvSpPr>
+          <p:nvPr>
+            <p:ph type="sldImg" idx="2"/>
+          </p:nvPr>
+        </p:nvSpPr>
+        <p:spPr>
+          <a:xfrm>
+            <a:off x="381000" y="685800"/>
+            <a:ext cx="6096000" cy="3429000"/>
+          </a:xfrm>
+          <a:custGeom>
+            <a:avLst/>
+            <a:gdLst/>
+            <a:ahLst/>
+            <a:cxnLst/>
+            <a:rect l="l" t="t" r="r" b="b"/>
+            <a:pathLst>
+              <a:path w="120000" h="120000" extrusionOk="0">
+                <a:moveTo>
+                  <a:pt x="0" y="0"/>
+                </a:moveTo>
+                <a:lnTo>
+                  <a:pt x="120000" y="0"/>
+                </a:lnTo>
+                <a:lnTo>
+                  <a:pt x="120000" y="120000"/>
+                </a:lnTo>
+                <a:lnTo>
+                  <a:pt x="0" y="120000"/>
+                </a:lnTo>
+                <a:close/>
+              </a:path>
+            </a:pathLst>
+          </a:custGeom>
+        </p:spPr>
+      </p:sp>
+      <p:sp>
+        <p:nvSpPr>
+          <p:cNvPr id="52" name="Google Shape;52;g2ff2b50d283_0_18:notes">
+            <a:extLst>
+              <a:ext uri="{FF2B5EF4-FFF2-40B4-BE49-F238E27FC236}">
+                <a16:creationId xmlns:a16="http://schemas.microsoft.com/office/drawing/2014/main" id="{C5C7B9DD-B8ED-7B79-D60F-8F4B9EF76C0F}"/>
+              </a:ext>
+            </a:extLst>
+          </p:cNvPr>
+          <p:cNvSpPr txBox="1">
+            <a:spLocks noGrp="1"/>
+          </p:cNvSpPr>
+          <p:nvPr>
+            <p:ph type="body" idx="1"/>
+          </p:nvPr>
+        </p:nvSpPr>
+        <p:spPr>
+          <a:xfrm>
+            <a:off x="685800" y="4343400"/>
+            <a:ext cx="5486400" cy="4114800"/>
+          </a:xfrm>
+          <a:prstGeom prst="rect">
+            <a:avLst/>
+          </a:prstGeom>
+        </p:spPr>
+        <p:txBody>
+          <a:bodyPr spcFirstLastPara="1" wrap="square" lIns="91425" tIns="91425" rIns="91425" bIns="91425" anchor="t" anchorCtr="0">
+            <a:noAutofit/>
+          </a:bodyPr>
+          <a:lstStyle/>
+          <a:p>
+            <a:pPr marL="0" lvl="0" indent="0" algn="l" rtl="0">
+              <a:spcBef>
+                <a:spcPts val="0"/>
+              </a:spcBef>
+              <a:spcAft>
+                <a:spcPts val="0"/>
+              </a:spcAft>
+              <a:buNone/>
+            </a:pPr>
+            <a:endParaRPr/>
+          </a:p>
+        </p:txBody>
+      </p:sp>
+    </p:spTree>
+    <p:extLst>
+      <p:ext uri="{BB962C8B-B14F-4D97-AF65-F5344CB8AC3E}">
+        <p14:creationId xmlns:p14="http://schemas.microsoft.com/office/powerpoint/2010/main" val="1975241586"/>
+      </p:ext>
+    </p:extLst>
+  </p:cSld>
+  <p:clrMapOvr>
+    <a:masterClrMapping/>
+  </p:clrMapOvr>
+</p:notes>
+</file>
+
+<file path=ppt/notesSlides/notesSlide7.xml><?xml version="1.0" encoding="utf-8"?>
+<p:notes xmlns:a="http://schemas.openxmlformats.org/drawingml/2006/main" xmlns:r="http://schemas.openxmlformats.org/officeDocument/2006/relationships" xmlns:p="http://schemas.openxmlformats.org/presentationml/2006/main" showMasterSp="0" showMasterPhAnim="0">
+  <p:cSld>
+    <p:spTree>
+      <p:nvGrpSpPr>
+        <p:cNvPr id="1" name="Shape 50">
+          <a:extLst>
+            <a:ext uri="{FF2B5EF4-FFF2-40B4-BE49-F238E27FC236}">
+              <a16:creationId xmlns:a16="http://schemas.microsoft.com/office/drawing/2014/main" id="{8A3C102B-E2EC-AEEF-09C3-D658D547CF2B}"/>
+            </a:ext>
+          </a:extLst>
+        </p:cNvPr>
+        <p:cNvGrpSpPr/>
+        <p:nvPr/>
+      </p:nvGrpSpPr>
+      <p:grpSpPr>
+        <a:xfrm>
+          <a:off x="0" y="0"/>
+          <a:ext cx="0" cy="0"/>
+          <a:chOff x="0" y="0"/>
+          <a:chExt cx="0" cy="0"/>
+        </a:xfrm>
+      </p:grpSpPr>
+      <p:sp>
+        <p:nvSpPr>
+          <p:cNvPr id="51" name="Google Shape;51;g2ff2b50d283_0_18:notes">
+            <a:extLst>
+              <a:ext uri="{FF2B5EF4-FFF2-40B4-BE49-F238E27FC236}">
+                <a16:creationId xmlns:a16="http://schemas.microsoft.com/office/drawing/2014/main" id="{E381116E-61D6-0E72-B412-2FD6083201D6}"/>
+              </a:ext>
+            </a:extLst>
+          </p:cNvPr>
+          <p:cNvSpPr>
+            <a:spLocks noGrp="1" noRot="1" noChangeAspect="1"/>
+          </p:cNvSpPr>
+          <p:nvPr>
+            <p:ph type="sldImg" idx="2"/>
+          </p:nvPr>
+        </p:nvSpPr>
+        <p:spPr>
+          <a:xfrm>
+            <a:off x="381000" y="685800"/>
+            <a:ext cx="6096000" cy="3429000"/>
+          </a:xfrm>
+          <a:custGeom>
+            <a:avLst/>
+            <a:gdLst/>
+            <a:ahLst/>
+            <a:cxnLst/>
+            <a:rect l="l" t="t" r="r" b="b"/>
+            <a:pathLst>
+              <a:path w="120000" h="120000" extrusionOk="0">
+                <a:moveTo>
+                  <a:pt x="0" y="0"/>
+                </a:moveTo>
+                <a:lnTo>
+                  <a:pt x="120000" y="0"/>
+                </a:lnTo>
+                <a:lnTo>
+                  <a:pt x="120000" y="120000"/>
+                </a:lnTo>
+                <a:lnTo>
+                  <a:pt x="0" y="120000"/>
+                </a:lnTo>
+                <a:close/>
+              </a:path>
+            </a:pathLst>
+          </a:custGeom>
+        </p:spPr>
+      </p:sp>
+      <p:sp>
+        <p:nvSpPr>
+          <p:cNvPr id="52" name="Google Shape;52;g2ff2b50d283_0_18:notes">
+            <a:extLst>
+              <a:ext uri="{FF2B5EF4-FFF2-40B4-BE49-F238E27FC236}">
+                <a16:creationId xmlns:a16="http://schemas.microsoft.com/office/drawing/2014/main" id="{6A227C68-5B89-9262-979D-B40687183AE6}"/>
+              </a:ext>
+            </a:extLst>
+          </p:cNvPr>
+          <p:cNvSpPr txBox="1">
+            <a:spLocks noGrp="1"/>
+          </p:cNvSpPr>
+          <p:nvPr>
+            <p:ph type="body" idx="1"/>
+          </p:nvPr>
+        </p:nvSpPr>
+        <p:spPr>
+          <a:xfrm>
+            <a:off x="685800" y="4343400"/>
+            <a:ext cx="5486400" cy="4114800"/>
+          </a:xfrm>
+          <a:prstGeom prst="rect">
+            <a:avLst/>
+          </a:prstGeom>
+        </p:spPr>
+        <p:txBody>
+          <a:bodyPr spcFirstLastPara="1" wrap="square" lIns="91425" tIns="91425" rIns="91425" bIns="91425" anchor="t" anchorCtr="0">
+            <a:noAutofit/>
+          </a:bodyPr>
+          <a:lstStyle/>
+          <a:p>
+            <a:pPr marL="0" lvl="0" indent="0" algn="l" rtl="0">
+              <a:spcBef>
+                <a:spcPts val="0"/>
+              </a:spcBef>
+              <a:spcAft>
+                <a:spcPts val="0"/>
+              </a:spcAft>
+              <a:buNone/>
+            </a:pPr>
+            <a:endParaRPr/>
+          </a:p>
+        </p:txBody>
+      </p:sp>
+    </p:spTree>
+    <p:extLst>
+      <p:ext uri="{BB962C8B-B14F-4D97-AF65-F5344CB8AC3E}">
+        <p14:creationId xmlns:p14="http://schemas.microsoft.com/office/powerpoint/2010/main" val="1127146547"/>
+      </p:ext>
+    </p:extLst>
+  </p:cSld>
+  <p:clrMapOvr>
+    <a:masterClrMapping/>
+  </p:clrMapOvr>
+</p:notes>
+</file>
+
+<file path=ppt/notesSlides/notesSlide8.xml><?xml version="1.0" encoding="utf-8"?>
 <p:notes xmlns:a="http://schemas.openxmlformats.org/drawingml/2006/main" xmlns:r="http://schemas.openxmlformats.org/officeDocument/2006/relationships" xmlns:p="http://schemas.openxmlformats.org/presentationml/2006/main" showMasterSp="0" showMasterPhAnim="0">
   <p:cSld>
     <p:spTree>
@@ -4340,22 +5050,14 @@
         </p:spPr>
         <p:txBody>
           <a:bodyPr spcFirstLastPara="1" wrap="square" lIns="91425" tIns="91425" rIns="91425" bIns="91425" anchor="b" anchorCtr="0">
-            <a:normAutofit/>
+            <a:normAutofit fontScale="90000"/>
           </a:bodyPr>
           <a:lstStyle/>
           <a:p>
-            <a:pPr marL="0" lvl="0" indent="0" algn="ctr" rtl="0">
-              <a:spcBef>
-                <a:spcPts val="0"/>
-              </a:spcBef>
-              <a:spcAft>
-                <a:spcPts val="0"/>
-              </a:spcAft>
-              <a:buNone/>
-            </a:pPr>
+            <a:pPr lvl="0"/>
             <a:r>
-              <a:rPr lang="en" dirty="0"/>
-              <a:t>LM 35 Temperature Sensor -ADC</a:t>
+              <a:rPr lang="en-US" dirty="0"/>
+              <a:t>Universal Synchronous and Asynchronous Receiver and Transmitter - USART</a:t>
             </a:r>
             <a:endParaRPr dirty="0"/>
           </a:p>
@@ -4411,15 +5113,1214 @@
 </p:sld>
 </file>
 
-<file path=ppt/slides/slide2.xml><?xml version="1.0" encoding="utf-8"?>
+<file path=ppt/slides/slide10.xml><?xml version="1.0" encoding="utf-8"?>
 <p:sld xmlns:a="http://schemas.openxmlformats.org/drawingml/2006/main" xmlns:r="http://schemas.openxmlformats.org/officeDocument/2006/relationships" xmlns:p="http://schemas.openxmlformats.org/presentationml/2006/main">
   <p:cSld>
     <p:spTree>
       <p:nvGrpSpPr>
-        <p:cNvPr id="1" name="Shape 53">
+        <p:cNvPr id="1" name=""/>
+        <p:cNvGrpSpPr/>
+        <p:nvPr/>
+      </p:nvGrpSpPr>
+      <p:grpSpPr>
+        <a:xfrm>
+          <a:off x="0" y="0"/>
+          <a:ext cx="0" cy="0"/>
+          <a:chOff x="0" y="0"/>
+          <a:chExt cx="0" cy="0"/>
+        </a:xfrm>
+      </p:grpSpPr>
+      <p:sp>
+        <p:nvSpPr>
+          <p:cNvPr id="3" name="Title 2">
+            <a:extLst>
+              <a:ext uri="{FF2B5EF4-FFF2-40B4-BE49-F238E27FC236}">
+                <a16:creationId xmlns:a16="http://schemas.microsoft.com/office/drawing/2014/main" id="{8FEA6191-CF3F-E334-EAE0-F39E153FF31A}"/>
+              </a:ext>
+            </a:extLst>
+          </p:cNvPr>
+          <p:cNvSpPr>
+            <a:spLocks noGrp="1"/>
+          </p:cNvSpPr>
+          <p:nvPr>
+            <p:ph type="title"/>
+          </p:nvPr>
+        </p:nvSpPr>
+        <p:spPr>
+          <a:xfrm>
+            <a:off x="2762644" y="154599"/>
+            <a:ext cx="5905500" cy="572700"/>
+          </a:xfrm>
+        </p:spPr>
+        <p:txBody>
+          <a:bodyPr>
+            <a:normAutofit fontScale="90000"/>
+          </a:bodyPr>
+          <a:lstStyle/>
+          <a:p>
+            <a:r>
+              <a:rPr lang="en-US" dirty="0"/>
+              <a:t>UCSR0C – Control and Status Register C</a:t>
+            </a:r>
+            <a:endParaRPr lang="en-IN" dirty="0"/>
+          </a:p>
+        </p:txBody>
+      </p:sp>
+      <p:graphicFrame>
+        <p:nvGraphicFramePr>
+          <p:cNvPr id="4" name="Table 3">
+            <a:extLst>
+              <a:ext uri="{FF2B5EF4-FFF2-40B4-BE49-F238E27FC236}">
+                <a16:creationId xmlns:a16="http://schemas.microsoft.com/office/drawing/2014/main" id="{9C4FB3FD-2104-5D17-2624-FAC359784385}"/>
+              </a:ext>
+            </a:extLst>
+          </p:cNvPr>
+          <p:cNvGraphicFramePr>
+            <a:graphicFrameLocks noGrp="1"/>
+          </p:cNvGraphicFramePr>
+          <p:nvPr>
+            <p:extLst>
+              <p:ext uri="{D42A27DB-BD31-4B8C-83A1-F6EECF244321}">
+                <p14:modId xmlns:p14="http://schemas.microsoft.com/office/powerpoint/2010/main" val="1743155126"/>
+              </p:ext>
+            </p:extLst>
+          </p:nvPr>
+        </p:nvGraphicFramePr>
+        <p:xfrm>
+          <a:off x="2551357" y="1667167"/>
+          <a:ext cx="6328074" cy="3416298"/>
+        </p:xfrm>
+        <a:graphic>
+          <a:graphicData uri="http://schemas.openxmlformats.org/drawingml/2006/table">
+            <a:tbl>
+              <a:tblPr/>
+              <a:tblGrid>
+                <a:gridCol w="649043">
+                  <a:extLst>
+                    <a:ext uri="{9D8B030D-6E8A-4147-A177-3AD203B41FA5}">
+                      <a16:colId xmlns:a16="http://schemas.microsoft.com/office/drawing/2014/main" val="2615397665"/>
+                    </a:ext>
+                  </a:extLst>
+                </a:gridCol>
+                <a:gridCol w="1352281">
+                  <a:extLst>
+                    <a:ext uri="{9D8B030D-6E8A-4147-A177-3AD203B41FA5}">
+                      <a16:colId xmlns:a16="http://schemas.microsoft.com/office/drawing/2014/main" val="1935093281"/>
+                    </a:ext>
+                  </a:extLst>
+                </a:gridCol>
+                <a:gridCol w="4326750">
+                  <a:extLst>
+                    <a:ext uri="{9D8B030D-6E8A-4147-A177-3AD203B41FA5}">
+                      <a16:colId xmlns:a16="http://schemas.microsoft.com/office/drawing/2014/main" val="1583163206"/>
+                    </a:ext>
+                  </a:extLst>
+                </a:gridCol>
+              </a:tblGrid>
+              <a:tr h="262792">
+                <a:tc>
+                  <a:txBody>
+                    <a:bodyPr/>
+                    <a:lstStyle/>
+                    <a:p>
+                      <a:pPr algn="ctr">
+                        <a:buNone/>
+                      </a:pPr>
+                      <a:r>
+                        <a:rPr lang="en-IN" sz="1200">
+                          <a:solidFill>
+                            <a:schemeClr val="accent1"/>
+                          </a:solidFill>
+                        </a:rPr>
+                        <a:t>Bits</a:t>
+                      </a:r>
+                    </a:p>
+                  </a:txBody>
+                  <a:tcPr marL="78838" marR="78838" marT="39419" marB="39419" anchor="ctr">
+                    <a:lnL w="12700" cap="flat" cmpd="sng" algn="ctr">
+                      <a:solidFill>
+                        <a:schemeClr val="tx1"/>
+                      </a:solidFill>
+                      <a:prstDash val="solid"/>
+                      <a:round/>
+                      <a:headEnd type="none" w="med" len="med"/>
+                      <a:tailEnd type="none" w="med" len="med"/>
+                    </a:lnL>
+                    <a:lnR w="12700" cap="flat" cmpd="sng" algn="ctr">
+                      <a:solidFill>
+                        <a:schemeClr val="tx1"/>
+                      </a:solidFill>
+                      <a:prstDash val="solid"/>
+                      <a:round/>
+                      <a:headEnd type="none" w="med" len="med"/>
+                      <a:tailEnd type="none" w="med" len="med"/>
+                    </a:lnR>
+                    <a:lnT w="12700" cap="flat" cmpd="sng" algn="ctr">
+                      <a:solidFill>
+                        <a:schemeClr val="tx1"/>
+                      </a:solidFill>
+                      <a:prstDash val="solid"/>
+                      <a:round/>
+                      <a:headEnd type="none" w="med" len="med"/>
+                      <a:tailEnd type="none" w="med" len="med"/>
+                    </a:lnT>
+                    <a:lnB w="12700" cap="flat" cmpd="sng" algn="ctr">
+                      <a:solidFill>
+                        <a:schemeClr val="tx1"/>
+                      </a:solidFill>
+                      <a:prstDash val="solid"/>
+                      <a:round/>
+                      <a:headEnd type="none" w="med" len="med"/>
+                      <a:tailEnd type="none" w="med" len="med"/>
+                    </a:lnB>
+                    <a:noFill/>
+                  </a:tcPr>
+                </a:tc>
+                <a:tc>
+                  <a:txBody>
+                    <a:bodyPr/>
+                    <a:lstStyle/>
+                    <a:p>
+                      <a:pPr algn="ctr">
+                        <a:buNone/>
+                      </a:pPr>
+                      <a:r>
+                        <a:rPr lang="en-IN" sz="1200">
+                          <a:solidFill>
+                            <a:schemeClr val="accent1"/>
+                          </a:solidFill>
+                        </a:rPr>
+                        <a:t>Name</a:t>
+                      </a:r>
+                    </a:p>
+                  </a:txBody>
+                  <a:tcPr marL="78838" marR="78838" marT="39419" marB="39419" anchor="ctr">
+                    <a:lnL w="12700" cap="flat" cmpd="sng" algn="ctr">
+                      <a:solidFill>
+                        <a:schemeClr val="tx1"/>
+                      </a:solidFill>
+                      <a:prstDash val="solid"/>
+                      <a:round/>
+                      <a:headEnd type="none" w="med" len="med"/>
+                      <a:tailEnd type="none" w="med" len="med"/>
+                    </a:lnL>
+                    <a:lnR w="12700" cap="flat" cmpd="sng" algn="ctr">
+                      <a:solidFill>
+                        <a:schemeClr val="tx1"/>
+                      </a:solidFill>
+                      <a:prstDash val="solid"/>
+                      <a:round/>
+                      <a:headEnd type="none" w="med" len="med"/>
+                      <a:tailEnd type="none" w="med" len="med"/>
+                    </a:lnR>
+                    <a:lnT w="12700" cap="flat" cmpd="sng" algn="ctr">
+                      <a:solidFill>
+                        <a:schemeClr val="tx1"/>
+                      </a:solidFill>
+                      <a:prstDash val="solid"/>
+                      <a:round/>
+                      <a:headEnd type="none" w="med" len="med"/>
+                      <a:tailEnd type="none" w="med" len="med"/>
+                    </a:lnT>
+                    <a:lnB w="12700" cap="flat" cmpd="sng" algn="ctr">
+                      <a:solidFill>
+                        <a:schemeClr val="tx1"/>
+                      </a:solidFill>
+                      <a:prstDash val="solid"/>
+                      <a:round/>
+                      <a:headEnd type="none" w="med" len="med"/>
+                      <a:tailEnd type="none" w="med" len="med"/>
+                    </a:lnB>
+                    <a:noFill/>
+                  </a:tcPr>
+                </a:tc>
+                <a:tc>
+                  <a:txBody>
+                    <a:bodyPr/>
+                    <a:lstStyle/>
+                    <a:p>
+                      <a:pPr algn="ctr">
+                        <a:buNone/>
+                      </a:pPr>
+                      <a:r>
+                        <a:rPr lang="en-IN" sz="1200" dirty="0">
+                          <a:solidFill>
+                            <a:schemeClr val="accent1"/>
+                          </a:solidFill>
+                        </a:rPr>
+                        <a:t>Description</a:t>
+                      </a:r>
+                    </a:p>
+                  </a:txBody>
+                  <a:tcPr marL="78838" marR="78838" marT="39419" marB="39419" anchor="ctr">
+                    <a:lnL w="12700" cap="flat" cmpd="sng" algn="ctr">
+                      <a:solidFill>
+                        <a:schemeClr val="tx1"/>
+                      </a:solidFill>
+                      <a:prstDash val="solid"/>
+                      <a:round/>
+                      <a:headEnd type="none" w="med" len="med"/>
+                      <a:tailEnd type="none" w="med" len="med"/>
+                    </a:lnL>
+                    <a:lnR w="12700" cap="flat" cmpd="sng" algn="ctr">
+                      <a:solidFill>
+                        <a:schemeClr val="tx1"/>
+                      </a:solidFill>
+                      <a:prstDash val="solid"/>
+                      <a:round/>
+                      <a:headEnd type="none" w="med" len="med"/>
+                      <a:tailEnd type="none" w="med" len="med"/>
+                    </a:lnR>
+                    <a:lnT w="12700" cap="flat" cmpd="sng" algn="ctr">
+                      <a:solidFill>
+                        <a:schemeClr val="tx1"/>
+                      </a:solidFill>
+                      <a:prstDash val="solid"/>
+                      <a:round/>
+                      <a:headEnd type="none" w="med" len="med"/>
+                      <a:tailEnd type="none" w="med" len="med"/>
+                    </a:lnT>
+                    <a:lnB w="12700" cap="flat" cmpd="sng" algn="ctr">
+                      <a:solidFill>
+                        <a:schemeClr val="tx1"/>
+                      </a:solidFill>
+                      <a:prstDash val="solid"/>
+                      <a:round/>
+                      <a:headEnd type="none" w="med" len="med"/>
+                      <a:tailEnd type="none" w="med" len="med"/>
+                    </a:lnB>
+                    <a:noFill/>
+                  </a:tcPr>
+                </a:tc>
+                <a:extLst>
+                  <a:ext uri="{0D108BD9-81ED-4DB2-BD59-A6C34878D82A}">
+                    <a16:rowId xmlns:a16="http://schemas.microsoft.com/office/drawing/2014/main" val="1258396130"/>
+                  </a:ext>
+                </a:extLst>
+              </a:tr>
+              <a:tr h="814656">
+                <a:tc>
+                  <a:txBody>
+                    <a:bodyPr/>
+                    <a:lstStyle/>
+                    <a:p>
+                      <a:pPr>
+                        <a:buNone/>
+                      </a:pPr>
+                      <a:r>
+                        <a:rPr lang="en-IN" sz="1200"/>
+                        <a:t>7:6</a:t>
+                      </a:r>
+                    </a:p>
+                  </a:txBody>
+                  <a:tcPr marL="78838" marR="78838" marT="39419" marB="39419" anchor="ctr">
+                    <a:lnL w="12700" cap="flat" cmpd="sng" algn="ctr">
+                      <a:solidFill>
+                        <a:schemeClr val="tx1"/>
+                      </a:solidFill>
+                      <a:prstDash val="solid"/>
+                      <a:round/>
+                      <a:headEnd type="none" w="med" len="med"/>
+                      <a:tailEnd type="none" w="med" len="med"/>
+                    </a:lnL>
+                    <a:lnR w="12700" cap="flat" cmpd="sng" algn="ctr">
+                      <a:solidFill>
+                        <a:schemeClr val="tx1"/>
+                      </a:solidFill>
+                      <a:prstDash val="solid"/>
+                      <a:round/>
+                      <a:headEnd type="none" w="med" len="med"/>
+                      <a:tailEnd type="none" w="med" len="med"/>
+                    </a:lnR>
+                    <a:lnT w="12700" cap="flat" cmpd="sng" algn="ctr">
+                      <a:solidFill>
+                        <a:schemeClr val="tx1"/>
+                      </a:solidFill>
+                      <a:prstDash val="solid"/>
+                      <a:round/>
+                      <a:headEnd type="none" w="med" len="med"/>
+                      <a:tailEnd type="none" w="med" len="med"/>
+                    </a:lnT>
+                    <a:lnB w="12700" cap="flat" cmpd="sng" algn="ctr">
+                      <a:solidFill>
+                        <a:schemeClr val="tx1"/>
+                      </a:solidFill>
+                      <a:prstDash val="solid"/>
+                      <a:round/>
+                      <a:headEnd type="none" w="med" len="med"/>
+                      <a:tailEnd type="none" w="med" len="med"/>
+                    </a:lnB>
+                    <a:noFill/>
+                  </a:tcPr>
+                </a:tc>
+                <a:tc>
+                  <a:txBody>
+                    <a:bodyPr/>
+                    <a:lstStyle/>
+                    <a:p>
+                      <a:pPr>
+                        <a:buNone/>
+                      </a:pPr>
+                      <a:r>
+                        <a:rPr lang="en-IN" sz="1200" b="1"/>
+                        <a:t>UMSEL01:0</a:t>
+                      </a:r>
+                      <a:endParaRPr lang="en-IN" sz="1200"/>
+                    </a:p>
+                  </a:txBody>
+                  <a:tcPr marL="78838" marR="78838" marT="39419" marB="39419" anchor="ctr">
+                    <a:lnL w="12700" cap="flat" cmpd="sng" algn="ctr">
+                      <a:solidFill>
+                        <a:schemeClr val="tx1"/>
+                      </a:solidFill>
+                      <a:prstDash val="solid"/>
+                      <a:round/>
+                      <a:headEnd type="none" w="med" len="med"/>
+                      <a:tailEnd type="none" w="med" len="med"/>
+                    </a:lnL>
+                    <a:lnR w="12700" cap="flat" cmpd="sng" algn="ctr">
+                      <a:solidFill>
+                        <a:schemeClr val="tx1"/>
+                      </a:solidFill>
+                      <a:prstDash val="solid"/>
+                      <a:round/>
+                      <a:headEnd type="none" w="med" len="med"/>
+                      <a:tailEnd type="none" w="med" len="med"/>
+                    </a:lnR>
+                    <a:lnT w="12700" cap="flat" cmpd="sng" algn="ctr">
+                      <a:solidFill>
+                        <a:schemeClr val="tx1"/>
+                      </a:solidFill>
+                      <a:prstDash val="solid"/>
+                      <a:round/>
+                      <a:headEnd type="none" w="med" len="med"/>
+                      <a:tailEnd type="none" w="med" len="med"/>
+                    </a:lnT>
+                    <a:lnB w="12700" cap="flat" cmpd="sng" algn="ctr">
+                      <a:solidFill>
+                        <a:schemeClr val="tx1"/>
+                      </a:solidFill>
+                      <a:prstDash val="solid"/>
+                      <a:round/>
+                      <a:headEnd type="none" w="med" len="med"/>
+                      <a:tailEnd type="none" w="med" len="med"/>
+                    </a:lnB>
+                    <a:noFill/>
+                  </a:tcPr>
+                </a:tc>
+                <a:tc>
+                  <a:txBody>
+                    <a:bodyPr/>
+                    <a:lstStyle/>
+                    <a:p>
+                      <a:pPr>
+                        <a:buNone/>
+                      </a:pPr>
+                      <a:r>
+                        <a:rPr lang="fr-FR" sz="1200" dirty="0"/>
+                        <a:t>Mode select (00 = </a:t>
+                      </a:r>
+                      <a:r>
+                        <a:rPr lang="fr-FR" sz="1200" dirty="0" err="1"/>
+                        <a:t>Asynchronous</a:t>
+                      </a:r>
+                      <a:r>
+                        <a:rPr lang="fr-FR" sz="1200" dirty="0"/>
+                        <a:t>, 01 = </a:t>
+                      </a:r>
+                      <a:r>
+                        <a:rPr lang="fr-FR" sz="1200" dirty="0" err="1"/>
+                        <a:t>Synchronous</a:t>
+                      </a:r>
+                      <a:r>
+                        <a:rPr lang="fr-FR" sz="1200" dirty="0"/>
+                        <a:t>, 10 = SPI Master)</a:t>
+                      </a:r>
+                    </a:p>
+                  </a:txBody>
+                  <a:tcPr marL="78838" marR="78838" marT="39419" marB="39419" anchor="ctr">
+                    <a:lnL w="12700" cap="flat" cmpd="sng" algn="ctr">
+                      <a:solidFill>
+                        <a:schemeClr val="tx1"/>
+                      </a:solidFill>
+                      <a:prstDash val="solid"/>
+                      <a:round/>
+                      <a:headEnd type="none" w="med" len="med"/>
+                      <a:tailEnd type="none" w="med" len="med"/>
+                    </a:lnL>
+                    <a:lnR w="12700" cap="flat" cmpd="sng" algn="ctr">
+                      <a:solidFill>
+                        <a:schemeClr val="tx1"/>
+                      </a:solidFill>
+                      <a:prstDash val="solid"/>
+                      <a:round/>
+                      <a:headEnd type="none" w="med" len="med"/>
+                      <a:tailEnd type="none" w="med" len="med"/>
+                    </a:lnR>
+                    <a:lnT w="12700" cap="flat" cmpd="sng" algn="ctr">
+                      <a:solidFill>
+                        <a:schemeClr val="tx1"/>
+                      </a:solidFill>
+                      <a:prstDash val="solid"/>
+                      <a:round/>
+                      <a:headEnd type="none" w="med" len="med"/>
+                      <a:tailEnd type="none" w="med" len="med"/>
+                    </a:lnT>
+                    <a:lnB w="12700" cap="flat" cmpd="sng" algn="ctr">
+                      <a:solidFill>
+                        <a:schemeClr val="tx1"/>
+                      </a:solidFill>
+                      <a:prstDash val="solid"/>
+                      <a:round/>
+                      <a:headEnd type="none" w="med" len="med"/>
+                      <a:tailEnd type="none" w="med" len="med"/>
+                    </a:lnB>
+                    <a:noFill/>
+                  </a:tcPr>
+                </a:tc>
+                <a:extLst>
+                  <a:ext uri="{0D108BD9-81ED-4DB2-BD59-A6C34878D82A}">
+                    <a16:rowId xmlns:a16="http://schemas.microsoft.com/office/drawing/2014/main" val="3083788173"/>
+                  </a:ext>
+                </a:extLst>
+              </a:tr>
+              <a:tr h="630701">
+                <a:tc>
+                  <a:txBody>
+                    <a:bodyPr/>
+                    <a:lstStyle/>
+                    <a:p>
+                      <a:pPr>
+                        <a:buNone/>
+                      </a:pPr>
+                      <a:r>
+                        <a:rPr lang="en-IN" sz="1200" dirty="0"/>
+                        <a:t>5:4</a:t>
+                      </a:r>
+                    </a:p>
+                  </a:txBody>
+                  <a:tcPr marL="78838" marR="78838" marT="39419" marB="39419" anchor="ctr">
+                    <a:lnL w="12700" cap="flat" cmpd="sng" algn="ctr">
+                      <a:solidFill>
+                        <a:schemeClr val="tx1"/>
+                      </a:solidFill>
+                      <a:prstDash val="solid"/>
+                      <a:round/>
+                      <a:headEnd type="none" w="med" len="med"/>
+                      <a:tailEnd type="none" w="med" len="med"/>
+                    </a:lnL>
+                    <a:lnR w="12700" cap="flat" cmpd="sng" algn="ctr">
+                      <a:solidFill>
+                        <a:schemeClr val="tx1"/>
+                      </a:solidFill>
+                      <a:prstDash val="solid"/>
+                      <a:round/>
+                      <a:headEnd type="none" w="med" len="med"/>
+                      <a:tailEnd type="none" w="med" len="med"/>
+                    </a:lnR>
+                    <a:lnT w="12700" cap="flat" cmpd="sng" algn="ctr">
+                      <a:solidFill>
+                        <a:schemeClr val="tx1"/>
+                      </a:solidFill>
+                      <a:prstDash val="solid"/>
+                      <a:round/>
+                      <a:headEnd type="none" w="med" len="med"/>
+                      <a:tailEnd type="none" w="med" len="med"/>
+                    </a:lnT>
+                    <a:lnB w="12700" cap="flat" cmpd="sng" algn="ctr">
+                      <a:solidFill>
+                        <a:schemeClr val="tx1"/>
+                      </a:solidFill>
+                      <a:prstDash val="solid"/>
+                      <a:round/>
+                      <a:headEnd type="none" w="med" len="med"/>
+                      <a:tailEnd type="none" w="med" len="med"/>
+                    </a:lnB>
+                    <a:noFill/>
+                  </a:tcPr>
+                </a:tc>
+                <a:tc>
+                  <a:txBody>
+                    <a:bodyPr/>
+                    <a:lstStyle/>
+                    <a:p>
+                      <a:pPr>
+                        <a:buNone/>
+                      </a:pPr>
+                      <a:r>
+                        <a:rPr lang="en-IN" sz="1200" b="1"/>
+                        <a:t>UPM01:0</a:t>
+                      </a:r>
+                      <a:endParaRPr lang="en-IN" sz="1200"/>
+                    </a:p>
+                  </a:txBody>
+                  <a:tcPr marL="78838" marR="78838" marT="39419" marB="39419" anchor="ctr">
+                    <a:lnL w="12700" cap="flat" cmpd="sng" algn="ctr">
+                      <a:solidFill>
+                        <a:schemeClr val="tx1"/>
+                      </a:solidFill>
+                      <a:prstDash val="solid"/>
+                      <a:round/>
+                      <a:headEnd type="none" w="med" len="med"/>
+                      <a:tailEnd type="none" w="med" len="med"/>
+                    </a:lnL>
+                    <a:lnR w="12700" cap="flat" cmpd="sng" algn="ctr">
+                      <a:solidFill>
+                        <a:schemeClr val="tx1"/>
+                      </a:solidFill>
+                      <a:prstDash val="solid"/>
+                      <a:round/>
+                      <a:headEnd type="none" w="med" len="med"/>
+                      <a:tailEnd type="none" w="med" len="med"/>
+                    </a:lnR>
+                    <a:lnT w="12700" cap="flat" cmpd="sng" algn="ctr">
+                      <a:solidFill>
+                        <a:schemeClr val="tx1"/>
+                      </a:solidFill>
+                      <a:prstDash val="solid"/>
+                      <a:round/>
+                      <a:headEnd type="none" w="med" len="med"/>
+                      <a:tailEnd type="none" w="med" len="med"/>
+                    </a:lnT>
+                    <a:lnB w="12700" cap="flat" cmpd="sng" algn="ctr">
+                      <a:solidFill>
+                        <a:schemeClr val="tx1"/>
+                      </a:solidFill>
+                      <a:prstDash val="solid"/>
+                      <a:round/>
+                      <a:headEnd type="none" w="med" len="med"/>
+                      <a:tailEnd type="none" w="med" len="med"/>
+                    </a:lnB>
+                    <a:noFill/>
+                  </a:tcPr>
+                </a:tc>
+                <a:tc>
+                  <a:txBody>
+                    <a:bodyPr/>
+                    <a:lstStyle/>
+                    <a:p>
+                      <a:pPr>
+                        <a:buNone/>
+                      </a:pPr>
+                      <a:r>
+                        <a:rPr lang="en-US" sz="1200" dirty="0"/>
+                        <a:t>Parity mode (00 = None, 10 = Even, 11 = Odd)</a:t>
+                      </a:r>
+                    </a:p>
+                  </a:txBody>
+                  <a:tcPr marL="78838" marR="78838" marT="39419" marB="39419" anchor="ctr">
+                    <a:lnL w="12700" cap="flat" cmpd="sng" algn="ctr">
+                      <a:solidFill>
+                        <a:schemeClr val="tx1"/>
+                      </a:solidFill>
+                      <a:prstDash val="solid"/>
+                      <a:round/>
+                      <a:headEnd type="none" w="med" len="med"/>
+                      <a:tailEnd type="none" w="med" len="med"/>
+                    </a:lnL>
+                    <a:lnR w="12700" cap="flat" cmpd="sng" algn="ctr">
+                      <a:solidFill>
+                        <a:schemeClr val="tx1"/>
+                      </a:solidFill>
+                      <a:prstDash val="solid"/>
+                      <a:round/>
+                      <a:headEnd type="none" w="med" len="med"/>
+                      <a:tailEnd type="none" w="med" len="med"/>
+                    </a:lnR>
+                    <a:lnT w="12700" cap="flat" cmpd="sng" algn="ctr">
+                      <a:solidFill>
+                        <a:schemeClr val="tx1"/>
+                      </a:solidFill>
+                      <a:prstDash val="solid"/>
+                      <a:round/>
+                      <a:headEnd type="none" w="med" len="med"/>
+                      <a:tailEnd type="none" w="med" len="med"/>
+                    </a:lnT>
+                    <a:lnB w="12700" cap="flat" cmpd="sng" algn="ctr">
+                      <a:solidFill>
+                        <a:schemeClr val="tx1"/>
+                      </a:solidFill>
+                      <a:prstDash val="solid"/>
+                      <a:round/>
+                      <a:headEnd type="none" w="med" len="med"/>
+                      <a:tailEnd type="none" w="med" len="med"/>
+                    </a:lnB>
+                    <a:noFill/>
+                  </a:tcPr>
+                </a:tc>
+                <a:extLst>
+                  <a:ext uri="{0D108BD9-81ED-4DB2-BD59-A6C34878D82A}">
+                    <a16:rowId xmlns:a16="http://schemas.microsoft.com/office/drawing/2014/main" val="1648204531"/>
+                  </a:ext>
+                </a:extLst>
+              </a:tr>
+              <a:tr h="630701">
+                <a:tc>
+                  <a:txBody>
+                    <a:bodyPr/>
+                    <a:lstStyle/>
+                    <a:p>
+                      <a:pPr>
+                        <a:buNone/>
+                      </a:pPr>
+                      <a:r>
+                        <a:rPr lang="en-IN" sz="1200"/>
+                        <a:t>3</a:t>
+                      </a:r>
+                    </a:p>
+                  </a:txBody>
+                  <a:tcPr marL="78838" marR="78838" marT="39419" marB="39419" anchor="ctr">
+                    <a:lnL w="12700" cap="flat" cmpd="sng" algn="ctr">
+                      <a:solidFill>
+                        <a:schemeClr val="tx1"/>
+                      </a:solidFill>
+                      <a:prstDash val="solid"/>
+                      <a:round/>
+                      <a:headEnd type="none" w="med" len="med"/>
+                      <a:tailEnd type="none" w="med" len="med"/>
+                    </a:lnL>
+                    <a:lnR w="12700" cap="flat" cmpd="sng" algn="ctr">
+                      <a:solidFill>
+                        <a:schemeClr val="tx1"/>
+                      </a:solidFill>
+                      <a:prstDash val="solid"/>
+                      <a:round/>
+                      <a:headEnd type="none" w="med" len="med"/>
+                      <a:tailEnd type="none" w="med" len="med"/>
+                    </a:lnR>
+                    <a:lnT w="12700" cap="flat" cmpd="sng" algn="ctr">
+                      <a:solidFill>
+                        <a:schemeClr val="tx1"/>
+                      </a:solidFill>
+                      <a:prstDash val="solid"/>
+                      <a:round/>
+                      <a:headEnd type="none" w="med" len="med"/>
+                      <a:tailEnd type="none" w="med" len="med"/>
+                    </a:lnT>
+                    <a:lnB w="12700" cap="flat" cmpd="sng" algn="ctr">
+                      <a:solidFill>
+                        <a:schemeClr val="tx1"/>
+                      </a:solidFill>
+                      <a:prstDash val="solid"/>
+                      <a:round/>
+                      <a:headEnd type="none" w="med" len="med"/>
+                      <a:tailEnd type="none" w="med" len="med"/>
+                    </a:lnB>
+                    <a:noFill/>
+                  </a:tcPr>
+                </a:tc>
+                <a:tc>
+                  <a:txBody>
+                    <a:bodyPr/>
+                    <a:lstStyle/>
+                    <a:p>
+                      <a:pPr>
+                        <a:buNone/>
+                      </a:pPr>
+                      <a:r>
+                        <a:rPr lang="en-IN" sz="1200" b="1"/>
+                        <a:t>USBS0</a:t>
+                      </a:r>
+                      <a:endParaRPr lang="en-IN" sz="1200"/>
+                    </a:p>
+                  </a:txBody>
+                  <a:tcPr marL="78838" marR="78838" marT="39419" marB="39419" anchor="ctr">
+                    <a:lnL w="12700" cap="flat" cmpd="sng" algn="ctr">
+                      <a:solidFill>
+                        <a:schemeClr val="tx1"/>
+                      </a:solidFill>
+                      <a:prstDash val="solid"/>
+                      <a:round/>
+                      <a:headEnd type="none" w="med" len="med"/>
+                      <a:tailEnd type="none" w="med" len="med"/>
+                    </a:lnL>
+                    <a:lnR w="12700" cap="flat" cmpd="sng" algn="ctr">
+                      <a:solidFill>
+                        <a:schemeClr val="tx1"/>
+                      </a:solidFill>
+                      <a:prstDash val="solid"/>
+                      <a:round/>
+                      <a:headEnd type="none" w="med" len="med"/>
+                      <a:tailEnd type="none" w="med" len="med"/>
+                    </a:lnR>
+                    <a:lnT w="12700" cap="flat" cmpd="sng" algn="ctr">
+                      <a:solidFill>
+                        <a:schemeClr val="tx1"/>
+                      </a:solidFill>
+                      <a:prstDash val="solid"/>
+                      <a:round/>
+                      <a:headEnd type="none" w="med" len="med"/>
+                      <a:tailEnd type="none" w="med" len="med"/>
+                    </a:lnT>
+                    <a:lnB w="12700" cap="flat" cmpd="sng" algn="ctr">
+                      <a:solidFill>
+                        <a:schemeClr val="tx1"/>
+                      </a:solidFill>
+                      <a:prstDash val="solid"/>
+                      <a:round/>
+                      <a:headEnd type="none" w="med" len="med"/>
+                      <a:tailEnd type="none" w="med" len="med"/>
+                    </a:lnB>
+                    <a:noFill/>
+                  </a:tcPr>
+                </a:tc>
+                <a:tc>
+                  <a:txBody>
+                    <a:bodyPr/>
+                    <a:lstStyle/>
+                    <a:p>
+                      <a:pPr>
+                        <a:buNone/>
+                      </a:pPr>
+                      <a:r>
+                        <a:rPr lang="en-US" sz="1200"/>
+                        <a:t>Stop bit select (0 = 1 stop bit, 1 = 2 stop bits)</a:t>
+                      </a:r>
+                    </a:p>
+                  </a:txBody>
+                  <a:tcPr marL="78838" marR="78838" marT="39419" marB="39419" anchor="ctr">
+                    <a:lnL w="12700" cap="flat" cmpd="sng" algn="ctr">
+                      <a:solidFill>
+                        <a:schemeClr val="tx1"/>
+                      </a:solidFill>
+                      <a:prstDash val="solid"/>
+                      <a:round/>
+                      <a:headEnd type="none" w="med" len="med"/>
+                      <a:tailEnd type="none" w="med" len="med"/>
+                    </a:lnL>
+                    <a:lnR w="12700" cap="flat" cmpd="sng" algn="ctr">
+                      <a:solidFill>
+                        <a:schemeClr val="tx1"/>
+                      </a:solidFill>
+                      <a:prstDash val="solid"/>
+                      <a:round/>
+                      <a:headEnd type="none" w="med" len="med"/>
+                      <a:tailEnd type="none" w="med" len="med"/>
+                    </a:lnR>
+                    <a:lnT w="12700" cap="flat" cmpd="sng" algn="ctr">
+                      <a:solidFill>
+                        <a:schemeClr val="tx1"/>
+                      </a:solidFill>
+                      <a:prstDash val="solid"/>
+                      <a:round/>
+                      <a:headEnd type="none" w="med" len="med"/>
+                      <a:tailEnd type="none" w="med" len="med"/>
+                    </a:lnT>
+                    <a:lnB w="12700" cap="flat" cmpd="sng" algn="ctr">
+                      <a:solidFill>
+                        <a:schemeClr val="tx1"/>
+                      </a:solidFill>
+                      <a:prstDash val="solid"/>
+                      <a:round/>
+                      <a:headEnd type="none" w="med" len="med"/>
+                      <a:tailEnd type="none" w="med" len="med"/>
+                    </a:lnB>
+                    <a:noFill/>
+                  </a:tcPr>
+                </a:tc>
+                <a:extLst>
+                  <a:ext uri="{0D108BD9-81ED-4DB2-BD59-A6C34878D82A}">
+                    <a16:rowId xmlns:a16="http://schemas.microsoft.com/office/drawing/2014/main" val="3831984002"/>
+                  </a:ext>
+                </a:extLst>
+              </a:tr>
+              <a:tr h="446747">
+                <a:tc>
+                  <a:txBody>
+                    <a:bodyPr/>
+                    <a:lstStyle/>
+                    <a:p>
+                      <a:pPr>
+                        <a:buNone/>
+                      </a:pPr>
+                      <a:r>
+                        <a:rPr lang="en-IN" sz="1200"/>
+                        <a:t>2:1</a:t>
+                      </a:r>
+                    </a:p>
+                  </a:txBody>
+                  <a:tcPr marL="78838" marR="78838" marT="39419" marB="39419" anchor="ctr">
+                    <a:lnL w="12700" cap="flat" cmpd="sng" algn="ctr">
+                      <a:solidFill>
+                        <a:schemeClr val="tx1"/>
+                      </a:solidFill>
+                      <a:prstDash val="solid"/>
+                      <a:round/>
+                      <a:headEnd type="none" w="med" len="med"/>
+                      <a:tailEnd type="none" w="med" len="med"/>
+                    </a:lnL>
+                    <a:lnR w="12700" cap="flat" cmpd="sng" algn="ctr">
+                      <a:solidFill>
+                        <a:schemeClr val="tx1"/>
+                      </a:solidFill>
+                      <a:prstDash val="solid"/>
+                      <a:round/>
+                      <a:headEnd type="none" w="med" len="med"/>
+                      <a:tailEnd type="none" w="med" len="med"/>
+                    </a:lnR>
+                    <a:lnT w="12700" cap="flat" cmpd="sng" algn="ctr">
+                      <a:solidFill>
+                        <a:schemeClr val="tx1"/>
+                      </a:solidFill>
+                      <a:prstDash val="solid"/>
+                      <a:round/>
+                      <a:headEnd type="none" w="med" len="med"/>
+                      <a:tailEnd type="none" w="med" len="med"/>
+                    </a:lnT>
+                    <a:lnB w="12700" cap="flat" cmpd="sng" algn="ctr">
+                      <a:solidFill>
+                        <a:schemeClr val="tx1"/>
+                      </a:solidFill>
+                      <a:prstDash val="solid"/>
+                      <a:round/>
+                      <a:headEnd type="none" w="med" len="med"/>
+                      <a:tailEnd type="none" w="med" len="med"/>
+                    </a:lnB>
+                    <a:noFill/>
+                  </a:tcPr>
+                </a:tc>
+                <a:tc>
+                  <a:txBody>
+                    <a:bodyPr/>
+                    <a:lstStyle/>
+                    <a:p>
+                      <a:pPr>
+                        <a:buNone/>
+                      </a:pPr>
+                      <a:r>
+                        <a:rPr lang="en-IN" sz="1200" b="1"/>
+                        <a:t>UCSZ01:0</a:t>
+                      </a:r>
+                      <a:endParaRPr lang="en-IN" sz="1200"/>
+                    </a:p>
+                  </a:txBody>
+                  <a:tcPr marL="78838" marR="78838" marT="39419" marB="39419" anchor="ctr">
+                    <a:lnL w="12700" cap="flat" cmpd="sng" algn="ctr">
+                      <a:solidFill>
+                        <a:schemeClr val="tx1"/>
+                      </a:solidFill>
+                      <a:prstDash val="solid"/>
+                      <a:round/>
+                      <a:headEnd type="none" w="med" len="med"/>
+                      <a:tailEnd type="none" w="med" len="med"/>
+                    </a:lnL>
+                    <a:lnR w="12700" cap="flat" cmpd="sng" algn="ctr">
+                      <a:solidFill>
+                        <a:schemeClr val="tx1"/>
+                      </a:solidFill>
+                      <a:prstDash val="solid"/>
+                      <a:round/>
+                      <a:headEnd type="none" w="med" len="med"/>
+                      <a:tailEnd type="none" w="med" len="med"/>
+                    </a:lnR>
+                    <a:lnT w="12700" cap="flat" cmpd="sng" algn="ctr">
+                      <a:solidFill>
+                        <a:schemeClr val="tx1"/>
+                      </a:solidFill>
+                      <a:prstDash val="solid"/>
+                      <a:round/>
+                      <a:headEnd type="none" w="med" len="med"/>
+                      <a:tailEnd type="none" w="med" len="med"/>
+                    </a:lnT>
+                    <a:lnB w="12700" cap="flat" cmpd="sng" algn="ctr">
+                      <a:solidFill>
+                        <a:schemeClr val="tx1"/>
+                      </a:solidFill>
+                      <a:prstDash val="solid"/>
+                      <a:round/>
+                      <a:headEnd type="none" w="med" len="med"/>
+                      <a:tailEnd type="none" w="med" len="med"/>
+                    </a:lnB>
+                    <a:noFill/>
+                  </a:tcPr>
+                </a:tc>
+                <a:tc>
+                  <a:txBody>
+                    <a:bodyPr/>
+                    <a:lstStyle/>
+                    <a:p>
+                      <a:pPr>
+                        <a:buNone/>
+                      </a:pPr>
+                      <a:r>
+                        <a:rPr lang="en-US" sz="1200"/>
+                        <a:t>Character size bits (11 = 8-bit data)</a:t>
+                      </a:r>
+                    </a:p>
+                  </a:txBody>
+                  <a:tcPr marL="78838" marR="78838" marT="39419" marB="39419" anchor="ctr">
+                    <a:lnL w="12700" cap="flat" cmpd="sng" algn="ctr">
+                      <a:solidFill>
+                        <a:schemeClr val="tx1"/>
+                      </a:solidFill>
+                      <a:prstDash val="solid"/>
+                      <a:round/>
+                      <a:headEnd type="none" w="med" len="med"/>
+                      <a:tailEnd type="none" w="med" len="med"/>
+                    </a:lnL>
+                    <a:lnR w="12700" cap="flat" cmpd="sng" algn="ctr">
+                      <a:solidFill>
+                        <a:schemeClr val="tx1"/>
+                      </a:solidFill>
+                      <a:prstDash val="solid"/>
+                      <a:round/>
+                      <a:headEnd type="none" w="med" len="med"/>
+                      <a:tailEnd type="none" w="med" len="med"/>
+                    </a:lnR>
+                    <a:lnT w="12700" cap="flat" cmpd="sng" algn="ctr">
+                      <a:solidFill>
+                        <a:schemeClr val="tx1"/>
+                      </a:solidFill>
+                      <a:prstDash val="solid"/>
+                      <a:round/>
+                      <a:headEnd type="none" w="med" len="med"/>
+                      <a:tailEnd type="none" w="med" len="med"/>
+                    </a:lnT>
+                    <a:lnB w="12700" cap="flat" cmpd="sng" algn="ctr">
+                      <a:solidFill>
+                        <a:schemeClr val="tx1"/>
+                      </a:solidFill>
+                      <a:prstDash val="solid"/>
+                      <a:round/>
+                      <a:headEnd type="none" w="med" len="med"/>
+                      <a:tailEnd type="none" w="med" len="med"/>
+                    </a:lnB>
+                    <a:noFill/>
+                  </a:tcPr>
+                </a:tc>
+                <a:extLst>
+                  <a:ext uri="{0D108BD9-81ED-4DB2-BD59-A6C34878D82A}">
+                    <a16:rowId xmlns:a16="http://schemas.microsoft.com/office/drawing/2014/main" val="655387156"/>
+                  </a:ext>
+                </a:extLst>
+              </a:tr>
+              <a:tr h="630701">
+                <a:tc>
+                  <a:txBody>
+                    <a:bodyPr/>
+                    <a:lstStyle/>
+                    <a:p>
+                      <a:pPr>
+                        <a:buNone/>
+                      </a:pPr>
+                      <a:r>
+                        <a:rPr lang="en-IN" sz="1200"/>
+                        <a:t>0</a:t>
+                      </a:r>
+                    </a:p>
+                  </a:txBody>
+                  <a:tcPr marL="78838" marR="78838" marT="39419" marB="39419" anchor="ctr">
+                    <a:lnL w="12700" cap="flat" cmpd="sng" algn="ctr">
+                      <a:solidFill>
+                        <a:schemeClr val="tx1"/>
+                      </a:solidFill>
+                      <a:prstDash val="solid"/>
+                      <a:round/>
+                      <a:headEnd type="none" w="med" len="med"/>
+                      <a:tailEnd type="none" w="med" len="med"/>
+                    </a:lnL>
+                    <a:lnR w="12700" cap="flat" cmpd="sng" algn="ctr">
+                      <a:solidFill>
+                        <a:schemeClr val="tx1"/>
+                      </a:solidFill>
+                      <a:prstDash val="solid"/>
+                      <a:round/>
+                      <a:headEnd type="none" w="med" len="med"/>
+                      <a:tailEnd type="none" w="med" len="med"/>
+                    </a:lnR>
+                    <a:lnT w="12700" cap="flat" cmpd="sng" algn="ctr">
+                      <a:solidFill>
+                        <a:schemeClr val="tx1"/>
+                      </a:solidFill>
+                      <a:prstDash val="solid"/>
+                      <a:round/>
+                      <a:headEnd type="none" w="med" len="med"/>
+                      <a:tailEnd type="none" w="med" len="med"/>
+                    </a:lnT>
+                    <a:lnB w="12700" cap="flat" cmpd="sng" algn="ctr">
+                      <a:solidFill>
+                        <a:schemeClr val="tx1"/>
+                      </a:solidFill>
+                      <a:prstDash val="solid"/>
+                      <a:round/>
+                      <a:headEnd type="none" w="med" len="med"/>
+                      <a:tailEnd type="none" w="med" len="med"/>
+                    </a:lnB>
+                    <a:noFill/>
+                  </a:tcPr>
+                </a:tc>
+                <a:tc>
+                  <a:txBody>
+                    <a:bodyPr/>
+                    <a:lstStyle/>
+                    <a:p>
+                      <a:pPr>
+                        <a:buNone/>
+                      </a:pPr>
+                      <a:r>
+                        <a:rPr lang="en-IN" sz="1200" b="1"/>
+                        <a:t>UCPOL0</a:t>
+                      </a:r>
+                      <a:endParaRPr lang="en-IN" sz="1200"/>
+                    </a:p>
+                  </a:txBody>
+                  <a:tcPr marL="78838" marR="78838" marT="39419" marB="39419" anchor="ctr">
+                    <a:lnL w="12700" cap="flat" cmpd="sng" algn="ctr">
+                      <a:solidFill>
+                        <a:schemeClr val="tx1"/>
+                      </a:solidFill>
+                      <a:prstDash val="solid"/>
+                      <a:round/>
+                      <a:headEnd type="none" w="med" len="med"/>
+                      <a:tailEnd type="none" w="med" len="med"/>
+                    </a:lnL>
+                    <a:lnR w="12700" cap="flat" cmpd="sng" algn="ctr">
+                      <a:solidFill>
+                        <a:schemeClr val="tx1"/>
+                      </a:solidFill>
+                      <a:prstDash val="solid"/>
+                      <a:round/>
+                      <a:headEnd type="none" w="med" len="med"/>
+                      <a:tailEnd type="none" w="med" len="med"/>
+                    </a:lnR>
+                    <a:lnT w="12700" cap="flat" cmpd="sng" algn="ctr">
+                      <a:solidFill>
+                        <a:schemeClr val="tx1"/>
+                      </a:solidFill>
+                      <a:prstDash val="solid"/>
+                      <a:round/>
+                      <a:headEnd type="none" w="med" len="med"/>
+                      <a:tailEnd type="none" w="med" len="med"/>
+                    </a:lnT>
+                    <a:lnB w="12700" cap="flat" cmpd="sng" algn="ctr">
+                      <a:solidFill>
+                        <a:schemeClr val="tx1"/>
+                      </a:solidFill>
+                      <a:prstDash val="solid"/>
+                      <a:round/>
+                      <a:headEnd type="none" w="med" len="med"/>
+                      <a:tailEnd type="none" w="med" len="med"/>
+                    </a:lnB>
+                    <a:noFill/>
+                  </a:tcPr>
+                </a:tc>
+                <a:tc>
+                  <a:txBody>
+                    <a:bodyPr/>
+                    <a:lstStyle/>
+                    <a:p>
+                      <a:pPr>
+                        <a:buNone/>
+                      </a:pPr>
+                      <a:r>
+                        <a:rPr lang="en-US" sz="1200" dirty="0"/>
+                        <a:t>Clock polarity (used only in synchronous mode)</a:t>
+                      </a:r>
+                    </a:p>
+                  </a:txBody>
+                  <a:tcPr marL="78838" marR="78838" marT="39419" marB="39419" anchor="ctr">
+                    <a:lnL w="12700" cap="flat" cmpd="sng" algn="ctr">
+                      <a:solidFill>
+                        <a:schemeClr val="tx1"/>
+                      </a:solidFill>
+                      <a:prstDash val="solid"/>
+                      <a:round/>
+                      <a:headEnd type="none" w="med" len="med"/>
+                      <a:tailEnd type="none" w="med" len="med"/>
+                    </a:lnL>
+                    <a:lnR w="12700" cap="flat" cmpd="sng" algn="ctr">
+                      <a:solidFill>
+                        <a:schemeClr val="tx1"/>
+                      </a:solidFill>
+                      <a:prstDash val="solid"/>
+                      <a:round/>
+                      <a:headEnd type="none" w="med" len="med"/>
+                      <a:tailEnd type="none" w="med" len="med"/>
+                    </a:lnR>
+                    <a:lnT w="12700" cap="flat" cmpd="sng" algn="ctr">
+                      <a:solidFill>
+                        <a:schemeClr val="tx1"/>
+                      </a:solidFill>
+                      <a:prstDash val="solid"/>
+                      <a:round/>
+                      <a:headEnd type="none" w="med" len="med"/>
+                      <a:tailEnd type="none" w="med" len="med"/>
+                    </a:lnT>
+                    <a:lnB w="12700" cap="flat" cmpd="sng" algn="ctr">
+                      <a:solidFill>
+                        <a:schemeClr val="tx1"/>
+                      </a:solidFill>
+                      <a:prstDash val="solid"/>
+                      <a:round/>
+                      <a:headEnd type="none" w="med" len="med"/>
+                      <a:tailEnd type="none" w="med" len="med"/>
+                    </a:lnB>
+                    <a:noFill/>
+                  </a:tcPr>
+                </a:tc>
+                <a:extLst>
+                  <a:ext uri="{0D108BD9-81ED-4DB2-BD59-A6C34878D82A}">
+                    <a16:rowId xmlns:a16="http://schemas.microsoft.com/office/drawing/2014/main" val="1605388538"/>
+                  </a:ext>
+                </a:extLst>
+              </a:tr>
+            </a:tbl>
+          </a:graphicData>
+        </a:graphic>
+      </p:graphicFrame>
+      <p:pic>
+        <p:nvPicPr>
+          <p:cNvPr id="6" name="Picture 5">
+            <a:extLst>
+              <a:ext uri="{FF2B5EF4-FFF2-40B4-BE49-F238E27FC236}">
+                <a16:creationId xmlns:a16="http://schemas.microsoft.com/office/drawing/2014/main" id="{17A0D31E-E12B-586E-7477-AB4BA92C112D}"/>
+              </a:ext>
+            </a:extLst>
+          </p:cNvPr>
+          <p:cNvPicPr>
+            <a:picLocks noChangeAspect="1"/>
+          </p:cNvPicPr>
+          <p:nvPr/>
+        </p:nvPicPr>
+        <p:blipFill>
+          <a:blip r:embed="rId2"/>
+          <a:srcRect l="15084" t="23326"/>
+          <a:stretch>
+            <a:fillRect/>
+          </a:stretch>
+        </p:blipFill>
+        <p:spPr>
+          <a:xfrm>
+            <a:off x="2645896" y="716835"/>
+            <a:ext cx="6138996" cy="839876"/>
+          </a:xfrm>
+          <a:prstGeom prst="rect">
+            <a:avLst/>
+          </a:prstGeom>
+        </p:spPr>
+      </p:pic>
+    </p:spTree>
+    <p:extLst>
+      <p:ext uri="{BB962C8B-B14F-4D97-AF65-F5344CB8AC3E}">
+        <p14:creationId xmlns:p14="http://schemas.microsoft.com/office/powerpoint/2010/main" val="2855112447"/>
+      </p:ext>
+    </p:extLst>
+  </p:cSld>
+  <p:clrMapOvr>
+    <a:masterClrMapping/>
+  </p:clrMapOvr>
+</p:sld>
+</file>
+
+<file path=ppt/slides/slide11.xml><?xml version="1.0" encoding="utf-8"?>
+<p:sld xmlns:a="http://schemas.openxmlformats.org/drawingml/2006/main" xmlns:r="http://schemas.openxmlformats.org/officeDocument/2006/relationships" xmlns:p="http://schemas.openxmlformats.org/presentationml/2006/main">
+  <p:cSld>
+    <p:spTree>
+      <p:nvGrpSpPr>
+        <p:cNvPr id="1" name="">
           <a:extLst>
             <a:ext uri="{FF2B5EF4-FFF2-40B4-BE49-F238E27FC236}">
-              <a16:creationId xmlns:a16="http://schemas.microsoft.com/office/drawing/2014/main" id="{24205BA6-BB68-AC97-3D0D-6889FA03BAAB}"/>
+              <a16:creationId xmlns:a16="http://schemas.microsoft.com/office/drawing/2014/main" id="{0F77E50C-A8BA-C7DC-BC72-D41DA797DDC6}"/>
             </a:ext>
           </a:extLst>
         </p:cNvPr>
@@ -4436,14 +6337,14 @@
       </p:grpSpPr>
       <p:sp>
         <p:nvSpPr>
-          <p:cNvPr id="54" name="Google Shape;54;p11">
+          <p:cNvPr id="3" name="Title 2">
             <a:extLst>
               <a:ext uri="{FF2B5EF4-FFF2-40B4-BE49-F238E27FC236}">
-                <a16:creationId xmlns:a16="http://schemas.microsoft.com/office/drawing/2014/main" id="{759C4512-E9E3-1EBD-F4B1-FDCC6E08015A}"/>
+                <a16:creationId xmlns:a16="http://schemas.microsoft.com/office/drawing/2014/main" id="{A4C0EC8C-FFFA-39B0-4E3A-CE5945EE46C6}"/>
               </a:ext>
             </a:extLst>
           </p:cNvPr>
-          <p:cNvSpPr txBox="1">
+          <p:cNvSpPr>
             <a:spLocks noGrp="1"/>
           </p:cNvSpPr>
           <p:nvPr>
@@ -4452,245 +6353,30 @@
         </p:nvSpPr>
         <p:spPr>
           <a:xfrm>
-            <a:off x="2698250" y="367100"/>
-            <a:ext cx="5905500" cy="1193186"/>
+            <a:off x="2762644" y="231872"/>
+            <a:ext cx="5905500" cy="572700"/>
           </a:xfrm>
-          <a:prstGeom prst="rect">
-            <a:avLst/>
-          </a:prstGeom>
         </p:spPr>
         <p:txBody>
-          <a:bodyPr spcFirstLastPara="1" wrap="square" lIns="91425" tIns="91425" rIns="91425" bIns="91425" anchor="t" anchorCtr="0">
-            <a:normAutofit/>
+          <a:bodyPr>
+            <a:normAutofit fontScale="90000"/>
           </a:bodyPr>
           <a:lstStyle/>
           <a:p>
-            <a:pPr marL="0" lvl="0" indent="0" algn="l" rtl="0">
-              <a:spcBef>
-                <a:spcPts val="0"/>
-              </a:spcBef>
-              <a:spcAft>
-                <a:spcPts val="0"/>
-              </a:spcAft>
-              <a:buNone/>
-            </a:pPr>
             <a:r>
-              <a:rPr lang="en-IN" dirty="0"/>
-              <a:t>ADC</a:t>
+              <a:rPr lang="en-US" dirty="0"/>
+              <a:t>UDR0 – The data register</a:t>
             </a:r>
-            <a:endParaRPr dirty="0"/>
+            <a:endParaRPr lang="en-IN" dirty="0"/>
           </a:p>
         </p:txBody>
       </p:sp>
       <p:sp>
         <p:nvSpPr>
-          <p:cNvPr id="55" name="Google Shape;55;p11">
+          <p:cNvPr id="2" name="TextBox 1">
             <a:extLst>
               <a:ext uri="{FF2B5EF4-FFF2-40B4-BE49-F238E27FC236}">
-                <a16:creationId xmlns:a16="http://schemas.microsoft.com/office/drawing/2014/main" id="{968DEF2F-D17C-A505-E33D-4CD30E54F3C7}"/>
-              </a:ext>
-            </a:extLst>
-          </p:cNvPr>
-          <p:cNvSpPr txBox="1">
-            <a:spLocks noGrp="1"/>
-          </p:cNvSpPr>
-          <p:nvPr>
-            <p:ph type="body" idx="1"/>
-          </p:nvPr>
-        </p:nvSpPr>
-        <p:spPr>
-          <a:xfrm>
-            <a:off x="2386896" y="1083767"/>
-            <a:ext cx="6528207" cy="3123311"/>
-          </a:xfrm>
-          <a:prstGeom prst="rect">
-            <a:avLst/>
-          </a:prstGeom>
-        </p:spPr>
-        <p:txBody>
-          <a:bodyPr spcFirstLastPara="1" wrap="square" lIns="91425" tIns="91425" rIns="91425" bIns="91425" anchor="t" anchorCtr="0">
-            <a:normAutofit/>
-          </a:bodyPr>
-          <a:lstStyle/>
-          <a:p>
-            <a:pPr marL="869950" lvl="1" indent="-285750">
-              <a:buSzPts val="2000"/>
-            </a:pPr>
-            <a:r>
-              <a:rPr lang="en-US" sz="1800" b="1" dirty="0"/>
-              <a:t>Digital Value = (V</a:t>
-            </a:r>
-            <a:r>
-              <a:rPr lang="en-US" sz="1800" b="1" baseline="-25000" dirty="0"/>
-              <a:t>is </a:t>
-            </a:r>
-            <a:r>
-              <a:rPr lang="en-US" sz="1800" b="1" dirty="0"/>
-              <a:t>/ A</a:t>
-            </a:r>
-            <a:r>
-              <a:rPr lang="en-US" sz="1800" b="1" baseline="-25000" dirty="0"/>
-              <a:t>ref</a:t>
-            </a:r>
-            <a:r>
-              <a:rPr lang="en-US" sz="1800" b="1" dirty="0"/>
-              <a:t>) x 1024</a:t>
-            </a:r>
-          </a:p>
-          <a:p>
-            <a:pPr marL="869950" lvl="1" indent="-285750">
-              <a:buSzPts val="2000"/>
-            </a:pPr>
-            <a:endParaRPr lang="en-US" sz="1800" b="1" dirty="0"/>
-          </a:p>
-          <a:p>
-            <a:pPr marL="869950" lvl="1" indent="-285750">
-              <a:buSzPts val="2000"/>
-            </a:pPr>
-            <a:r>
-              <a:rPr lang="en-US" sz="1800" b="1" dirty="0"/>
-              <a:t>Eg : if V</a:t>
-            </a:r>
-            <a:r>
-              <a:rPr lang="en-US" sz="1800" b="1" baseline="-25000" dirty="0"/>
-              <a:t>is</a:t>
-            </a:r>
-            <a:r>
-              <a:rPr lang="en-US" sz="1800" b="1" dirty="0"/>
-              <a:t>= 2v  and A</a:t>
-            </a:r>
-            <a:r>
-              <a:rPr lang="en-US" sz="1800" b="1" baseline="-25000" dirty="0"/>
-              <a:t>ref</a:t>
-            </a:r>
-            <a:r>
-              <a:rPr lang="en-US" sz="1800" b="1" dirty="0"/>
-              <a:t>= 5v</a:t>
-            </a:r>
-          </a:p>
-          <a:p>
-            <a:pPr marL="869950" lvl="1" indent="-285750">
-              <a:buSzPts val="2000"/>
-            </a:pPr>
-            <a:endParaRPr lang="en-US" sz="1800" b="1" dirty="0"/>
-          </a:p>
-          <a:p>
-            <a:pPr marL="584200" lvl="1" indent="0">
-              <a:buSzPts val="2000"/>
-              <a:buNone/>
-            </a:pPr>
-            <a:r>
-              <a:rPr lang="en-US" sz="1800" b="1" dirty="0"/>
-              <a:t>Digital Value = (2/5) x1024 </a:t>
-            </a:r>
-          </a:p>
-          <a:p>
-            <a:pPr marL="584200" lvl="1" indent="0">
-              <a:buSzPts val="2000"/>
-              <a:buNone/>
-            </a:pPr>
-            <a:endParaRPr lang="en-US" sz="1800" b="1" dirty="0"/>
-          </a:p>
-          <a:p>
-            <a:pPr marL="584200" lvl="1" indent="0">
-              <a:buSzPts val="2000"/>
-              <a:buNone/>
-            </a:pPr>
-            <a:r>
-              <a:rPr lang="en-US" sz="1800" b="1" dirty="0"/>
-              <a:t>		  =  409</a:t>
-            </a:r>
-          </a:p>
-          <a:p>
-            <a:pPr marL="584200" lvl="1" indent="0">
-              <a:buSzPts val="2000"/>
-              <a:buNone/>
-            </a:pPr>
-            <a:endParaRPr lang="en-US" sz="1800" b="1" dirty="0"/>
-          </a:p>
-          <a:p>
-            <a:pPr marL="584200" lvl="1" indent="0">
-              <a:buSzPts val="2000"/>
-              <a:buNone/>
-            </a:pPr>
-            <a:r>
-              <a:rPr lang="en-US" sz="1800" b="1" dirty="0">
-                <a:solidFill>
-                  <a:srgbClr val="FF0000"/>
-                </a:solidFill>
-              </a:rPr>
-              <a:t>Input signal voltage = V</a:t>
-            </a:r>
-            <a:r>
-              <a:rPr lang="en-US" sz="1800" b="1" baseline="-25000" dirty="0">
-                <a:solidFill>
-                  <a:srgbClr val="FF0000"/>
-                </a:solidFill>
-              </a:rPr>
-              <a:t>is </a:t>
-            </a:r>
-            <a:r>
-              <a:rPr lang="en-US" sz="1800" b="1" dirty="0">
-                <a:solidFill>
-                  <a:srgbClr val="FF0000"/>
-                </a:solidFill>
-              </a:rPr>
-              <a:t>= (Digital Value X A</a:t>
-            </a:r>
-            <a:r>
-              <a:rPr lang="en-US" sz="1800" b="1" baseline="-25000" dirty="0">
-                <a:solidFill>
-                  <a:srgbClr val="FF0000"/>
-                </a:solidFill>
-              </a:rPr>
-              <a:t>ref </a:t>
-            </a:r>
-            <a:r>
-              <a:rPr lang="en-US" sz="1800" b="1" dirty="0">
-                <a:solidFill>
-                  <a:srgbClr val="FF0000"/>
-                </a:solidFill>
-              </a:rPr>
-              <a:t>)/1024;</a:t>
-            </a:r>
-          </a:p>
-          <a:p>
-            <a:pPr marL="869950" lvl="1" indent="-285750">
-              <a:buSzPts val="2000"/>
-            </a:pPr>
-            <a:endParaRPr lang="en-US" sz="1800" b="1" dirty="0">
-              <a:solidFill>
-                <a:srgbClr val="FF0000"/>
-              </a:solidFill>
-            </a:endParaRPr>
-          </a:p>
-          <a:p>
-            <a:pPr marL="869950" lvl="1" indent="-285750">
-              <a:buSzPts val="2000"/>
-            </a:pPr>
-            <a:endParaRPr lang="en-US" sz="1800" b="1" dirty="0"/>
-          </a:p>
-          <a:p>
-            <a:pPr marL="869950" lvl="1" indent="-285750">
-              <a:buSzPts val="2000"/>
-            </a:pPr>
-            <a:endParaRPr lang="en-US" sz="1800" b="1" baseline="-25000" dirty="0"/>
-          </a:p>
-          <a:p>
-            <a:pPr marL="584200" lvl="1" indent="0">
-              <a:buSzPts val="2000"/>
-              <a:buNone/>
-            </a:pPr>
-            <a:endParaRPr lang="en-US" sz="1800" b="1" dirty="0"/>
-          </a:p>
-        </p:txBody>
-      </p:sp>
-      <p:sp>
-        <p:nvSpPr>
-          <p:cNvPr id="7" name="TextBox 6">
-            <a:extLst>
-              <a:ext uri="{FF2B5EF4-FFF2-40B4-BE49-F238E27FC236}">
-                <a16:creationId xmlns:a16="http://schemas.microsoft.com/office/drawing/2014/main" id="{77F97E69-6801-98E0-543E-87F2D5DF8C85}"/>
+                <a16:creationId xmlns:a16="http://schemas.microsoft.com/office/drawing/2014/main" id="{9825318B-F3A1-989D-E47B-AD540653FA16}"/>
               </a:ext>
             </a:extLst>
           </p:cNvPr>
@@ -4699,8 +6385,8 @@
         </p:nvSpPr>
         <p:spPr>
           <a:xfrm>
-            <a:off x="4379174" y="2263973"/>
-            <a:ext cx="284052" cy="307777"/>
+            <a:off x="2762644" y="1469353"/>
+            <a:ext cx="5981125" cy="307777"/>
           </a:xfrm>
           <a:prstGeom prst="rect">
             <a:avLst/>
@@ -4714,8 +6400,12 @@
           <a:lstStyle/>
           <a:p>
             <a:r>
-              <a:rPr lang="en-IN" dirty="0"/>
-              <a:t>1</a:t>
+              <a:rPr lang="en-IN" dirty="0">
+                <a:solidFill>
+                  <a:schemeClr val="tx1"/>
+                </a:solidFill>
+              </a:rPr>
+              <a:t>It’s an 8-bit register where data is saved before sending or after reception</a:t>
             </a:r>
           </a:p>
         </p:txBody>
@@ -4723,7 +6413,7 @@
     </p:spTree>
     <p:extLst>
       <p:ext uri="{BB962C8B-B14F-4D97-AF65-F5344CB8AC3E}">
-        <p14:creationId xmlns:p14="http://schemas.microsoft.com/office/powerpoint/2010/main" val="283639753"/>
+        <p14:creationId xmlns:p14="http://schemas.microsoft.com/office/powerpoint/2010/main" val="482960161"/>
       </p:ext>
     </p:extLst>
   </p:cSld>
@@ -4733,7 +6423,105 @@
 </p:sld>
 </file>
 
-<file path=ppt/slides/slide3.xml><?xml version="1.0" encoding="utf-8"?>
+<file path=ppt/slides/slide12.xml><?xml version="1.0" encoding="utf-8"?>
+<p:sld xmlns:a="http://schemas.openxmlformats.org/drawingml/2006/main" xmlns:r="http://schemas.openxmlformats.org/officeDocument/2006/relationships" xmlns:p="http://schemas.openxmlformats.org/presentationml/2006/main">
+  <p:cSld>
+    <p:spTree>
+      <p:nvGrpSpPr>
+        <p:cNvPr id="1" name="Shape 79"/>
+        <p:cNvGrpSpPr/>
+        <p:nvPr/>
+      </p:nvGrpSpPr>
+      <p:grpSpPr>
+        <a:xfrm>
+          <a:off x="0" y="0"/>
+          <a:ext cx="0" cy="0"/>
+          <a:chOff x="0" y="0"/>
+          <a:chExt cx="0" cy="0"/>
+        </a:xfrm>
+      </p:grpSpPr>
+      <p:sp>
+        <p:nvSpPr>
+          <p:cNvPr id="80" name="Google Shape;80;p16"/>
+          <p:cNvSpPr txBox="1"/>
+          <p:nvPr/>
+        </p:nvSpPr>
+        <p:spPr>
+          <a:xfrm>
+            <a:off x="2510200" y="1939350"/>
+            <a:ext cx="6354600" cy="632400"/>
+          </a:xfrm>
+          <a:prstGeom prst="rect">
+            <a:avLst/>
+          </a:prstGeom>
+          <a:noFill/>
+          <a:ln>
+            <a:noFill/>
+          </a:ln>
+        </p:spPr>
+        <p:txBody>
+          <a:bodyPr spcFirstLastPara="1" wrap="square" lIns="91425" tIns="91425" rIns="91425" bIns="91425" anchor="t" anchorCtr="0">
+            <a:noAutofit/>
+          </a:bodyPr>
+          <a:lstStyle/>
+          <a:p>
+            <a:pPr marL="0" lvl="0" indent="0" algn="ctr" rtl="0">
+              <a:lnSpc>
+                <a:spcPct val="115000"/>
+              </a:lnSpc>
+              <a:spcBef>
+                <a:spcPts val="0"/>
+              </a:spcBef>
+              <a:spcAft>
+                <a:spcPts val="0"/>
+              </a:spcAft>
+              <a:buNone/>
+            </a:pPr>
+            <a:r>
+              <a:rPr lang="en" sz="3200" b="1">
+                <a:solidFill>
+                  <a:srgbClr val="FFE2B0"/>
+                </a:solidFill>
+                <a:latin typeface="Helvetica Neue"/>
+                <a:ea typeface="Helvetica Neue"/>
+                <a:cs typeface="Helvetica Neue"/>
+                <a:sym typeface="Helvetica Neue"/>
+              </a:rPr>
+              <a:t>THANK YOU</a:t>
+            </a:r>
+            <a:r>
+              <a:rPr lang="en" sz="3200" b="1">
+                <a:solidFill>
+                  <a:srgbClr val="B0DAFF"/>
+                </a:solidFill>
+                <a:latin typeface="Helvetica Neue"/>
+                <a:ea typeface="Helvetica Neue"/>
+                <a:cs typeface="Helvetica Neue"/>
+                <a:sym typeface="Helvetica Neue"/>
+              </a:rPr>
+              <a:t> </a:t>
+            </a:r>
+            <a:endParaRPr sz="3200" b="1">
+              <a:solidFill>
+                <a:srgbClr val="B0DAFF"/>
+              </a:solidFill>
+              <a:latin typeface="Helvetica Neue"/>
+              <a:ea typeface="Helvetica Neue"/>
+              <a:cs typeface="Helvetica Neue"/>
+              <a:sym typeface="Helvetica Neue"/>
+            </a:endParaRPr>
+          </a:p>
+        </p:txBody>
+      </p:sp>
+    </p:spTree>
+  </p:cSld>
+  <p:clrMapOvr>
+    <a:masterClrMapping/>
+  </p:clrMapOvr>
+</p:sld>
+</file>
+
+<file path=ppt/slides/slide2.xml><?xml version="1.0" encoding="utf-8"?>
 <p:sld xmlns:a="http://schemas.openxmlformats.org/drawingml/2006/main" xmlns:r="http://schemas.openxmlformats.org/officeDocument/2006/relationships" xmlns:p="http://schemas.openxmlformats.org/presentationml/2006/main">
   <p:cSld>
     <p:spTree>
@@ -4782,9 +6570,36 @@
           <a:bodyPr/>
           <a:lstStyle/>
           <a:p>
+            <a:r>
+              <a:rPr lang="en-US" dirty="0"/>
+              <a:t>USART is a serial communication module built into the ATmega328 microcontroller.</a:t>
+            </a:r>
+          </a:p>
+          <a:p>
             <a:pPr marL="114300" indent="0">
               <a:buNone/>
             </a:pPr>
+            <a:endParaRPr lang="en-US" dirty="0"/>
+          </a:p>
+          <a:p>
+            <a:r>
+              <a:rPr lang="en-US" dirty="0"/>
+              <a:t>It allows the MCU to communicate serially -  that is, send and receive data one bit at a time through two wires:</a:t>
+            </a:r>
+          </a:p>
+          <a:p>
+            <a:pPr lvl="1"/>
+            <a:r>
+              <a:rPr lang="en-US" dirty="0"/>
+              <a:t>TX (Transmit) — sends data out from the MCU</a:t>
+            </a:r>
+          </a:p>
+          <a:p>
+            <a:pPr lvl="1"/>
+            <a:r>
+              <a:rPr lang="en-US" dirty="0"/>
+              <a:t>RX (Receive) — receives data into the MCU</a:t>
+            </a:r>
             <a:endParaRPr lang="en-IN" dirty="0"/>
           </a:p>
         </p:txBody>
@@ -4814,42 +6629,12 @@
           <a:p>
             <a:r>
               <a:rPr lang="en-US" dirty="0"/>
-              <a:t>LM 35 Temperature sensor with Arduino</a:t>
+              <a:t>USART</a:t>
             </a:r>
             <a:endParaRPr lang="en-IN" dirty="0"/>
           </a:p>
         </p:txBody>
       </p:sp>
-      <p:pic>
-        <p:nvPicPr>
-          <p:cNvPr id="6" name="Picture 5">
-            <a:extLst>
-              <a:ext uri="{FF2B5EF4-FFF2-40B4-BE49-F238E27FC236}">
-                <a16:creationId xmlns:a16="http://schemas.microsoft.com/office/drawing/2014/main" id="{2F13FCF5-42B6-1951-C41C-BA1F46CD8BD1}"/>
-              </a:ext>
-            </a:extLst>
-          </p:cNvPr>
-          <p:cNvPicPr>
-            <a:picLocks noChangeAspect="1"/>
-          </p:cNvPicPr>
-          <p:nvPr/>
-        </p:nvPicPr>
-        <p:blipFill>
-          <a:blip r:embed="rId2"/>
-          <a:stretch>
-            <a:fillRect/>
-          </a:stretch>
-        </p:blipFill>
-        <p:spPr>
-          <a:xfrm>
-            <a:off x="2671829" y="867477"/>
-            <a:ext cx="5905500" cy="3707027"/>
-          </a:xfrm>
-          <a:prstGeom prst="rect">
-            <a:avLst/>
-          </a:prstGeom>
-        </p:spPr>
-      </p:pic>
     </p:spTree>
     <p:extLst>
       <p:ext uri="{BB962C8B-B14F-4D97-AF65-F5344CB8AC3E}">
@@ -4863,7 +6648,7 @@
 </p:sld>
 </file>
 
-<file path=ppt/slides/slide4.xml><?xml version="1.0" encoding="utf-8"?>
+<file path=ppt/slides/slide3.xml><?xml version="1.0" encoding="utf-8"?>
 <p:sld xmlns:a="http://schemas.openxmlformats.org/drawingml/2006/main" xmlns:r="http://schemas.openxmlformats.org/officeDocument/2006/relationships" xmlns:p="http://schemas.openxmlformats.org/presentationml/2006/main">
   <p:cSld>
     <p:spTree>
@@ -4871,7 +6656,7 @@
         <p:cNvPr id="1" name="">
           <a:extLst>
             <a:ext uri="{FF2B5EF4-FFF2-40B4-BE49-F238E27FC236}">
-              <a16:creationId xmlns:a16="http://schemas.microsoft.com/office/drawing/2014/main" id="{A8EAD934-5E04-CA72-7F4C-3D336944B643}"/>
+              <a16:creationId xmlns:a16="http://schemas.microsoft.com/office/drawing/2014/main" id="{90AF8BFC-3D85-9D35-CEFB-1D6D64211301}"/>
             </a:ext>
           </a:extLst>
         </p:cNvPr>
@@ -4891,7 +6676,7 @@
           <p:cNvPr id="2" name="Text Placeholder 1">
             <a:extLst>
               <a:ext uri="{FF2B5EF4-FFF2-40B4-BE49-F238E27FC236}">
-                <a16:creationId xmlns:a16="http://schemas.microsoft.com/office/drawing/2014/main" id="{D5C8119C-B711-752A-4096-88C8210AB842}"/>
+                <a16:creationId xmlns:a16="http://schemas.microsoft.com/office/drawing/2014/main" id="{C406FC51-F050-974A-1895-D0268A085F41}"/>
               </a:ext>
             </a:extLst>
           </p:cNvPr>
@@ -4912,10 +6697,43 @@
           <a:bodyPr/>
           <a:lstStyle/>
           <a:p>
-            <a:pPr marL="114300" indent="0">
-              <a:buNone/>
-            </a:pPr>
-            <a:endParaRPr lang="en-IN" dirty="0"/>
+            <a:r>
+              <a:rPr lang="en-US" b="1" dirty="0"/>
+              <a:t>Asynchronous Mode</a:t>
+            </a:r>
+            <a:r>
+              <a:rPr lang="en-US" dirty="0"/>
+              <a:t> - no external clock (most common, e.g. RS-232 communication with PC)</a:t>
+            </a:r>
+          </a:p>
+          <a:p>
+            <a:endParaRPr lang="en-US" dirty="0"/>
+          </a:p>
+          <a:p>
+            <a:r>
+              <a:rPr lang="en-US" b="1" dirty="0"/>
+              <a:t>Synchronous Mode</a:t>
+            </a:r>
+            <a:r>
+              <a:rPr lang="en-US" dirty="0"/>
+              <a:t> - uses an external clock for data timing (rarely used)</a:t>
+            </a:r>
+          </a:p>
+          <a:p>
+            <a:endParaRPr lang="en-US" dirty="0"/>
+          </a:p>
+          <a:p>
+            <a:r>
+              <a:rPr lang="en-US" dirty="0"/>
+              <a:t>No synchronous </a:t>
+            </a:r>
+            <a:r>
+              <a:rPr lang="en-US" dirty="0">
+                <a:sym typeface="Wingdings" panose="05000000000000000000" pitchFamily="2" charset="2"/>
+              </a:rPr>
+              <a:t> USART  UART</a:t>
+            </a:r>
+            <a:endParaRPr lang="en-US" dirty="0"/>
           </a:p>
         </p:txBody>
       </p:sp>
@@ -4924,7 +6742,7 @@
           <p:cNvPr id="3" name="Title 2">
             <a:extLst>
               <a:ext uri="{FF2B5EF4-FFF2-40B4-BE49-F238E27FC236}">
-                <a16:creationId xmlns:a16="http://schemas.microsoft.com/office/drawing/2014/main" id="{2D4EA8FE-8D37-8F99-A7A7-1EBABB343E98}"/>
+                <a16:creationId xmlns:a16="http://schemas.microsoft.com/office/drawing/2014/main" id="{217410D7-D160-3664-1380-6B61F71790CB}"/>
               </a:ext>
             </a:extLst>
           </p:cNvPr>
@@ -4944,46 +6762,16 @@
           <a:p>
             <a:r>
               <a:rPr lang="en-US" dirty="0"/>
-              <a:t>LM 35 Temperature sensor with Arduino</a:t>
+              <a:t>USART - Modes</a:t>
             </a:r>
             <a:endParaRPr lang="en-IN" dirty="0"/>
           </a:p>
         </p:txBody>
       </p:sp>
-      <p:pic>
-        <p:nvPicPr>
-          <p:cNvPr id="10" name="Picture 9">
-            <a:extLst>
-              <a:ext uri="{FF2B5EF4-FFF2-40B4-BE49-F238E27FC236}">
-                <a16:creationId xmlns:a16="http://schemas.microsoft.com/office/drawing/2014/main" id="{F5628833-49E6-C01E-8AF7-8DD848DEEA9F}"/>
-              </a:ext>
-            </a:extLst>
-          </p:cNvPr>
-          <p:cNvPicPr>
-            <a:picLocks noChangeAspect="1"/>
-          </p:cNvPicPr>
-          <p:nvPr/>
-        </p:nvPicPr>
-        <p:blipFill>
-          <a:blip r:embed="rId2"/>
-          <a:stretch>
-            <a:fillRect/>
-          </a:stretch>
-        </p:blipFill>
-        <p:spPr>
-          <a:xfrm>
-            <a:off x="2698251" y="867478"/>
-            <a:ext cx="5905500" cy="3350449"/>
-          </a:xfrm>
-          <a:prstGeom prst="rect">
-            <a:avLst/>
-          </a:prstGeom>
-        </p:spPr>
-      </p:pic>
     </p:spTree>
     <p:extLst>
       <p:ext uri="{BB962C8B-B14F-4D97-AF65-F5344CB8AC3E}">
-        <p14:creationId xmlns:p14="http://schemas.microsoft.com/office/powerpoint/2010/main" val="3204882592"/>
+        <p14:creationId xmlns:p14="http://schemas.microsoft.com/office/powerpoint/2010/main" val="3603331044"/>
       </p:ext>
     </p:extLst>
   </p:cSld>
@@ -4993,7 +6781,7 @@
 </p:sld>
 </file>
 
-<file path=ppt/slides/slide5.xml><?xml version="1.0" encoding="utf-8"?>
+<file path=ppt/slides/slide4.xml><?xml version="1.0" encoding="utf-8"?>
 <p:sld xmlns:a="http://schemas.openxmlformats.org/drawingml/2006/main" xmlns:r="http://schemas.openxmlformats.org/officeDocument/2006/relationships" xmlns:p="http://schemas.openxmlformats.org/presentationml/2006/main">
   <p:cSld>
     <p:spTree>
@@ -5001,7 +6789,7 @@
         <p:cNvPr id="1" name="Shape 53">
           <a:extLst>
             <a:ext uri="{FF2B5EF4-FFF2-40B4-BE49-F238E27FC236}">
-              <a16:creationId xmlns:a16="http://schemas.microsoft.com/office/drawing/2014/main" id="{7150828F-C3C2-56D9-C0D1-9DC7EF18A953}"/>
+              <a16:creationId xmlns:a16="http://schemas.microsoft.com/office/drawing/2014/main" id="{8DD38584-9F2E-A179-FCB7-9F46BA70F03C}"/>
             </a:ext>
           </a:extLst>
         </p:cNvPr>
@@ -5021,7 +6809,7 @@
           <p:cNvPr id="54" name="Google Shape;54;p11">
             <a:extLst>
               <a:ext uri="{FF2B5EF4-FFF2-40B4-BE49-F238E27FC236}">
-                <a16:creationId xmlns:a16="http://schemas.microsoft.com/office/drawing/2014/main" id="{4C836891-B76E-2C0F-A35B-C7226E1C571E}"/>
+                <a16:creationId xmlns:a16="http://schemas.microsoft.com/office/drawing/2014/main" id="{C4CE2FAD-1A13-21FB-4CDB-D7E0702E4157}"/>
               </a:ext>
             </a:extLst>
           </p:cNvPr>
@@ -5035,7 +6823,7 @@
         <p:spPr>
           <a:xfrm>
             <a:off x="2698250" y="367100"/>
-            <a:ext cx="5905500" cy="716667"/>
+            <a:ext cx="5905500" cy="1193186"/>
           </a:xfrm>
           <a:prstGeom prst="rect">
             <a:avLst/>
@@ -5058,7 +6846,7 @@
             </a:pPr>
             <a:r>
               <a:rPr lang="en-IN" dirty="0"/>
-              <a:t>Read Temperature and Display </a:t>
+              <a:t>Baud Rate</a:t>
             </a:r>
             <a:endParaRPr dirty="0"/>
           </a:p>
@@ -5069,7 +6857,7 @@
           <p:cNvPr id="55" name="Google Shape;55;p11">
             <a:extLst>
               <a:ext uri="{FF2B5EF4-FFF2-40B4-BE49-F238E27FC236}">
-                <a16:creationId xmlns:a16="http://schemas.microsoft.com/office/drawing/2014/main" id="{991381E5-D72E-3B4B-7D46-6923BB552066}"/>
+                <a16:creationId xmlns:a16="http://schemas.microsoft.com/office/drawing/2014/main" id="{FF1E4D12-E5A8-7B19-694A-8370FEB4E421}"/>
               </a:ext>
             </a:extLst>
           </p:cNvPr>
@@ -5083,7 +6871,7 @@
         <p:spPr>
           <a:xfrm>
             <a:off x="2386896" y="1083767"/>
-            <a:ext cx="6528207" cy="3874599"/>
+            <a:ext cx="6528207" cy="3123311"/>
           </a:xfrm>
           <a:prstGeom prst="rect">
             <a:avLst/>
@@ -5095,48 +6883,73 @@
           </a:bodyPr>
           <a:lstStyle/>
           <a:p>
+            <a:pPr marL="869950" lvl="1" indent="-285750">
+              <a:buSzPts val="2000"/>
+            </a:pPr>
+            <a:r>
+              <a:rPr lang="en-US" sz="1800" dirty="0"/>
+              <a:t>It’s the </a:t>
+            </a:r>
             <a:r>
               <a:rPr lang="en-US" sz="1800" b="1" dirty="0"/>
-              <a:t>Use basic math to convert ADC Value to Temperature </a:t>
+              <a:t>speed of data transmission</a:t>
+            </a:r>
+            <a:r>
+              <a:rPr lang="en-US" sz="1800" dirty="0"/>
+              <a:t> between two devices.</a:t>
             </a:r>
           </a:p>
           <a:p>
+            <a:pPr marL="869950" lvl="1" indent="-285750">
+              <a:buSzPts val="2000"/>
+            </a:pPr>
+            <a:endParaRPr lang="en-US" sz="1800" dirty="0"/>
+          </a:p>
+          <a:p>
             <a:r>
-              <a:rPr lang="en-US" b="1" dirty="0"/>
-              <a:t>Use </a:t>
-            </a:r>
-            <a:r>
-              <a:rPr lang="en-US" b="1" dirty="0" err="1"/>
-              <a:t>lcd.h</a:t>
-            </a:r>
-            <a:r>
-              <a:rPr lang="en-US" b="1" dirty="0"/>
-              <a:t> and </a:t>
-            </a:r>
-            <a:r>
-              <a:rPr lang="en-US" b="1" dirty="0" err="1"/>
-              <a:t>lcd.c</a:t>
-            </a:r>
-            <a:r>
-              <a:rPr lang="en-US" b="1" dirty="0"/>
-              <a:t> to print temperature in the LCD</a:t>
+              <a:rPr lang="en-US" dirty="0"/>
+              <a:t>For example:</a:t>
             </a:r>
           </a:p>
           <a:p>
-            <a:pPr lvl="1"/>
-            <a:endParaRPr lang="en-US" b="1" dirty="0"/>
+            <a:pPr marL="114300" indent="0">
+              <a:buNone/>
+            </a:pPr>
+            <a:r>
+              <a:rPr lang="en-US" dirty="0"/>
+              <a:t>	9600 baud → 9600 bits per second</a:t>
+            </a:r>
           </a:p>
           <a:p>
-            <a:endParaRPr lang="en-US" dirty="0"/>
+            <a:pPr marL="114300" indent="0">
+              <a:buNone/>
+            </a:pPr>
+            <a:r>
+              <a:rPr lang="en-US" dirty="0"/>
+              <a:t>	115200 baud → 115,200 bits per second</a:t>
+            </a:r>
+          </a:p>
+          <a:p>
+            <a:pPr marL="869950" lvl="1" indent="-285750">
+              <a:buSzPts val="2000"/>
+            </a:pPr>
+            <a:endParaRPr lang="en-US" sz="1800" b="1" dirty="0"/>
+          </a:p>
+          <a:p>
+            <a:pPr marL="584200" lvl="1" indent="0">
+              <a:buSzPts val="2000"/>
+              <a:buNone/>
+            </a:pPr>
+            <a:endParaRPr lang="en-US" sz="1800" b="1" dirty="0"/>
           </a:p>
         </p:txBody>
       </p:sp>
       <p:sp>
         <p:nvSpPr>
-          <p:cNvPr id="3" name="TextBox 2">
+          <p:cNvPr id="7" name="TextBox 6">
             <a:extLst>
               <a:ext uri="{FF2B5EF4-FFF2-40B4-BE49-F238E27FC236}">
-                <a16:creationId xmlns:a16="http://schemas.microsoft.com/office/drawing/2014/main" id="{FCE97B46-EEFF-03D8-9215-0097CD25C94F}"/>
+                <a16:creationId xmlns:a16="http://schemas.microsoft.com/office/drawing/2014/main" id="{1699D143-8BAE-94DC-08F8-20BCB21DAA64}"/>
               </a:ext>
             </a:extLst>
           </p:cNvPr>
@@ -5145,8 +6958,8 @@
         </p:nvSpPr>
         <p:spPr>
           <a:xfrm>
-            <a:off x="2779010" y="2330263"/>
-            <a:ext cx="6027313" cy="2462213"/>
+            <a:off x="4379174" y="2263973"/>
+            <a:ext cx="284052" cy="307777"/>
           </a:xfrm>
           <a:prstGeom prst="rect">
             <a:avLst/>
@@ -5154,240 +6967,385 @@
           <a:noFill/>
         </p:spPr>
         <p:txBody>
-          <a:bodyPr wrap="square">
+          <a:bodyPr wrap="none" rtlCol="0">
             <a:spAutoFit/>
           </a:bodyPr>
           <a:lstStyle/>
           <a:p>
-            <a:pPr marL="584200" lvl="1" indent="0">
-              <a:buSzPts val="2000"/>
-              <a:buNone/>
-            </a:pPr>
             <a:r>
-              <a:rPr lang="en-US" sz="1400" b="1" dirty="0">
-                <a:solidFill>
-                  <a:srgbClr val="00B0F0"/>
-                </a:solidFill>
-              </a:rPr>
-              <a:t>Input signal voltage = V</a:t>
+              <a:rPr lang="en-IN" dirty="0"/>
+              <a:t>1</a:t>
             </a:r>
-            <a:r>
-              <a:rPr lang="en-US" sz="1400" b="1" baseline="-25000" dirty="0">
-                <a:solidFill>
-                  <a:srgbClr val="00B0F0"/>
-                </a:solidFill>
-              </a:rPr>
-              <a:t>is </a:t>
-            </a:r>
-            <a:r>
-              <a:rPr lang="en-US" sz="1400" b="1" dirty="0">
-                <a:solidFill>
-                  <a:srgbClr val="00B0F0"/>
-                </a:solidFill>
-              </a:rPr>
-              <a:t>= (Digital Value X A</a:t>
-            </a:r>
-            <a:r>
-              <a:rPr lang="en-US" sz="1400" b="1" baseline="-25000" dirty="0">
-                <a:solidFill>
-                  <a:srgbClr val="00B0F0"/>
-                </a:solidFill>
-              </a:rPr>
-              <a:t>ref </a:t>
-            </a:r>
-            <a:r>
-              <a:rPr lang="en-US" sz="1400" b="1" dirty="0">
-                <a:solidFill>
-                  <a:srgbClr val="00B0F0"/>
-                </a:solidFill>
-              </a:rPr>
-              <a:t>)/1024;</a:t>
-            </a:r>
-          </a:p>
-          <a:p>
-            <a:pPr marL="584200" lvl="1" indent="0">
-              <a:buSzPts val="2000"/>
-              <a:buNone/>
-            </a:pPr>
-            <a:endParaRPr lang="en-US" b="1" dirty="0">
-              <a:solidFill>
-                <a:srgbClr val="00B0F0"/>
-              </a:solidFill>
-            </a:endParaRPr>
-          </a:p>
-          <a:p>
-            <a:pPr marL="584200" lvl="1" indent="0">
-              <a:buSzPts val="2000"/>
-              <a:buNone/>
-            </a:pPr>
-            <a:r>
-              <a:rPr lang="en-US" sz="1400" b="1" dirty="0">
-                <a:solidFill>
-                  <a:srgbClr val="00B0F0"/>
-                </a:solidFill>
-              </a:rPr>
-              <a:t>Temperature 	</a:t>
-            </a:r>
-            <a:r>
-              <a:rPr lang="en-US" b="1" dirty="0">
-                <a:solidFill>
-                  <a:srgbClr val="00B0F0"/>
-                </a:solidFill>
-              </a:rPr>
-              <a:t>= V</a:t>
-            </a:r>
-            <a:r>
-              <a:rPr lang="en-US" b="1" baseline="-25000" dirty="0">
-                <a:solidFill>
-                  <a:srgbClr val="00B0F0"/>
-                </a:solidFill>
-              </a:rPr>
-              <a:t>is</a:t>
-            </a:r>
-            <a:r>
-              <a:rPr lang="en-US" b="1" dirty="0">
-                <a:solidFill>
-                  <a:srgbClr val="00B0F0"/>
-                </a:solidFill>
-              </a:rPr>
-              <a:t>/ 10mv  </a:t>
-            </a:r>
-          </a:p>
-          <a:p>
-            <a:pPr marL="584200" lvl="1" indent="0">
-              <a:buSzPts val="2000"/>
-              <a:buNone/>
-            </a:pPr>
-            <a:endParaRPr lang="en-US" sz="1400" b="1" dirty="0">
-              <a:solidFill>
-                <a:srgbClr val="00B0F0"/>
-              </a:solidFill>
-            </a:endParaRPr>
-          </a:p>
-          <a:p>
-            <a:pPr marL="584200" lvl="1" indent="0">
-              <a:buSzPts val="2000"/>
-              <a:buNone/>
-            </a:pPr>
-            <a:r>
-              <a:rPr lang="en-US" sz="1400" b="1" dirty="0">
-                <a:solidFill>
-                  <a:srgbClr val="00B0F0"/>
-                </a:solidFill>
-              </a:rPr>
-              <a:t>		</a:t>
-            </a:r>
-            <a:r>
-              <a:rPr lang="en-US" b="1" dirty="0">
-                <a:solidFill>
-                  <a:srgbClr val="00B0F0"/>
-                </a:solidFill>
-              </a:rPr>
-              <a:t>= Digital Value X [(A</a:t>
-            </a:r>
-            <a:r>
-              <a:rPr lang="en-US" b="1" baseline="-25000" dirty="0">
-                <a:solidFill>
-                  <a:srgbClr val="00B0F0"/>
-                </a:solidFill>
-              </a:rPr>
-              <a:t>ref</a:t>
-            </a:r>
-            <a:r>
-              <a:rPr lang="en-US" b="1" dirty="0">
-                <a:solidFill>
-                  <a:srgbClr val="00B0F0"/>
-                </a:solidFill>
-              </a:rPr>
-              <a:t> X 100)/1024]</a:t>
-            </a:r>
-          </a:p>
-          <a:p>
-            <a:pPr marL="584200" lvl="1" indent="0">
-              <a:buSzPts val="2000"/>
-              <a:buNone/>
-            </a:pPr>
-            <a:endParaRPr lang="en-US" b="1" dirty="0">
-              <a:solidFill>
-                <a:srgbClr val="00B0F0"/>
-              </a:solidFill>
-            </a:endParaRPr>
-          </a:p>
-          <a:p>
-            <a:pPr marL="584200" lvl="1" indent="0">
-              <a:buSzPts val="2000"/>
-              <a:buNone/>
-            </a:pPr>
-            <a:r>
-              <a:rPr lang="en-US" sz="1400" b="1" dirty="0">
-                <a:solidFill>
-                  <a:srgbClr val="00B0F0"/>
-                </a:solidFill>
-              </a:rPr>
-              <a:t>		</a:t>
-            </a:r>
-            <a:r>
-              <a:rPr lang="en-US" b="1" dirty="0">
-                <a:solidFill>
-                  <a:srgbClr val="00B0F0"/>
-                </a:solidFill>
-              </a:rPr>
-              <a:t>= Digital Value X [(5 X 100)/1024]</a:t>
-            </a:r>
-          </a:p>
-          <a:p>
-            <a:pPr marL="584200" lvl="1" indent="0">
-              <a:buSzPts val="2000"/>
-              <a:buNone/>
-            </a:pPr>
-            <a:endParaRPr lang="en-US" b="1" dirty="0">
-              <a:solidFill>
-                <a:srgbClr val="00B0F0"/>
-              </a:solidFill>
-            </a:endParaRPr>
-          </a:p>
-          <a:p>
-            <a:pPr marL="584200" lvl="1" indent="0">
-              <a:buSzPts val="2000"/>
-              <a:buNone/>
-            </a:pPr>
-            <a:r>
-              <a:rPr lang="en-US" b="1" dirty="0">
-                <a:solidFill>
-                  <a:srgbClr val="00B0F0"/>
-                </a:solidFill>
-              </a:rPr>
-              <a:t>		= Digital Value X 0.488</a:t>
-            </a:r>
-          </a:p>
-          <a:p>
-            <a:pPr marL="584200" lvl="1" indent="0">
-              <a:buSzPts val="2000"/>
-              <a:buNone/>
-            </a:pPr>
-            <a:endParaRPr lang="en-US" sz="1400" b="1" dirty="0">
-              <a:solidFill>
-                <a:srgbClr val="FF0000"/>
-              </a:solidFill>
-            </a:endParaRPr>
-          </a:p>
-          <a:p>
-            <a:pPr marL="584200" lvl="1" indent="0">
-              <a:buSzPts val="2000"/>
-              <a:buNone/>
-            </a:pPr>
-            <a:endParaRPr lang="en-US" sz="1400" b="1" dirty="0">
-              <a:solidFill>
-                <a:srgbClr val="FF0000"/>
-              </a:solidFill>
-            </a:endParaRPr>
           </a:p>
         </p:txBody>
       </p:sp>
     </p:spTree>
     <p:extLst>
       <p:ext uri="{BB962C8B-B14F-4D97-AF65-F5344CB8AC3E}">
-        <p14:creationId xmlns:p14="http://schemas.microsoft.com/office/powerpoint/2010/main" val="1199149366"/>
+        <p14:creationId xmlns:p14="http://schemas.microsoft.com/office/powerpoint/2010/main" val="3959199433"/>
+      </p:ext>
+    </p:extLst>
+  </p:cSld>
+  <p:clrMapOvr>
+    <a:masterClrMapping/>
+  </p:clrMapOvr>
+</p:sld>
+</file>
+
+<file path=ppt/slides/slide5.xml><?xml version="1.0" encoding="utf-8"?>
+<p:sld xmlns:a="http://schemas.openxmlformats.org/drawingml/2006/main" xmlns:r="http://schemas.openxmlformats.org/officeDocument/2006/relationships" xmlns:p="http://schemas.openxmlformats.org/presentationml/2006/main">
+  <p:cSld>
+    <p:spTree>
+      <p:nvGrpSpPr>
+        <p:cNvPr id="1" name="Shape 53">
+          <a:extLst>
+            <a:ext uri="{FF2B5EF4-FFF2-40B4-BE49-F238E27FC236}">
+              <a16:creationId xmlns:a16="http://schemas.microsoft.com/office/drawing/2014/main" id="{03B23579-1A5C-1111-AE20-B03DD460774B}"/>
+            </a:ext>
+          </a:extLst>
+        </p:cNvPr>
+        <p:cNvGrpSpPr/>
+        <p:nvPr/>
+      </p:nvGrpSpPr>
+      <p:grpSpPr>
+        <a:xfrm>
+          <a:off x="0" y="0"/>
+          <a:ext cx="0" cy="0"/>
+          <a:chOff x="0" y="0"/>
+          <a:chExt cx="0" cy="0"/>
+        </a:xfrm>
+      </p:grpSpPr>
+      <p:sp>
+        <p:nvSpPr>
+          <p:cNvPr id="54" name="Google Shape;54;p11">
+            <a:extLst>
+              <a:ext uri="{FF2B5EF4-FFF2-40B4-BE49-F238E27FC236}">
+                <a16:creationId xmlns:a16="http://schemas.microsoft.com/office/drawing/2014/main" id="{5CB4A251-485A-CFE0-530F-79D171A885F0}"/>
+              </a:ext>
+            </a:extLst>
+          </p:cNvPr>
+          <p:cNvSpPr txBox="1">
+            <a:spLocks noGrp="1"/>
+          </p:cNvSpPr>
+          <p:nvPr>
+            <p:ph type="title"/>
+          </p:nvPr>
+        </p:nvSpPr>
+        <p:spPr>
+          <a:xfrm>
+            <a:off x="2698250" y="367100"/>
+            <a:ext cx="5905500" cy="1193186"/>
+          </a:xfrm>
+          <a:prstGeom prst="rect">
+            <a:avLst/>
+          </a:prstGeom>
+        </p:spPr>
+        <p:txBody>
+          <a:bodyPr spcFirstLastPara="1" wrap="square" lIns="91425" tIns="91425" rIns="91425" bIns="91425" anchor="t" anchorCtr="0">
+            <a:normAutofit/>
+          </a:bodyPr>
+          <a:lstStyle/>
+          <a:p>
+            <a:pPr marL="0" lvl="0" indent="0" algn="l" rtl="0">
+              <a:spcBef>
+                <a:spcPts val="0"/>
+              </a:spcBef>
+              <a:spcAft>
+                <a:spcPts val="0"/>
+              </a:spcAft>
+              <a:buNone/>
+            </a:pPr>
+            <a:r>
+              <a:rPr lang="en-IN" dirty="0"/>
+              <a:t>Baud Rate</a:t>
+            </a:r>
+            <a:endParaRPr dirty="0"/>
+          </a:p>
+        </p:txBody>
+      </p:sp>
+      <mc:AlternateContent xmlns:mc="http://schemas.openxmlformats.org/markup-compatibility/2006">
+        <mc:Choice xmlns:a14="http://schemas.microsoft.com/office/drawing/2010/main" Requires="a14">
+          <p:sp>
+            <p:nvSpPr>
+              <p:cNvPr id="55" name="Google Shape;55;p11">
+                <a:extLst>
+                  <a:ext uri="{FF2B5EF4-FFF2-40B4-BE49-F238E27FC236}">
+                    <a16:creationId xmlns:a16="http://schemas.microsoft.com/office/drawing/2014/main" id="{3D6DFE11-B395-1EA2-3A6E-04D6CAFA4D26}"/>
+                  </a:ext>
+                </a:extLst>
+              </p:cNvPr>
+              <p:cNvSpPr txBox="1">
+                <a:spLocks noGrp="1"/>
+              </p:cNvSpPr>
+              <p:nvPr>
+                <p:ph type="body" idx="1"/>
+              </p:nvPr>
+            </p:nvSpPr>
+            <p:spPr>
+              <a:xfrm>
+                <a:off x="2386896" y="1083767"/>
+                <a:ext cx="6528207" cy="3359444"/>
+              </a:xfrm>
+              <a:prstGeom prst="rect">
+                <a:avLst/>
+              </a:prstGeom>
+            </p:spPr>
+            <p:txBody>
+              <a:bodyPr spcFirstLastPara="1" wrap="square" lIns="91425" tIns="91425" rIns="91425" bIns="91425" anchor="t" anchorCtr="0">
+                <a:normAutofit/>
+              </a:bodyPr>
+              <a:lstStyle/>
+              <a:p>
+                <a:r>
+                  <a:rPr lang="en-IN" dirty="0"/>
+                  <a:t>We set the baud rate by loading a value into the </a:t>
+                </a:r>
+                <a:r>
+                  <a:rPr lang="en-IN" b="1" dirty="0"/>
+                  <a:t>UBRR0 register</a:t>
+                </a:r>
+                <a:r>
+                  <a:rPr lang="en-IN" dirty="0"/>
+                  <a:t>:</a:t>
+                </a:r>
+              </a:p>
+              <a:p>
+                <a:endParaRPr lang="en-IN" dirty="0"/>
+              </a:p>
+              <a:p>
+                <a:pPr marL="114300" indent="0">
+                  <a:buNone/>
+                </a:pPr>
+                <a14:m>
+                  <m:oMathPara xmlns:m="http://schemas.openxmlformats.org/officeDocument/2006/math">
+                    <m:oMathParaPr>
+                      <m:jc m:val="centerGroup"/>
+                    </m:oMathParaPr>
+                    <m:oMath xmlns:m="http://schemas.openxmlformats.org/officeDocument/2006/math">
+                      <m:r>
+                        <a:rPr lang="en-IN" i="1"/>
+                        <m:t>𝑈𝐵𝑅𝑅</m:t>
+                      </m:r>
+                      <m:r>
+                        <a:rPr lang="en-IN"/>
+                        <m:t>=</m:t>
+                      </m:r>
+                      <m:f>
+                        <m:fPr>
+                          <m:ctrlPr>
+                            <a:rPr lang="ar-AE" i="1"/>
+                          </m:ctrlPr>
+                        </m:fPr>
+                        <m:num>
+                          <m:sSub>
+                            <m:sSubPr>
+                              <m:ctrlPr>
+                                <a:rPr lang="ar-AE" i="1"/>
+                              </m:ctrlPr>
+                            </m:sSubPr>
+                            <m:e>
+                              <m:r>
+                                <a:rPr lang="ar-AE" i="1"/>
+                                <m:t>𝐹</m:t>
+                              </m:r>
+                            </m:e>
+                            <m:sub>
+                              <m:r>
+                                <a:rPr lang="ar-AE" i="1"/>
+                                <m:t>𝐶𝑃𝑈</m:t>
+                              </m:r>
+                            </m:sub>
+                          </m:sSub>
+                        </m:num>
+                        <m:den>
+                          <m:r>
+                            <a:rPr lang="ar-AE"/>
+                            <m:t>16</m:t>
+                          </m:r>
+                          <m:r>
+                            <a:rPr lang="ar-AE"/>
+                            <m:t>×</m:t>
+                          </m:r>
+                          <m:r>
+                            <a:rPr lang="ar-AE" i="1"/>
+                            <m:t>𝐵𝑎𝑢𝑑</m:t>
+                          </m:r>
+                        </m:den>
+                      </m:f>
+                      <m:r>
+                        <a:rPr lang="ar-AE"/>
+                        <m:t>−</m:t>
+                      </m:r>
+                      <m:r>
+                        <a:rPr lang="ar-AE"/>
+                        <m:t>1</m:t>
+                      </m:r>
+                    </m:oMath>
+                  </m:oMathPara>
+                </a14:m>
+                <a:endParaRPr lang="ar-AE" dirty="0"/>
+              </a:p>
+              <a:p>
+                <a:pPr marL="869950" lvl="1" indent="-285750">
+                  <a:buSzPts val="2000"/>
+                </a:pPr>
+                <a:endParaRPr lang="en-US" sz="1800" b="1" dirty="0"/>
+              </a:p>
+              <a:p>
+                <a:pPr marL="869950" lvl="1" indent="-285750">
+                  <a:buSzPts val="2000"/>
+                </a:pPr>
+                <a:endParaRPr lang="en-US" sz="1800" b="1" dirty="0"/>
+              </a:p>
+              <a:p>
+                <a:r>
+                  <a:rPr lang="en-IN" dirty="0"/>
+                  <a:t>Example for 16 MHz clock and 9600 baud:</a:t>
+                </a:r>
+              </a:p>
+              <a:p>
+                <a:pPr marL="114300" indent="0">
+                  <a:buNone/>
+                </a:pPr>
+                <a14:m>
+                  <m:oMathPara xmlns:m="http://schemas.openxmlformats.org/officeDocument/2006/math">
+                    <m:oMathParaPr>
+                      <m:jc m:val="centerGroup"/>
+                    </m:oMathParaPr>
+                    <m:oMath xmlns:m="http://schemas.openxmlformats.org/officeDocument/2006/math">
+                      <m:r>
+                        <a:rPr lang="en-IN" i="1"/>
+                        <m:t>𝑈𝐵𝑅𝑅</m:t>
+                      </m:r>
+                      <m:r>
+                        <a:rPr lang="en-IN"/>
+                        <m:t>=</m:t>
+                      </m:r>
+                      <m:f>
+                        <m:fPr>
+                          <m:ctrlPr>
+                            <a:rPr lang="ar-AE" i="1"/>
+                          </m:ctrlPr>
+                        </m:fPr>
+                        <m:num>
+                          <m:r>
+                            <a:rPr lang="ar-AE"/>
+                            <m:t>16</m:t>
+                          </m:r>
+                          <m:r>
+                            <a:rPr lang="ar-AE"/>
+                            <m:t>,</m:t>
+                          </m:r>
+                          <m:r>
+                            <a:rPr lang="ar-AE"/>
+                            <m:t>000</m:t>
+                          </m:r>
+                          <m:r>
+                            <a:rPr lang="ar-AE"/>
+                            <m:t>,</m:t>
+                          </m:r>
+                          <m:r>
+                            <a:rPr lang="ar-AE"/>
+                            <m:t>000</m:t>
+                          </m:r>
+                        </m:num>
+                        <m:den>
+                          <m:r>
+                            <a:rPr lang="ar-AE"/>
+                            <m:t>16</m:t>
+                          </m:r>
+                          <m:r>
+                            <a:rPr lang="ar-AE"/>
+                            <m:t>×</m:t>
+                          </m:r>
+                          <m:r>
+                            <a:rPr lang="ar-AE"/>
+                            <m:t>9600</m:t>
+                          </m:r>
+                        </m:den>
+                      </m:f>
+                      <m:r>
+                        <a:rPr lang="ar-AE"/>
+                        <m:t>−</m:t>
+                      </m:r>
+                      <m:r>
+                        <a:rPr lang="ar-AE"/>
+                        <m:t>1</m:t>
+                      </m:r>
+                      <m:r>
+                        <a:rPr lang="ar-AE"/>
+                        <m:t>=</m:t>
+                      </m:r>
+                      <m:r>
+                        <a:rPr lang="ar-AE"/>
+                        <m:t>103</m:t>
+                      </m:r>
+                    </m:oMath>
+                  </m:oMathPara>
+                </a14:m>
+                <a:endParaRPr lang="ar-AE" dirty="0"/>
+              </a:p>
+              <a:p>
+                <a:pPr marL="584200" lvl="1" indent="0">
+                  <a:buSzPts val="2000"/>
+                  <a:buNone/>
+                </a:pPr>
+                <a:endParaRPr lang="en-US" sz="1800" b="1" dirty="0"/>
+              </a:p>
+            </p:txBody>
+          </p:sp>
+        </mc:Choice>
+        <mc:Fallback>
+          <p:sp>
+            <p:nvSpPr>
+              <p:cNvPr id="55" name="Google Shape;55;p11">
+                <a:extLst>
+                  <a:ext uri="{FF2B5EF4-FFF2-40B4-BE49-F238E27FC236}">
+                    <a16:creationId xmlns:a16="http://schemas.microsoft.com/office/drawing/2014/main" id="{3D6DFE11-B395-1EA2-3A6E-04D6CAFA4D26}"/>
+                  </a:ext>
+                </a:extLst>
+              </p:cNvPr>
+              <p:cNvSpPr txBox="1">
+                <a:spLocks noGrp="1" noRot="1" noChangeAspect="1" noMove="1" noResize="1" noEditPoints="1" noAdjustHandles="1" noChangeArrowheads="1" noChangeShapeType="1" noTextEdit="1"/>
+              </p:cNvSpPr>
+              <p:nvPr>
+                <p:ph type="body" idx="1"/>
+              </p:nvPr>
+            </p:nvSpPr>
+            <p:spPr>
+              <a:xfrm>
+                <a:off x="2386896" y="1083767"/>
+                <a:ext cx="6528207" cy="3359444"/>
+              </a:xfrm>
+              <a:prstGeom prst="rect">
+                <a:avLst/>
+              </a:prstGeom>
+              <a:blipFill>
+                <a:blip r:embed="rId3"/>
+                <a:stretch>
+                  <a:fillRect/>
+                </a:stretch>
+              </a:blipFill>
+            </p:spPr>
+            <p:txBody>
+              <a:bodyPr/>
+              <a:lstStyle/>
+              <a:p>
+                <a:r>
+                  <a:rPr lang="en-IN">
+                    <a:noFill/>
+                  </a:rPr>
+                  <a:t> </a:t>
+                </a:r>
+              </a:p>
+            </p:txBody>
+          </p:sp>
+        </mc:Fallback>
+      </mc:AlternateContent>
+    </p:spTree>
+    <p:extLst>
+      <p:ext uri="{BB962C8B-B14F-4D97-AF65-F5344CB8AC3E}">
+        <p14:creationId xmlns:p14="http://schemas.microsoft.com/office/powerpoint/2010/main" val="2526330093"/>
       </p:ext>
     </p:extLst>
   </p:cSld>
@@ -5402,7 +7360,13 @@
   <p:cSld>
     <p:spTree>
       <p:nvGrpSpPr>
-        <p:cNvPr id="1" name="Shape 79"/>
+        <p:cNvPr id="1" name="Shape 53">
+          <a:extLst>
+            <a:ext uri="{FF2B5EF4-FFF2-40B4-BE49-F238E27FC236}">
+              <a16:creationId xmlns:a16="http://schemas.microsoft.com/office/drawing/2014/main" id="{21852B3E-757A-5C62-1EC1-A73D50DEBFFF}"/>
+            </a:ext>
+          </a:extLst>
+        </p:cNvPr>
         <p:cNvGrpSpPr/>
         <p:nvPr/>
       </p:nvGrpSpPr>
@@ -5416,22 +7380,3734 @@
       </p:grpSpPr>
       <p:sp>
         <p:nvSpPr>
-          <p:cNvPr id="80" name="Google Shape;80;p16"/>
+          <p:cNvPr id="54" name="Google Shape;54;p11">
+            <a:extLst>
+              <a:ext uri="{FF2B5EF4-FFF2-40B4-BE49-F238E27FC236}">
+                <a16:creationId xmlns:a16="http://schemas.microsoft.com/office/drawing/2014/main" id="{02F49DB7-EDC5-358E-8CD6-35569CA25EE9}"/>
+              </a:ext>
+            </a:extLst>
+          </p:cNvPr>
+          <p:cNvSpPr txBox="1">
+            <a:spLocks noGrp="1"/>
+          </p:cNvSpPr>
+          <p:nvPr>
+            <p:ph type="title"/>
+          </p:nvPr>
+        </p:nvSpPr>
+        <p:spPr>
+          <a:xfrm>
+            <a:off x="2727279" y="161273"/>
+            <a:ext cx="5905500" cy="740483"/>
+          </a:xfrm>
+          <a:prstGeom prst="rect">
+            <a:avLst/>
+          </a:prstGeom>
+        </p:spPr>
+        <p:txBody>
+          <a:bodyPr spcFirstLastPara="1" wrap="square" lIns="91425" tIns="91425" rIns="91425" bIns="91425" anchor="t" anchorCtr="0">
+            <a:normAutofit fontScale="90000"/>
+          </a:bodyPr>
+          <a:lstStyle/>
+          <a:p>
+            <a:pPr lvl="0" algn="ctr">
+              <a:lnSpc>
+                <a:spcPct val="115000"/>
+              </a:lnSpc>
+            </a:pPr>
+            <a:r>
+              <a:rPr lang="en-IN" sz="3300" dirty="0">
+                <a:solidFill>
+                  <a:schemeClr val="dk1"/>
+                </a:solidFill>
+                <a:latin typeface="Helvetica Neue"/>
+                <a:ea typeface="Helvetica Neue"/>
+                <a:cs typeface="Helvetica Neue"/>
+                <a:sym typeface="Helvetica Neue"/>
+              </a:rPr>
+              <a:t>Useful Registers</a:t>
+            </a:r>
+            <a:endParaRPr sz="3300" dirty="0">
+              <a:solidFill>
+                <a:schemeClr val="dk1"/>
+              </a:solidFill>
+              <a:latin typeface="Helvetica Neue"/>
+              <a:ea typeface="Helvetica Neue"/>
+              <a:cs typeface="Helvetica Neue"/>
+              <a:sym typeface="Helvetica Neue"/>
+            </a:endParaRPr>
+          </a:p>
+          <a:p>
+            <a:pPr marL="0" lvl="0" indent="0" algn="l" rtl="0">
+              <a:spcBef>
+                <a:spcPts val="0"/>
+              </a:spcBef>
+              <a:spcAft>
+                <a:spcPts val="0"/>
+              </a:spcAft>
+              <a:buNone/>
+            </a:pPr>
+            <a:endParaRPr dirty="0"/>
+          </a:p>
+        </p:txBody>
+      </p:sp>
+      <p:sp>
+        <p:nvSpPr>
+          <p:cNvPr id="7" name="TextBox 6">
+            <a:extLst>
+              <a:ext uri="{FF2B5EF4-FFF2-40B4-BE49-F238E27FC236}">
+                <a16:creationId xmlns:a16="http://schemas.microsoft.com/office/drawing/2014/main" id="{E122F68A-D3F9-08CD-566F-B67C4DB6E8E1}"/>
+              </a:ext>
+            </a:extLst>
+          </p:cNvPr>
           <p:cNvSpPr txBox="1"/>
           <p:nvPr/>
         </p:nvSpPr>
         <p:spPr>
           <a:xfrm>
-            <a:off x="2510200" y="1939350"/>
-            <a:ext cx="6354600" cy="632400"/>
+            <a:off x="4379174" y="2263973"/>
+            <a:ext cx="284052" cy="307777"/>
           </a:xfrm>
           <a:prstGeom prst="rect">
             <a:avLst/>
           </a:prstGeom>
           <a:noFill/>
-          <a:ln>
-            <a:noFill/>
-          </a:ln>
+        </p:spPr>
+        <p:txBody>
+          <a:bodyPr wrap="none" rtlCol="0">
+            <a:spAutoFit/>
+          </a:bodyPr>
+          <a:lstStyle/>
+          <a:p>
+            <a:r>
+              <a:rPr lang="en-IN" dirty="0"/>
+              <a:t>1</a:t>
+            </a:r>
+          </a:p>
+        </p:txBody>
+      </p:sp>
+      <p:graphicFrame>
+        <p:nvGraphicFramePr>
+          <p:cNvPr id="2" name="Table 1">
+            <a:extLst>
+              <a:ext uri="{FF2B5EF4-FFF2-40B4-BE49-F238E27FC236}">
+                <a16:creationId xmlns:a16="http://schemas.microsoft.com/office/drawing/2014/main" id="{11C14D1A-5AAA-3717-6B09-C7ADDC6BE69C}"/>
+              </a:ext>
+            </a:extLst>
+          </p:cNvPr>
+          <p:cNvGraphicFramePr>
+            <a:graphicFrameLocks noGrp="1"/>
+          </p:cNvGraphicFramePr>
+          <p:nvPr>
+            <p:extLst>
+              <p:ext uri="{D42A27DB-BD31-4B8C-83A1-F6EECF244321}">
+                <p14:modId xmlns:p14="http://schemas.microsoft.com/office/powerpoint/2010/main" val="3543270140"/>
+              </p:ext>
+            </p:extLst>
+          </p:nvPr>
+        </p:nvGraphicFramePr>
+        <p:xfrm>
+          <a:off x="2852670" y="1013869"/>
+          <a:ext cx="6136782" cy="3764317"/>
+        </p:xfrm>
+        <a:graphic>
+          <a:graphicData uri="http://schemas.openxmlformats.org/drawingml/2006/table">
+            <a:tbl>
+              <a:tblPr/>
+              <a:tblGrid>
+                <a:gridCol w="1107584">
+                  <a:extLst>
+                    <a:ext uri="{9D8B030D-6E8A-4147-A177-3AD203B41FA5}">
+                      <a16:colId xmlns:a16="http://schemas.microsoft.com/office/drawing/2014/main" val="3092908270"/>
+                    </a:ext>
+                  </a:extLst>
+                </a:gridCol>
+                <a:gridCol w="2575774">
+                  <a:extLst>
+                    <a:ext uri="{9D8B030D-6E8A-4147-A177-3AD203B41FA5}">
+                      <a16:colId xmlns:a16="http://schemas.microsoft.com/office/drawing/2014/main" val="1401083231"/>
+                    </a:ext>
+                  </a:extLst>
+                </a:gridCol>
+                <a:gridCol w="2453424">
+                  <a:extLst>
+                    <a:ext uri="{9D8B030D-6E8A-4147-A177-3AD203B41FA5}">
+                      <a16:colId xmlns:a16="http://schemas.microsoft.com/office/drawing/2014/main" val="3526543351"/>
+                    </a:ext>
+                  </a:extLst>
+                </a:gridCol>
+              </a:tblGrid>
+              <a:tr h="186794">
+                <a:tc>
+                  <a:txBody>
+                    <a:bodyPr/>
+                    <a:lstStyle/>
+                    <a:p>
+                      <a:pPr algn="ctr">
+                        <a:buNone/>
+                      </a:pPr>
+                      <a:r>
+                        <a:rPr lang="en-IN" sz="1100">
+                          <a:solidFill>
+                            <a:srgbClr val="00B0F0"/>
+                          </a:solidFill>
+                        </a:rPr>
+                        <a:t>Register</a:t>
+                      </a:r>
+                    </a:p>
+                  </a:txBody>
+                  <a:tcPr marL="52290" marR="52290" marT="26145" marB="26145" anchor="ctr">
+                    <a:lnL w="12700" cap="flat" cmpd="sng" algn="ctr">
+                      <a:solidFill>
+                        <a:schemeClr val="tx1"/>
+                      </a:solidFill>
+                      <a:prstDash val="solid"/>
+                      <a:round/>
+                      <a:headEnd type="none" w="med" len="med"/>
+                      <a:tailEnd type="none" w="med" len="med"/>
+                    </a:lnL>
+                    <a:lnR w="12700" cap="flat" cmpd="sng" algn="ctr">
+                      <a:solidFill>
+                        <a:schemeClr val="tx1"/>
+                      </a:solidFill>
+                      <a:prstDash val="solid"/>
+                      <a:round/>
+                      <a:headEnd type="none" w="med" len="med"/>
+                      <a:tailEnd type="none" w="med" len="med"/>
+                    </a:lnR>
+                    <a:lnT w="12700" cap="flat" cmpd="sng" algn="ctr">
+                      <a:solidFill>
+                        <a:schemeClr val="tx1"/>
+                      </a:solidFill>
+                      <a:prstDash val="solid"/>
+                      <a:round/>
+                      <a:headEnd type="none" w="med" len="med"/>
+                      <a:tailEnd type="none" w="med" len="med"/>
+                    </a:lnT>
+                    <a:lnB w="12700" cap="flat" cmpd="sng" algn="ctr">
+                      <a:solidFill>
+                        <a:schemeClr val="tx1"/>
+                      </a:solidFill>
+                      <a:prstDash val="solid"/>
+                      <a:round/>
+                      <a:headEnd type="none" w="med" len="med"/>
+                      <a:tailEnd type="none" w="med" len="med"/>
+                    </a:lnB>
+                    <a:noFill/>
+                  </a:tcPr>
+                </a:tc>
+                <a:tc>
+                  <a:txBody>
+                    <a:bodyPr/>
+                    <a:lstStyle/>
+                    <a:p>
+                      <a:pPr algn="ctr">
+                        <a:buNone/>
+                      </a:pPr>
+                      <a:r>
+                        <a:rPr lang="en-IN" sz="1100">
+                          <a:solidFill>
+                            <a:srgbClr val="00B0F0"/>
+                          </a:solidFill>
+                        </a:rPr>
+                        <a:t>Full Name</a:t>
+                      </a:r>
+                    </a:p>
+                  </a:txBody>
+                  <a:tcPr marL="52290" marR="52290" marT="26145" marB="26145" anchor="ctr">
+                    <a:lnL w="12700" cap="flat" cmpd="sng" algn="ctr">
+                      <a:solidFill>
+                        <a:schemeClr val="tx1"/>
+                      </a:solidFill>
+                      <a:prstDash val="solid"/>
+                      <a:round/>
+                      <a:headEnd type="none" w="med" len="med"/>
+                      <a:tailEnd type="none" w="med" len="med"/>
+                    </a:lnL>
+                    <a:lnR w="12700" cap="flat" cmpd="sng" algn="ctr">
+                      <a:solidFill>
+                        <a:schemeClr val="tx1"/>
+                      </a:solidFill>
+                      <a:prstDash val="solid"/>
+                      <a:round/>
+                      <a:headEnd type="none" w="med" len="med"/>
+                      <a:tailEnd type="none" w="med" len="med"/>
+                    </a:lnR>
+                    <a:lnT w="12700" cap="flat" cmpd="sng" algn="ctr">
+                      <a:solidFill>
+                        <a:schemeClr val="tx1"/>
+                      </a:solidFill>
+                      <a:prstDash val="solid"/>
+                      <a:round/>
+                      <a:headEnd type="none" w="med" len="med"/>
+                      <a:tailEnd type="none" w="med" len="med"/>
+                    </a:lnT>
+                    <a:lnB w="12700" cap="flat" cmpd="sng" algn="ctr">
+                      <a:solidFill>
+                        <a:schemeClr val="tx1"/>
+                      </a:solidFill>
+                      <a:prstDash val="solid"/>
+                      <a:round/>
+                      <a:headEnd type="none" w="med" len="med"/>
+                      <a:tailEnd type="none" w="med" len="med"/>
+                    </a:lnB>
+                    <a:noFill/>
+                  </a:tcPr>
+                </a:tc>
+                <a:tc>
+                  <a:txBody>
+                    <a:bodyPr/>
+                    <a:lstStyle/>
+                    <a:p>
+                      <a:pPr algn="ctr">
+                        <a:buNone/>
+                      </a:pPr>
+                      <a:r>
+                        <a:rPr lang="en-IN" sz="1100" dirty="0">
+                          <a:solidFill>
+                            <a:srgbClr val="00B0F0"/>
+                          </a:solidFill>
+                        </a:rPr>
+                        <a:t>Function / Purpose</a:t>
+                      </a:r>
+                    </a:p>
+                  </a:txBody>
+                  <a:tcPr marL="52290" marR="52290" marT="26145" marB="26145" anchor="ctr">
+                    <a:lnL w="12700" cap="flat" cmpd="sng" algn="ctr">
+                      <a:solidFill>
+                        <a:schemeClr val="tx1"/>
+                      </a:solidFill>
+                      <a:prstDash val="solid"/>
+                      <a:round/>
+                      <a:headEnd type="none" w="med" len="med"/>
+                      <a:tailEnd type="none" w="med" len="med"/>
+                    </a:lnL>
+                    <a:lnR w="12700" cap="flat" cmpd="sng" algn="ctr">
+                      <a:solidFill>
+                        <a:schemeClr val="tx1"/>
+                      </a:solidFill>
+                      <a:prstDash val="solid"/>
+                      <a:round/>
+                      <a:headEnd type="none" w="med" len="med"/>
+                      <a:tailEnd type="none" w="med" len="med"/>
+                    </a:lnR>
+                    <a:lnT w="12700" cap="flat" cmpd="sng" algn="ctr">
+                      <a:solidFill>
+                        <a:schemeClr val="tx1"/>
+                      </a:solidFill>
+                      <a:prstDash val="solid"/>
+                      <a:round/>
+                      <a:headEnd type="none" w="med" len="med"/>
+                      <a:tailEnd type="none" w="med" len="med"/>
+                    </a:lnT>
+                    <a:lnB w="12700" cap="flat" cmpd="sng" algn="ctr">
+                      <a:solidFill>
+                        <a:schemeClr val="tx1"/>
+                      </a:solidFill>
+                      <a:prstDash val="solid"/>
+                      <a:round/>
+                      <a:headEnd type="none" w="med" len="med"/>
+                      <a:tailEnd type="none" w="med" len="med"/>
+                    </a:lnB>
+                    <a:noFill/>
+                  </a:tcPr>
+                </a:tc>
+                <a:extLst>
+                  <a:ext uri="{0D108BD9-81ED-4DB2-BD59-A6C34878D82A}">
+                    <a16:rowId xmlns:a16="http://schemas.microsoft.com/office/drawing/2014/main" val="2582998212"/>
+                  </a:ext>
+                </a:extLst>
+              </a:tr>
+              <a:tr h="448305">
+                <a:tc>
+                  <a:txBody>
+                    <a:bodyPr/>
+                    <a:lstStyle/>
+                    <a:p>
+                      <a:pPr>
+                        <a:buNone/>
+                      </a:pPr>
+                      <a:r>
+                        <a:rPr lang="en-IN" sz="1100" b="1"/>
+                        <a:t>UBRR0H</a:t>
+                      </a:r>
+                      <a:endParaRPr lang="en-IN" sz="1100"/>
+                    </a:p>
+                  </a:txBody>
+                  <a:tcPr marL="52290" marR="52290" marT="26145" marB="26145" anchor="ctr">
+                    <a:lnL w="12700" cap="flat" cmpd="sng" algn="ctr">
+                      <a:solidFill>
+                        <a:schemeClr val="tx1"/>
+                      </a:solidFill>
+                      <a:prstDash val="solid"/>
+                      <a:round/>
+                      <a:headEnd type="none" w="med" len="med"/>
+                      <a:tailEnd type="none" w="med" len="med"/>
+                    </a:lnL>
+                    <a:lnR w="12700" cap="flat" cmpd="sng" algn="ctr">
+                      <a:solidFill>
+                        <a:schemeClr val="tx1"/>
+                      </a:solidFill>
+                      <a:prstDash val="solid"/>
+                      <a:round/>
+                      <a:headEnd type="none" w="med" len="med"/>
+                      <a:tailEnd type="none" w="med" len="med"/>
+                    </a:lnR>
+                    <a:lnT w="12700" cap="flat" cmpd="sng" algn="ctr">
+                      <a:solidFill>
+                        <a:schemeClr val="tx1"/>
+                      </a:solidFill>
+                      <a:prstDash val="solid"/>
+                      <a:round/>
+                      <a:headEnd type="none" w="med" len="med"/>
+                      <a:tailEnd type="none" w="med" len="med"/>
+                    </a:lnT>
+                    <a:lnB w="12700" cap="flat" cmpd="sng" algn="ctr">
+                      <a:solidFill>
+                        <a:schemeClr val="tx1"/>
+                      </a:solidFill>
+                      <a:prstDash val="solid"/>
+                      <a:round/>
+                      <a:headEnd type="none" w="med" len="med"/>
+                      <a:tailEnd type="none" w="med" len="med"/>
+                    </a:lnB>
+                    <a:noFill/>
+                  </a:tcPr>
+                </a:tc>
+                <a:tc>
+                  <a:txBody>
+                    <a:bodyPr/>
+                    <a:lstStyle/>
+                    <a:p>
+                      <a:pPr>
+                        <a:buNone/>
+                      </a:pPr>
+                      <a:r>
+                        <a:rPr lang="en-US" sz="1100"/>
+                        <a:t>USART Baud Rate Register High</a:t>
+                      </a:r>
+                    </a:p>
+                  </a:txBody>
+                  <a:tcPr marL="52290" marR="52290" marT="26145" marB="26145" anchor="ctr">
+                    <a:lnL w="12700" cap="flat" cmpd="sng" algn="ctr">
+                      <a:solidFill>
+                        <a:schemeClr val="tx1"/>
+                      </a:solidFill>
+                      <a:prstDash val="solid"/>
+                      <a:round/>
+                      <a:headEnd type="none" w="med" len="med"/>
+                      <a:tailEnd type="none" w="med" len="med"/>
+                    </a:lnL>
+                    <a:lnR w="12700" cap="flat" cmpd="sng" algn="ctr">
+                      <a:solidFill>
+                        <a:schemeClr val="tx1"/>
+                      </a:solidFill>
+                      <a:prstDash val="solid"/>
+                      <a:round/>
+                      <a:headEnd type="none" w="med" len="med"/>
+                      <a:tailEnd type="none" w="med" len="med"/>
+                    </a:lnR>
+                    <a:lnT w="12700" cap="flat" cmpd="sng" algn="ctr">
+                      <a:solidFill>
+                        <a:schemeClr val="tx1"/>
+                      </a:solidFill>
+                      <a:prstDash val="solid"/>
+                      <a:round/>
+                      <a:headEnd type="none" w="med" len="med"/>
+                      <a:tailEnd type="none" w="med" len="med"/>
+                    </a:lnT>
+                    <a:lnB w="12700" cap="flat" cmpd="sng" algn="ctr">
+                      <a:solidFill>
+                        <a:schemeClr val="tx1"/>
+                      </a:solidFill>
+                      <a:prstDash val="solid"/>
+                      <a:round/>
+                      <a:headEnd type="none" w="med" len="med"/>
+                      <a:tailEnd type="none" w="med" len="med"/>
+                    </a:lnB>
+                    <a:noFill/>
+                  </a:tcPr>
+                </a:tc>
+                <a:tc>
+                  <a:txBody>
+                    <a:bodyPr/>
+                    <a:lstStyle/>
+                    <a:p>
+                      <a:pPr>
+                        <a:buNone/>
+                      </a:pPr>
+                      <a:r>
+                        <a:rPr lang="en-US" sz="1100"/>
+                        <a:t>Holds the </a:t>
+                      </a:r>
+                      <a:r>
+                        <a:rPr lang="en-US" sz="1100" b="1"/>
+                        <a:t>upper 8 bits</a:t>
+                      </a:r>
+                      <a:r>
+                        <a:rPr lang="en-US" sz="1100"/>
+                        <a:t> of the 16-bit baud rate value</a:t>
+                      </a:r>
+                    </a:p>
+                  </a:txBody>
+                  <a:tcPr marL="52290" marR="52290" marT="26145" marB="26145" anchor="ctr">
+                    <a:lnL w="12700" cap="flat" cmpd="sng" algn="ctr">
+                      <a:solidFill>
+                        <a:schemeClr val="tx1"/>
+                      </a:solidFill>
+                      <a:prstDash val="solid"/>
+                      <a:round/>
+                      <a:headEnd type="none" w="med" len="med"/>
+                      <a:tailEnd type="none" w="med" len="med"/>
+                    </a:lnL>
+                    <a:lnR w="12700" cap="flat" cmpd="sng" algn="ctr">
+                      <a:solidFill>
+                        <a:schemeClr val="tx1"/>
+                      </a:solidFill>
+                      <a:prstDash val="solid"/>
+                      <a:round/>
+                      <a:headEnd type="none" w="med" len="med"/>
+                      <a:tailEnd type="none" w="med" len="med"/>
+                    </a:lnR>
+                    <a:lnT w="12700" cap="flat" cmpd="sng" algn="ctr">
+                      <a:solidFill>
+                        <a:schemeClr val="tx1"/>
+                      </a:solidFill>
+                      <a:prstDash val="solid"/>
+                      <a:round/>
+                      <a:headEnd type="none" w="med" len="med"/>
+                      <a:tailEnd type="none" w="med" len="med"/>
+                    </a:lnT>
+                    <a:lnB w="12700" cap="flat" cmpd="sng" algn="ctr">
+                      <a:solidFill>
+                        <a:schemeClr val="tx1"/>
+                      </a:solidFill>
+                      <a:prstDash val="solid"/>
+                      <a:round/>
+                      <a:headEnd type="none" w="med" len="med"/>
+                      <a:tailEnd type="none" w="med" len="med"/>
+                    </a:lnB>
+                    <a:noFill/>
+                  </a:tcPr>
+                </a:tc>
+                <a:extLst>
+                  <a:ext uri="{0D108BD9-81ED-4DB2-BD59-A6C34878D82A}">
+                    <a16:rowId xmlns:a16="http://schemas.microsoft.com/office/drawing/2014/main" val="3359558081"/>
+                  </a:ext>
+                </a:extLst>
+              </a:tr>
+              <a:tr h="317550">
+                <a:tc>
+                  <a:txBody>
+                    <a:bodyPr/>
+                    <a:lstStyle/>
+                    <a:p>
+                      <a:pPr>
+                        <a:buNone/>
+                      </a:pPr>
+                      <a:r>
+                        <a:rPr lang="en-IN" sz="1100" b="1"/>
+                        <a:t>UBRR0L</a:t>
+                      </a:r>
+                      <a:endParaRPr lang="en-IN" sz="1100"/>
+                    </a:p>
+                  </a:txBody>
+                  <a:tcPr marL="52290" marR="52290" marT="26145" marB="26145" anchor="ctr">
+                    <a:lnL w="12700" cap="flat" cmpd="sng" algn="ctr">
+                      <a:solidFill>
+                        <a:schemeClr val="tx1"/>
+                      </a:solidFill>
+                      <a:prstDash val="solid"/>
+                      <a:round/>
+                      <a:headEnd type="none" w="med" len="med"/>
+                      <a:tailEnd type="none" w="med" len="med"/>
+                    </a:lnL>
+                    <a:lnR w="12700" cap="flat" cmpd="sng" algn="ctr">
+                      <a:solidFill>
+                        <a:schemeClr val="tx1"/>
+                      </a:solidFill>
+                      <a:prstDash val="solid"/>
+                      <a:round/>
+                      <a:headEnd type="none" w="med" len="med"/>
+                      <a:tailEnd type="none" w="med" len="med"/>
+                    </a:lnR>
+                    <a:lnT w="12700" cap="flat" cmpd="sng" algn="ctr">
+                      <a:solidFill>
+                        <a:schemeClr val="tx1"/>
+                      </a:solidFill>
+                      <a:prstDash val="solid"/>
+                      <a:round/>
+                      <a:headEnd type="none" w="med" len="med"/>
+                      <a:tailEnd type="none" w="med" len="med"/>
+                    </a:lnT>
+                    <a:lnB w="12700" cap="flat" cmpd="sng" algn="ctr">
+                      <a:solidFill>
+                        <a:schemeClr val="tx1"/>
+                      </a:solidFill>
+                      <a:prstDash val="solid"/>
+                      <a:round/>
+                      <a:headEnd type="none" w="med" len="med"/>
+                      <a:tailEnd type="none" w="med" len="med"/>
+                    </a:lnB>
+                    <a:noFill/>
+                  </a:tcPr>
+                </a:tc>
+                <a:tc>
+                  <a:txBody>
+                    <a:bodyPr/>
+                    <a:lstStyle/>
+                    <a:p>
+                      <a:pPr>
+                        <a:buNone/>
+                      </a:pPr>
+                      <a:r>
+                        <a:rPr lang="en-US" sz="1100"/>
+                        <a:t>USART Baud Rate Register Low</a:t>
+                      </a:r>
+                    </a:p>
+                  </a:txBody>
+                  <a:tcPr marL="52290" marR="52290" marT="26145" marB="26145" anchor="ctr">
+                    <a:lnL w="12700" cap="flat" cmpd="sng" algn="ctr">
+                      <a:solidFill>
+                        <a:schemeClr val="tx1"/>
+                      </a:solidFill>
+                      <a:prstDash val="solid"/>
+                      <a:round/>
+                      <a:headEnd type="none" w="med" len="med"/>
+                      <a:tailEnd type="none" w="med" len="med"/>
+                    </a:lnL>
+                    <a:lnR w="12700" cap="flat" cmpd="sng" algn="ctr">
+                      <a:solidFill>
+                        <a:schemeClr val="tx1"/>
+                      </a:solidFill>
+                      <a:prstDash val="solid"/>
+                      <a:round/>
+                      <a:headEnd type="none" w="med" len="med"/>
+                      <a:tailEnd type="none" w="med" len="med"/>
+                    </a:lnR>
+                    <a:lnT w="12700" cap="flat" cmpd="sng" algn="ctr">
+                      <a:solidFill>
+                        <a:schemeClr val="tx1"/>
+                      </a:solidFill>
+                      <a:prstDash val="solid"/>
+                      <a:round/>
+                      <a:headEnd type="none" w="med" len="med"/>
+                      <a:tailEnd type="none" w="med" len="med"/>
+                    </a:lnT>
+                    <a:lnB w="12700" cap="flat" cmpd="sng" algn="ctr">
+                      <a:solidFill>
+                        <a:schemeClr val="tx1"/>
+                      </a:solidFill>
+                      <a:prstDash val="solid"/>
+                      <a:round/>
+                      <a:headEnd type="none" w="med" len="med"/>
+                      <a:tailEnd type="none" w="med" len="med"/>
+                    </a:lnB>
+                    <a:noFill/>
+                  </a:tcPr>
+                </a:tc>
+                <a:tc>
+                  <a:txBody>
+                    <a:bodyPr/>
+                    <a:lstStyle/>
+                    <a:p>
+                      <a:pPr>
+                        <a:buNone/>
+                      </a:pPr>
+                      <a:r>
+                        <a:rPr lang="en-US" sz="1100"/>
+                        <a:t>Holds the </a:t>
+                      </a:r>
+                      <a:r>
+                        <a:rPr lang="en-US" sz="1100" b="1"/>
+                        <a:t>lower 8 bits</a:t>
+                      </a:r>
+                      <a:r>
+                        <a:rPr lang="en-US" sz="1100"/>
+                        <a:t> of the baud rate value</a:t>
+                      </a:r>
+                    </a:p>
+                  </a:txBody>
+                  <a:tcPr marL="52290" marR="52290" marT="26145" marB="26145" anchor="ctr">
+                    <a:lnL w="12700" cap="flat" cmpd="sng" algn="ctr">
+                      <a:solidFill>
+                        <a:schemeClr val="tx1"/>
+                      </a:solidFill>
+                      <a:prstDash val="solid"/>
+                      <a:round/>
+                      <a:headEnd type="none" w="med" len="med"/>
+                      <a:tailEnd type="none" w="med" len="med"/>
+                    </a:lnL>
+                    <a:lnR w="12700" cap="flat" cmpd="sng" algn="ctr">
+                      <a:solidFill>
+                        <a:schemeClr val="tx1"/>
+                      </a:solidFill>
+                      <a:prstDash val="solid"/>
+                      <a:round/>
+                      <a:headEnd type="none" w="med" len="med"/>
+                      <a:tailEnd type="none" w="med" len="med"/>
+                    </a:lnR>
+                    <a:lnT w="12700" cap="flat" cmpd="sng" algn="ctr">
+                      <a:solidFill>
+                        <a:schemeClr val="tx1"/>
+                      </a:solidFill>
+                      <a:prstDash val="solid"/>
+                      <a:round/>
+                      <a:headEnd type="none" w="med" len="med"/>
+                      <a:tailEnd type="none" w="med" len="med"/>
+                    </a:lnT>
+                    <a:lnB w="12700" cap="flat" cmpd="sng" algn="ctr">
+                      <a:solidFill>
+                        <a:schemeClr val="tx1"/>
+                      </a:solidFill>
+                      <a:prstDash val="solid"/>
+                      <a:round/>
+                      <a:headEnd type="none" w="med" len="med"/>
+                      <a:tailEnd type="none" w="med" len="med"/>
+                    </a:lnB>
+                    <a:noFill/>
+                  </a:tcPr>
+                </a:tc>
+                <a:extLst>
+                  <a:ext uri="{0D108BD9-81ED-4DB2-BD59-A6C34878D82A}">
+                    <a16:rowId xmlns:a16="http://schemas.microsoft.com/office/drawing/2014/main" val="2749820900"/>
+                  </a:ext>
+                </a:extLst>
+              </a:tr>
+              <a:tr h="840573">
+                <a:tc>
+                  <a:txBody>
+                    <a:bodyPr/>
+                    <a:lstStyle/>
+                    <a:p>
+                      <a:pPr>
+                        <a:buNone/>
+                      </a:pPr>
+                      <a:r>
+                        <a:rPr lang="en-IN" sz="1100" b="1"/>
+                        <a:t>UCSR0A</a:t>
+                      </a:r>
+                      <a:endParaRPr lang="en-IN" sz="1100"/>
+                    </a:p>
+                  </a:txBody>
+                  <a:tcPr marL="52290" marR="52290" marT="26145" marB="26145" anchor="ctr">
+                    <a:lnL w="12700" cap="flat" cmpd="sng" algn="ctr">
+                      <a:solidFill>
+                        <a:schemeClr val="tx1"/>
+                      </a:solidFill>
+                      <a:prstDash val="solid"/>
+                      <a:round/>
+                      <a:headEnd type="none" w="med" len="med"/>
+                      <a:tailEnd type="none" w="med" len="med"/>
+                    </a:lnL>
+                    <a:lnR w="12700" cap="flat" cmpd="sng" algn="ctr">
+                      <a:solidFill>
+                        <a:schemeClr val="tx1"/>
+                      </a:solidFill>
+                      <a:prstDash val="solid"/>
+                      <a:round/>
+                      <a:headEnd type="none" w="med" len="med"/>
+                      <a:tailEnd type="none" w="med" len="med"/>
+                    </a:lnR>
+                    <a:lnT w="12700" cap="flat" cmpd="sng" algn="ctr">
+                      <a:solidFill>
+                        <a:schemeClr val="tx1"/>
+                      </a:solidFill>
+                      <a:prstDash val="solid"/>
+                      <a:round/>
+                      <a:headEnd type="none" w="med" len="med"/>
+                      <a:tailEnd type="none" w="med" len="med"/>
+                    </a:lnT>
+                    <a:lnB w="12700" cap="flat" cmpd="sng" algn="ctr">
+                      <a:solidFill>
+                        <a:schemeClr val="tx1"/>
+                      </a:solidFill>
+                      <a:prstDash val="solid"/>
+                      <a:round/>
+                      <a:headEnd type="none" w="med" len="med"/>
+                      <a:tailEnd type="none" w="med" len="med"/>
+                    </a:lnB>
+                    <a:noFill/>
+                  </a:tcPr>
+                </a:tc>
+                <a:tc>
+                  <a:txBody>
+                    <a:bodyPr/>
+                    <a:lstStyle/>
+                    <a:p>
+                      <a:pPr>
+                        <a:buNone/>
+                      </a:pPr>
+                      <a:r>
+                        <a:rPr lang="en-US" sz="1100"/>
+                        <a:t>USART Control and Status Register A</a:t>
+                      </a:r>
+                    </a:p>
+                  </a:txBody>
+                  <a:tcPr marL="52290" marR="52290" marT="26145" marB="26145" anchor="ctr">
+                    <a:lnL w="12700" cap="flat" cmpd="sng" algn="ctr">
+                      <a:solidFill>
+                        <a:schemeClr val="tx1"/>
+                      </a:solidFill>
+                      <a:prstDash val="solid"/>
+                      <a:round/>
+                      <a:headEnd type="none" w="med" len="med"/>
+                      <a:tailEnd type="none" w="med" len="med"/>
+                    </a:lnL>
+                    <a:lnR w="12700" cap="flat" cmpd="sng" algn="ctr">
+                      <a:solidFill>
+                        <a:schemeClr val="tx1"/>
+                      </a:solidFill>
+                      <a:prstDash val="solid"/>
+                      <a:round/>
+                      <a:headEnd type="none" w="med" len="med"/>
+                      <a:tailEnd type="none" w="med" len="med"/>
+                    </a:lnR>
+                    <a:lnT w="12700" cap="flat" cmpd="sng" algn="ctr">
+                      <a:solidFill>
+                        <a:schemeClr val="tx1"/>
+                      </a:solidFill>
+                      <a:prstDash val="solid"/>
+                      <a:round/>
+                      <a:headEnd type="none" w="med" len="med"/>
+                      <a:tailEnd type="none" w="med" len="med"/>
+                    </a:lnT>
+                    <a:lnB w="12700" cap="flat" cmpd="sng" algn="ctr">
+                      <a:solidFill>
+                        <a:schemeClr val="tx1"/>
+                      </a:solidFill>
+                      <a:prstDash val="solid"/>
+                      <a:round/>
+                      <a:headEnd type="none" w="med" len="med"/>
+                      <a:tailEnd type="none" w="med" len="med"/>
+                    </a:lnB>
+                    <a:noFill/>
+                  </a:tcPr>
+                </a:tc>
+                <a:tc>
+                  <a:txBody>
+                    <a:bodyPr/>
+                    <a:lstStyle/>
+                    <a:p>
+                      <a:pPr>
+                        <a:buNone/>
+                      </a:pPr>
+                      <a:r>
+                        <a:rPr lang="en-US" sz="1100"/>
+                        <a:t>Contains </a:t>
+                      </a:r>
+                      <a:r>
+                        <a:rPr lang="en-US" sz="1100" b="1"/>
+                        <a:t>status flags</a:t>
+                      </a:r>
+                      <a:r>
+                        <a:rPr lang="en-US" sz="1100"/>
+                        <a:t> and control bits (TX complete, RX complete, buffer empty, double speed, etc.)</a:t>
+                      </a:r>
+                    </a:p>
+                  </a:txBody>
+                  <a:tcPr marL="52290" marR="52290" marT="26145" marB="26145" anchor="ctr">
+                    <a:lnL w="12700" cap="flat" cmpd="sng" algn="ctr">
+                      <a:solidFill>
+                        <a:schemeClr val="tx1"/>
+                      </a:solidFill>
+                      <a:prstDash val="solid"/>
+                      <a:round/>
+                      <a:headEnd type="none" w="med" len="med"/>
+                      <a:tailEnd type="none" w="med" len="med"/>
+                    </a:lnL>
+                    <a:lnR w="12700" cap="flat" cmpd="sng" algn="ctr">
+                      <a:solidFill>
+                        <a:schemeClr val="tx1"/>
+                      </a:solidFill>
+                      <a:prstDash val="solid"/>
+                      <a:round/>
+                      <a:headEnd type="none" w="med" len="med"/>
+                      <a:tailEnd type="none" w="med" len="med"/>
+                    </a:lnR>
+                    <a:lnT w="12700" cap="flat" cmpd="sng" algn="ctr">
+                      <a:solidFill>
+                        <a:schemeClr val="tx1"/>
+                      </a:solidFill>
+                      <a:prstDash val="solid"/>
+                      <a:round/>
+                      <a:headEnd type="none" w="med" len="med"/>
+                      <a:tailEnd type="none" w="med" len="med"/>
+                    </a:lnT>
+                    <a:lnB w="12700" cap="flat" cmpd="sng" algn="ctr">
+                      <a:solidFill>
+                        <a:schemeClr val="tx1"/>
+                      </a:solidFill>
+                      <a:prstDash val="solid"/>
+                      <a:round/>
+                      <a:headEnd type="none" w="med" len="med"/>
+                      <a:tailEnd type="none" w="med" len="med"/>
+                    </a:lnB>
+                    <a:noFill/>
+                  </a:tcPr>
+                </a:tc>
+                <a:extLst>
+                  <a:ext uri="{0D108BD9-81ED-4DB2-BD59-A6C34878D82A}">
+                    <a16:rowId xmlns:a16="http://schemas.microsoft.com/office/drawing/2014/main" val="4210709051"/>
+                  </a:ext>
+                </a:extLst>
+              </a:tr>
+              <a:tr h="709817">
+                <a:tc>
+                  <a:txBody>
+                    <a:bodyPr/>
+                    <a:lstStyle/>
+                    <a:p>
+                      <a:pPr>
+                        <a:buNone/>
+                      </a:pPr>
+                      <a:r>
+                        <a:rPr lang="en-IN" sz="1100" b="1" dirty="0"/>
+                        <a:t>UCSR0B</a:t>
+                      </a:r>
+                      <a:endParaRPr lang="en-IN" sz="1100" dirty="0"/>
+                    </a:p>
+                  </a:txBody>
+                  <a:tcPr marL="52290" marR="52290" marT="26145" marB="26145" anchor="ctr">
+                    <a:lnL w="12700" cap="flat" cmpd="sng" algn="ctr">
+                      <a:solidFill>
+                        <a:schemeClr val="tx1"/>
+                      </a:solidFill>
+                      <a:prstDash val="solid"/>
+                      <a:round/>
+                      <a:headEnd type="none" w="med" len="med"/>
+                      <a:tailEnd type="none" w="med" len="med"/>
+                    </a:lnL>
+                    <a:lnR w="12700" cap="flat" cmpd="sng" algn="ctr">
+                      <a:solidFill>
+                        <a:schemeClr val="tx1"/>
+                      </a:solidFill>
+                      <a:prstDash val="solid"/>
+                      <a:round/>
+                      <a:headEnd type="none" w="med" len="med"/>
+                      <a:tailEnd type="none" w="med" len="med"/>
+                    </a:lnR>
+                    <a:lnT w="12700" cap="flat" cmpd="sng" algn="ctr">
+                      <a:solidFill>
+                        <a:schemeClr val="tx1"/>
+                      </a:solidFill>
+                      <a:prstDash val="solid"/>
+                      <a:round/>
+                      <a:headEnd type="none" w="med" len="med"/>
+                      <a:tailEnd type="none" w="med" len="med"/>
+                    </a:lnT>
+                    <a:lnB w="12700" cap="flat" cmpd="sng" algn="ctr">
+                      <a:solidFill>
+                        <a:schemeClr val="tx1"/>
+                      </a:solidFill>
+                      <a:prstDash val="solid"/>
+                      <a:round/>
+                      <a:headEnd type="none" w="med" len="med"/>
+                      <a:tailEnd type="none" w="med" len="med"/>
+                    </a:lnB>
+                    <a:noFill/>
+                  </a:tcPr>
+                </a:tc>
+                <a:tc>
+                  <a:txBody>
+                    <a:bodyPr/>
+                    <a:lstStyle/>
+                    <a:p>
+                      <a:pPr>
+                        <a:buNone/>
+                      </a:pPr>
+                      <a:r>
+                        <a:rPr lang="en-US" sz="1100" dirty="0"/>
+                        <a:t>USART Control and Status Register B</a:t>
+                      </a:r>
+                    </a:p>
+                  </a:txBody>
+                  <a:tcPr marL="52290" marR="52290" marT="26145" marB="26145" anchor="ctr">
+                    <a:lnL w="12700" cap="flat" cmpd="sng" algn="ctr">
+                      <a:solidFill>
+                        <a:schemeClr val="tx1"/>
+                      </a:solidFill>
+                      <a:prstDash val="solid"/>
+                      <a:round/>
+                      <a:headEnd type="none" w="med" len="med"/>
+                      <a:tailEnd type="none" w="med" len="med"/>
+                    </a:lnL>
+                    <a:lnR w="12700" cap="flat" cmpd="sng" algn="ctr">
+                      <a:solidFill>
+                        <a:schemeClr val="tx1"/>
+                      </a:solidFill>
+                      <a:prstDash val="solid"/>
+                      <a:round/>
+                      <a:headEnd type="none" w="med" len="med"/>
+                      <a:tailEnd type="none" w="med" len="med"/>
+                    </a:lnR>
+                    <a:lnT w="12700" cap="flat" cmpd="sng" algn="ctr">
+                      <a:solidFill>
+                        <a:schemeClr val="tx1"/>
+                      </a:solidFill>
+                      <a:prstDash val="solid"/>
+                      <a:round/>
+                      <a:headEnd type="none" w="med" len="med"/>
+                      <a:tailEnd type="none" w="med" len="med"/>
+                    </a:lnT>
+                    <a:lnB w="12700" cap="flat" cmpd="sng" algn="ctr">
+                      <a:solidFill>
+                        <a:schemeClr val="tx1"/>
+                      </a:solidFill>
+                      <a:prstDash val="solid"/>
+                      <a:round/>
+                      <a:headEnd type="none" w="med" len="med"/>
+                      <a:tailEnd type="none" w="med" len="med"/>
+                    </a:lnB>
+                    <a:noFill/>
+                  </a:tcPr>
+                </a:tc>
+                <a:tc>
+                  <a:txBody>
+                    <a:bodyPr/>
+                    <a:lstStyle/>
+                    <a:p>
+                      <a:pPr>
+                        <a:buNone/>
+                      </a:pPr>
+                      <a:r>
+                        <a:rPr lang="en-US" sz="1100"/>
+                        <a:t>Used to </a:t>
+                      </a:r>
+                      <a:r>
+                        <a:rPr lang="en-US" sz="1100" b="1"/>
+                        <a:t>enable/disable</a:t>
+                      </a:r>
+                      <a:r>
+                        <a:rPr lang="en-US" sz="1100"/>
+                        <a:t> transmitter, receiver, and interrupts; selects 9-bit mode</a:t>
+                      </a:r>
+                    </a:p>
+                  </a:txBody>
+                  <a:tcPr marL="52290" marR="52290" marT="26145" marB="26145" anchor="ctr">
+                    <a:lnL w="12700" cap="flat" cmpd="sng" algn="ctr">
+                      <a:solidFill>
+                        <a:schemeClr val="tx1"/>
+                      </a:solidFill>
+                      <a:prstDash val="solid"/>
+                      <a:round/>
+                      <a:headEnd type="none" w="med" len="med"/>
+                      <a:tailEnd type="none" w="med" len="med"/>
+                    </a:lnL>
+                    <a:lnR w="12700" cap="flat" cmpd="sng" algn="ctr">
+                      <a:solidFill>
+                        <a:schemeClr val="tx1"/>
+                      </a:solidFill>
+                      <a:prstDash val="solid"/>
+                      <a:round/>
+                      <a:headEnd type="none" w="med" len="med"/>
+                      <a:tailEnd type="none" w="med" len="med"/>
+                    </a:lnR>
+                    <a:lnT w="12700" cap="flat" cmpd="sng" algn="ctr">
+                      <a:solidFill>
+                        <a:schemeClr val="tx1"/>
+                      </a:solidFill>
+                      <a:prstDash val="solid"/>
+                      <a:round/>
+                      <a:headEnd type="none" w="med" len="med"/>
+                      <a:tailEnd type="none" w="med" len="med"/>
+                    </a:lnT>
+                    <a:lnB w="12700" cap="flat" cmpd="sng" algn="ctr">
+                      <a:solidFill>
+                        <a:schemeClr val="tx1"/>
+                      </a:solidFill>
+                      <a:prstDash val="solid"/>
+                      <a:round/>
+                      <a:headEnd type="none" w="med" len="med"/>
+                      <a:tailEnd type="none" w="med" len="med"/>
+                    </a:lnB>
+                    <a:noFill/>
+                  </a:tcPr>
+                </a:tc>
+                <a:extLst>
+                  <a:ext uri="{0D108BD9-81ED-4DB2-BD59-A6C34878D82A}">
+                    <a16:rowId xmlns:a16="http://schemas.microsoft.com/office/drawing/2014/main" val="4137005455"/>
+                  </a:ext>
+                </a:extLst>
+              </a:tr>
+              <a:tr h="579061">
+                <a:tc>
+                  <a:txBody>
+                    <a:bodyPr/>
+                    <a:lstStyle/>
+                    <a:p>
+                      <a:pPr>
+                        <a:buNone/>
+                      </a:pPr>
+                      <a:r>
+                        <a:rPr lang="en-IN" sz="1100" b="1"/>
+                        <a:t>UCSR0C</a:t>
+                      </a:r>
+                      <a:endParaRPr lang="en-IN" sz="1100"/>
+                    </a:p>
+                  </a:txBody>
+                  <a:tcPr marL="52290" marR="52290" marT="26145" marB="26145" anchor="ctr">
+                    <a:lnL w="12700" cap="flat" cmpd="sng" algn="ctr">
+                      <a:solidFill>
+                        <a:schemeClr val="tx1"/>
+                      </a:solidFill>
+                      <a:prstDash val="solid"/>
+                      <a:round/>
+                      <a:headEnd type="none" w="med" len="med"/>
+                      <a:tailEnd type="none" w="med" len="med"/>
+                    </a:lnL>
+                    <a:lnR w="12700" cap="flat" cmpd="sng" algn="ctr">
+                      <a:solidFill>
+                        <a:schemeClr val="tx1"/>
+                      </a:solidFill>
+                      <a:prstDash val="solid"/>
+                      <a:round/>
+                      <a:headEnd type="none" w="med" len="med"/>
+                      <a:tailEnd type="none" w="med" len="med"/>
+                    </a:lnR>
+                    <a:lnT w="12700" cap="flat" cmpd="sng" algn="ctr">
+                      <a:solidFill>
+                        <a:schemeClr val="tx1"/>
+                      </a:solidFill>
+                      <a:prstDash val="solid"/>
+                      <a:round/>
+                      <a:headEnd type="none" w="med" len="med"/>
+                      <a:tailEnd type="none" w="med" len="med"/>
+                    </a:lnT>
+                    <a:lnB w="12700" cap="flat" cmpd="sng" algn="ctr">
+                      <a:solidFill>
+                        <a:schemeClr val="tx1"/>
+                      </a:solidFill>
+                      <a:prstDash val="solid"/>
+                      <a:round/>
+                      <a:headEnd type="none" w="med" len="med"/>
+                      <a:tailEnd type="none" w="med" len="med"/>
+                    </a:lnB>
+                    <a:noFill/>
+                  </a:tcPr>
+                </a:tc>
+                <a:tc>
+                  <a:txBody>
+                    <a:bodyPr/>
+                    <a:lstStyle/>
+                    <a:p>
+                      <a:pPr>
+                        <a:buNone/>
+                      </a:pPr>
+                      <a:r>
+                        <a:rPr lang="en-US" sz="1100"/>
+                        <a:t>USART Control and Status Register C</a:t>
+                      </a:r>
+                    </a:p>
+                  </a:txBody>
+                  <a:tcPr marL="52290" marR="52290" marT="26145" marB="26145" anchor="ctr">
+                    <a:lnL w="12700" cap="flat" cmpd="sng" algn="ctr">
+                      <a:solidFill>
+                        <a:schemeClr val="tx1"/>
+                      </a:solidFill>
+                      <a:prstDash val="solid"/>
+                      <a:round/>
+                      <a:headEnd type="none" w="med" len="med"/>
+                      <a:tailEnd type="none" w="med" len="med"/>
+                    </a:lnL>
+                    <a:lnR w="12700" cap="flat" cmpd="sng" algn="ctr">
+                      <a:solidFill>
+                        <a:schemeClr val="tx1"/>
+                      </a:solidFill>
+                      <a:prstDash val="solid"/>
+                      <a:round/>
+                      <a:headEnd type="none" w="med" len="med"/>
+                      <a:tailEnd type="none" w="med" len="med"/>
+                    </a:lnR>
+                    <a:lnT w="12700" cap="flat" cmpd="sng" algn="ctr">
+                      <a:solidFill>
+                        <a:schemeClr val="tx1"/>
+                      </a:solidFill>
+                      <a:prstDash val="solid"/>
+                      <a:round/>
+                      <a:headEnd type="none" w="med" len="med"/>
+                      <a:tailEnd type="none" w="med" len="med"/>
+                    </a:lnT>
+                    <a:lnB w="12700" cap="flat" cmpd="sng" algn="ctr">
+                      <a:solidFill>
+                        <a:schemeClr val="tx1"/>
+                      </a:solidFill>
+                      <a:prstDash val="solid"/>
+                      <a:round/>
+                      <a:headEnd type="none" w="med" len="med"/>
+                      <a:tailEnd type="none" w="med" len="med"/>
+                    </a:lnB>
+                    <a:noFill/>
+                  </a:tcPr>
+                </a:tc>
+                <a:tc>
+                  <a:txBody>
+                    <a:bodyPr/>
+                    <a:lstStyle/>
+                    <a:p>
+                      <a:pPr>
+                        <a:buNone/>
+                      </a:pPr>
+                      <a:r>
+                        <a:rPr lang="en-IN" sz="1100"/>
+                        <a:t>Sets </a:t>
+                      </a:r>
+                      <a:r>
+                        <a:rPr lang="en-IN" sz="1100" b="1"/>
+                        <a:t>frame format</a:t>
+                      </a:r>
+                      <a:r>
+                        <a:rPr lang="en-IN" sz="1100"/>
+                        <a:t> (data bits, stop bits, parity mode, sync/async mode)</a:t>
+                      </a:r>
+                    </a:p>
+                  </a:txBody>
+                  <a:tcPr marL="52290" marR="52290" marT="26145" marB="26145" anchor="ctr">
+                    <a:lnL w="12700" cap="flat" cmpd="sng" algn="ctr">
+                      <a:solidFill>
+                        <a:schemeClr val="tx1"/>
+                      </a:solidFill>
+                      <a:prstDash val="solid"/>
+                      <a:round/>
+                      <a:headEnd type="none" w="med" len="med"/>
+                      <a:tailEnd type="none" w="med" len="med"/>
+                    </a:lnL>
+                    <a:lnR w="12700" cap="flat" cmpd="sng" algn="ctr">
+                      <a:solidFill>
+                        <a:schemeClr val="tx1"/>
+                      </a:solidFill>
+                      <a:prstDash val="solid"/>
+                      <a:round/>
+                      <a:headEnd type="none" w="med" len="med"/>
+                      <a:tailEnd type="none" w="med" len="med"/>
+                    </a:lnR>
+                    <a:lnT w="12700" cap="flat" cmpd="sng" algn="ctr">
+                      <a:solidFill>
+                        <a:schemeClr val="tx1"/>
+                      </a:solidFill>
+                      <a:prstDash val="solid"/>
+                      <a:round/>
+                      <a:headEnd type="none" w="med" len="med"/>
+                      <a:tailEnd type="none" w="med" len="med"/>
+                    </a:lnT>
+                    <a:lnB w="12700" cap="flat" cmpd="sng" algn="ctr">
+                      <a:solidFill>
+                        <a:schemeClr val="tx1"/>
+                      </a:solidFill>
+                      <a:prstDash val="solid"/>
+                      <a:round/>
+                      <a:headEnd type="none" w="med" len="med"/>
+                      <a:tailEnd type="none" w="med" len="med"/>
+                    </a:lnB>
+                    <a:noFill/>
+                  </a:tcPr>
+                </a:tc>
+                <a:extLst>
+                  <a:ext uri="{0D108BD9-81ED-4DB2-BD59-A6C34878D82A}">
+                    <a16:rowId xmlns:a16="http://schemas.microsoft.com/office/drawing/2014/main" val="3461108454"/>
+                  </a:ext>
+                </a:extLst>
+              </a:tr>
+              <a:tr h="579061">
+                <a:tc>
+                  <a:txBody>
+                    <a:bodyPr/>
+                    <a:lstStyle/>
+                    <a:p>
+                      <a:pPr>
+                        <a:buNone/>
+                      </a:pPr>
+                      <a:r>
+                        <a:rPr lang="en-IN" sz="1100" b="1"/>
+                        <a:t>UDR0</a:t>
+                      </a:r>
+                      <a:endParaRPr lang="en-IN" sz="1100"/>
+                    </a:p>
+                  </a:txBody>
+                  <a:tcPr marL="52290" marR="52290" marT="26145" marB="26145" anchor="ctr">
+                    <a:lnL w="12700" cap="flat" cmpd="sng" algn="ctr">
+                      <a:solidFill>
+                        <a:schemeClr val="tx1"/>
+                      </a:solidFill>
+                      <a:prstDash val="solid"/>
+                      <a:round/>
+                      <a:headEnd type="none" w="med" len="med"/>
+                      <a:tailEnd type="none" w="med" len="med"/>
+                    </a:lnL>
+                    <a:lnR w="12700" cap="flat" cmpd="sng" algn="ctr">
+                      <a:solidFill>
+                        <a:schemeClr val="tx1"/>
+                      </a:solidFill>
+                      <a:prstDash val="solid"/>
+                      <a:round/>
+                      <a:headEnd type="none" w="med" len="med"/>
+                      <a:tailEnd type="none" w="med" len="med"/>
+                    </a:lnR>
+                    <a:lnT w="12700" cap="flat" cmpd="sng" algn="ctr">
+                      <a:solidFill>
+                        <a:schemeClr val="tx1"/>
+                      </a:solidFill>
+                      <a:prstDash val="solid"/>
+                      <a:round/>
+                      <a:headEnd type="none" w="med" len="med"/>
+                      <a:tailEnd type="none" w="med" len="med"/>
+                    </a:lnT>
+                    <a:lnB w="12700" cap="flat" cmpd="sng" algn="ctr">
+                      <a:solidFill>
+                        <a:schemeClr val="tx1"/>
+                      </a:solidFill>
+                      <a:prstDash val="solid"/>
+                      <a:round/>
+                      <a:headEnd type="none" w="med" len="med"/>
+                      <a:tailEnd type="none" w="med" len="med"/>
+                    </a:lnB>
+                    <a:noFill/>
+                  </a:tcPr>
+                </a:tc>
+                <a:tc>
+                  <a:txBody>
+                    <a:bodyPr/>
+                    <a:lstStyle/>
+                    <a:p>
+                      <a:pPr>
+                        <a:buNone/>
+                      </a:pPr>
+                      <a:r>
+                        <a:rPr lang="en-IN" sz="1100" dirty="0"/>
+                        <a:t>USART Data Register</a:t>
+                      </a:r>
+                    </a:p>
+                  </a:txBody>
+                  <a:tcPr marL="52290" marR="52290" marT="26145" marB="26145" anchor="ctr">
+                    <a:lnL w="12700" cap="flat" cmpd="sng" algn="ctr">
+                      <a:solidFill>
+                        <a:schemeClr val="tx1"/>
+                      </a:solidFill>
+                      <a:prstDash val="solid"/>
+                      <a:round/>
+                      <a:headEnd type="none" w="med" len="med"/>
+                      <a:tailEnd type="none" w="med" len="med"/>
+                    </a:lnL>
+                    <a:lnR w="12700" cap="flat" cmpd="sng" algn="ctr">
+                      <a:solidFill>
+                        <a:schemeClr val="tx1"/>
+                      </a:solidFill>
+                      <a:prstDash val="solid"/>
+                      <a:round/>
+                      <a:headEnd type="none" w="med" len="med"/>
+                      <a:tailEnd type="none" w="med" len="med"/>
+                    </a:lnR>
+                    <a:lnT w="12700" cap="flat" cmpd="sng" algn="ctr">
+                      <a:solidFill>
+                        <a:schemeClr val="tx1"/>
+                      </a:solidFill>
+                      <a:prstDash val="solid"/>
+                      <a:round/>
+                      <a:headEnd type="none" w="med" len="med"/>
+                      <a:tailEnd type="none" w="med" len="med"/>
+                    </a:lnT>
+                    <a:lnB w="12700" cap="flat" cmpd="sng" algn="ctr">
+                      <a:solidFill>
+                        <a:schemeClr val="tx1"/>
+                      </a:solidFill>
+                      <a:prstDash val="solid"/>
+                      <a:round/>
+                      <a:headEnd type="none" w="med" len="med"/>
+                      <a:tailEnd type="none" w="med" len="med"/>
+                    </a:lnB>
+                    <a:noFill/>
+                  </a:tcPr>
+                </a:tc>
+                <a:tc>
+                  <a:txBody>
+                    <a:bodyPr/>
+                    <a:lstStyle/>
+                    <a:p>
+                      <a:pPr>
+                        <a:buNone/>
+                      </a:pPr>
+                      <a:r>
+                        <a:rPr lang="en-US" sz="1100" dirty="0"/>
+                        <a:t>Actual </a:t>
+                      </a:r>
+                      <a:r>
+                        <a:rPr lang="en-US" sz="1100" b="1" dirty="0"/>
+                        <a:t>data buffer</a:t>
+                      </a:r>
+                      <a:r>
+                        <a:rPr lang="en-US" sz="1100" dirty="0"/>
+                        <a:t> used for both </a:t>
+                      </a:r>
+                      <a:r>
+                        <a:rPr lang="en-US" sz="1100" b="1" dirty="0"/>
+                        <a:t>transmit</a:t>
+                      </a:r>
+                      <a:r>
+                        <a:rPr lang="en-US" sz="1100" dirty="0"/>
+                        <a:t> and </a:t>
+                      </a:r>
+                      <a:r>
+                        <a:rPr lang="en-US" sz="1100" b="1" dirty="0"/>
+                        <a:t>receive</a:t>
+                      </a:r>
+                      <a:r>
+                        <a:rPr lang="en-US" sz="1100" dirty="0"/>
+                        <a:t> operations</a:t>
+                      </a:r>
+                    </a:p>
+                  </a:txBody>
+                  <a:tcPr marL="52290" marR="52290" marT="26145" marB="26145" anchor="ctr">
+                    <a:lnL w="12700" cap="flat" cmpd="sng" algn="ctr">
+                      <a:solidFill>
+                        <a:schemeClr val="tx1"/>
+                      </a:solidFill>
+                      <a:prstDash val="solid"/>
+                      <a:round/>
+                      <a:headEnd type="none" w="med" len="med"/>
+                      <a:tailEnd type="none" w="med" len="med"/>
+                    </a:lnL>
+                    <a:lnR w="12700" cap="flat" cmpd="sng" algn="ctr">
+                      <a:solidFill>
+                        <a:schemeClr val="tx1"/>
+                      </a:solidFill>
+                      <a:prstDash val="solid"/>
+                      <a:round/>
+                      <a:headEnd type="none" w="med" len="med"/>
+                      <a:tailEnd type="none" w="med" len="med"/>
+                    </a:lnR>
+                    <a:lnT w="12700" cap="flat" cmpd="sng" algn="ctr">
+                      <a:solidFill>
+                        <a:schemeClr val="tx1"/>
+                      </a:solidFill>
+                      <a:prstDash val="solid"/>
+                      <a:round/>
+                      <a:headEnd type="none" w="med" len="med"/>
+                      <a:tailEnd type="none" w="med" len="med"/>
+                    </a:lnT>
+                    <a:lnB w="12700" cap="flat" cmpd="sng" algn="ctr">
+                      <a:solidFill>
+                        <a:schemeClr val="tx1"/>
+                      </a:solidFill>
+                      <a:prstDash val="solid"/>
+                      <a:round/>
+                      <a:headEnd type="none" w="med" len="med"/>
+                      <a:tailEnd type="none" w="med" len="med"/>
+                    </a:lnB>
+                    <a:noFill/>
+                  </a:tcPr>
+                </a:tc>
+                <a:extLst>
+                  <a:ext uri="{0D108BD9-81ED-4DB2-BD59-A6C34878D82A}">
+                    <a16:rowId xmlns:a16="http://schemas.microsoft.com/office/drawing/2014/main" val="1309182177"/>
+                  </a:ext>
+                </a:extLst>
+              </a:tr>
+            </a:tbl>
+          </a:graphicData>
+        </a:graphic>
+      </p:graphicFrame>
+    </p:spTree>
+    <p:extLst>
+      <p:ext uri="{BB962C8B-B14F-4D97-AF65-F5344CB8AC3E}">
+        <p14:creationId xmlns:p14="http://schemas.microsoft.com/office/powerpoint/2010/main" val="4264035287"/>
+      </p:ext>
+    </p:extLst>
+  </p:cSld>
+  <p:clrMapOvr>
+    <a:masterClrMapping/>
+  </p:clrMapOvr>
+</p:sld>
+</file>
+
+<file path=ppt/slides/slide7.xml><?xml version="1.0" encoding="utf-8"?>
+<p:sld xmlns:a="http://schemas.openxmlformats.org/drawingml/2006/main" xmlns:r="http://schemas.openxmlformats.org/officeDocument/2006/relationships" xmlns:p="http://schemas.openxmlformats.org/presentationml/2006/main">
+  <p:cSld>
+    <p:spTree>
+      <p:nvGrpSpPr>
+        <p:cNvPr id="1" name="Shape 53">
+          <a:extLst>
+            <a:ext uri="{FF2B5EF4-FFF2-40B4-BE49-F238E27FC236}">
+              <a16:creationId xmlns:a16="http://schemas.microsoft.com/office/drawing/2014/main" id="{2F72FC09-A613-DAE7-4D34-BDA015B28454}"/>
+            </a:ext>
+          </a:extLst>
+        </p:cNvPr>
+        <p:cNvGrpSpPr/>
+        <p:nvPr/>
+      </p:nvGrpSpPr>
+      <p:grpSpPr>
+        <a:xfrm>
+          <a:off x="0" y="0"/>
+          <a:ext cx="0" cy="0"/>
+          <a:chOff x="0" y="0"/>
+          <a:chExt cx="0" cy="0"/>
+        </a:xfrm>
+      </p:grpSpPr>
+      <p:sp>
+        <p:nvSpPr>
+          <p:cNvPr id="54" name="Google Shape;54;p11">
+            <a:extLst>
+              <a:ext uri="{FF2B5EF4-FFF2-40B4-BE49-F238E27FC236}">
+                <a16:creationId xmlns:a16="http://schemas.microsoft.com/office/drawing/2014/main" id="{F3AF189E-4033-9158-F5CD-9B7898D9D790}"/>
+              </a:ext>
+            </a:extLst>
+          </p:cNvPr>
+          <p:cNvSpPr txBox="1">
+            <a:spLocks noGrp="1"/>
+          </p:cNvSpPr>
+          <p:nvPr>
+            <p:ph type="title"/>
+          </p:nvPr>
+        </p:nvSpPr>
+        <p:spPr>
+          <a:xfrm>
+            <a:off x="2727279" y="161273"/>
+            <a:ext cx="5905500" cy="740483"/>
+          </a:xfrm>
+          <a:prstGeom prst="rect">
+            <a:avLst/>
+          </a:prstGeom>
+        </p:spPr>
+        <p:txBody>
+          <a:bodyPr spcFirstLastPara="1" wrap="square" lIns="91425" tIns="91425" rIns="91425" bIns="91425" anchor="t" anchorCtr="0">
+            <a:normAutofit fontScale="90000"/>
+          </a:bodyPr>
+          <a:lstStyle/>
+          <a:p>
+            <a:pPr lvl="0" algn="ctr">
+              <a:lnSpc>
+                <a:spcPct val="115000"/>
+              </a:lnSpc>
+            </a:pPr>
+            <a:r>
+              <a:rPr lang="en-US" sz="3600" dirty="0"/>
+              <a:t>UBRR0H &amp; UBRR0L – Baud Rate Registers</a:t>
+            </a:r>
+            <a:endParaRPr dirty="0"/>
+          </a:p>
+        </p:txBody>
+      </p:sp>
+      <p:sp>
+        <p:nvSpPr>
+          <p:cNvPr id="7" name="TextBox 6">
+            <a:extLst>
+              <a:ext uri="{FF2B5EF4-FFF2-40B4-BE49-F238E27FC236}">
+                <a16:creationId xmlns:a16="http://schemas.microsoft.com/office/drawing/2014/main" id="{5886E223-7D9A-6A78-3F54-5726BFE3D912}"/>
+              </a:ext>
+            </a:extLst>
+          </p:cNvPr>
+          <p:cNvSpPr txBox="1"/>
+          <p:nvPr/>
+        </p:nvSpPr>
+        <p:spPr>
+          <a:xfrm>
+            <a:off x="4379174" y="2263973"/>
+            <a:ext cx="284052" cy="307777"/>
+          </a:xfrm>
+          <a:prstGeom prst="rect">
+            <a:avLst/>
+          </a:prstGeom>
+          <a:noFill/>
+        </p:spPr>
+        <p:txBody>
+          <a:bodyPr wrap="none" rtlCol="0">
+            <a:spAutoFit/>
+          </a:bodyPr>
+          <a:lstStyle/>
+          <a:p>
+            <a:r>
+              <a:rPr lang="en-IN" dirty="0"/>
+              <a:t>1</a:t>
+            </a:r>
+          </a:p>
+        </p:txBody>
+      </p:sp>
+      <mc:AlternateContent xmlns:mc="http://schemas.openxmlformats.org/markup-compatibility/2006">
+        <mc:Choice xmlns:a14="http://schemas.microsoft.com/office/drawing/2010/main" Requires="a14">
+          <p:sp>
+            <p:nvSpPr>
+              <p:cNvPr id="4" name="TextBox 3">
+                <a:extLst>
+                  <a:ext uri="{FF2B5EF4-FFF2-40B4-BE49-F238E27FC236}">
+                    <a16:creationId xmlns:a16="http://schemas.microsoft.com/office/drawing/2014/main" id="{91A78BCC-8CA8-0617-9366-BE5A8D2982A2}"/>
+                  </a:ext>
+                </a:extLst>
+              </p:cNvPr>
+              <p:cNvSpPr txBox="1"/>
+              <p:nvPr/>
+            </p:nvSpPr>
+            <p:spPr>
+              <a:xfrm>
+                <a:off x="2376152" y="1477540"/>
+                <a:ext cx="6767848" cy="1572866"/>
+              </a:xfrm>
+              <a:prstGeom prst="rect">
+                <a:avLst/>
+              </a:prstGeom>
+              <a:noFill/>
+            </p:spPr>
+            <p:txBody>
+              <a:bodyPr wrap="square">
+                <a:spAutoFit/>
+              </a:bodyPr>
+              <a:lstStyle/>
+              <a:p>
+                <a:pPr>
+                  <a:buNone/>
+                </a:pPr>
+                <a:r>
+                  <a:rPr lang="en-IN" dirty="0">
+                    <a:solidFill>
+                      <a:schemeClr val="tx1"/>
+                    </a:solidFill>
+                  </a:rPr>
+                  <a:t>These two registers together form the </a:t>
+                </a:r>
+                <a:r>
+                  <a:rPr lang="en-IN" b="1" dirty="0">
+                    <a:solidFill>
+                      <a:schemeClr val="tx1"/>
+                    </a:solidFill>
+                  </a:rPr>
+                  <a:t>UBRR0 (16-bit)</a:t>
+                </a:r>
+                <a:r>
+                  <a:rPr lang="en-IN" dirty="0">
+                    <a:solidFill>
+                      <a:schemeClr val="tx1"/>
+                    </a:solidFill>
+                  </a:rPr>
+                  <a:t> baud rate register.</a:t>
+                </a:r>
+              </a:p>
+              <a:p>
+                <a:pPr>
+                  <a:buNone/>
+                </a:pPr>
+                <a:r>
+                  <a:rPr lang="en-IN" b="1" dirty="0">
+                    <a:solidFill>
+                      <a:schemeClr val="tx1"/>
+                    </a:solidFill>
+                  </a:rPr>
+                  <a:t>Formula:</a:t>
+                </a:r>
+                <a:endParaRPr lang="en-IN" dirty="0">
+                  <a:solidFill>
+                    <a:schemeClr val="tx1"/>
+                  </a:solidFill>
+                </a:endParaRPr>
+              </a:p>
+              <a:p>
+                <a:pPr>
+                  <a:buNone/>
+                </a:pPr>
+                <a14:m>
+                  <m:oMathPara xmlns:m="http://schemas.openxmlformats.org/officeDocument/2006/math">
+                    <m:oMathParaPr>
+                      <m:jc m:val="centerGroup"/>
+                    </m:oMathParaPr>
+                    <m:oMath xmlns:m="http://schemas.openxmlformats.org/officeDocument/2006/math">
+                      <m:r>
+                        <a:rPr lang="en-IN" i="1">
+                          <a:solidFill>
+                            <a:schemeClr val="tx1"/>
+                          </a:solidFill>
+                          <a:latin typeface="Cambria Math" panose="02040503050406030204" pitchFamily="18" charset="0"/>
+                        </a:rPr>
+                        <m:t>𝑈𝐵𝑅𝑅</m:t>
+                      </m:r>
+                      <m:r>
+                        <a:rPr lang="en-IN" i="0">
+                          <a:solidFill>
+                            <a:schemeClr val="tx1"/>
+                          </a:solidFill>
+                          <a:latin typeface="Cambria Math" panose="02040503050406030204" pitchFamily="18" charset="0"/>
+                        </a:rPr>
+                        <m:t>0</m:t>
+                      </m:r>
+                      <m:r>
+                        <a:rPr lang="en-IN" i="0">
+                          <a:solidFill>
+                            <a:schemeClr val="tx1"/>
+                          </a:solidFill>
+                          <a:latin typeface="Cambria Math" panose="02040503050406030204" pitchFamily="18" charset="0"/>
+                        </a:rPr>
+                        <m:t>=</m:t>
+                      </m:r>
+                      <m:f>
+                        <m:fPr>
+                          <m:ctrlPr>
+                            <a:rPr lang="ar-AE" i="1">
+                              <a:solidFill>
+                                <a:schemeClr val="tx1"/>
+                              </a:solidFill>
+                              <a:latin typeface="Cambria Math" panose="02040503050406030204" pitchFamily="18" charset="0"/>
+                            </a:rPr>
+                          </m:ctrlPr>
+                        </m:fPr>
+                        <m:num>
+                          <m:sSub>
+                            <m:sSubPr>
+                              <m:ctrlPr>
+                                <a:rPr lang="ar-AE" i="1">
+                                  <a:solidFill>
+                                    <a:schemeClr val="tx1"/>
+                                  </a:solidFill>
+                                  <a:latin typeface="Cambria Math" panose="02040503050406030204" pitchFamily="18" charset="0"/>
+                                </a:rPr>
+                              </m:ctrlPr>
+                            </m:sSubPr>
+                            <m:e>
+                              <m:r>
+                                <a:rPr lang="ar-AE" i="1">
+                                  <a:solidFill>
+                                    <a:schemeClr val="tx1"/>
+                                  </a:solidFill>
+                                  <a:latin typeface="Cambria Math" panose="02040503050406030204" pitchFamily="18" charset="0"/>
+                                </a:rPr>
+                                <m:t>𝐹</m:t>
+                              </m:r>
+                            </m:e>
+                            <m:sub>
+                              <m:r>
+                                <a:rPr lang="ar-AE" i="1">
+                                  <a:solidFill>
+                                    <a:schemeClr val="tx1"/>
+                                  </a:solidFill>
+                                  <a:latin typeface="Cambria Math" panose="02040503050406030204" pitchFamily="18" charset="0"/>
+                                </a:rPr>
+                                <m:t>𝐶𝑃𝑈</m:t>
+                              </m:r>
+                            </m:sub>
+                          </m:sSub>
+                        </m:num>
+                        <m:den>
+                          <m:r>
+                            <a:rPr lang="ar-AE" i="0">
+                              <a:solidFill>
+                                <a:schemeClr val="tx1"/>
+                              </a:solidFill>
+                              <a:latin typeface="Cambria Math" panose="02040503050406030204" pitchFamily="18" charset="0"/>
+                            </a:rPr>
+                            <m:t>16</m:t>
+                          </m:r>
+                          <m:r>
+                            <a:rPr lang="ar-AE" i="0">
+                              <a:solidFill>
+                                <a:schemeClr val="tx1"/>
+                              </a:solidFill>
+                              <a:latin typeface="Cambria Math" panose="02040503050406030204" pitchFamily="18" charset="0"/>
+                            </a:rPr>
+                            <m:t>×</m:t>
+                          </m:r>
+                          <m:r>
+                            <a:rPr lang="ar-AE" i="1">
+                              <a:solidFill>
+                                <a:schemeClr val="tx1"/>
+                              </a:solidFill>
+                              <a:latin typeface="Cambria Math" panose="02040503050406030204" pitchFamily="18" charset="0"/>
+                            </a:rPr>
+                            <m:t>𝐵𝑎𝑢𝑑</m:t>
+                          </m:r>
+                        </m:den>
+                      </m:f>
+                      <m:r>
+                        <a:rPr lang="ar-AE" i="0">
+                          <a:solidFill>
+                            <a:schemeClr val="tx1"/>
+                          </a:solidFill>
+                          <a:latin typeface="Cambria Math" panose="02040503050406030204" pitchFamily="18" charset="0"/>
+                        </a:rPr>
+                        <m:t>−</m:t>
+                      </m:r>
+                      <m:r>
+                        <a:rPr lang="ar-AE" i="0">
+                          <a:solidFill>
+                            <a:schemeClr val="tx1"/>
+                          </a:solidFill>
+                          <a:latin typeface="Cambria Math" panose="02040503050406030204" pitchFamily="18" charset="0"/>
+                        </a:rPr>
+                        <m:t>1</m:t>
+                      </m:r>
+                    </m:oMath>
+                  </m:oMathPara>
+                </a14:m>
+                <a:endParaRPr lang="en-IN" dirty="0">
+                  <a:solidFill>
+                    <a:schemeClr val="tx1"/>
+                  </a:solidFill>
+                </a:endParaRPr>
+              </a:p>
+              <a:p>
+                <a:pPr>
+                  <a:buNone/>
+                </a:pPr>
+                <a:endParaRPr lang="en-IN" dirty="0">
+                  <a:solidFill>
+                    <a:schemeClr val="tx1"/>
+                  </a:solidFill>
+                </a:endParaRPr>
+              </a:p>
+              <a:p>
+                <a:pPr>
+                  <a:buNone/>
+                </a:pPr>
+                <a:endParaRPr lang="ar-AE" dirty="0">
+                  <a:solidFill>
+                    <a:schemeClr val="tx1"/>
+                  </a:solidFill>
+                </a:endParaRPr>
+              </a:p>
+              <a:p>
+                <a:pPr>
+                  <a:buNone/>
+                </a:pPr>
+                <a:r>
+                  <a:rPr lang="en-IN" dirty="0">
+                    <a:solidFill>
+                      <a:schemeClr val="tx1"/>
+                    </a:solidFill>
+                  </a:rPr>
+                  <a:t>Example for 16 MHz and 9600 baud → </a:t>
+                </a:r>
+                <a:r>
+                  <a:rPr lang="en-IN" dirty="0">
+                    <a:solidFill>
+                      <a:schemeClr val="tx1"/>
+                    </a:solidFill>
+                    <a:latin typeface="Courier New" panose="02070309020205020404" pitchFamily="49" charset="0"/>
+                  </a:rPr>
+                  <a:t>UBRR0 = 103</a:t>
+                </a:r>
+                <a:endParaRPr lang="en-IN" dirty="0">
+                  <a:solidFill>
+                    <a:schemeClr val="tx1"/>
+                  </a:solidFill>
+                </a:endParaRPr>
+              </a:p>
+            </p:txBody>
+          </p:sp>
+        </mc:Choice>
+        <mc:Fallback>
+          <p:sp>
+            <p:nvSpPr>
+              <p:cNvPr id="4" name="TextBox 3">
+                <a:extLst>
+                  <a:ext uri="{FF2B5EF4-FFF2-40B4-BE49-F238E27FC236}">
+                    <a16:creationId xmlns:a16="http://schemas.microsoft.com/office/drawing/2014/main" id="{91A78BCC-8CA8-0617-9366-BE5A8D2982A2}"/>
+                  </a:ext>
+                </a:extLst>
+              </p:cNvPr>
+              <p:cNvSpPr txBox="1">
+                <a:spLocks noRot="1" noChangeAspect="1" noMove="1" noResize="1" noEditPoints="1" noAdjustHandles="1" noChangeArrowheads="1" noChangeShapeType="1" noTextEdit="1"/>
+              </p:cNvSpPr>
+              <p:nvPr/>
+            </p:nvSpPr>
+            <p:spPr>
+              <a:xfrm>
+                <a:off x="2376152" y="1477540"/>
+                <a:ext cx="6767848" cy="1572866"/>
+              </a:xfrm>
+              <a:prstGeom prst="rect">
+                <a:avLst/>
+              </a:prstGeom>
+              <a:blipFill>
+                <a:blip r:embed="rId3"/>
+                <a:stretch>
+                  <a:fillRect l="-270" t="-388" b="-3876"/>
+                </a:stretch>
+              </a:blipFill>
+            </p:spPr>
+            <p:txBody>
+              <a:bodyPr/>
+              <a:lstStyle/>
+              <a:p>
+                <a:r>
+                  <a:rPr lang="en-IN">
+                    <a:noFill/>
+                  </a:rPr>
+                  <a:t> </a:t>
+                </a:r>
+              </a:p>
+            </p:txBody>
+          </p:sp>
+        </mc:Fallback>
+      </mc:AlternateContent>
+      <p:sp>
+        <p:nvSpPr>
+          <p:cNvPr id="6" name="TextBox 5">
+            <a:extLst>
+              <a:ext uri="{FF2B5EF4-FFF2-40B4-BE49-F238E27FC236}">
+                <a16:creationId xmlns:a16="http://schemas.microsoft.com/office/drawing/2014/main" id="{678EFDE3-6B5B-FC9B-F61D-BED436210CCA}"/>
+              </a:ext>
+            </a:extLst>
+          </p:cNvPr>
+          <p:cNvSpPr txBox="1"/>
+          <p:nvPr/>
+        </p:nvSpPr>
+        <p:spPr>
+          <a:xfrm>
+            <a:off x="4900411" y="3720929"/>
+            <a:ext cx="4572000" cy="954107"/>
+          </a:xfrm>
+          <a:prstGeom prst="rect">
+            <a:avLst/>
+          </a:prstGeom>
+          <a:noFill/>
+        </p:spPr>
+        <p:txBody>
+          <a:bodyPr wrap="square">
+            <a:spAutoFit/>
+          </a:bodyPr>
+          <a:lstStyle/>
+          <a:p>
+            <a:r>
+              <a:rPr lang="en-IN" dirty="0">
+                <a:solidFill>
+                  <a:schemeClr val="tx1"/>
+                </a:solidFill>
+              </a:rPr>
+              <a:t>So we can use </a:t>
+            </a:r>
+          </a:p>
+          <a:p>
+            <a:endParaRPr lang="en-IN" dirty="0">
+              <a:solidFill>
+                <a:schemeClr val="tx1"/>
+              </a:solidFill>
+            </a:endParaRPr>
+          </a:p>
+          <a:p>
+            <a:r>
+              <a:rPr lang="en-IN" dirty="0">
+                <a:solidFill>
+                  <a:schemeClr val="tx1"/>
+                </a:solidFill>
+              </a:rPr>
+              <a:t>UBRR0H = 0;</a:t>
+            </a:r>
+          </a:p>
+          <a:p>
+            <a:r>
+              <a:rPr lang="en-IN" dirty="0">
+                <a:solidFill>
+                  <a:schemeClr val="tx1"/>
+                </a:solidFill>
+              </a:rPr>
+              <a:t>UBRR0L = 103;</a:t>
+            </a:r>
+          </a:p>
+        </p:txBody>
+      </p:sp>
+    </p:spTree>
+    <p:extLst>
+      <p:ext uri="{BB962C8B-B14F-4D97-AF65-F5344CB8AC3E}">
+        <p14:creationId xmlns:p14="http://schemas.microsoft.com/office/powerpoint/2010/main" val="3122419039"/>
+      </p:ext>
+    </p:extLst>
+  </p:cSld>
+  <p:clrMapOvr>
+    <a:masterClrMapping/>
+  </p:clrMapOvr>
+</p:sld>
+</file>
+
+<file path=ppt/slides/slide8.xml><?xml version="1.0" encoding="utf-8"?>
+<p:sld xmlns:a="http://schemas.openxmlformats.org/drawingml/2006/main" xmlns:r="http://schemas.openxmlformats.org/officeDocument/2006/relationships" xmlns:p="http://schemas.openxmlformats.org/presentationml/2006/main">
+  <p:cSld>
+    <p:spTree>
+      <p:nvGrpSpPr>
+        <p:cNvPr id="1" name="Shape 53">
+          <a:extLst>
+            <a:ext uri="{FF2B5EF4-FFF2-40B4-BE49-F238E27FC236}">
+              <a16:creationId xmlns:a16="http://schemas.microsoft.com/office/drawing/2014/main" id="{3FF7EA70-45B0-7923-D8A0-1B46348AE1FA}"/>
+            </a:ext>
+          </a:extLst>
+        </p:cNvPr>
+        <p:cNvGrpSpPr/>
+        <p:nvPr/>
+      </p:nvGrpSpPr>
+      <p:grpSpPr>
+        <a:xfrm>
+          <a:off x="0" y="0"/>
+          <a:ext cx="0" cy="0"/>
+          <a:chOff x="0" y="0"/>
+          <a:chExt cx="0" cy="0"/>
+        </a:xfrm>
+      </p:grpSpPr>
+      <p:sp>
+        <p:nvSpPr>
+          <p:cNvPr id="54" name="Google Shape;54;p11">
+            <a:extLst>
+              <a:ext uri="{FF2B5EF4-FFF2-40B4-BE49-F238E27FC236}">
+                <a16:creationId xmlns:a16="http://schemas.microsoft.com/office/drawing/2014/main" id="{8061634A-979C-C166-97DF-06E0A8DA822E}"/>
+              </a:ext>
+            </a:extLst>
+          </p:cNvPr>
+          <p:cNvSpPr txBox="1">
+            <a:spLocks noGrp="1"/>
+          </p:cNvSpPr>
+          <p:nvPr>
+            <p:ph type="title"/>
+          </p:nvPr>
+        </p:nvSpPr>
+        <p:spPr>
+          <a:xfrm>
+            <a:off x="2273122" y="161273"/>
+            <a:ext cx="6800044" cy="740483"/>
+          </a:xfrm>
+          <a:prstGeom prst="rect">
+            <a:avLst/>
+          </a:prstGeom>
+        </p:spPr>
+        <p:txBody>
+          <a:bodyPr spcFirstLastPara="1" wrap="square" lIns="91425" tIns="91425" rIns="91425" bIns="91425" anchor="t" anchorCtr="0">
+            <a:normAutofit/>
+          </a:bodyPr>
+          <a:lstStyle/>
+          <a:p>
+            <a:pPr lvl="0" algn="ctr">
+              <a:lnSpc>
+                <a:spcPct val="115000"/>
+              </a:lnSpc>
+            </a:pPr>
+            <a:r>
+              <a:rPr lang="en-US" sz="2800" dirty="0"/>
+              <a:t>UCSR0A – Control and Status Register A</a:t>
+            </a:r>
+            <a:endParaRPr sz="2800" dirty="0"/>
+          </a:p>
+        </p:txBody>
+      </p:sp>
+      <p:sp>
+        <p:nvSpPr>
+          <p:cNvPr id="7" name="TextBox 6">
+            <a:extLst>
+              <a:ext uri="{FF2B5EF4-FFF2-40B4-BE49-F238E27FC236}">
+                <a16:creationId xmlns:a16="http://schemas.microsoft.com/office/drawing/2014/main" id="{31508CA9-762E-FB38-A50B-1A30523E9086}"/>
+              </a:ext>
+            </a:extLst>
+          </p:cNvPr>
+          <p:cNvSpPr txBox="1"/>
+          <p:nvPr/>
+        </p:nvSpPr>
+        <p:spPr>
+          <a:xfrm>
+            <a:off x="4379174" y="2263973"/>
+            <a:ext cx="284052" cy="307777"/>
+          </a:xfrm>
+          <a:prstGeom prst="rect">
+            <a:avLst/>
+          </a:prstGeom>
+          <a:noFill/>
+        </p:spPr>
+        <p:txBody>
+          <a:bodyPr wrap="none" rtlCol="0">
+            <a:spAutoFit/>
+          </a:bodyPr>
+          <a:lstStyle/>
+          <a:p>
+            <a:r>
+              <a:rPr lang="en-IN" dirty="0"/>
+              <a:t>1</a:t>
+            </a:r>
+          </a:p>
+        </p:txBody>
+      </p:sp>
+      <p:graphicFrame>
+        <p:nvGraphicFramePr>
+          <p:cNvPr id="2" name="Table 1">
+            <a:extLst>
+              <a:ext uri="{FF2B5EF4-FFF2-40B4-BE49-F238E27FC236}">
+                <a16:creationId xmlns:a16="http://schemas.microsoft.com/office/drawing/2014/main" id="{D9ECB0A0-8E32-7C48-D529-F928B9052DF5}"/>
+              </a:ext>
+            </a:extLst>
+          </p:cNvPr>
+          <p:cNvGraphicFramePr>
+            <a:graphicFrameLocks noGrp="1"/>
+          </p:cNvGraphicFramePr>
+          <p:nvPr>
+            <p:extLst>
+              <p:ext uri="{D42A27DB-BD31-4B8C-83A1-F6EECF244321}">
+                <p14:modId xmlns:p14="http://schemas.microsoft.com/office/powerpoint/2010/main" val="2828887092"/>
+              </p:ext>
+            </p:extLst>
+          </p:nvPr>
+        </p:nvGraphicFramePr>
+        <p:xfrm>
+          <a:off x="2661232" y="1499092"/>
+          <a:ext cx="6288110" cy="3483135"/>
+        </p:xfrm>
+        <a:graphic>
+          <a:graphicData uri="http://schemas.openxmlformats.org/drawingml/2006/table">
+            <a:tbl>
+              <a:tblPr/>
+              <a:tblGrid>
+                <a:gridCol w="665283">
+                  <a:extLst>
+                    <a:ext uri="{9D8B030D-6E8A-4147-A177-3AD203B41FA5}">
+                      <a16:colId xmlns:a16="http://schemas.microsoft.com/office/drawing/2014/main" val="3270847940"/>
+                    </a:ext>
+                  </a:extLst>
+                </a:gridCol>
+                <a:gridCol w="1769587">
+                  <a:extLst>
+                    <a:ext uri="{9D8B030D-6E8A-4147-A177-3AD203B41FA5}">
+                      <a16:colId xmlns:a16="http://schemas.microsoft.com/office/drawing/2014/main" val="2962491628"/>
+                    </a:ext>
+                  </a:extLst>
+                </a:gridCol>
+                <a:gridCol w="3853240">
+                  <a:extLst>
+                    <a:ext uri="{9D8B030D-6E8A-4147-A177-3AD203B41FA5}">
+                      <a16:colId xmlns:a16="http://schemas.microsoft.com/office/drawing/2014/main" val="1160534240"/>
+                    </a:ext>
+                  </a:extLst>
+                </a:gridCol>
+              </a:tblGrid>
+              <a:tr h="213519">
+                <a:tc>
+                  <a:txBody>
+                    <a:bodyPr/>
+                    <a:lstStyle/>
+                    <a:p>
+                      <a:pPr algn="ctr">
+                        <a:buNone/>
+                      </a:pPr>
+                      <a:r>
+                        <a:rPr lang="en-IN" sz="1200" dirty="0">
+                          <a:solidFill>
+                            <a:schemeClr val="accent1"/>
+                          </a:solidFill>
+                        </a:rPr>
+                        <a:t>Bit</a:t>
+                      </a:r>
+                    </a:p>
+                  </a:txBody>
+                  <a:tcPr marL="64056" marR="64056" marT="32028" marB="32028" anchor="ctr">
+                    <a:lnL w="12700" cap="flat" cmpd="sng" algn="ctr">
+                      <a:solidFill>
+                        <a:schemeClr val="tx1"/>
+                      </a:solidFill>
+                      <a:prstDash val="solid"/>
+                      <a:round/>
+                      <a:headEnd type="none" w="med" len="med"/>
+                      <a:tailEnd type="none" w="med" len="med"/>
+                    </a:lnL>
+                    <a:lnR w="12700" cap="flat" cmpd="sng" algn="ctr">
+                      <a:solidFill>
+                        <a:schemeClr val="tx1"/>
+                      </a:solidFill>
+                      <a:prstDash val="solid"/>
+                      <a:round/>
+                      <a:headEnd type="none" w="med" len="med"/>
+                      <a:tailEnd type="none" w="med" len="med"/>
+                    </a:lnR>
+                    <a:lnT w="12700" cap="flat" cmpd="sng" algn="ctr">
+                      <a:solidFill>
+                        <a:schemeClr val="tx1"/>
+                      </a:solidFill>
+                      <a:prstDash val="solid"/>
+                      <a:round/>
+                      <a:headEnd type="none" w="med" len="med"/>
+                      <a:tailEnd type="none" w="med" len="med"/>
+                    </a:lnT>
+                    <a:lnB w="12700" cap="flat" cmpd="sng" algn="ctr">
+                      <a:solidFill>
+                        <a:schemeClr val="tx1"/>
+                      </a:solidFill>
+                      <a:prstDash val="solid"/>
+                      <a:round/>
+                      <a:headEnd type="none" w="med" len="med"/>
+                      <a:tailEnd type="none" w="med" len="med"/>
+                    </a:lnB>
+                    <a:noFill/>
+                  </a:tcPr>
+                </a:tc>
+                <a:tc>
+                  <a:txBody>
+                    <a:bodyPr/>
+                    <a:lstStyle/>
+                    <a:p>
+                      <a:pPr algn="ctr">
+                        <a:buNone/>
+                      </a:pPr>
+                      <a:r>
+                        <a:rPr lang="en-IN" sz="1200">
+                          <a:solidFill>
+                            <a:schemeClr val="accent1"/>
+                          </a:solidFill>
+                        </a:rPr>
+                        <a:t>Name</a:t>
+                      </a:r>
+                    </a:p>
+                  </a:txBody>
+                  <a:tcPr marL="64056" marR="64056" marT="32028" marB="32028" anchor="ctr">
+                    <a:lnL w="12700" cap="flat" cmpd="sng" algn="ctr">
+                      <a:solidFill>
+                        <a:schemeClr val="tx1"/>
+                      </a:solidFill>
+                      <a:prstDash val="solid"/>
+                      <a:round/>
+                      <a:headEnd type="none" w="med" len="med"/>
+                      <a:tailEnd type="none" w="med" len="med"/>
+                    </a:lnL>
+                    <a:lnR w="12700" cap="flat" cmpd="sng" algn="ctr">
+                      <a:solidFill>
+                        <a:schemeClr val="tx1"/>
+                      </a:solidFill>
+                      <a:prstDash val="solid"/>
+                      <a:round/>
+                      <a:headEnd type="none" w="med" len="med"/>
+                      <a:tailEnd type="none" w="med" len="med"/>
+                    </a:lnR>
+                    <a:lnT w="12700" cap="flat" cmpd="sng" algn="ctr">
+                      <a:solidFill>
+                        <a:schemeClr val="tx1"/>
+                      </a:solidFill>
+                      <a:prstDash val="solid"/>
+                      <a:round/>
+                      <a:headEnd type="none" w="med" len="med"/>
+                      <a:tailEnd type="none" w="med" len="med"/>
+                    </a:lnT>
+                    <a:lnB w="12700" cap="flat" cmpd="sng" algn="ctr">
+                      <a:solidFill>
+                        <a:schemeClr val="tx1"/>
+                      </a:solidFill>
+                      <a:prstDash val="solid"/>
+                      <a:round/>
+                      <a:headEnd type="none" w="med" len="med"/>
+                      <a:tailEnd type="none" w="med" len="med"/>
+                    </a:lnB>
+                    <a:noFill/>
+                  </a:tcPr>
+                </a:tc>
+                <a:tc>
+                  <a:txBody>
+                    <a:bodyPr/>
+                    <a:lstStyle/>
+                    <a:p>
+                      <a:pPr algn="ctr">
+                        <a:buNone/>
+                      </a:pPr>
+                      <a:r>
+                        <a:rPr lang="en-IN" sz="1200" dirty="0">
+                          <a:solidFill>
+                            <a:schemeClr val="accent1"/>
+                          </a:solidFill>
+                        </a:rPr>
+                        <a:t>Description</a:t>
+                      </a:r>
+                    </a:p>
+                  </a:txBody>
+                  <a:tcPr marL="64056" marR="64056" marT="32028" marB="32028" anchor="ctr">
+                    <a:lnL w="12700" cap="flat" cmpd="sng" algn="ctr">
+                      <a:solidFill>
+                        <a:schemeClr val="tx1"/>
+                      </a:solidFill>
+                      <a:prstDash val="solid"/>
+                      <a:round/>
+                      <a:headEnd type="none" w="med" len="med"/>
+                      <a:tailEnd type="none" w="med" len="med"/>
+                    </a:lnL>
+                    <a:lnR w="12700" cap="flat" cmpd="sng" algn="ctr">
+                      <a:solidFill>
+                        <a:schemeClr val="tx1"/>
+                      </a:solidFill>
+                      <a:prstDash val="solid"/>
+                      <a:round/>
+                      <a:headEnd type="none" w="med" len="med"/>
+                      <a:tailEnd type="none" w="med" len="med"/>
+                    </a:lnR>
+                    <a:lnT w="12700" cap="flat" cmpd="sng" algn="ctr">
+                      <a:solidFill>
+                        <a:schemeClr val="tx1"/>
+                      </a:solidFill>
+                      <a:prstDash val="solid"/>
+                      <a:round/>
+                      <a:headEnd type="none" w="med" len="med"/>
+                      <a:tailEnd type="none" w="med" len="med"/>
+                    </a:lnT>
+                    <a:lnB w="12700" cap="flat" cmpd="sng" algn="ctr">
+                      <a:solidFill>
+                        <a:schemeClr val="tx1"/>
+                      </a:solidFill>
+                      <a:prstDash val="solid"/>
+                      <a:round/>
+                      <a:headEnd type="none" w="med" len="med"/>
+                      <a:tailEnd type="none" w="med" len="med"/>
+                    </a:lnB>
+                    <a:noFill/>
+                  </a:tcPr>
+                </a:tc>
+                <a:extLst>
+                  <a:ext uri="{0D108BD9-81ED-4DB2-BD59-A6C34878D82A}">
+                    <a16:rowId xmlns:a16="http://schemas.microsoft.com/office/drawing/2014/main" val="4167732972"/>
+                  </a:ext>
+                </a:extLst>
+              </a:tr>
+              <a:tr h="362982">
+                <a:tc>
+                  <a:txBody>
+                    <a:bodyPr/>
+                    <a:lstStyle/>
+                    <a:p>
+                      <a:pPr>
+                        <a:buNone/>
+                      </a:pPr>
+                      <a:r>
+                        <a:rPr lang="en-IN" sz="1200" dirty="0"/>
+                        <a:t>7</a:t>
+                      </a:r>
+                    </a:p>
+                  </a:txBody>
+                  <a:tcPr marL="64056" marR="64056" marT="32028" marB="32028" anchor="ctr">
+                    <a:lnL w="12700" cap="flat" cmpd="sng" algn="ctr">
+                      <a:solidFill>
+                        <a:schemeClr val="tx1"/>
+                      </a:solidFill>
+                      <a:prstDash val="solid"/>
+                      <a:round/>
+                      <a:headEnd type="none" w="med" len="med"/>
+                      <a:tailEnd type="none" w="med" len="med"/>
+                    </a:lnL>
+                    <a:lnR w="12700" cap="flat" cmpd="sng" algn="ctr">
+                      <a:solidFill>
+                        <a:schemeClr val="tx1"/>
+                      </a:solidFill>
+                      <a:prstDash val="solid"/>
+                      <a:round/>
+                      <a:headEnd type="none" w="med" len="med"/>
+                      <a:tailEnd type="none" w="med" len="med"/>
+                    </a:lnR>
+                    <a:lnT w="12700" cap="flat" cmpd="sng" algn="ctr">
+                      <a:solidFill>
+                        <a:schemeClr val="tx1"/>
+                      </a:solidFill>
+                      <a:prstDash val="solid"/>
+                      <a:round/>
+                      <a:headEnd type="none" w="med" len="med"/>
+                      <a:tailEnd type="none" w="med" len="med"/>
+                    </a:lnT>
+                    <a:lnB w="12700" cap="flat" cmpd="sng" algn="ctr">
+                      <a:solidFill>
+                        <a:schemeClr val="tx1"/>
+                      </a:solidFill>
+                      <a:prstDash val="solid"/>
+                      <a:round/>
+                      <a:headEnd type="none" w="med" len="med"/>
+                      <a:tailEnd type="none" w="med" len="med"/>
+                    </a:lnB>
+                    <a:noFill/>
+                  </a:tcPr>
+                </a:tc>
+                <a:tc>
+                  <a:txBody>
+                    <a:bodyPr/>
+                    <a:lstStyle/>
+                    <a:p>
+                      <a:pPr>
+                        <a:buNone/>
+                      </a:pPr>
+                      <a:r>
+                        <a:rPr lang="en-IN" sz="1200" b="1" dirty="0"/>
+                        <a:t>RXC0</a:t>
+                      </a:r>
+                      <a:endParaRPr lang="en-IN" sz="1200" dirty="0"/>
+                    </a:p>
+                  </a:txBody>
+                  <a:tcPr marL="64056" marR="64056" marT="32028" marB="32028" anchor="ctr">
+                    <a:lnL w="12700" cap="flat" cmpd="sng" algn="ctr">
+                      <a:solidFill>
+                        <a:schemeClr val="tx1"/>
+                      </a:solidFill>
+                      <a:prstDash val="solid"/>
+                      <a:round/>
+                      <a:headEnd type="none" w="med" len="med"/>
+                      <a:tailEnd type="none" w="med" len="med"/>
+                    </a:lnL>
+                    <a:lnR w="12700" cap="flat" cmpd="sng" algn="ctr">
+                      <a:solidFill>
+                        <a:schemeClr val="tx1"/>
+                      </a:solidFill>
+                      <a:prstDash val="solid"/>
+                      <a:round/>
+                      <a:headEnd type="none" w="med" len="med"/>
+                      <a:tailEnd type="none" w="med" len="med"/>
+                    </a:lnR>
+                    <a:lnT w="12700" cap="flat" cmpd="sng" algn="ctr">
+                      <a:solidFill>
+                        <a:schemeClr val="tx1"/>
+                      </a:solidFill>
+                      <a:prstDash val="solid"/>
+                      <a:round/>
+                      <a:headEnd type="none" w="med" len="med"/>
+                      <a:tailEnd type="none" w="med" len="med"/>
+                    </a:lnT>
+                    <a:lnB w="12700" cap="flat" cmpd="sng" algn="ctr">
+                      <a:solidFill>
+                        <a:schemeClr val="tx1"/>
+                      </a:solidFill>
+                      <a:prstDash val="solid"/>
+                      <a:round/>
+                      <a:headEnd type="none" w="med" len="med"/>
+                      <a:tailEnd type="none" w="med" len="med"/>
+                    </a:lnB>
+                    <a:noFill/>
+                  </a:tcPr>
+                </a:tc>
+                <a:tc>
+                  <a:txBody>
+                    <a:bodyPr/>
+                    <a:lstStyle/>
+                    <a:p>
+                      <a:pPr>
+                        <a:buNone/>
+                      </a:pPr>
+                      <a:r>
+                        <a:rPr lang="en-US" sz="1200" dirty="0"/>
+                        <a:t>Receive Complete flag (1 → data received)</a:t>
+                      </a:r>
+                    </a:p>
+                  </a:txBody>
+                  <a:tcPr marL="64056" marR="64056" marT="32028" marB="32028" anchor="ctr">
+                    <a:lnL w="12700" cap="flat" cmpd="sng" algn="ctr">
+                      <a:solidFill>
+                        <a:schemeClr val="tx1"/>
+                      </a:solidFill>
+                      <a:prstDash val="solid"/>
+                      <a:round/>
+                      <a:headEnd type="none" w="med" len="med"/>
+                      <a:tailEnd type="none" w="med" len="med"/>
+                    </a:lnL>
+                    <a:lnR w="12700" cap="flat" cmpd="sng" algn="ctr">
+                      <a:solidFill>
+                        <a:schemeClr val="tx1"/>
+                      </a:solidFill>
+                      <a:prstDash val="solid"/>
+                      <a:round/>
+                      <a:headEnd type="none" w="med" len="med"/>
+                      <a:tailEnd type="none" w="med" len="med"/>
+                    </a:lnR>
+                    <a:lnT w="12700" cap="flat" cmpd="sng" algn="ctr">
+                      <a:solidFill>
+                        <a:schemeClr val="tx1"/>
+                      </a:solidFill>
+                      <a:prstDash val="solid"/>
+                      <a:round/>
+                      <a:headEnd type="none" w="med" len="med"/>
+                      <a:tailEnd type="none" w="med" len="med"/>
+                    </a:lnT>
+                    <a:lnB w="12700" cap="flat" cmpd="sng" algn="ctr">
+                      <a:solidFill>
+                        <a:schemeClr val="tx1"/>
+                      </a:solidFill>
+                      <a:prstDash val="solid"/>
+                      <a:round/>
+                      <a:headEnd type="none" w="med" len="med"/>
+                      <a:tailEnd type="none" w="med" len="med"/>
+                    </a:lnB>
+                    <a:noFill/>
+                  </a:tcPr>
+                </a:tc>
+                <a:extLst>
+                  <a:ext uri="{0D108BD9-81ED-4DB2-BD59-A6C34878D82A}">
+                    <a16:rowId xmlns:a16="http://schemas.microsoft.com/office/drawing/2014/main" val="2993461157"/>
+                  </a:ext>
+                </a:extLst>
+              </a:tr>
+              <a:tr h="512445">
+                <a:tc>
+                  <a:txBody>
+                    <a:bodyPr/>
+                    <a:lstStyle/>
+                    <a:p>
+                      <a:pPr>
+                        <a:buNone/>
+                      </a:pPr>
+                      <a:r>
+                        <a:rPr lang="en-IN" sz="1200" dirty="0"/>
+                        <a:t>6</a:t>
+                      </a:r>
+                    </a:p>
+                  </a:txBody>
+                  <a:tcPr marL="64056" marR="64056" marT="32028" marB="32028" anchor="ctr">
+                    <a:lnL w="12700" cap="flat" cmpd="sng" algn="ctr">
+                      <a:solidFill>
+                        <a:schemeClr val="tx1"/>
+                      </a:solidFill>
+                      <a:prstDash val="solid"/>
+                      <a:round/>
+                      <a:headEnd type="none" w="med" len="med"/>
+                      <a:tailEnd type="none" w="med" len="med"/>
+                    </a:lnL>
+                    <a:lnR w="12700" cap="flat" cmpd="sng" algn="ctr">
+                      <a:solidFill>
+                        <a:schemeClr val="tx1"/>
+                      </a:solidFill>
+                      <a:prstDash val="solid"/>
+                      <a:round/>
+                      <a:headEnd type="none" w="med" len="med"/>
+                      <a:tailEnd type="none" w="med" len="med"/>
+                    </a:lnR>
+                    <a:lnT w="12700" cap="flat" cmpd="sng" algn="ctr">
+                      <a:solidFill>
+                        <a:schemeClr val="tx1"/>
+                      </a:solidFill>
+                      <a:prstDash val="solid"/>
+                      <a:round/>
+                      <a:headEnd type="none" w="med" len="med"/>
+                      <a:tailEnd type="none" w="med" len="med"/>
+                    </a:lnT>
+                    <a:lnB w="12700" cap="flat" cmpd="sng" algn="ctr">
+                      <a:solidFill>
+                        <a:schemeClr val="tx1"/>
+                      </a:solidFill>
+                      <a:prstDash val="solid"/>
+                      <a:round/>
+                      <a:headEnd type="none" w="med" len="med"/>
+                      <a:tailEnd type="none" w="med" len="med"/>
+                    </a:lnB>
+                    <a:noFill/>
+                  </a:tcPr>
+                </a:tc>
+                <a:tc>
+                  <a:txBody>
+                    <a:bodyPr/>
+                    <a:lstStyle/>
+                    <a:p>
+                      <a:pPr>
+                        <a:buNone/>
+                      </a:pPr>
+                      <a:r>
+                        <a:rPr lang="en-IN" sz="1200" b="1" dirty="0"/>
+                        <a:t>TXC0</a:t>
+                      </a:r>
+                      <a:endParaRPr lang="en-IN" sz="1200" dirty="0"/>
+                    </a:p>
+                  </a:txBody>
+                  <a:tcPr marL="64056" marR="64056" marT="32028" marB="32028" anchor="ctr">
+                    <a:lnL w="12700" cap="flat" cmpd="sng" algn="ctr">
+                      <a:solidFill>
+                        <a:schemeClr val="tx1"/>
+                      </a:solidFill>
+                      <a:prstDash val="solid"/>
+                      <a:round/>
+                      <a:headEnd type="none" w="med" len="med"/>
+                      <a:tailEnd type="none" w="med" len="med"/>
+                    </a:lnL>
+                    <a:lnR w="12700" cap="flat" cmpd="sng" algn="ctr">
+                      <a:solidFill>
+                        <a:schemeClr val="tx1"/>
+                      </a:solidFill>
+                      <a:prstDash val="solid"/>
+                      <a:round/>
+                      <a:headEnd type="none" w="med" len="med"/>
+                      <a:tailEnd type="none" w="med" len="med"/>
+                    </a:lnR>
+                    <a:lnT w="12700" cap="flat" cmpd="sng" algn="ctr">
+                      <a:solidFill>
+                        <a:schemeClr val="tx1"/>
+                      </a:solidFill>
+                      <a:prstDash val="solid"/>
+                      <a:round/>
+                      <a:headEnd type="none" w="med" len="med"/>
+                      <a:tailEnd type="none" w="med" len="med"/>
+                    </a:lnT>
+                    <a:lnB w="12700" cap="flat" cmpd="sng" algn="ctr">
+                      <a:solidFill>
+                        <a:schemeClr val="tx1"/>
+                      </a:solidFill>
+                      <a:prstDash val="solid"/>
+                      <a:round/>
+                      <a:headEnd type="none" w="med" len="med"/>
+                      <a:tailEnd type="none" w="med" len="med"/>
+                    </a:lnB>
+                    <a:noFill/>
+                  </a:tcPr>
+                </a:tc>
+                <a:tc>
+                  <a:txBody>
+                    <a:bodyPr/>
+                    <a:lstStyle/>
+                    <a:p>
+                      <a:pPr>
+                        <a:buNone/>
+                      </a:pPr>
+                      <a:r>
+                        <a:rPr lang="en-US" sz="1200"/>
+                        <a:t>Transmit Complete flag (1 → transmission done)</a:t>
+                      </a:r>
+                    </a:p>
+                  </a:txBody>
+                  <a:tcPr marL="64056" marR="64056" marT="32028" marB="32028" anchor="ctr">
+                    <a:lnL w="12700" cap="flat" cmpd="sng" algn="ctr">
+                      <a:solidFill>
+                        <a:schemeClr val="tx1"/>
+                      </a:solidFill>
+                      <a:prstDash val="solid"/>
+                      <a:round/>
+                      <a:headEnd type="none" w="med" len="med"/>
+                      <a:tailEnd type="none" w="med" len="med"/>
+                    </a:lnL>
+                    <a:lnR w="12700" cap="flat" cmpd="sng" algn="ctr">
+                      <a:solidFill>
+                        <a:schemeClr val="tx1"/>
+                      </a:solidFill>
+                      <a:prstDash val="solid"/>
+                      <a:round/>
+                      <a:headEnd type="none" w="med" len="med"/>
+                      <a:tailEnd type="none" w="med" len="med"/>
+                    </a:lnR>
+                    <a:lnT w="12700" cap="flat" cmpd="sng" algn="ctr">
+                      <a:solidFill>
+                        <a:schemeClr val="tx1"/>
+                      </a:solidFill>
+                      <a:prstDash val="solid"/>
+                      <a:round/>
+                      <a:headEnd type="none" w="med" len="med"/>
+                      <a:tailEnd type="none" w="med" len="med"/>
+                    </a:lnT>
+                    <a:lnB w="12700" cap="flat" cmpd="sng" algn="ctr">
+                      <a:solidFill>
+                        <a:schemeClr val="tx1"/>
+                      </a:solidFill>
+                      <a:prstDash val="solid"/>
+                      <a:round/>
+                      <a:headEnd type="none" w="med" len="med"/>
+                      <a:tailEnd type="none" w="med" len="med"/>
+                    </a:lnB>
+                    <a:noFill/>
+                  </a:tcPr>
+                </a:tc>
+                <a:extLst>
+                  <a:ext uri="{0D108BD9-81ED-4DB2-BD59-A6C34878D82A}">
+                    <a16:rowId xmlns:a16="http://schemas.microsoft.com/office/drawing/2014/main" val="4225707209"/>
+                  </a:ext>
+                </a:extLst>
+              </a:tr>
+              <a:tr h="512445">
+                <a:tc>
+                  <a:txBody>
+                    <a:bodyPr/>
+                    <a:lstStyle/>
+                    <a:p>
+                      <a:pPr>
+                        <a:buNone/>
+                      </a:pPr>
+                      <a:r>
+                        <a:rPr lang="en-IN" sz="1200" dirty="0"/>
+                        <a:t>5</a:t>
+                      </a:r>
+                    </a:p>
+                  </a:txBody>
+                  <a:tcPr marL="64056" marR="64056" marT="32028" marB="32028" anchor="ctr">
+                    <a:lnL w="12700" cap="flat" cmpd="sng" algn="ctr">
+                      <a:solidFill>
+                        <a:schemeClr val="tx1"/>
+                      </a:solidFill>
+                      <a:prstDash val="solid"/>
+                      <a:round/>
+                      <a:headEnd type="none" w="med" len="med"/>
+                      <a:tailEnd type="none" w="med" len="med"/>
+                    </a:lnL>
+                    <a:lnR w="12700" cap="flat" cmpd="sng" algn="ctr">
+                      <a:solidFill>
+                        <a:schemeClr val="tx1"/>
+                      </a:solidFill>
+                      <a:prstDash val="solid"/>
+                      <a:round/>
+                      <a:headEnd type="none" w="med" len="med"/>
+                      <a:tailEnd type="none" w="med" len="med"/>
+                    </a:lnR>
+                    <a:lnT w="12700" cap="flat" cmpd="sng" algn="ctr">
+                      <a:solidFill>
+                        <a:schemeClr val="tx1"/>
+                      </a:solidFill>
+                      <a:prstDash val="solid"/>
+                      <a:round/>
+                      <a:headEnd type="none" w="med" len="med"/>
+                      <a:tailEnd type="none" w="med" len="med"/>
+                    </a:lnT>
+                    <a:lnB w="12700" cap="flat" cmpd="sng" algn="ctr">
+                      <a:solidFill>
+                        <a:schemeClr val="tx1"/>
+                      </a:solidFill>
+                      <a:prstDash val="solid"/>
+                      <a:round/>
+                      <a:headEnd type="none" w="med" len="med"/>
+                      <a:tailEnd type="none" w="med" len="med"/>
+                    </a:lnB>
+                    <a:noFill/>
+                  </a:tcPr>
+                </a:tc>
+                <a:tc>
+                  <a:txBody>
+                    <a:bodyPr/>
+                    <a:lstStyle/>
+                    <a:p>
+                      <a:pPr>
+                        <a:buNone/>
+                      </a:pPr>
+                      <a:r>
+                        <a:rPr lang="en-IN" sz="1200" b="1" dirty="0"/>
+                        <a:t>UDRE0</a:t>
+                      </a:r>
+                      <a:endParaRPr lang="en-IN" sz="1200" dirty="0"/>
+                    </a:p>
+                  </a:txBody>
+                  <a:tcPr marL="64056" marR="64056" marT="32028" marB="32028" anchor="ctr">
+                    <a:lnL w="12700" cap="flat" cmpd="sng" algn="ctr">
+                      <a:solidFill>
+                        <a:schemeClr val="tx1"/>
+                      </a:solidFill>
+                      <a:prstDash val="solid"/>
+                      <a:round/>
+                      <a:headEnd type="none" w="med" len="med"/>
+                      <a:tailEnd type="none" w="med" len="med"/>
+                    </a:lnL>
+                    <a:lnR w="12700" cap="flat" cmpd="sng" algn="ctr">
+                      <a:solidFill>
+                        <a:schemeClr val="tx1"/>
+                      </a:solidFill>
+                      <a:prstDash val="solid"/>
+                      <a:round/>
+                      <a:headEnd type="none" w="med" len="med"/>
+                      <a:tailEnd type="none" w="med" len="med"/>
+                    </a:lnR>
+                    <a:lnT w="12700" cap="flat" cmpd="sng" algn="ctr">
+                      <a:solidFill>
+                        <a:schemeClr val="tx1"/>
+                      </a:solidFill>
+                      <a:prstDash val="solid"/>
+                      <a:round/>
+                      <a:headEnd type="none" w="med" len="med"/>
+                      <a:tailEnd type="none" w="med" len="med"/>
+                    </a:lnT>
+                    <a:lnB w="12700" cap="flat" cmpd="sng" algn="ctr">
+                      <a:solidFill>
+                        <a:schemeClr val="tx1"/>
+                      </a:solidFill>
+                      <a:prstDash val="solid"/>
+                      <a:round/>
+                      <a:headEnd type="none" w="med" len="med"/>
+                      <a:tailEnd type="none" w="med" len="med"/>
+                    </a:lnB>
+                    <a:noFill/>
+                  </a:tcPr>
+                </a:tc>
+                <a:tc>
+                  <a:txBody>
+                    <a:bodyPr/>
+                    <a:lstStyle/>
+                    <a:p>
+                      <a:pPr>
+                        <a:buNone/>
+                      </a:pPr>
+                      <a:r>
+                        <a:rPr lang="en-US" sz="1200" dirty="0"/>
+                        <a:t>USART Data Register Empty (ready for new byte)</a:t>
+                      </a:r>
+                    </a:p>
+                  </a:txBody>
+                  <a:tcPr marL="64056" marR="64056" marT="32028" marB="32028" anchor="ctr">
+                    <a:lnL w="12700" cap="flat" cmpd="sng" algn="ctr">
+                      <a:solidFill>
+                        <a:schemeClr val="tx1"/>
+                      </a:solidFill>
+                      <a:prstDash val="solid"/>
+                      <a:round/>
+                      <a:headEnd type="none" w="med" len="med"/>
+                      <a:tailEnd type="none" w="med" len="med"/>
+                    </a:lnL>
+                    <a:lnR w="12700" cap="flat" cmpd="sng" algn="ctr">
+                      <a:solidFill>
+                        <a:schemeClr val="tx1"/>
+                      </a:solidFill>
+                      <a:prstDash val="solid"/>
+                      <a:round/>
+                      <a:headEnd type="none" w="med" len="med"/>
+                      <a:tailEnd type="none" w="med" len="med"/>
+                    </a:lnR>
+                    <a:lnT w="12700" cap="flat" cmpd="sng" algn="ctr">
+                      <a:solidFill>
+                        <a:schemeClr val="tx1"/>
+                      </a:solidFill>
+                      <a:prstDash val="solid"/>
+                      <a:round/>
+                      <a:headEnd type="none" w="med" len="med"/>
+                      <a:tailEnd type="none" w="med" len="med"/>
+                    </a:lnT>
+                    <a:lnB w="12700" cap="flat" cmpd="sng" algn="ctr">
+                      <a:solidFill>
+                        <a:schemeClr val="tx1"/>
+                      </a:solidFill>
+                      <a:prstDash val="solid"/>
+                      <a:round/>
+                      <a:headEnd type="none" w="med" len="med"/>
+                      <a:tailEnd type="none" w="med" len="med"/>
+                    </a:lnB>
+                    <a:noFill/>
+                  </a:tcPr>
+                </a:tc>
+                <a:extLst>
+                  <a:ext uri="{0D108BD9-81ED-4DB2-BD59-A6C34878D82A}">
+                    <a16:rowId xmlns:a16="http://schemas.microsoft.com/office/drawing/2014/main" val="895747546"/>
+                  </a:ext>
+                </a:extLst>
+              </a:tr>
+              <a:tr h="362982">
+                <a:tc>
+                  <a:txBody>
+                    <a:bodyPr/>
+                    <a:lstStyle/>
+                    <a:p>
+                      <a:pPr>
+                        <a:buNone/>
+                      </a:pPr>
+                      <a:r>
+                        <a:rPr lang="en-IN" sz="1200"/>
+                        <a:t>4</a:t>
+                      </a:r>
+                    </a:p>
+                  </a:txBody>
+                  <a:tcPr marL="64056" marR="64056" marT="32028" marB="32028" anchor="ctr">
+                    <a:lnL w="12700" cap="flat" cmpd="sng" algn="ctr">
+                      <a:solidFill>
+                        <a:schemeClr val="tx1"/>
+                      </a:solidFill>
+                      <a:prstDash val="solid"/>
+                      <a:round/>
+                      <a:headEnd type="none" w="med" len="med"/>
+                      <a:tailEnd type="none" w="med" len="med"/>
+                    </a:lnL>
+                    <a:lnR w="12700" cap="flat" cmpd="sng" algn="ctr">
+                      <a:solidFill>
+                        <a:schemeClr val="tx1"/>
+                      </a:solidFill>
+                      <a:prstDash val="solid"/>
+                      <a:round/>
+                      <a:headEnd type="none" w="med" len="med"/>
+                      <a:tailEnd type="none" w="med" len="med"/>
+                    </a:lnR>
+                    <a:lnT w="12700" cap="flat" cmpd="sng" algn="ctr">
+                      <a:solidFill>
+                        <a:schemeClr val="tx1"/>
+                      </a:solidFill>
+                      <a:prstDash val="solid"/>
+                      <a:round/>
+                      <a:headEnd type="none" w="med" len="med"/>
+                      <a:tailEnd type="none" w="med" len="med"/>
+                    </a:lnT>
+                    <a:lnB w="12700" cap="flat" cmpd="sng" algn="ctr">
+                      <a:solidFill>
+                        <a:schemeClr val="tx1"/>
+                      </a:solidFill>
+                      <a:prstDash val="solid"/>
+                      <a:round/>
+                      <a:headEnd type="none" w="med" len="med"/>
+                      <a:tailEnd type="none" w="med" len="med"/>
+                    </a:lnB>
+                    <a:noFill/>
+                  </a:tcPr>
+                </a:tc>
+                <a:tc>
+                  <a:txBody>
+                    <a:bodyPr/>
+                    <a:lstStyle/>
+                    <a:p>
+                      <a:pPr>
+                        <a:buNone/>
+                      </a:pPr>
+                      <a:r>
+                        <a:rPr lang="en-IN" sz="1200" b="1"/>
+                        <a:t>FE0</a:t>
+                      </a:r>
+                      <a:endParaRPr lang="en-IN" sz="1200"/>
+                    </a:p>
+                  </a:txBody>
+                  <a:tcPr marL="64056" marR="64056" marT="32028" marB="32028" anchor="ctr">
+                    <a:lnL w="12700" cap="flat" cmpd="sng" algn="ctr">
+                      <a:solidFill>
+                        <a:schemeClr val="tx1"/>
+                      </a:solidFill>
+                      <a:prstDash val="solid"/>
+                      <a:round/>
+                      <a:headEnd type="none" w="med" len="med"/>
+                      <a:tailEnd type="none" w="med" len="med"/>
+                    </a:lnL>
+                    <a:lnR w="12700" cap="flat" cmpd="sng" algn="ctr">
+                      <a:solidFill>
+                        <a:schemeClr val="tx1"/>
+                      </a:solidFill>
+                      <a:prstDash val="solid"/>
+                      <a:round/>
+                      <a:headEnd type="none" w="med" len="med"/>
+                      <a:tailEnd type="none" w="med" len="med"/>
+                    </a:lnR>
+                    <a:lnT w="12700" cap="flat" cmpd="sng" algn="ctr">
+                      <a:solidFill>
+                        <a:schemeClr val="tx1"/>
+                      </a:solidFill>
+                      <a:prstDash val="solid"/>
+                      <a:round/>
+                      <a:headEnd type="none" w="med" len="med"/>
+                      <a:tailEnd type="none" w="med" len="med"/>
+                    </a:lnT>
+                    <a:lnB w="12700" cap="flat" cmpd="sng" algn="ctr">
+                      <a:solidFill>
+                        <a:schemeClr val="tx1"/>
+                      </a:solidFill>
+                      <a:prstDash val="solid"/>
+                      <a:round/>
+                      <a:headEnd type="none" w="med" len="med"/>
+                      <a:tailEnd type="none" w="med" len="med"/>
+                    </a:lnB>
+                    <a:noFill/>
+                  </a:tcPr>
+                </a:tc>
+                <a:tc>
+                  <a:txBody>
+                    <a:bodyPr/>
+                    <a:lstStyle/>
+                    <a:p>
+                      <a:pPr>
+                        <a:buNone/>
+                      </a:pPr>
+                      <a:r>
+                        <a:rPr lang="en-US" sz="1200" dirty="0"/>
+                        <a:t>Frame Error (stop bit missing or corrupted)</a:t>
+                      </a:r>
+                    </a:p>
+                  </a:txBody>
+                  <a:tcPr marL="64056" marR="64056" marT="32028" marB="32028" anchor="ctr">
+                    <a:lnL w="12700" cap="flat" cmpd="sng" algn="ctr">
+                      <a:solidFill>
+                        <a:schemeClr val="tx1"/>
+                      </a:solidFill>
+                      <a:prstDash val="solid"/>
+                      <a:round/>
+                      <a:headEnd type="none" w="med" len="med"/>
+                      <a:tailEnd type="none" w="med" len="med"/>
+                    </a:lnL>
+                    <a:lnR w="12700" cap="flat" cmpd="sng" algn="ctr">
+                      <a:solidFill>
+                        <a:schemeClr val="tx1"/>
+                      </a:solidFill>
+                      <a:prstDash val="solid"/>
+                      <a:round/>
+                      <a:headEnd type="none" w="med" len="med"/>
+                      <a:tailEnd type="none" w="med" len="med"/>
+                    </a:lnR>
+                    <a:lnT w="12700" cap="flat" cmpd="sng" algn="ctr">
+                      <a:solidFill>
+                        <a:schemeClr val="tx1"/>
+                      </a:solidFill>
+                      <a:prstDash val="solid"/>
+                      <a:round/>
+                      <a:headEnd type="none" w="med" len="med"/>
+                      <a:tailEnd type="none" w="med" len="med"/>
+                    </a:lnT>
+                    <a:lnB w="12700" cap="flat" cmpd="sng" algn="ctr">
+                      <a:solidFill>
+                        <a:schemeClr val="tx1"/>
+                      </a:solidFill>
+                      <a:prstDash val="solid"/>
+                      <a:round/>
+                      <a:headEnd type="none" w="med" len="med"/>
+                      <a:tailEnd type="none" w="med" len="med"/>
+                    </a:lnB>
+                    <a:noFill/>
+                  </a:tcPr>
+                </a:tc>
+                <a:extLst>
+                  <a:ext uri="{0D108BD9-81ED-4DB2-BD59-A6C34878D82A}">
+                    <a16:rowId xmlns:a16="http://schemas.microsoft.com/office/drawing/2014/main" val="3603897996"/>
+                  </a:ext>
+                </a:extLst>
+              </a:tr>
+              <a:tr h="512445">
+                <a:tc>
+                  <a:txBody>
+                    <a:bodyPr/>
+                    <a:lstStyle/>
+                    <a:p>
+                      <a:pPr>
+                        <a:buNone/>
+                      </a:pPr>
+                      <a:r>
+                        <a:rPr lang="en-IN" sz="1200"/>
+                        <a:t>3</a:t>
+                      </a:r>
+                    </a:p>
+                  </a:txBody>
+                  <a:tcPr marL="64056" marR="64056" marT="32028" marB="32028" anchor="ctr">
+                    <a:lnL w="12700" cap="flat" cmpd="sng" algn="ctr">
+                      <a:solidFill>
+                        <a:schemeClr val="tx1"/>
+                      </a:solidFill>
+                      <a:prstDash val="solid"/>
+                      <a:round/>
+                      <a:headEnd type="none" w="med" len="med"/>
+                      <a:tailEnd type="none" w="med" len="med"/>
+                    </a:lnL>
+                    <a:lnR w="12700" cap="flat" cmpd="sng" algn="ctr">
+                      <a:solidFill>
+                        <a:schemeClr val="tx1"/>
+                      </a:solidFill>
+                      <a:prstDash val="solid"/>
+                      <a:round/>
+                      <a:headEnd type="none" w="med" len="med"/>
+                      <a:tailEnd type="none" w="med" len="med"/>
+                    </a:lnR>
+                    <a:lnT w="12700" cap="flat" cmpd="sng" algn="ctr">
+                      <a:solidFill>
+                        <a:schemeClr val="tx1"/>
+                      </a:solidFill>
+                      <a:prstDash val="solid"/>
+                      <a:round/>
+                      <a:headEnd type="none" w="med" len="med"/>
+                      <a:tailEnd type="none" w="med" len="med"/>
+                    </a:lnT>
+                    <a:lnB w="12700" cap="flat" cmpd="sng" algn="ctr">
+                      <a:solidFill>
+                        <a:schemeClr val="tx1"/>
+                      </a:solidFill>
+                      <a:prstDash val="solid"/>
+                      <a:round/>
+                      <a:headEnd type="none" w="med" len="med"/>
+                      <a:tailEnd type="none" w="med" len="med"/>
+                    </a:lnB>
+                    <a:noFill/>
+                  </a:tcPr>
+                </a:tc>
+                <a:tc>
+                  <a:txBody>
+                    <a:bodyPr/>
+                    <a:lstStyle/>
+                    <a:p>
+                      <a:pPr>
+                        <a:buNone/>
+                      </a:pPr>
+                      <a:r>
+                        <a:rPr lang="en-IN" sz="1200" b="1"/>
+                        <a:t>DOR0</a:t>
+                      </a:r>
+                      <a:endParaRPr lang="en-IN" sz="1200"/>
+                    </a:p>
+                  </a:txBody>
+                  <a:tcPr marL="64056" marR="64056" marT="32028" marB="32028" anchor="ctr">
+                    <a:lnL w="12700" cap="flat" cmpd="sng" algn="ctr">
+                      <a:solidFill>
+                        <a:schemeClr val="tx1"/>
+                      </a:solidFill>
+                      <a:prstDash val="solid"/>
+                      <a:round/>
+                      <a:headEnd type="none" w="med" len="med"/>
+                      <a:tailEnd type="none" w="med" len="med"/>
+                    </a:lnL>
+                    <a:lnR w="12700" cap="flat" cmpd="sng" algn="ctr">
+                      <a:solidFill>
+                        <a:schemeClr val="tx1"/>
+                      </a:solidFill>
+                      <a:prstDash val="solid"/>
+                      <a:round/>
+                      <a:headEnd type="none" w="med" len="med"/>
+                      <a:tailEnd type="none" w="med" len="med"/>
+                    </a:lnR>
+                    <a:lnT w="12700" cap="flat" cmpd="sng" algn="ctr">
+                      <a:solidFill>
+                        <a:schemeClr val="tx1"/>
+                      </a:solidFill>
+                      <a:prstDash val="solid"/>
+                      <a:round/>
+                      <a:headEnd type="none" w="med" len="med"/>
+                      <a:tailEnd type="none" w="med" len="med"/>
+                    </a:lnT>
+                    <a:lnB w="12700" cap="flat" cmpd="sng" algn="ctr">
+                      <a:solidFill>
+                        <a:schemeClr val="tx1"/>
+                      </a:solidFill>
+                      <a:prstDash val="solid"/>
+                      <a:round/>
+                      <a:headEnd type="none" w="med" len="med"/>
+                      <a:tailEnd type="none" w="med" len="med"/>
+                    </a:lnB>
+                    <a:noFill/>
+                  </a:tcPr>
+                </a:tc>
+                <a:tc>
+                  <a:txBody>
+                    <a:bodyPr/>
+                    <a:lstStyle/>
+                    <a:p>
+                      <a:pPr>
+                        <a:buNone/>
+                      </a:pPr>
+                      <a:r>
+                        <a:rPr lang="en-US" sz="1200" dirty="0"/>
+                        <a:t>Data </a:t>
+                      </a:r>
+                      <a:r>
+                        <a:rPr lang="en-US" sz="1200" dirty="0" err="1"/>
+                        <a:t>OverRun</a:t>
+                      </a:r>
+                      <a:r>
+                        <a:rPr lang="en-US" sz="1200" dirty="0"/>
+                        <a:t> (new data arrived before previous read)</a:t>
+                      </a:r>
+                    </a:p>
+                  </a:txBody>
+                  <a:tcPr marL="64056" marR="64056" marT="32028" marB="32028" anchor="ctr">
+                    <a:lnL w="12700" cap="flat" cmpd="sng" algn="ctr">
+                      <a:solidFill>
+                        <a:schemeClr val="tx1"/>
+                      </a:solidFill>
+                      <a:prstDash val="solid"/>
+                      <a:round/>
+                      <a:headEnd type="none" w="med" len="med"/>
+                      <a:tailEnd type="none" w="med" len="med"/>
+                    </a:lnL>
+                    <a:lnR w="12700" cap="flat" cmpd="sng" algn="ctr">
+                      <a:solidFill>
+                        <a:schemeClr val="tx1"/>
+                      </a:solidFill>
+                      <a:prstDash val="solid"/>
+                      <a:round/>
+                      <a:headEnd type="none" w="med" len="med"/>
+                      <a:tailEnd type="none" w="med" len="med"/>
+                    </a:lnR>
+                    <a:lnT w="12700" cap="flat" cmpd="sng" algn="ctr">
+                      <a:solidFill>
+                        <a:schemeClr val="tx1"/>
+                      </a:solidFill>
+                      <a:prstDash val="solid"/>
+                      <a:round/>
+                      <a:headEnd type="none" w="med" len="med"/>
+                      <a:tailEnd type="none" w="med" len="med"/>
+                    </a:lnT>
+                    <a:lnB w="12700" cap="flat" cmpd="sng" algn="ctr">
+                      <a:solidFill>
+                        <a:schemeClr val="tx1"/>
+                      </a:solidFill>
+                      <a:prstDash val="solid"/>
+                      <a:round/>
+                      <a:headEnd type="none" w="med" len="med"/>
+                      <a:tailEnd type="none" w="med" len="med"/>
+                    </a:lnB>
+                    <a:noFill/>
+                  </a:tcPr>
+                </a:tc>
+                <a:extLst>
+                  <a:ext uri="{0D108BD9-81ED-4DB2-BD59-A6C34878D82A}">
+                    <a16:rowId xmlns:a16="http://schemas.microsoft.com/office/drawing/2014/main" val="2998036857"/>
+                  </a:ext>
+                </a:extLst>
+              </a:tr>
+              <a:tr h="213519">
+                <a:tc>
+                  <a:txBody>
+                    <a:bodyPr/>
+                    <a:lstStyle/>
+                    <a:p>
+                      <a:pPr>
+                        <a:buNone/>
+                      </a:pPr>
+                      <a:r>
+                        <a:rPr lang="en-IN" sz="1200"/>
+                        <a:t>2</a:t>
+                      </a:r>
+                    </a:p>
+                  </a:txBody>
+                  <a:tcPr marL="64056" marR="64056" marT="32028" marB="32028" anchor="ctr">
+                    <a:lnL w="12700" cap="flat" cmpd="sng" algn="ctr">
+                      <a:solidFill>
+                        <a:schemeClr val="tx1"/>
+                      </a:solidFill>
+                      <a:prstDash val="solid"/>
+                      <a:round/>
+                      <a:headEnd type="none" w="med" len="med"/>
+                      <a:tailEnd type="none" w="med" len="med"/>
+                    </a:lnL>
+                    <a:lnR w="12700" cap="flat" cmpd="sng" algn="ctr">
+                      <a:solidFill>
+                        <a:schemeClr val="tx1"/>
+                      </a:solidFill>
+                      <a:prstDash val="solid"/>
+                      <a:round/>
+                      <a:headEnd type="none" w="med" len="med"/>
+                      <a:tailEnd type="none" w="med" len="med"/>
+                    </a:lnR>
+                    <a:lnT w="12700" cap="flat" cmpd="sng" algn="ctr">
+                      <a:solidFill>
+                        <a:schemeClr val="tx1"/>
+                      </a:solidFill>
+                      <a:prstDash val="solid"/>
+                      <a:round/>
+                      <a:headEnd type="none" w="med" len="med"/>
+                      <a:tailEnd type="none" w="med" len="med"/>
+                    </a:lnT>
+                    <a:lnB w="12700" cap="flat" cmpd="sng" algn="ctr">
+                      <a:solidFill>
+                        <a:schemeClr val="tx1"/>
+                      </a:solidFill>
+                      <a:prstDash val="solid"/>
+                      <a:round/>
+                      <a:headEnd type="none" w="med" len="med"/>
+                      <a:tailEnd type="none" w="med" len="med"/>
+                    </a:lnB>
+                    <a:noFill/>
+                  </a:tcPr>
+                </a:tc>
+                <a:tc>
+                  <a:txBody>
+                    <a:bodyPr/>
+                    <a:lstStyle/>
+                    <a:p>
+                      <a:pPr>
+                        <a:buNone/>
+                      </a:pPr>
+                      <a:r>
+                        <a:rPr lang="en-IN" sz="1200" b="1"/>
+                        <a:t>UPE0</a:t>
+                      </a:r>
+                      <a:endParaRPr lang="en-IN" sz="1200"/>
+                    </a:p>
+                  </a:txBody>
+                  <a:tcPr marL="64056" marR="64056" marT="32028" marB="32028" anchor="ctr">
+                    <a:lnL w="12700" cap="flat" cmpd="sng" algn="ctr">
+                      <a:solidFill>
+                        <a:schemeClr val="tx1"/>
+                      </a:solidFill>
+                      <a:prstDash val="solid"/>
+                      <a:round/>
+                      <a:headEnd type="none" w="med" len="med"/>
+                      <a:tailEnd type="none" w="med" len="med"/>
+                    </a:lnL>
+                    <a:lnR w="12700" cap="flat" cmpd="sng" algn="ctr">
+                      <a:solidFill>
+                        <a:schemeClr val="tx1"/>
+                      </a:solidFill>
+                      <a:prstDash val="solid"/>
+                      <a:round/>
+                      <a:headEnd type="none" w="med" len="med"/>
+                      <a:tailEnd type="none" w="med" len="med"/>
+                    </a:lnR>
+                    <a:lnT w="12700" cap="flat" cmpd="sng" algn="ctr">
+                      <a:solidFill>
+                        <a:schemeClr val="tx1"/>
+                      </a:solidFill>
+                      <a:prstDash val="solid"/>
+                      <a:round/>
+                      <a:headEnd type="none" w="med" len="med"/>
+                      <a:tailEnd type="none" w="med" len="med"/>
+                    </a:lnT>
+                    <a:lnB w="12700" cap="flat" cmpd="sng" algn="ctr">
+                      <a:solidFill>
+                        <a:schemeClr val="tx1"/>
+                      </a:solidFill>
+                      <a:prstDash val="solid"/>
+                      <a:round/>
+                      <a:headEnd type="none" w="med" len="med"/>
+                      <a:tailEnd type="none" w="med" len="med"/>
+                    </a:lnB>
+                    <a:noFill/>
+                  </a:tcPr>
+                </a:tc>
+                <a:tc>
+                  <a:txBody>
+                    <a:bodyPr/>
+                    <a:lstStyle/>
+                    <a:p>
+                      <a:pPr>
+                        <a:buNone/>
+                      </a:pPr>
+                      <a:r>
+                        <a:rPr lang="en-IN" sz="1200" dirty="0"/>
+                        <a:t>Parity Error</a:t>
+                      </a:r>
+                    </a:p>
+                  </a:txBody>
+                  <a:tcPr marL="64056" marR="64056" marT="32028" marB="32028" anchor="ctr">
+                    <a:lnL w="12700" cap="flat" cmpd="sng" algn="ctr">
+                      <a:solidFill>
+                        <a:schemeClr val="tx1"/>
+                      </a:solidFill>
+                      <a:prstDash val="solid"/>
+                      <a:round/>
+                      <a:headEnd type="none" w="med" len="med"/>
+                      <a:tailEnd type="none" w="med" len="med"/>
+                    </a:lnL>
+                    <a:lnR w="12700" cap="flat" cmpd="sng" algn="ctr">
+                      <a:solidFill>
+                        <a:schemeClr val="tx1"/>
+                      </a:solidFill>
+                      <a:prstDash val="solid"/>
+                      <a:round/>
+                      <a:headEnd type="none" w="med" len="med"/>
+                      <a:tailEnd type="none" w="med" len="med"/>
+                    </a:lnR>
+                    <a:lnT w="12700" cap="flat" cmpd="sng" algn="ctr">
+                      <a:solidFill>
+                        <a:schemeClr val="tx1"/>
+                      </a:solidFill>
+                      <a:prstDash val="solid"/>
+                      <a:round/>
+                      <a:headEnd type="none" w="med" len="med"/>
+                      <a:tailEnd type="none" w="med" len="med"/>
+                    </a:lnT>
+                    <a:lnB w="12700" cap="flat" cmpd="sng" algn="ctr">
+                      <a:solidFill>
+                        <a:schemeClr val="tx1"/>
+                      </a:solidFill>
+                      <a:prstDash val="solid"/>
+                      <a:round/>
+                      <a:headEnd type="none" w="med" len="med"/>
+                      <a:tailEnd type="none" w="med" len="med"/>
+                    </a:lnB>
+                    <a:noFill/>
+                  </a:tcPr>
+                </a:tc>
+                <a:extLst>
+                  <a:ext uri="{0D108BD9-81ED-4DB2-BD59-A6C34878D82A}">
+                    <a16:rowId xmlns:a16="http://schemas.microsoft.com/office/drawing/2014/main" val="3099078664"/>
+                  </a:ext>
+                </a:extLst>
+              </a:tr>
+              <a:tr h="362982">
+                <a:tc>
+                  <a:txBody>
+                    <a:bodyPr/>
+                    <a:lstStyle/>
+                    <a:p>
+                      <a:pPr>
+                        <a:buNone/>
+                      </a:pPr>
+                      <a:r>
+                        <a:rPr lang="en-IN" sz="1200"/>
+                        <a:t>1</a:t>
+                      </a:r>
+                    </a:p>
+                  </a:txBody>
+                  <a:tcPr marL="64056" marR="64056" marT="32028" marB="32028" anchor="ctr">
+                    <a:lnL w="12700" cap="flat" cmpd="sng" algn="ctr">
+                      <a:solidFill>
+                        <a:schemeClr val="tx1"/>
+                      </a:solidFill>
+                      <a:prstDash val="solid"/>
+                      <a:round/>
+                      <a:headEnd type="none" w="med" len="med"/>
+                      <a:tailEnd type="none" w="med" len="med"/>
+                    </a:lnL>
+                    <a:lnR w="12700" cap="flat" cmpd="sng" algn="ctr">
+                      <a:solidFill>
+                        <a:schemeClr val="tx1"/>
+                      </a:solidFill>
+                      <a:prstDash val="solid"/>
+                      <a:round/>
+                      <a:headEnd type="none" w="med" len="med"/>
+                      <a:tailEnd type="none" w="med" len="med"/>
+                    </a:lnR>
+                    <a:lnT w="12700" cap="flat" cmpd="sng" algn="ctr">
+                      <a:solidFill>
+                        <a:schemeClr val="tx1"/>
+                      </a:solidFill>
+                      <a:prstDash val="solid"/>
+                      <a:round/>
+                      <a:headEnd type="none" w="med" len="med"/>
+                      <a:tailEnd type="none" w="med" len="med"/>
+                    </a:lnT>
+                    <a:lnB w="12700" cap="flat" cmpd="sng" algn="ctr">
+                      <a:solidFill>
+                        <a:schemeClr val="tx1"/>
+                      </a:solidFill>
+                      <a:prstDash val="solid"/>
+                      <a:round/>
+                      <a:headEnd type="none" w="med" len="med"/>
+                      <a:tailEnd type="none" w="med" len="med"/>
+                    </a:lnB>
+                    <a:noFill/>
+                  </a:tcPr>
+                </a:tc>
+                <a:tc>
+                  <a:txBody>
+                    <a:bodyPr/>
+                    <a:lstStyle/>
+                    <a:p>
+                      <a:pPr>
+                        <a:buNone/>
+                      </a:pPr>
+                      <a:r>
+                        <a:rPr lang="en-IN" sz="1200" b="1"/>
+                        <a:t>U2X0</a:t>
+                      </a:r>
+                      <a:endParaRPr lang="en-IN" sz="1200"/>
+                    </a:p>
+                  </a:txBody>
+                  <a:tcPr marL="64056" marR="64056" marT="32028" marB="32028" anchor="ctr">
+                    <a:lnL w="12700" cap="flat" cmpd="sng" algn="ctr">
+                      <a:solidFill>
+                        <a:schemeClr val="tx1"/>
+                      </a:solidFill>
+                      <a:prstDash val="solid"/>
+                      <a:round/>
+                      <a:headEnd type="none" w="med" len="med"/>
+                      <a:tailEnd type="none" w="med" len="med"/>
+                    </a:lnL>
+                    <a:lnR w="12700" cap="flat" cmpd="sng" algn="ctr">
+                      <a:solidFill>
+                        <a:schemeClr val="tx1"/>
+                      </a:solidFill>
+                      <a:prstDash val="solid"/>
+                      <a:round/>
+                      <a:headEnd type="none" w="med" len="med"/>
+                      <a:tailEnd type="none" w="med" len="med"/>
+                    </a:lnR>
+                    <a:lnT w="12700" cap="flat" cmpd="sng" algn="ctr">
+                      <a:solidFill>
+                        <a:schemeClr val="tx1"/>
+                      </a:solidFill>
+                      <a:prstDash val="solid"/>
+                      <a:round/>
+                      <a:headEnd type="none" w="med" len="med"/>
+                      <a:tailEnd type="none" w="med" len="med"/>
+                    </a:lnT>
+                    <a:lnB w="12700" cap="flat" cmpd="sng" algn="ctr">
+                      <a:solidFill>
+                        <a:schemeClr val="tx1"/>
+                      </a:solidFill>
+                      <a:prstDash val="solid"/>
+                      <a:round/>
+                      <a:headEnd type="none" w="med" len="med"/>
+                      <a:tailEnd type="none" w="med" len="med"/>
+                    </a:lnB>
+                    <a:noFill/>
+                  </a:tcPr>
+                </a:tc>
+                <a:tc>
+                  <a:txBody>
+                    <a:bodyPr/>
+                    <a:lstStyle/>
+                    <a:p>
+                      <a:pPr>
+                        <a:buNone/>
+                      </a:pPr>
+                      <a:r>
+                        <a:rPr lang="en-IN" sz="1200" dirty="0"/>
+                        <a:t>Double the transmission speed</a:t>
+                      </a:r>
+                    </a:p>
+                  </a:txBody>
+                  <a:tcPr marL="64056" marR="64056" marT="32028" marB="32028" anchor="ctr">
+                    <a:lnL w="12700" cap="flat" cmpd="sng" algn="ctr">
+                      <a:solidFill>
+                        <a:schemeClr val="tx1"/>
+                      </a:solidFill>
+                      <a:prstDash val="solid"/>
+                      <a:round/>
+                      <a:headEnd type="none" w="med" len="med"/>
+                      <a:tailEnd type="none" w="med" len="med"/>
+                    </a:lnL>
+                    <a:lnR w="12700" cap="flat" cmpd="sng" algn="ctr">
+                      <a:solidFill>
+                        <a:schemeClr val="tx1"/>
+                      </a:solidFill>
+                      <a:prstDash val="solid"/>
+                      <a:round/>
+                      <a:headEnd type="none" w="med" len="med"/>
+                      <a:tailEnd type="none" w="med" len="med"/>
+                    </a:lnR>
+                    <a:lnT w="12700" cap="flat" cmpd="sng" algn="ctr">
+                      <a:solidFill>
+                        <a:schemeClr val="tx1"/>
+                      </a:solidFill>
+                      <a:prstDash val="solid"/>
+                      <a:round/>
+                      <a:headEnd type="none" w="med" len="med"/>
+                      <a:tailEnd type="none" w="med" len="med"/>
+                    </a:lnT>
+                    <a:lnB w="12700" cap="flat" cmpd="sng" algn="ctr">
+                      <a:solidFill>
+                        <a:schemeClr val="tx1"/>
+                      </a:solidFill>
+                      <a:prstDash val="solid"/>
+                      <a:round/>
+                      <a:headEnd type="none" w="med" len="med"/>
+                      <a:tailEnd type="none" w="med" len="med"/>
+                    </a:lnB>
+                    <a:noFill/>
+                  </a:tcPr>
+                </a:tc>
+                <a:extLst>
+                  <a:ext uri="{0D108BD9-81ED-4DB2-BD59-A6C34878D82A}">
+                    <a16:rowId xmlns:a16="http://schemas.microsoft.com/office/drawing/2014/main" val="1792590787"/>
+                  </a:ext>
+                </a:extLst>
+              </a:tr>
+              <a:tr h="362982">
+                <a:tc>
+                  <a:txBody>
+                    <a:bodyPr/>
+                    <a:lstStyle/>
+                    <a:p>
+                      <a:pPr>
+                        <a:buNone/>
+                      </a:pPr>
+                      <a:r>
+                        <a:rPr lang="en-IN" sz="1200" dirty="0"/>
+                        <a:t>0</a:t>
+                      </a:r>
+                    </a:p>
+                  </a:txBody>
+                  <a:tcPr marL="64056" marR="64056" marT="32028" marB="32028" anchor="ctr">
+                    <a:lnL w="12700" cap="flat" cmpd="sng" algn="ctr">
+                      <a:solidFill>
+                        <a:schemeClr val="tx1"/>
+                      </a:solidFill>
+                      <a:prstDash val="solid"/>
+                      <a:round/>
+                      <a:headEnd type="none" w="med" len="med"/>
+                      <a:tailEnd type="none" w="med" len="med"/>
+                    </a:lnL>
+                    <a:lnR w="12700" cap="flat" cmpd="sng" algn="ctr">
+                      <a:solidFill>
+                        <a:schemeClr val="tx1"/>
+                      </a:solidFill>
+                      <a:prstDash val="solid"/>
+                      <a:round/>
+                      <a:headEnd type="none" w="med" len="med"/>
+                      <a:tailEnd type="none" w="med" len="med"/>
+                    </a:lnR>
+                    <a:lnT w="12700" cap="flat" cmpd="sng" algn="ctr">
+                      <a:solidFill>
+                        <a:schemeClr val="tx1"/>
+                      </a:solidFill>
+                      <a:prstDash val="solid"/>
+                      <a:round/>
+                      <a:headEnd type="none" w="med" len="med"/>
+                      <a:tailEnd type="none" w="med" len="med"/>
+                    </a:lnT>
+                    <a:lnB w="12700" cap="flat" cmpd="sng" algn="ctr">
+                      <a:solidFill>
+                        <a:schemeClr val="tx1"/>
+                      </a:solidFill>
+                      <a:prstDash val="solid"/>
+                      <a:round/>
+                      <a:headEnd type="none" w="med" len="med"/>
+                      <a:tailEnd type="none" w="med" len="med"/>
+                    </a:lnB>
+                    <a:noFill/>
+                  </a:tcPr>
+                </a:tc>
+                <a:tc>
+                  <a:txBody>
+                    <a:bodyPr/>
+                    <a:lstStyle/>
+                    <a:p>
+                      <a:pPr>
+                        <a:buNone/>
+                      </a:pPr>
+                      <a:r>
+                        <a:rPr lang="en-IN" sz="1200" b="1"/>
+                        <a:t>MPCM0</a:t>
+                      </a:r>
+                      <a:endParaRPr lang="en-IN" sz="1200"/>
+                    </a:p>
+                  </a:txBody>
+                  <a:tcPr marL="64056" marR="64056" marT="32028" marB="32028" anchor="ctr">
+                    <a:lnL w="12700" cap="flat" cmpd="sng" algn="ctr">
+                      <a:solidFill>
+                        <a:schemeClr val="tx1"/>
+                      </a:solidFill>
+                      <a:prstDash val="solid"/>
+                      <a:round/>
+                      <a:headEnd type="none" w="med" len="med"/>
+                      <a:tailEnd type="none" w="med" len="med"/>
+                    </a:lnL>
+                    <a:lnR w="12700" cap="flat" cmpd="sng" algn="ctr">
+                      <a:solidFill>
+                        <a:schemeClr val="tx1"/>
+                      </a:solidFill>
+                      <a:prstDash val="solid"/>
+                      <a:round/>
+                      <a:headEnd type="none" w="med" len="med"/>
+                      <a:tailEnd type="none" w="med" len="med"/>
+                    </a:lnR>
+                    <a:lnT w="12700" cap="flat" cmpd="sng" algn="ctr">
+                      <a:solidFill>
+                        <a:schemeClr val="tx1"/>
+                      </a:solidFill>
+                      <a:prstDash val="solid"/>
+                      <a:round/>
+                      <a:headEnd type="none" w="med" len="med"/>
+                      <a:tailEnd type="none" w="med" len="med"/>
+                    </a:lnT>
+                    <a:lnB w="12700" cap="flat" cmpd="sng" algn="ctr">
+                      <a:solidFill>
+                        <a:schemeClr val="tx1"/>
+                      </a:solidFill>
+                      <a:prstDash val="solid"/>
+                      <a:round/>
+                      <a:headEnd type="none" w="med" len="med"/>
+                      <a:tailEnd type="none" w="med" len="med"/>
+                    </a:lnB>
+                    <a:noFill/>
+                  </a:tcPr>
+                </a:tc>
+                <a:tc>
+                  <a:txBody>
+                    <a:bodyPr/>
+                    <a:lstStyle/>
+                    <a:p>
+                      <a:pPr>
+                        <a:buNone/>
+                      </a:pPr>
+                      <a:r>
+                        <a:rPr lang="en-IN" sz="1200" dirty="0"/>
+                        <a:t>Multi-processor mode enable</a:t>
+                      </a:r>
+                    </a:p>
+                  </a:txBody>
+                  <a:tcPr marL="64056" marR="64056" marT="32028" marB="32028" anchor="ctr">
+                    <a:lnL w="12700" cap="flat" cmpd="sng" algn="ctr">
+                      <a:solidFill>
+                        <a:schemeClr val="tx1"/>
+                      </a:solidFill>
+                      <a:prstDash val="solid"/>
+                      <a:round/>
+                      <a:headEnd type="none" w="med" len="med"/>
+                      <a:tailEnd type="none" w="med" len="med"/>
+                    </a:lnL>
+                    <a:lnR w="12700" cap="flat" cmpd="sng" algn="ctr">
+                      <a:solidFill>
+                        <a:schemeClr val="tx1"/>
+                      </a:solidFill>
+                      <a:prstDash val="solid"/>
+                      <a:round/>
+                      <a:headEnd type="none" w="med" len="med"/>
+                      <a:tailEnd type="none" w="med" len="med"/>
+                    </a:lnR>
+                    <a:lnT w="12700" cap="flat" cmpd="sng" algn="ctr">
+                      <a:solidFill>
+                        <a:schemeClr val="tx1"/>
+                      </a:solidFill>
+                      <a:prstDash val="solid"/>
+                      <a:round/>
+                      <a:headEnd type="none" w="med" len="med"/>
+                      <a:tailEnd type="none" w="med" len="med"/>
+                    </a:lnT>
+                    <a:lnB w="12700" cap="flat" cmpd="sng" algn="ctr">
+                      <a:solidFill>
+                        <a:schemeClr val="tx1"/>
+                      </a:solidFill>
+                      <a:prstDash val="solid"/>
+                      <a:round/>
+                      <a:headEnd type="none" w="med" len="med"/>
+                      <a:tailEnd type="none" w="med" len="med"/>
+                    </a:lnB>
+                    <a:noFill/>
+                  </a:tcPr>
+                </a:tc>
+                <a:extLst>
+                  <a:ext uri="{0D108BD9-81ED-4DB2-BD59-A6C34878D82A}">
+                    <a16:rowId xmlns:a16="http://schemas.microsoft.com/office/drawing/2014/main" val="290026473"/>
+                  </a:ext>
+                </a:extLst>
+              </a:tr>
+            </a:tbl>
+          </a:graphicData>
+        </a:graphic>
+      </p:graphicFrame>
+      <p:pic>
+        <p:nvPicPr>
+          <p:cNvPr id="5" name="Picture 4">
+            <a:extLst>
+              <a:ext uri="{FF2B5EF4-FFF2-40B4-BE49-F238E27FC236}">
+                <a16:creationId xmlns:a16="http://schemas.microsoft.com/office/drawing/2014/main" id="{52296684-B913-1577-BDE3-62AEF4C039E1}"/>
+              </a:ext>
+            </a:extLst>
+          </p:cNvPr>
+          <p:cNvPicPr>
+            <a:picLocks noChangeAspect="1"/>
+          </p:cNvPicPr>
+          <p:nvPr/>
+        </p:nvPicPr>
+        <p:blipFill>
+          <a:blip r:embed="rId3"/>
+          <a:srcRect l="9537" t="27245" b="6854"/>
+          <a:stretch>
+            <a:fillRect/>
+          </a:stretch>
+        </p:blipFill>
+        <p:spPr>
+          <a:xfrm>
+            <a:off x="2661232" y="655602"/>
+            <a:ext cx="6019398" cy="766845"/>
+          </a:xfrm>
+          <a:prstGeom prst="rect">
+            <a:avLst/>
+          </a:prstGeom>
+        </p:spPr>
+      </p:pic>
+    </p:spTree>
+    <p:extLst>
+      <p:ext uri="{BB962C8B-B14F-4D97-AF65-F5344CB8AC3E}">
+        <p14:creationId xmlns:p14="http://schemas.microsoft.com/office/powerpoint/2010/main" val="4003320701"/>
+      </p:ext>
+    </p:extLst>
+  </p:cSld>
+  <p:clrMapOvr>
+    <a:masterClrMapping/>
+  </p:clrMapOvr>
+</p:sld>
+</file>
+
+<file path=ppt/slides/slide9.xml><?xml version="1.0" encoding="utf-8"?>
+<p:sld xmlns:a="http://schemas.openxmlformats.org/drawingml/2006/main" xmlns:r="http://schemas.openxmlformats.org/officeDocument/2006/relationships" xmlns:p="http://schemas.openxmlformats.org/presentationml/2006/main">
+  <p:cSld>
+    <p:spTree>
+      <p:nvGrpSpPr>
+        <p:cNvPr id="1" name="Shape 53">
+          <a:extLst>
+            <a:ext uri="{FF2B5EF4-FFF2-40B4-BE49-F238E27FC236}">
+              <a16:creationId xmlns:a16="http://schemas.microsoft.com/office/drawing/2014/main" id="{AB2B5F99-FD61-6731-22E5-CCBE3B998139}"/>
+            </a:ext>
+          </a:extLst>
+        </p:cNvPr>
+        <p:cNvGrpSpPr/>
+        <p:nvPr/>
+      </p:nvGrpSpPr>
+      <p:grpSpPr>
+        <a:xfrm>
+          <a:off x="0" y="0"/>
+          <a:ext cx="0" cy="0"/>
+          <a:chOff x="0" y="0"/>
+          <a:chExt cx="0" cy="0"/>
+        </a:xfrm>
+      </p:grpSpPr>
+      <p:sp>
+        <p:nvSpPr>
+          <p:cNvPr id="54" name="Google Shape;54;p11">
+            <a:extLst>
+              <a:ext uri="{FF2B5EF4-FFF2-40B4-BE49-F238E27FC236}">
+                <a16:creationId xmlns:a16="http://schemas.microsoft.com/office/drawing/2014/main" id="{97A3ECAF-E25E-6F1B-D904-C1BDEC6254CD}"/>
+              </a:ext>
+            </a:extLst>
+          </p:cNvPr>
+          <p:cNvSpPr txBox="1">
+            <a:spLocks noGrp="1"/>
+          </p:cNvSpPr>
+          <p:nvPr>
+            <p:ph type="title"/>
+          </p:nvPr>
+        </p:nvSpPr>
+        <p:spPr>
+          <a:xfrm>
+            <a:off x="2611369" y="180592"/>
+            <a:ext cx="6313690" cy="740483"/>
+          </a:xfrm>
+          <a:prstGeom prst="rect">
+            <a:avLst/>
+          </a:prstGeom>
         </p:spPr>
         <p:txBody>
           <a:bodyPr spcFirstLastPara="1" wrap="square" lIns="91425" tIns="91425" rIns="91425" bIns="91425" anchor="t" anchorCtr="0">
@@ -5439,55 +11115,1695 @@
           </a:bodyPr>
           <a:lstStyle/>
           <a:p>
-            <a:pPr marL="0" lvl="0" indent="0" algn="ctr" rtl="0">
+            <a:pPr lvl="0" algn="ctr">
               <a:lnSpc>
                 <a:spcPct val="115000"/>
               </a:lnSpc>
-              <a:spcBef>
-                <a:spcPts val="0"/>
-              </a:spcBef>
-              <a:spcAft>
-                <a:spcPts val="0"/>
-              </a:spcAft>
-              <a:buNone/>
             </a:pPr>
             <a:r>
-              <a:rPr lang="en" sz="3200" b="1">
+              <a:rPr lang="en-US" sz="2400" dirty="0">
                 <a:solidFill>
-                  <a:srgbClr val="FFE2B0"/>
+                  <a:schemeClr val="dk1"/>
                 </a:solidFill>
                 <a:latin typeface="Helvetica Neue"/>
                 <a:ea typeface="Helvetica Neue"/>
                 <a:cs typeface="Helvetica Neue"/>
                 <a:sym typeface="Helvetica Neue"/>
               </a:rPr>
-              <a:t>THANK YOU</a:t>
+              <a:t>UCSR0B – Control and Status Register B</a:t>
             </a:r>
-            <a:r>
-              <a:rPr lang="en" sz="3200" b="1">
-                <a:solidFill>
-                  <a:srgbClr val="B0DAFF"/>
-                </a:solidFill>
-                <a:latin typeface="Helvetica Neue"/>
-                <a:ea typeface="Helvetica Neue"/>
-                <a:cs typeface="Helvetica Neue"/>
-                <a:sym typeface="Helvetica Neue"/>
-              </a:rPr>
-              <a:t> </a:t>
-            </a:r>
-            <a:endParaRPr sz="3200" b="1">
-              <a:solidFill>
-                <a:srgbClr val="B0DAFF"/>
-              </a:solidFill>
-              <a:latin typeface="Helvetica Neue"/>
-              <a:ea typeface="Helvetica Neue"/>
-              <a:cs typeface="Helvetica Neue"/>
-              <a:sym typeface="Helvetica Neue"/>
-            </a:endParaRPr>
+            <a:endParaRPr sz="2400" dirty="0"/>
           </a:p>
         </p:txBody>
       </p:sp>
+      <p:sp>
+        <p:nvSpPr>
+          <p:cNvPr id="7" name="TextBox 6">
+            <a:extLst>
+              <a:ext uri="{FF2B5EF4-FFF2-40B4-BE49-F238E27FC236}">
+                <a16:creationId xmlns:a16="http://schemas.microsoft.com/office/drawing/2014/main" id="{DAF2F147-3A53-52E6-0808-F11E0FD1540E}"/>
+              </a:ext>
+            </a:extLst>
+          </p:cNvPr>
+          <p:cNvSpPr txBox="1"/>
+          <p:nvPr/>
+        </p:nvSpPr>
+        <p:spPr>
+          <a:xfrm>
+            <a:off x="4379174" y="2263973"/>
+            <a:ext cx="284052" cy="307777"/>
+          </a:xfrm>
+          <a:prstGeom prst="rect">
+            <a:avLst/>
+          </a:prstGeom>
+          <a:noFill/>
+        </p:spPr>
+        <p:txBody>
+          <a:bodyPr wrap="none" rtlCol="0">
+            <a:spAutoFit/>
+          </a:bodyPr>
+          <a:lstStyle/>
+          <a:p>
+            <a:r>
+              <a:rPr lang="en-IN" dirty="0"/>
+              <a:t>1</a:t>
+            </a:r>
+          </a:p>
+        </p:txBody>
+      </p:sp>
+      <p:graphicFrame>
+        <p:nvGraphicFramePr>
+          <p:cNvPr id="2" name="Table 1">
+            <a:extLst>
+              <a:ext uri="{FF2B5EF4-FFF2-40B4-BE49-F238E27FC236}">
+                <a16:creationId xmlns:a16="http://schemas.microsoft.com/office/drawing/2014/main" id="{551E3600-1FAF-CBBE-4CE6-2A896DF5E48A}"/>
+              </a:ext>
+            </a:extLst>
+          </p:cNvPr>
+          <p:cNvGraphicFramePr>
+            <a:graphicFrameLocks noGrp="1"/>
+          </p:cNvGraphicFramePr>
+          <p:nvPr>
+            <p:extLst>
+              <p:ext uri="{D42A27DB-BD31-4B8C-83A1-F6EECF244321}">
+                <p14:modId xmlns:p14="http://schemas.microsoft.com/office/powerpoint/2010/main" val="477383469"/>
+              </p:ext>
+            </p:extLst>
+          </p:nvPr>
+        </p:nvGraphicFramePr>
+        <p:xfrm>
+          <a:off x="2575776" y="1757966"/>
+          <a:ext cx="6259132" cy="3399659"/>
+        </p:xfrm>
+        <a:graphic>
+          <a:graphicData uri="http://schemas.openxmlformats.org/drawingml/2006/table">
+            <a:tbl>
+              <a:tblPr/>
+              <a:tblGrid>
+                <a:gridCol w="825834">
+                  <a:extLst>
+                    <a:ext uri="{9D8B030D-6E8A-4147-A177-3AD203B41FA5}">
+                      <a16:colId xmlns:a16="http://schemas.microsoft.com/office/drawing/2014/main" val="3887577762"/>
+                    </a:ext>
+                  </a:extLst>
+                </a:gridCol>
+                <a:gridCol w="1256125">
+                  <a:extLst>
+                    <a:ext uri="{9D8B030D-6E8A-4147-A177-3AD203B41FA5}">
+                      <a16:colId xmlns:a16="http://schemas.microsoft.com/office/drawing/2014/main" val="1779714702"/>
+                    </a:ext>
+                  </a:extLst>
+                </a:gridCol>
+                <a:gridCol w="4177173">
+                  <a:extLst>
+                    <a:ext uri="{9D8B030D-6E8A-4147-A177-3AD203B41FA5}">
+                      <a16:colId xmlns:a16="http://schemas.microsoft.com/office/drawing/2014/main" val="439812289"/>
+                    </a:ext>
+                  </a:extLst>
+                </a:gridCol>
+              </a:tblGrid>
+              <a:tr h="251906">
+                <a:tc>
+                  <a:txBody>
+                    <a:bodyPr/>
+                    <a:lstStyle/>
+                    <a:p>
+                      <a:pPr algn="ctr">
+                        <a:buNone/>
+                      </a:pPr>
+                      <a:r>
+                        <a:rPr lang="en-IN" sz="1200">
+                          <a:solidFill>
+                            <a:schemeClr val="accent1"/>
+                          </a:solidFill>
+                        </a:rPr>
+                        <a:t>Bit</a:t>
+                      </a:r>
+                    </a:p>
+                  </a:txBody>
+                  <a:tcPr marL="73733" marR="73733" marT="36867" marB="36867" anchor="ctr">
+                    <a:lnL w="12700" cap="flat" cmpd="sng" algn="ctr">
+                      <a:solidFill>
+                        <a:schemeClr val="tx1"/>
+                      </a:solidFill>
+                      <a:prstDash val="solid"/>
+                      <a:round/>
+                      <a:headEnd type="none" w="med" len="med"/>
+                      <a:tailEnd type="none" w="med" len="med"/>
+                    </a:lnL>
+                    <a:lnR w="12700" cap="flat" cmpd="sng" algn="ctr">
+                      <a:solidFill>
+                        <a:schemeClr val="tx1"/>
+                      </a:solidFill>
+                      <a:prstDash val="solid"/>
+                      <a:round/>
+                      <a:headEnd type="none" w="med" len="med"/>
+                      <a:tailEnd type="none" w="med" len="med"/>
+                    </a:lnR>
+                    <a:lnT w="12700" cap="flat" cmpd="sng" algn="ctr">
+                      <a:solidFill>
+                        <a:schemeClr val="tx1"/>
+                      </a:solidFill>
+                      <a:prstDash val="solid"/>
+                      <a:round/>
+                      <a:headEnd type="none" w="med" len="med"/>
+                      <a:tailEnd type="none" w="med" len="med"/>
+                    </a:lnT>
+                    <a:lnB w="12700" cap="flat" cmpd="sng" algn="ctr">
+                      <a:solidFill>
+                        <a:schemeClr val="tx1"/>
+                      </a:solidFill>
+                      <a:prstDash val="solid"/>
+                      <a:round/>
+                      <a:headEnd type="none" w="med" len="med"/>
+                      <a:tailEnd type="none" w="med" len="med"/>
+                    </a:lnB>
+                    <a:noFill/>
+                  </a:tcPr>
+                </a:tc>
+                <a:tc>
+                  <a:txBody>
+                    <a:bodyPr/>
+                    <a:lstStyle/>
+                    <a:p>
+                      <a:pPr algn="ctr">
+                        <a:buNone/>
+                      </a:pPr>
+                      <a:r>
+                        <a:rPr lang="en-IN" sz="1200">
+                          <a:solidFill>
+                            <a:schemeClr val="accent1"/>
+                          </a:solidFill>
+                        </a:rPr>
+                        <a:t>Name</a:t>
+                      </a:r>
+                    </a:p>
+                  </a:txBody>
+                  <a:tcPr marL="73733" marR="73733" marT="36867" marB="36867" anchor="ctr">
+                    <a:lnL w="12700" cap="flat" cmpd="sng" algn="ctr">
+                      <a:solidFill>
+                        <a:schemeClr val="tx1"/>
+                      </a:solidFill>
+                      <a:prstDash val="solid"/>
+                      <a:round/>
+                      <a:headEnd type="none" w="med" len="med"/>
+                      <a:tailEnd type="none" w="med" len="med"/>
+                    </a:lnL>
+                    <a:lnR w="12700" cap="flat" cmpd="sng" algn="ctr">
+                      <a:solidFill>
+                        <a:schemeClr val="tx1"/>
+                      </a:solidFill>
+                      <a:prstDash val="solid"/>
+                      <a:round/>
+                      <a:headEnd type="none" w="med" len="med"/>
+                      <a:tailEnd type="none" w="med" len="med"/>
+                    </a:lnR>
+                    <a:lnT w="12700" cap="flat" cmpd="sng" algn="ctr">
+                      <a:solidFill>
+                        <a:schemeClr val="tx1"/>
+                      </a:solidFill>
+                      <a:prstDash val="solid"/>
+                      <a:round/>
+                      <a:headEnd type="none" w="med" len="med"/>
+                      <a:tailEnd type="none" w="med" len="med"/>
+                    </a:lnT>
+                    <a:lnB w="12700" cap="flat" cmpd="sng" algn="ctr">
+                      <a:solidFill>
+                        <a:schemeClr val="tx1"/>
+                      </a:solidFill>
+                      <a:prstDash val="solid"/>
+                      <a:round/>
+                      <a:headEnd type="none" w="med" len="med"/>
+                      <a:tailEnd type="none" w="med" len="med"/>
+                    </a:lnB>
+                    <a:noFill/>
+                  </a:tcPr>
+                </a:tc>
+                <a:tc>
+                  <a:txBody>
+                    <a:bodyPr/>
+                    <a:lstStyle/>
+                    <a:p>
+                      <a:pPr algn="ctr">
+                        <a:buNone/>
+                      </a:pPr>
+                      <a:r>
+                        <a:rPr lang="en-IN" sz="1200" dirty="0">
+                          <a:solidFill>
+                            <a:schemeClr val="accent1"/>
+                          </a:solidFill>
+                        </a:rPr>
+                        <a:t>Description</a:t>
+                      </a:r>
+                    </a:p>
+                  </a:txBody>
+                  <a:tcPr marL="73733" marR="73733" marT="36867" marB="36867" anchor="ctr">
+                    <a:lnL w="12700" cap="flat" cmpd="sng" algn="ctr">
+                      <a:solidFill>
+                        <a:schemeClr val="tx1"/>
+                      </a:solidFill>
+                      <a:prstDash val="solid"/>
+                      <a:round/>
+                      <a:headEnd type="none" w="med" len="med"/>
+                      <a:tailEnd type="none" w="med" len="med"/>
+                    </a:lnL>
+                    <a:lnR w="12700" cap="flat" cmpd="sng" algn="ctr">
+                      <a:solidFill>
+                        <a:schemeClr val="tx1"/>
+                      </a:solidFill>
+                      <a:prstDash val="solid"/>
+                      <a:round/>
+                      <a:headEnd type="none" w="med" len="med"/>
+                      <a:tailEnd type="none" w="med" len="med"/>
+                    </a:lnR>
+                    <a:lnT w="12700" cap="flat" cmpd="sng" algn="ctr">
+                      <a:solidFill>
+                        <a:schemeClr val="tx1"/>
+                      </a:solidFill>
+                      <a:prstDash val="solid"/>
+                      <a:round/>
+                      <a:headEnd type="none" w="med" len="med"/>
+                      <a:tailEnd type="none" w="med" len="med"/>
+                    </a:lnT>
+                    <a:lnB w="12700" cap="flat" cmpd="sng" algn="ctr">
+                      <a:solidFill>
+                        <a:schemeClr val="tx1"/>
+                      </a:solidFill>
+                      <a:prstDash val="solid"/>
+                      <a:round/>
+                      <a:headEnd type="none" w="med" len="med"/>
+                      <a:tailEnd type="none" w="med" len="med"/>
+                    </a:lnB>
+                    <a:noFill/>
+                  </a:tcPr>
+                </a:tc>
+                <a:extLst>
+                  <a:ext uri="{0D108BD9-81ED-4DB2-BD59-A6C34878D82A}">
+                    <a16:rowId xmlns:a16="http://schemas.microsoft.com/office/drawing/2014/main" val="159618600"/>
+                  </a:ext>
+                </a:extLst>
+              </a:tr>
+              <a:tr h="410155">
+                <a:tc>
+                  <a:txBody>
+                    <a:bodyPr/>
+                    <a:lstStyle/>
+                    <a:p>
+                      <a:pPr>
+                        <a:buNone/>
+                      </a:pPr>
+                      <a:r>
+                        <a:rPr lang="en-IN" sz="1200"/>
+                        <a:t>7</a:t>
+                      </a:r>
+                    </a:p>
+                  </a:txBody>
+                  <a:tcPr marL="73733" marR="73733" marT="36867" marB="36867" anchor="ctr">
+                    <a:lnL w="12700" cap="flat" cmpd="sng" algn="ctr">
+                      <a:solidFill>
+                        <a:schemeClr val="tx1"/>
+                      </a:solidFill>
+                      <a:prstDash val="solid"/>
+                      <a:round/>
+                      <a:headEnd type="none" w="med" len="med"/>
+                      <a:tailEnd type="none" w="med" len="med"/>
+                    </a:lnL>
+                    <a:lnR w="12700" cap="flat" cmpd="sng" algn="ctr">
+                      <a:solidFill>
+                        <a:schemeClr val="tx1"/>
+                      </a:solidFill>
+                      <a:prstDash val="solid"/>
+                      <a:round/>
+                      <a:headEnd type="none" w="med" len="med"/>
+                      <a:tailEnd type="none" w="med" len="med"/>
+                    </a:lnR>
+                    <a:lnT w="12700" cap="flat" cmpd="sng" algn="ctr">
+                      <a:solidFill>
+                        <a:schemeClr val="tx1"/>
+                      </a:solidFill>
+                      <a:prstDash val="solid"/>
+                      <a:round/>
+                      <a:headEnd type="none" w="med" len="med"/>
+                      <a:tailEnd type="none" w="med" len="med"/>
+                    </a:lnT>
+                    <a:lnB w="12700" cap="flat" cmpd="sng" algn="ctr">
+                      <a:solidFill>
+                        <a:schemeClr val="tx1"/>
+                      </a:solidFill>
+                      <a:prstDash val="solid"/>
+                      <a:round/>
+                      <a:headEnd type="none" w="med" len="med"/>
+                      <a:tailEnd type="none" w="med" len="med"/>
+                    </a:lnB>
+                    <a:noFill/>
+                  </a:tcPr>
+                </a:tc>
+                <a:tc>
+                  <a:txBody>
+                    <a:bodyPr/>
+                    <a:lstStyle/>
+                    <a:p>
+                      <a:pPr>
+                        <a:buNone/>
+                      </a:pPr>
+                      <a:r>
+                        <a:rPr lang="en-IN" sz="1200" b="1"/>
+                        <a:t>RXCIE0</a:t>
+                      </a:r>
+                      <a:endParaRPr lang="en-IN" sz="1200"/>
+                    </a:p>
+                  </a:txBody>
+                  <a:tcPr marL="73733" marR="73733" marT="36867" marB="36867" anchor="ctr">
+                    <a:lnL w="12700" cap="flat" cmpd="sng" algn="ctr">
+                      <a:solidFill>
+                        <a:schemeClr val="tx1"/>
+                      </a:solidFill>
+                      <a:prstDash val="solid"/>
+                      <a:round/>
+                      <a:headEnd type="none" w="med" len="med"/>
+                      <a:tailEnd type="none" w="med" len="med"/>
+                    </a:lnL>
+                    <a:lnR w="12700" cap="flat" cmpd="sng" algn="ctr">
+                      <a:solidFill>
+                        <a:schemeClr val="tx1"/>
+                      </a:solidFill>
+                      <a:prstDash val="solid"/>
+                      <a:round/>
+                      <a:headEnd type="none" w="med" len="med"/>
+                      <a:tailEnd type="none" w="med" len="med"/>
+                    </a:lnR>
+                    <a:lnT w="12700" cap="flat" cmpd="sng" algn="ctr">
+                      <a:solidFill>
+                        <a:schemeClr val="tx1"/>
+                      </a:solidFill>
+                      <a:prstDash val="solid"/>
+                      <a:round/>
+                      <a:headEnd type="none" w="med" len="med"/>
+                      <a:tailEnd type="none" w="med" len="med"/>
+                    </a:lnT>
+                    <a:lnB w="12700" cap="flat" cmpd="sng" algn="ctr">
+                      <a:solidFill>
+                        <a:schemeClr val="tx1"/>
+                      </a:solidFill>
+                      <a:prstDash val="solid"/>
+                      <a:round/>
+                      <a:headEnd type="none" w="med" len="med"/>
+                      <a:tailEnd type="none" w="med" len="med"/>
+                    </a:lnB>
+                    <a:noFill/>
+                  </a:tcPr>
+                </a:tc>
+                <a:tc>
+                  <a:txBody>
+                    <a:bodyPr/>
+                    <a:lstStyle/>
+                    <a:p>
+                      <a:pPr>
+                        <a:buNone/>
+                      </a:pPr>
+                      <a:r>
+                        <a:rPr lang="en-IN" sz="1200" dirty="0"/>
+                        <a:t>RX Complete Interrupt Enable</a:t>
+                      </a:r>
+                    </a:p>
+                  </a:txBody>
+                  <a:tcPr marL="73733" marR="73733" marT="36867" marB="36867" anchor="ctr">
+                    <a:lnL w="12700" cap="flat" cmpd="sng" algn="ctr">
+                      <a:solidFill>
+                        <a:schemeClr val="tx1"/>
+                      </a:solidFill>
+                      <a:prstDash val="solid"/>
+                      <a:round/>
+                      <a:headEnd type="none" w="med" len="med"/>
+                      <a:tailEnd type="none" w="med" len="med"/>
+                    </a:lnL>
+                    <a:lnR w="12700" cap="flat" cmpd="sng" algn="ctr">
+                      <a:solidFill>
+                        <a:schemeClr val="tx1"/>
+                      </a:solidFill>
+                      <a:prstDash val="solid"/>
+                      <a:round/>
+                      <a:headEnd type="none" w="med" len="med"/>
+                      <a:tailEnd type="none" w="med" len="med"/>
+                    </a:lnR>
+                    <a:lnT w="12700" cap="flat" cmpd="sng" algn="ctr">
+                      <a:solidFill>
+                        <a:schemeClr val="tx1"/>
+                      </a:solidFill>
+                      <a:prstDash val="solid"/>
+                      <a:round/>
+                      <a:headEnd type="none" w="med" len="med"/>
+                      <a:tailEnd type="none" w="med" len="med"/>
+                    </a:lnT>
+                    <a:lnB w="12700" cap="flat" cmpd="sng" algn="ctr">
+                      <a:solidFill>
+                        <a:schemeClr val="tx1"/>
+                      </a:solidFill>
+                      <a:prstDash val="solid"/>
+                      <a:round/>
+                      <a:headEnd type="none" w="med" len="med"/>
+                      <a:tailEnd type="none" w="med" len="med"/>
+                    </a:lnB>
+                    <a:noFill/>
+                  </a:tcPr>
+                </a:tc>
+                <a:extLst>
+                  <a:ext uri="{0D108BD9-81ED-4DB2-BD59-A6C34878D82A}">
+                    <a16:rowId xmlns:a16="http://schemas.microsoft.com/office/drawing/2014/main" val="3827083106"/>
+                  </a:ext>
+                </a:extLst>
+              </a:tr>
+              <a:tr h="410155">
+                <a:tc>
+                  <a:txBody>
+                    <a:bodyPr/>
+                    <a:lstStyle/>
+                    <a:p>
+                      <a:pPr>
+                        <a:buNone/>
+                      </a:pPr>
+                      <a:r>
+                        <a:rPr lang="en-IN" sz="1200"/>
+                        <a:t>6</a:t>
+                      </a:r>
+                    </a:p>
+                  </a:txBody>
+                  <a:tcPr marL="73733" marR="73733" marT="36867" marB="36867" anchor="ctr">
+                    <a:lnL w="12700" cap="flat" cmpd="sng" algn="ctr">
+                      <a:solidFill>
+                        <a:schemeClr val="tx1"/>
+                      </a:solidFill>
+                      <a:prstDash val="solid"/>
+                      <a:round/>
+                      <a:headEnd type="none" w="med" len="med"/>
+                      <a:tailEnd type="none" w="med" len="med"/>
+                    </a:lnL>
+                    <a:lnR w="12700" cap="flat" cmpd="sng" algn="ctr">
+                      <a:solidFill>
+                        <a:schemeClr val="tx1"/>
+                      </a:solidFill>
+                      <a:prstDash val="solid"/>
+                      <a:round/>
+                      <a:headEnd type="none" w="med" len="med"/>
+                      <a:tailEnd type="none" w="med" len="med"/>
+                    </a:lnR>
+                    <a:lnT w="12700" cap="flat" cmpd="sng" algn="ctr">
+                      <a:solidFill>
+                        <a:schemeClr val="tx1"/>
+                      </a:solidFill>
+                      <a:prstDash val="solid"/>
+                      <a:round/>
+                      <a:headEnd type="none" w="med" len="med"/>
+                      <a:tailEnd type="none" w="med" len="med"/>
+                    </a:lnT>
+                    <a:lnB w="12700" cap="flat" cmpd="sng" algn="ctr">
+                      <a:solidFill>
+                        <a:schemeClr val="tx1"/>
+                      </a:solidFill>
+                      <a:prstDash val="solid"/>
+                      <a:round/>
+                      <a:headEnd type="none" w="med" len="med"/>
+                      <a:tailEnd type="none" w="med" len="med"/>
+                    </a:lnB>
+                    <a:noFill/>
+                  </a:tcPr>
+                </a:tc>
+                <a:tc>
+                  <a:txBody>
+                    <a:bodyPr/>
+                    <a:lstStyle/>
+                    <a:p>
+                      <a:pPr>
+                        <a:buNone/>
+                      </a:pPr>
+                      <a:r>
+                        <a:rPr lang="en-IN" sz="1200" b="1" dirty="0"/>
+                        <a:t>TXCIE0</a:t>
+                      </a:r>
+                      <a:endParaRPr lang="en-IN" sz="1200" dirty="0"/>
+                    </a:p>
+                  </a:txBody>
+                  <a:tcPr marL="73733" marR="73733" marT="36867" marB="36867" anchor="ctr">
+                    <a:lnL w="12700" cap="flat" cmpd="sng" algn="ctr">
+                      <a:solidFill>
+                        <a:schemeClr val="tx1"/>
+                      </a:solidFill>
+                      <a:prstDash val="solid"/>
+                      <a:round/>
+                      <a:headEnd type="none" w="med" len="med"/>
+                      <a:tailEnd type="none" w="med" len="med"/>
+                    </a:lnL>
+                    <a:lnR w="12700" cap="flat" cmpd="sng" algn="ctr">
+                      <a:solidFill>
+                        <a:schemeClr val="tx1"/>
+                      </a:solidFill>
+                      <a:prstDash val="solid"/>
+                      <a:round/>
+                      <a:headEnd type="none" w="med" len="med"/>
+                      <a:tailEnd type="none" w="med" len="med"/>
+                    </a:lnR>
+                    <a:lnT w="12700" cap="flat" cmpd="sng" algn="ctr">
+                      <a:solidFill>
+                        <a:schemeClr val="tx1"/>
+                      </a:solidFill>
+                      <a:prstDash val="solid"/>
+                      <a:round/>
+                      <a:headEnd type="none" w="med" len="med"/>
+                      <a:tailEnd type="none" w="med" len="med"/>
+                    </a:lnT>
+                    <a:lnB w="12700" cap="flat" cmpd="sng" algn="ctr">
+                      <a:solidFill>
+                        <a:schemeClr val="tx1"/>
+                      </a:solidFill>
+                      <a:prstDash val="solid"/>
+                      <a:round/>
+                      <a:headEnd type="none" w="med" len="med"/>
+                      <a:tailEnd type="none" w="med" len="med"/>
+                    </a:lnB>
+                    <a:noFill/>
+                  </a:tcPr>
+                </a:tc>
+                <a:tc>
+                  <a:txBody>
+                    <a:bodyPr/>
+                    <a:lstStyle/>
+                    <a:p>
+                      <a:pPr>
+                        <a:buNone/>
+                      </a:pPr>
+                      <a:r>
+                        <a:rPr lang="en-IN" sz="1200" dirty="0"/>
+                        <a:t>TX Complete Interrupt Enable</a:t>
+                      </a:r>
+                    </a:p>
+                  </a:txBody>
+                  <a:tcPr marL="73733" marR="73733" marT="36867" marB="36867" anchor="ctr">
+                    <a:lnL w="12700" cap="flat" cmpd="sng" algn="ctr">
+                      <a:solidFill>
+                        <a:schemeClr val="tx1"/>
+                      </a:solidFill>
+                      <a:prstDash val="solid"/>
+                      <a:round/>
+                      <a:headEnd type="none" w="med" len="med"/>
+                      <a:tailEnd type="none" w="med" len="med"/>
+                    </a:lnL>
+                    <a:lnR w="12700" cap="flat" cmpd="sng" algn="ctr">
+                      <a:solidFill>
+                        <a:schemeClr val="tx1"/>
+                      </a:solidFill>
+                      <a:prstDash val="solid"/>
+                      <a:round/>
+                      <a:headEnd type="none" w="med" len="med"/>
+                      <a:tailEnd type="none" w="med" len="med"/>
+                    </a:lnR>
+                    <a:lnT w="12700" cap="flat" cmpd="sng" algn="ctr">
+                      <a:solidFill>
+                        <a:schemeClr val="tx1"/>
+                      </a:solidFill>
+                      <a:prstDash val="solid"/>
+                      <a:round/>
+                      <a:headEnd type="none" w="med" len="med"/>
+                      <a:tailEnd type="none" w="med" len="med"/>
+                    </a:lnT>
+                    <a:lnB w="12700" cap="flat" cmpd="sng" algn="ctr">
+                      <a:solidFill>
+                        <a:schemeClr val="tx1"/>
+                      </a:solidFill>
+                      <a:prstDash val="solid"/>
+                      <a:round/>
+                      <a:headEnd type="none" w="med" len="med"/>
+                      <a:tailEnd type="none" w="med" len="med"/>
+                    </a:lnB>
+                    <a:noFill/>
+                  </a:tcPr>
+                </a:tc>
+                <a:extLst>
+                  <a:ext uri="{0D108BD9-81ED-4DB2-BD59-A6C34878D82A}">
+                    <a16:rowId xmlns:a16="http://schemas.microsoft.com/office/drawing/2014/main" val="2358150473"/>
+                  </a:ext>
+                </a:extLst>
+              </a:tr>
+              <a:tr h="410155">
+                <a:tc>
+                  <a:txBody>
+                    <a:bodyPr/>
+                    <a:lstStyle/>
+                    <a:p>
+                      <a:pPr>
+                        <a:buNone/>
+                      </a:pPr>
+                      <a:r>
+                        <a:rPr lang="en-IN" sz="1200"/>
+                        <a:t>5</a:t>
+                      </a:r>
+                    </a:p>
+                  </a:txBody>
+                  <a:tcPr marL="73733" marR="73733" marT="36867" marB="36867" anchor="ctr">
+                    <a:lnL w="12700" cap="flat" cmpd="sng" algn="ctr">
+                      <a:solidFill>
+                        <a:schemeClr val="tx1"/>
+                      </a:solidFill>
+                      <a:prstDash val="solid"/>
+                      <a:round/>
+                      <a:headEnd type="none" w="med" len="med"/>
+                      <a:tailEnd type="none" w="med" len="med"/>
+                    </a:lnL>
+                    <a:lnR w="12700" cap="flat" cmpd="sng" algn="ctr">
+                      <a:solidFill>
+                        <a:schemeClr val="tx1"/>
+                      </a:solidFill>
+                      <a:prstDash val="solid"/>
+                      <a:round/>
+                      <a:headEnd type="none" w="med" len="med"/>
+                      <a:tailEnd type="none" w="med" len="med"/>
+                    </a:lnR>
+                    <a:lnT w="12700" cap="flat" cmpd="sng" algn="ctr">
+                      <a:solidFill>
+                        <a:schemeClr val="tx1"/>
+                      </a:solidFill>
+                      <a:prstDash val="solid"/>
+                      <a:round/>
+                      <a:headEnd type="none" w="med" len="med"/>
+                      <a:tailEnd type="none" w="med" len="med"/>
+                    </a:lnT>
+                    <a:lnB w="12700" cap="flat" cmpd="sng" algn="ctr">
+                      <a:solidFill>
+                        <a:schemeClr val="tx1"/>
+                      </a:solidFill>
+                      <a:prstDash val="solid"/>
+                      <a:round/>
+                      <a:headEnd type="none" w="med" len="med"/>
+                      <a:tailEnd type="none" w="med" len="med"/>
+                    </a:lnB>
+                    <a:noFill/>
+                  </a:tcPr>
+                </a:tc>
+                <a:tc>
+                  <a:txBody>
+                    <a:bodyPr/>
+                    <a:lstStyle/>
+                    <a:p>
+                      <a:pPr>
+                        <a:buNone/>
+                      </a:pPr>
+                      <a:r>
+                        <a:rPr lang="en-IN" sz="1200" b="1"/>
+                        <a:t>UDRIE0</a:t>
+                      </a:r>
+                      <a:endParaRPr lang="en-IN" sz="1200"/>
+                    </a:p>
+                  </a:txBody>
+                  <a:tcPr marL="73733" marR="73733" marT="36867" marB="36867" anchor="ctr">
+                    <a:lnL w="12700" cap="flat" cmpd="sng" algn="ctr">
+                      <a:solidFill>
+                        <a:schemeClr val="tx1"/>
+                      </a:solidFill>
+                      <a:prstDash val="solid"/>
+                      <a:round/>
+                      <a:headEnd type="none" w="med" len="med"/>
+                      <a:tailEnd type="none" w="med" len="med"/>
+                    </a:lnL>
+                    <a:lnR w="12700" cap="flat" cmpd="sng" algn="ctr">
+                      <a:solidFill>
+                        <a:schemeClr val="tx1"/>
+                      </a:solidFill>
+                      <a:prstDash val="solid"/>
+                      <a:round/>
+                      <a:headEnd type="none" w="med" len="med"/>
+                      <a:tailEnd type="none" w="med" len="med"/>
+                    </a:lnR>
+                    <a:lnT w="12700" cap="flat" cmpd="sng" algn="ctr">
+                      <a:solidFill>
+                        <a:schemeClr val="tx1"/>
+                      </a:solidFill>
+                      <a:prstDash val="solid"/>
+                      <a:round/>
+                      <a:headEnd type="none" w="med" len="med"/>
+                      <a:tailEnd type="none" w="med" len="med"/>
+                    </a:lnT>
+                    <a:lnB w="12700" cap="flat" cmpd="sng" algn="ctr">
+                      <a:solidFill>
+                        <a:schemeClr val="tx1"/>
+                      </a:solidFill>
+                      <a:prstDash val="solid"/>
+                      <a:round/>
+                      <a:headEnd type="none" w="med" len="med"/>
+                      <a:tailEnd type="none" w="med" len="med"/>
+                    </a:lnB>
+                    <a:noFill/>
+                  </a:tcPr>
+                </a:tc>
+                <a:tc>
+                  <a:txBody>
+                    <a:bodyPr/>
+                    <a:lstStyle/>
+                    <a:p>
+                      <a:pPr>
+                        <a:buNone/>
+                      </a:pPr>
+                      <a:r>
+                        <a:rPr lang="en-US" sz="1200" dirty="0"/>
+                        <a:t>Data Register Empty Interrupt Enable</a:t>
+                      </a:r>
+                    </a:p>
+                  </a:txBody>
+                  <a:tcPr marL="73733" marR="73733" marT="36867" marB="36867" anchor="ctr">
+                    <a:lnL w="12700" cap="flat" cmpd="sng" algn="ctr">
+                      <a:solidFill>
+                        <a:schemeClr val="tx1"/>
+                      </a:solidFill>
+                      <a:prstDash val="solid"/>
+                      <a:round/>
+                      <a:headEnd type="none" w="med" len="med"/>
+                      <a:tailEnd type="none" w="med" len="med"/>
+                    </a:lnL>
+                    <a:lnR w="12700" cap="flat" cmpd="sng" algn="ctr">
+                      <a:solidFill>
+                        <a:schemeClr val="tx1"/>
+                      </a:solidFill>
+                      <a:prstDash val="solid"/>
+                      <a:round/>
+                      <a:headEnd type="none" w="med" len="med"/>
+                      <a:tailEnd type="none" w="med" len="med"/>
+                    </a:lnR>
+                    <a:lnT w="12700" cap="flat" cmpd="sng" algn="ctr">
+                      <a:solidFill>
+                        <a:schemeClr val="tx1"/>
+                      </a:solidFill>
+                      <a:prstDash val="solid"/>
+                      <a:round/>
+                      <a:headEnd type="none" w="med" len="med"/>
+                      <a:tailEnd type="none" w="med" len="med"/>
+                    </a:lnT>
+                    <a:lnB w="12700" cap="flat" cmpd="sng" algn="ctr">
+                      <a:solidFill>
+                        <a:schemeClr val="tx1"/>
+                      </a:solidFill>
+                      <a:prstDash val="solid"/>
+                      <a:round/>
+                      <a:headEnd type="none" w="med" len="med"/>
+                      <a:tailEnd type="none" w="med" len="med"/>
+                    </a:lnB>
+                    <a:noFill/>
+                  </a:tcPr>
+                </a:tc>
+                <a:extLst>
+                  <a:ext uri="{0D108BD9-81ED-4DB2-BD59-A6C34878D82A}">
+                    <a16:rowId xmlns:a16="http://schemas.microsoft.com/office/drawing/2014/main" val="2822540942"/>
+                  </a:ext>
+                </a:extLst>
+              </a:tr>
+              <a:tr h="251906">
+                <a:tc>
+                  <a:txBody>
+                    <a:bodyPr/>
+                    <a:lstStyle/>
+                    <a:p>
+                      <a:pPr>
+                        <a:buNone/>
+                      </a:pPr>
+                      <a:r>
+                        <a:rPr lang="en-IN" sz="1200"/>
+                        <a:t>4</a:t>
+                      </a:r>
+                    </a:p>
+                  </a:txBody>
+                  <a:tcPr marL="73733" marR="73733" marT="36867" marB="36867" anchor="ctr">
+                    <a:lnL w="12700" cap="flat" cmpd="sng" algn="ctr">
+                      <a:solidFill>
+                        <a:schemeClr val="tx1"/>
+                      </a:solidFill>
+                      <a:prstDash val="solid"/>
+                      <a:round/>
+                      <a:headEnd type="none" w="med" len="med"/>
+                      <a:tailEnd type="none" w="med" len="med"/>
+                    </a:lnL>
+                    <a:lnR w="12700" cap="flat" cmpd="sng" algn="ctr">
+                      <a:solidFill>
+                        <a:schemeClr val="tx1"/>
+                      </a:solidFill>
+                      <a:prstDash val="solid"/>
+                      <a:round/>
+                      <a:headEnd type="none" w="med" len="med"/>
+                      <a:tailEnd type="none" w="med" len="med"/>
+                    </a:lnR>
+                    <a:lnT w="12700" cap="flat" cmpd="sng" algn="ctr">
+                      <a:solidFill>
+                        <a:schemeClr val="tx1"/>
+                      </a:solidFill>
+                      <a:prstDash val="solid"/>
+                      <a:round/>
+                      <a:headEnd type="none" w="med" len="med"/>
+                      <a:tailEnd type="none" w="med" len="med"/>
+                    </a:lnT>
+                    <a:lnB w="12700" cap="flat" cmpd="sng" algn="ctr">
+                      <a:solidFill>
+                        <a:schemeClr val="tx1"/>
+                      </a:solidFill>
+                      <a:prstDash val="solid"/>
+                      <a:round/>
+                      <a:headEnd type="none" w="med" len="med"/>
+                      <a:tailEnd type="none" w="med" len="med"/>
+                    </a:lnB>
+                    <a:noFill/>
+                  </a:tcPr>
+                </a:tc>
+                <a:tc>
+                  <a:txBody>
+                    <a:bodyPr/>
+                    <a:lstStyle/>
+                    <a:p>
+                      <a:pPr>
+                        <a:buNone/>
+                      </a:pPr>
+                      <a:r>
+                        <a:rPr lang="en-IN" sz="1200" b="1"/>
+                        <a:t>RXEN0</a:t>
+                      </a:r>
+                      <a:endParaRPr lang="en-IN" sz="1200"/>
+                    </a:p>
+                  </a:txBody>
+                  <a:tcPr marL="73733" marR="73733" marT="36867" marB="36867" anchor="ctr">
+                    <a:lnL w="12700" cap="flat" cmpd="sng" algn="ctr">
+                      <a:solidFill>
+                        <a:schemeClr val="tx1"/>
+                      </a:solidFill>
+                      <a:prstDash val="solid"/>
+                      <a:round/>
+                      <a:headEnd type="none" w="med" len="med"/>
+                      <a:tailEnd type="none" w="med" len="med"/>
+                    </a:lnL>
+                    <a:lnR w="12700" cap="flat" cmpd="sng" algn="ctr">
+                      <a:solidFill>
+                        <a:schemeClr val="tx1"/>
+                      </a:solidFill>
+                      <a:prstDash val="solid"/>
+                      <a:round/>
+                      <a:headEnd type="none" w="med" len="med"/>
+                      <a:tailEnd type="none" w="med" len="med"/>
+                    </a:lnR>
+                    <a:lnT w="12700" cap="flat" cmpd="sng" algn="ctr">
+                      <a:solidFill>
+                        <a:schemeClr val="tx1"/>
+                      </a:solidFill>
+                      <a:prstDash val="solid"/>
+                      <a:round/>
+                      <a:headEnd type="none" w="med" len="med"/>
+                      <a:tailEnd type="none" w="med" len="med"/>
+                    </a:lnT>
+                    <a:lnB w="12700" cap="flat" cmpd="sng" algn="ctr">
+                      <a:solidFill>
+                        <a:schemeClr val="tx1"/>
+                      </a:solidFill>
+                      <a:prstDash val="solid"/>
+                      <a:round/>
+                      <a:headEnd type="none" w="med" len="med"/>
+                      <a:tailEnd type="none" w="med" len="med"/>
+                    </a:lnB>
+                    <a:noFill/>
+                  </a:tcPr>
+                </a:tc>
+                <a:tc>
+                  <a:txBody>
+                    <a:bodyPr/>
+                    <a:lstStyle/>
+                    <a:p>
+                      <a:pPr>
+                        <a:buNone/>
+                      </a:pPr>
+                      <a:r>
+                        <a:rPr lang="en-IN" sz="1200" dirty="0"/>
+                        <a:t>Receiver Enable</a:t>
+                      </a:r>
+                    </a:p>
+                  </a:txBody>
+                  <a:tcPr marL="73733" marR="73733" marT="36867" marB="36867" anchor="ctr">
+                    <a:lnL w="12700" cap="flat" cmpd="sng" algn="ctr">
+                      <a:solidFill>
+                        <a:schemeClr val="tx1"/>
+                      </a:solidFill>
+                      <a:prstDash val="solid"/>
+                      <a:round/>
+                      <a:headEnd type="none" w="med" len="med"/>
+                      <a:tailEnd type="none" w="med" len="med"/>
+                    </a:lnL>
+                    <a:lnR w="12700" cap="flat" cmpd="sng" algn="ctr">
+                      <a:solidFill>
+                        <a:schemeClr val="tx1"/>
+                      </a:solidFill>
+                      <a:prstDash val="solid"/>
+                      <a:round/>
+                      <a:headEnd type="none" w="med" len="med"/>
+                      <a:tailEnd type="none" w="med" len="med"/>
+                    </a:lnR>
+                    <a:lnT w="12700" cap="flat" cmpd="sng" algn="ctr">
+                      <a:solidFill>
+                        <a:schemeClr val="tx1"/>
+                      </a:solidFill>
+                      <a:prstDash val="solid"/>
+                      <a:round/>
+                      <a:headEnd type="none" w="med" len="med"/>
+                      <a:tailEnd type="none" w="med" len="med"/>
+                    </a:lnT>
+                    <a:lnB w="12700" cap="flat" cmpd="sng" algn="ctr">
+                      <a:solidFill>
+                        <a:schemeClr val="tx1"/>
+                      </a:solidFill>
+                      <a:prstDash val="solid"/>
+                      <a:round/>
+                      <a:headEnd type="none" w="med" len="med"/>
+                      <a:tailEnd type="none" w="med" len="med"/>
+                    </a:lnB>
+                    <a:noFill/>
+                  </a:tcPr>
+                </a:tc>
+                <a:extLst>
+                  <a:ext uri="{0D108BD9-81ED-4DB2-BD59-A6C34878D82A}">
+                    <a16:rowId xmlns:a16="http://schemas.microsoft.com/office/drawing/2014/main" val="3213924393"/>
+                  </a:ext>
+                </a:extLst>
+              </a:tr>
+              <a:tr h="251906">
+                <a:tc>
+                  <a:txBody>
+                    <a:bodyPr/>
+                    <a:lstStyle/>
+                    <a:p>
+                      <a:pPr>
+                        <a:buNone/>
+                      </a:pPr>
+                      <a:r>
+                        <a:rPr lang="en-IN" sz="1200"/>
+                        <a:t>3</a:t>
+                      </a:r>
+                    </a:p>
+                  </a:txBody>
+                  <a:tcPr marL="73733" marR="73733" marT="36867" marB="36867" anchor="ctr">
+                    <a:lnL w="12700" cap="flat" cmpd="sng" algn="ctr">
+                      <a:solidFill>
+                        <a:schemeClr val="tx1"/>
+                      </a:solidFill>
+                      <a:prstDash val="solid"/>
+                      <a:round/>
+                      <a:headEnd type="none" w="med" len="med"/>
+                      <a:tailEnd type="none" w="med" len="med"/>
+                    </a:lnL>
+                    <a:lnR w="12700" cap="flat" cmpd="sng" algn="ctr">
+                      <a:solidFill>
+                        <a:schemeClr val="tx1"/>
+                      </a:solidFill>
+                      <a:prstDash val="solid"/>
+                      <a:round/>
+                      <a:headEnd type="none" w="med" len="med"/>
+                      <a:tailEnd type="none" w="med" len="med"/>
+                    </a:lnR>
+                    <a:lnT w="12700" cap="flat" cmpd="sng" algn="ctr">
+                      <a:solidFill>
+                        <a:schemeClr val="tx1"/>
+                      </a:solidFill>
+                      <a:prstDash val="solid"/>
+                      <a:round/>
+                      <a:headEnd type="none" w="med" len="med"/>
+                      <a:tailEnd type="none" w="med" len="med"/>
+                    </a:lnT>
+                    <a:lnB w="12700" cap="flat" cmpd="sng" algn="ctr">
+                      <a:solidFill>
+                        <a:schemeClr val="tx1"/>
+                      </a:solidFill>
+                      <a:prstDash val="solid"/>
+                      <a:round/>
+                      <a:headEnd type="none" w="med" len="med"/>
+                      <a:tailEnd type="none" w="med" len="med"/>
+                    </a:lnB>
+                    <a:noFill/>
+                  </a:tcPr>
+                </a:tc>
+                <a:tc>
+                  <a:txBody>
+                    <a:bodyPr/>
+                    <a:lstStyle/>
+                    <a:p>
+                      <a:pPr>
+                        <a:buNone/>
+                      </a:pPr>
+                      <a:r>
+                        <a:rPr lang="en-IN" sz="1200" b="1"/>
+                        <a:t>TXEN0</a:t>
+                      </a:r>
+                      <a:endParaRPr lang="en-IN" sz="1200"/>
+                    </a:p>
+                  </a:txBody>
+                  <a:tcPr marL="73733" marR="73733" marT="36867" marB="36867" anchor="ctr">
+                    <a:lnL w="12700" cap="flat" cmpd="sng" algn="ctr">
+                      <a:solidFill>
+                        <a:schemeClr val="tx1"/>
+                      </a:solidFill>
+                      <a:prstDash val="solid"/>
+                      <a:round/>
+                      <a:headEnd type="none" w="med" len="med"/>
+                      <a:tailEnd type="none" w="med" len="med"/>
+                    </a:lnL>
+                    <a:lnR w="12700" cap="flat" cmpd="sng" algn="ctr">
+                      <a:solidFill>
+                        <a:schemeClr val="tx1"/>
+                      </a:solidFill>
+                      <a:prstDash val="solid"/>
+                      <a:round/>
+                      <a:headEnd type="none" w="med" len="med"/>
+                      <a:tailEnd type="none" w="med" len="med"/>
+                    </a:lnR>
+                    <a:lnT w="12700" cap="flat" cmpd="sng" algn="ctr">
+                      <a:solidFill>
+                        <a:schemeClr val="tx1"/>
+                      </a:solidFill>
+                      <a:prstDash val="solid"/>
+                      <a:round/>
+                      <a:headEnd type="none" w="med" len="med"/>
+                      <a:tailEnd type="none" w="med" len="med"/>
+                    </a:lnT>
+                    <a:lnB w="12700" cap="flat" cmpd="sng" algn="ctr">
+                      <a:solidFill>
+                        <a:schemeClr val="tx1"/>
+                      </a:solidFill>
+                      <a:prstDash val="solid"/>
+                      <a:round/>
+                      <a:headEnd type="none" w="med" len="med"/>
+                      <a:tailEnd type="none" w="med" len="med"/>
+                    </a:lnB>
+                    <a:noFill/>
+                  </a:tcPr>
+                </a:tc>
+                <a:tc>
+                  <a:txBody>
+                    <a:bodyPr/>
+                    <a:lstStyle/>
+                    <a:p>
+                      <a:pPr>
+                        <a:buNone/>
+                      </a:pPr>
+                      <a:r>
+                        <a:rPr lang="en-IN" sz="1200" dirty="0"/>
+                        <a:t>Transmitter Enable</a:t>
+                      </a:r>
+                    </a:p>
+                  </a:txBody>
+                  <a:tcPr marL="73733" marR="73733" marT="36867" marB="36867" anchor="ctr">
+                    <a:lnL w="12700" cap="flat" cmpd="sng" algn="ctr">
+                      <a:solidFill>
+                        <a:schemeClr val="tx1"/>
+                      </a:solidFill>
+                      <a:prstDash val="solid"/>
+                      <a:round/>
+                      <a:headEnd type="none" w="med" len="med"/>
+                      <a:tailEnd type="none" w="med" len="med"/>
+                    </a:lnL>
+                    <a:lnR w="12700" cap="flat" cmpd="sng" algn="ctr">
+                      <a:solidFill>
+                        <a:schemeClr val="tx1"/>
+                      </a:solidFill>
+                      <a:prstDash val="solid"/>
+                      <a:round/>
+                      <a:headEnd type="none" w="med" len="med"/>
+                      <a:tailEnd type="none" w="med" len="med"/>
+                    </a:lnR>
+                    <a:lnT w="12700" cap="flat" cmpd="sng" algn="ctr">
+                      <a:solidFill>
+                        <a:schemeClr val="tx1"/>
+                      </a:solidFill>
+                      <a:prstDash val="solid"/>
+                      <a:round/>
+                      <a:headEnd type="none" w="med" len="med"/>
+                      <a:tailEnd type="none" w="med" len="med"/>
+                    </a:lnT>
+                    <a:lnB w="12700" cap="flat" cmpd="sng" algn="ctr">
+                      <a:solidFill>
+                        <a:schemeClr val="tx1"/>
+                      </a:solidFill>
+                      <a:prstDash val="solid"/>
+                      <a:round/>
+                      <a:headEnd type="none" w="med" len="med"/>
+                      <a:tailEnd type="none" w="med" len="med"/>
+                    </a:lnB>
+                    <a:noFill/>
+                  </a:tcPr>
+                </a:tc>
+                <a:extLst>
+                  <a:ext uri="{0D108BD9-81ED-4DB2-BD59-A6C34878D82A}">
+                    <a16:rowId xmlns:a16="http://schemas.microsoft.com/office/drawing/2014/main" val="1527209034"/>
+                  </a:ext>
+                </a:extLst>
+              </a:tr>
+              <a:tr h="579042">
+                <a:tc>
+                  <a:txBody>
+                    <a:bodyPr/>
+                    <a:lstStyle/>
+                    <a:p>
+                      <a:pPr>
+                        <a:buNone/>
+                      </a:pPr>
+                      <a:r>
+                        <a:rPr lang="en-IN" sz="1200"/>
+                        <a:t>2</a:t>
+                      </a:r>
+                    </a:p>
+                  </a:txBody>
+                  <a:tcPr marL="73733" marR="73733" marT="36867" marB="36867" anchor="ctr">
+                    <a:lnL w="12700" cap="flat" cmpd="sng" algn="ctr">
+                      <a:solidFill>
+                        <a:schemeClr val="tx1"/>
+                      </a:solidFill>
+                      <a:prstDash val="solid"/>
+                      <a:round/>
+                      <a:headEnd type="none" w="med" len="med"/>
+                      <a:tailEnd type="none" w="med" len="med"/>
+                    </a:lnL>
+                    <a:lnR w="12700" cap="flat" cmpd="sng" algn="ctr">
+                      <a:solidFill>
+                        <a:schemeClr val="tx1"/>
+                      </a:solidFill>
+                      <a:prstDash val="solid"/>
+                      <a:round/>
+                      <a:headEnd type="none" w="med" len="med"/>
+                      <a:tailEnd type="none" w="med" len="med"/>
+                    </a:lnR>
+                    <a:lnT w="12700" cap="flat" cmpd="sng" algn="ctr">
+                      <a:solidFill>
+                        <a:schemeClr val="tx1"/>
+                      </a:solidFill>
+                      <a:prstDash val="solid"/>
+                      <a:round/>
+                      <a:headEnd type="none" w="med" len="med"/>
+                      <a:tailEnd type="none" w="med" len="med"/>
+                    </a:lnT>
+                    <a:lnB w="12700" cap="flat" cmpd="sng" algn="ctr">
+                      <a:solidFill>
+                        <a:schemeClr val="tx1"/>
+                      </a:solidFill>
+                      <a:prstDash val="solid"/>
+                      <a:round/>
+                      <a:headEnd type="none" w="med" len="med"/>
+                      <a:tailEnd type="none" w="med" len="med"/>
+                    </a:lnB>
+                    <a:noFill/>
+                  </a:tcPr>
+                </a:tc>
+                <a:tc>
+                  <a:txBody>
+                    <a:bodyPr/>
+                    <a:lstStyle/>
+                    <a:p>
+                      <a:pPr>
+                        <a:buNone/>
+                      </a:pPr>
+                      <a:r>
+                        <a:rPr lang="en-IN" sz="1200" b="1"/>
+                        <a:t>UCSZ02</a:t>
+                      </a:r>
+                      <a:endParaRPr lang="en-IN" sz="1200"/>
+                    </a:p>
+                  </a:txBody>
+                  <a:tcPr marL="73733" marR="73733" marT="36867" marB="36867" anchor="ctr">
+                    <a:lnL w="12700" cap="flat" cmpd="sng" algn="ctr">
+                      <a:solidFill>
+                        <a:schemeClr val="tx1"/>
+                      </a:solidFill>
+                      <a:prstDash val="solid"/>
+                      <a:round/>
+                      <a:headEnd type="none" w="med" len="med"/>
+                      <a:tailEnd type="none" w="med" len="med"/>
+                    </a:lnL>
+                    <a:lnR w="12700" cap="flat" cmpd="sng" algn="ctr">
+                      <a:solidFill>
+                        <a:schemeClr val="tx1"/>
+                      </a:solidFill>
+                      <a:prstDash val="solid"/>
+                      <a:round/>
+                      <a:headEnd type="none" w="med" len="med"/>
+                      <a:tailEnd type="none" w="med" len="med"/>
+                    </a:lnR>
+                    <a:lnT w="12700" cap="flat" cmpd="sng" algn="ctr">
+                      <a:solidFill>
+                        <a:schemeClr val="tx1"/>
+                      </a:solidFill>
+                      <a:prstDash val="solid"/>
+                      <a:round/>
+                      <a:headEnd type="none" w="med" len="med"/>
+                      <a:tailEnd type="none" w="med" len="med"/>
+                    </a:lnT>
+                    <a:lnB w="12700" cap="flat" cmpd="sng" algn="ctr">
+                      <a:solidFill>
+                        <a:schemeClr val="tx1"/>
+                      </a:solidFill>
+                      <a:prstDash val="solid"/>
+                      <a:round/>
+                      <a:headEnd type="none" w="med" len="med"/>
+                      <a:tailEnd type="none" w="med" len="med"/>
+                    </a:lnB>
+                    <a:noFill/>
+                  </a:tcPr>
+                </a:tc>
+                <a:tc>
+                  <a:txBody>
+                    <a:bodyPr/>
+                    <a:lstStyle/>
+                    <a:p>
+                      <a:pPr>
+                        <a:buNone/>
+                      </a:pPr>
+                      <a:r>
+                        <a:rPr lang="en-US" sz="1200"/>
+                        <a:t>Character Size bit (used with UCSZ01:0 for 9-bit mode)</a:t>
+                      </a:r>
+                    </a:p>
+                  </a:txBody>
+                  <a:tcPr marL="73733" marR="73733" marT="36867" marB="36867" anchor="ctr">
+                    <a:lnL w="12700" cap="flat" cmpd="sng" algn="ctr">
+                      <a:solidFill>
+                        <a:schemeClr val="tx1"/>
+                      </a:solidFill>
+                      <a:prstDash val="solid"/>
+                      <a:round/>
+                      <a:headEnd type="none" w="med" len="med"/>
+                      <a:tailEnd type="none" w="med" len="med"/>
+                    </a:lnL>
+                    <a:lnR w="12700" cap="flat" cmpd="sng" algn="ctr">
+                      <a:solidFill>
+                        <a:schemeClr val="tx1"/>
+                      </a:solidFill>
+                      <a:prstDash val="solid"/>
+                      <a:round/>
+                      <a:headEnd type="none" w="med" len="med"/>
+                      <a:tailEnd type="none" w="med" len="med"/>
+                    </a:lnR>
+                    <a:lnT w="12700" cap="flat" cmpd="sng" algn="ctr">
+                      <a:solidFill>
+                        <a:schemeClr val="tx1"/>
+                      </a:solidFill>
+                      <a:prstDash val="solid"/>
+                      <a:round/>
+                      <a:headEnd type="none" w="med" len="med"/>
+                      <a:tailEnd type="none" w="med" len="med"/>
+                    </a:lnT>
+                    <a:lnB w="12700" cap="flat" cmpd="sng" algn="ctr">
+                      <a:solidFill>
+                        <a:schemeClr val="tx1"/>
+                      </a:solidFill>
+                      <a:prstDash val="solid"/>
+                      <a:round/>
+                      <a:headEnd type="none" w="med" len="med"/>
+                      <a:tailEnd type="none" w="med" len="med"/>
+                    </a:lnB>
+                    <a:noFill/>
+                  </a:tcPr>
+                </a:tc>
+                <a:extLst>
+                  <a:ext uri="{0D108BD9-81ED-4DB2-BD59-A6C34878D82A}">
+                    <a16:rowId xmlns:a16="http://schemas.microsoft.com/office/drawing/2014/main" val="866641400"/>
+                  </a:ext>
+                </a:extLst>
+              </a:tr>
+              <a:tr h="410155">
+                <a:tc>
+                  <a:txBody>
+                    <a:bodyPr/>
+                    <a:lstStyle/>
+                    <a:p>
+                      <a:pPr>
+                        <a:buNone/>
+                      </a:pPr>
+                      <a:r>
+                        <a:rPr lang="en-IN" sz="1200"/>
+                        <a:t>1</a:t>
+                      </a:r>
+                    </a:p>
+                  </a:txBody>
+                  <a:tcPr marL="73733" marR="73733" marT="36867" marB="36867" anchor="ctr">
+                    <a:lnL w="12700" cap="flat" cmpd="sng" algn="ctr">
+                      <a:solidFill>
+                        <a:schemeClr val="tx1"/>
+                      </a:solidFill>
+                      <a:prstDash val="solid"/>
+                      <a:round/>
+                      <a:headEnd type="none" w="med" len="med"/>
+                      <a:tailEnd type="none" w="med" len="med"/>
+                    </a:lnL>
+                    <a:lnR w="12700" cap="flat" cmpd="sng" algn="ctr">
+                      <a:solidFill>
+                        <a:schemeClr val="tx1"/>
+                      </a:solidFill>
+                      <a:prstDash val="solid"/>
+                      <a:round/>
+                      <a:headEnd type="none" w="med" len="med"/>
+                      <a:tailEnd type="none" w="med" len="med"/>
+                    </a:lnR>
+                    <a:lnT w="12700" cap="flat" cmpd="sng" algn="ctr">
+                      <a:solidFill>
+                        <a:schemeClr val="tx1"/>
+                      </a:solidFill>
+                      <a:prstDash val="solid"/>
+                      <a:round/>
+                      <a:headEnd type="none" w="med" len="med"/>
+                      <a:tailEnd type="none" w="med" len="med"/>
+                    </a:lnT>
+                    <a:lnB w="12700" cap="flat" cmpd="sng" algn="ctr">
+                      <a:solidFill>
+                        <a:schemeClr val="tx1"/>
+                      </a:solidFill>
+                      <a:prstDash val="solid"/>
+                      <a:round/>
+                      <a:headEnd type="none" w="med" len="med"/>
+                      <a:tailEnd type="none" w="med" len="med"/>
+                    </a:lnB>
+                    <a:noFill/>
+                  </a:tcPr>
+                </a:tc>
+                <a:tc>
+                  <a:txBody>
+                    <a:bodyPr/>
+                    <a:lstStyle/>
+                    <a:p>
+                      <a:pPr>
+                        <a:buNone/>
+                      </a:pPr>
+                      <a:r>
+                        <a:rPr lang="en-IN" sz="1200" b="1"/>
+                        <a:t>RXB80</a:t>
+                      </a:r>
+                      <a:endParaRPr lang="en-IN" sz="1200"/>
+                    </a:p>
+                  </a:txBody>
+                  <a:tcPr marL="73733" marR="73733" marT="36867" marB="36867" anchor="ctr">
+                    <a:lnL w="12700" cap="flat" cmpd="sng" algn="ctr">
+                      <a:solidFill>
+                        <a:schemeClr val="tx1"/>
+                      </a:solidFill>
+                      <a:prstDash val="solid"/>
+                      <a:round/>
+                      <a:headEnd type="none" w="med" len="med"/>
+                      <a:tailEnd type="none" w="med" len="med"/>
+                    </a:lnL>
+                    <a:lnR w="12700" cap="flat" cmpd="sng" algn="ctr">
+                      <a:solidFill>
+                        <a:schemeClr val="tx1"/>
+                      </a:solidFill>
+                      <a:prstDash val="solid"/>
+                      <a:round/>
+                      <a:headEnd type="none" w="med" len="med"/>
+                      <a:tailEnd type="none" w="med" len="med"/>
+                    </a:lnR>
+                    <a:lnT w="12700" cap="flat" cmpd="sng" algn="ctr">
+                      <a:solidFill>
+                        <a:schemeClr val="tx1"/>
+                      </a:solidFill>
+                      <a:prstDash val="solid"/>
+                      <a:round/>
+                      <a:headEnd type="none" w="med" len="med"/>
+                      <a:tailEnd type="none" w="med" len="med"/>
+                    </a:lnT>
+                    <a:lnB w="12700" cap="flat" cmpd="sng" algn="ctr">
+                      <a:solidFill>
+                        <a:schemeClr val="tx1"/>
+                      </a:solidFill>
+                      <a:prstDash val="solid"/>
+                      <a:round/>
+                      <a:headEnd type="none" w="med" len="med"/>
+                      <a:tailEnd type="none" w="med" len="med"/>
+                    </a:lnB>
+                    <a:noFill/>
+                  </a:tcPr>
+                </a:tc>
+                <a:tc>
+                  <a:txBody>
+                    <a:bodyPr/>
+                    <a:lstStyle/>
+                    <a:p>
+                      <a:pPr>
+                        <a:buNone/>
+                      </a:pPr>
+                      <a:r>
+                        <a:rPr lang="en-US" sz="1200" dirty="0"/>
+                        <a:t>Received data bit 8 (9-bit mode)</a:t>
+                      </a:r>
+                    </a:p>
+                  </a:txBody>
+                  <a:tcPr marL="73733" marR="73733" marT="36867" marB="36867" anchor="ctr">
+                    <a:lnL w="12700" cap="flat" cmpd="sng" algn="ctr">
+                      <a:solidFill>
+                        <a:schemeClr val="tx1"/>
+                      </a:solidFill>
+                      <a:prstDash val="solid"/>
+                      <a:round/>
+                      <a:headEnd type="none" w="med" len="med"/>
+                      <a:tailEnd type="none" w="med" len="med"/>
+                    </a:lnL>
+                    <a:lnR w="12700" cap="flat" cmpd="sng" algn="ctr">
+                      <a:solidFill>
+                        <a:schemeClr val="tx1"/>
+                      </a:solidFill>
+                      <a:prstDash val="solid"/>
+                      <a:round/>
+                      <a:headEnd type="none" w="med" len="med"/>
+                      <a:tailEnd type="none" w="med" len="med"/>
+                    </a:lnR>
+                    <a:lnT w="12700" cap="flat" cmpd="sng" algn="ctr">
+                      <a:solidFill>
+                        <a:schemeClr val="tx1"/>
+                      </a:solidFill>
+                      <a:prstDash val="solid"/>
+                      <a:round/>
+                      <a:headEnd type="none" w="med" len="med"/>
+                      <a:tailEnd type="none" w="med" len="med"/>
+                    </a:lnT>
+                    <a:lnB w="12700" cap="flat" cmpd="sng" algn="ctr">
+                      <a:solidFill>
+                        <a:schemeClr val="tx1"/>
+                      </a:solidFill>
+                      <a:prstDash val="solid"/>
+                      <a:round/>
+                      <a:headEnd type="none" w="med" len="med"/>
+                      <a:tailEnd type="none" w="med" len="med"/>
+                    </a:lnB>
+                    <a:noFill/>
+                  </a:tcPr>
+                </a:tc>
+                <a:extLst>
+                  <a:ext uri="{0D108BD9-81ED-4DB2-BD59-A6C34878D82A}">
+                    <a16:rowId xmlns:a16="http://schemas.microsoft.com/office/drawing/2014/main" val="2415831697"/>
+                  </a:ext>
+                </a:extLst>
+              </a:tr>
+              <a:tr h="410155">
+                <a:tc>
+                  <a:txBody>
+                    <a:bodyPr/>
+                    <a:lstStyle/>
+                    <a:p>
+                      <a:pPr>
+                        <a:buNone/>
+                      </a:pPr>
+                      <a:r>
+                        <a:rPr lang="en-IN" sz="1200"/>
+                        <a:t>0</a:t>
+                      </a:r>
+                    </a:p>
+                  </a:txBody>
+                  <a:tcPr marL="73733" marR="73733" marT="36867" marB="36867" anchor="ctr">
+                    <a:lnL w="12700" cap="flat" cmpd="sng" algn="ctr">
+                      <a:solidFill>
+                        <a:schemeClr val="tx1"/>
+                      </a:solidFill>
+                      <a:prstDash val="solid"/>
+                      <a:round/>
+                      <a:headEnd type="none" w="med" len="med"/>
+                      <a:tailEnd type="none" w="med" len="med"/>
+                    </a:lnL>
+                    <a:lnR w="12700" cap="flat" cmpd="sng" algn="ctr">
+                      <a:solidFill>
+                        <a:schemeClr val="tx1"/>
+                      </a:solidFill>
+                      <a:prstDash val="solid"/>
+                      <a:round/>
+                      <a:headEnd type="none" w="med" len="med"/>
+                      <a:tailEnd type="none" w="med" len="med"/>
+                    </a:lnR>
+                    <a:lnT w="12700" cap="flat" cmpd="sng" algn="ctr">
+                      <a:solidFill>
+                        <a:schemeClr val="tx1"/>
+                      </a:solidFill>
+                      <a:prstDash val="solid"/>
+                      <a:round/>
+                      <a:headEnd type="none" w="med" len="med"/>
+                      <a:tailEnd type="none" w="med" len="med"/>
+                    </a:lnT>
+                    <a:lnB w="12700" cap="flat" cmpd="sng" algn="ctr">
+                      <a:solidFill>
+                        <a:schemeClr val="tx1"/>
+                      </a:solidFill>
+                      <a:prstDash val="solid"/>
+                      <a:round/>
+                      <a:headEnd type="none" w="med" len="med"/>
+                      <a:tailEnd type="none" w="med" len="med"/>
+                    </a:lnB>
+                    <a:noFill/>
+                  </a:tcPr>
+                </a:tc>
+                <a:tc>
+                  <a:txBody>
+                    <a:bodyPr/>
+                    <a:lstStyle/>
+                    <a:p>
+                      <a:pPr>
+                        <a:buNone/>
+                      </a:pPr>
+                      <a:r>
+                        <a:rPr lang="en-IN" sz="1200" b="1"/>
+                        <a:t>TXB80</a:t>
+                      </a:r>
+                      <a:endParaRPr lang="en-IN" sz="1200"/>
+                    </a:p>
+                  </a:txBody>
+                  <a:tcPr marL="73733" marR="73733" marT="36867" marB="36867" anchor="ctr">
+                    <a:lnL w="12700" cap="flat" cmpd="sng" algn="ctr">
+                      <a:solidFill>
+                        <a:schemeClr val="tx1"/>
+                      </a:solidFill>
+                      <a:prstDash val="solid"/>
+                      <a:round/>
+                      <a:headEnd type="none" w="med" len="med"/>
+                      <a:tailEnd type="none" w="med" len="med"/>
+                    </a:lnL>
+                    <a:lnR w="12700" cap="flat" cmpd="sng" algn="ctr">
+                      <a:solidFill>
+                        <a:schemeClr val="tx1"/>
+                      </a:solidFill>
+                      <a:prstDash val="solid"/>
+                      <a:round/>
+                      <a:headEnd type="none" w="med" len="med"/>
+                      <a:tailEnd type="none" w="med" len="med"/>
+                    </a:lnR>
+                    <a:lnT w="12700" cap="flat" cmpd="sng" algn="ctr">
+                      <a:solidFill>
+                        <a:schemeClr val="tx1"/>
+                      </a:solidFill>
+                      <a:prstDash val="solid"/>
+                      <a:round/>
+                      <a:headEnd type="none" w="med" len="med"/>
+                      <a:tailEnd type="none" w="med" len="med"/>
+                    </a:lnT>
+                    <a:lnB w="12700" cap="flat" cmpd="sng" algn="ctr">
+                      <a:solidFill>
+                        <a:schemeClr val="tx1"/>
+                      </a:solidFill>
+                      <a:prstDash val="solid"/>
+                      <a:round/>
+                      <a:headEnd type="none" w="med" len="med"/>
+                      <a:tailEnd type="none" w="med" len="med"/>
+                    </a:lnB>
+                    <a:noFill/>
+                  </a:tcPr>
+                </a:tc>
+                <a:tc>
+                  <a:txBody>
+                    <a:bodyPr/>
+                    <a:lstStyle/>
+                    <a:p>
+                      <a:pPr>
+                        <a:buNone/>
+                      </a:pPr>
+                      <a:r>
+                        <a:rPr lang="en-IN" sz="1200" dirty="0"/>
+                        <a:t>Transmit data bit 8 (9-bit mode)</a:t>
+                      </a:r>
+                    </a:p>
+                  </a:txBody>
+                  <a:tcPr marL="73733" marR="73733" marT="36867" marB="36867" anchor="ctr">
+                    <a:lnL w="12700" cap="flat" cmpd="sng" algn="ctr">
+                      <a:solidFill>
+                        <a:schemeClr val="tx1"/>
+                      </a:solidFill>
+                      <a:prstDash val="solid"/>
+                      <a:round/>
+                      <a:headEnd type="none" w="med" len="med"/>
+                      <a:tailEnd type="none" w="med" len="med"/>
+                    </a:lnL>
+                    <a:lnR w="12700" cap="flat" cmpd="sng" algn="ctr">
+                      <a:solidFill>
+                        <a:schemeClr val="tx1"/>
+                      </a:solidFill>
+                      <a:prstDash val="solid"/>
+                      <a:round/>
+                      <a:headEnd type="none" w="med" len="med"/>
+                      <a:tailEnd type="none" w="med" len="med"/>
+                    </a:lnR>
+                    <a:lnT w="12700" cap="flat" cmpd="sng" algn="ctr">
+                      <a:solidFill>
+                        <a:schemeClr val="tx1"/>
+                      </a:solidFill>
+                      <a:prstDash val="solid"/>
+                      <a:round/>
+                      <a:headEnd type="none" w="med" len="med"/>
+                      <a:tailEnd type="none" w="med" len="med"/>
+                    </a:lnT>
+                    <a:lnB w="12700" cap="flat" cmpd="sng" algn="ctr">
+                      <a:solidFill>
+                        <a:schemeClr val="tx1"/>
+                      </a:solidFill>
+                      <a:prstDash val="solid"/>
+                      <a:round/>
+                      <a:headEnd type="none" w="med" len="med"/>
+                      <a:tailEnd type="none" w="med" len="med"/>
+                    </a:lnB>
+                    <a:noFill/>
+                  </a:tcPr>
+                </a:tc>
+                <a:extLst>
+                  <a:ext uri="{0D108BD9-81ED-4DB2-BD59-A6C34878D82A}">
+                    <a16:rowId xmlns:a16="http://schemas.microsoft.com/office/drawing/2014/main" val="1160784156"/>
+                  </a:ext>
+                </a:extLst>
+              </a:tr>
+            </a:tbl>
+          </a:graphicData>
+        </a:graphic>
+      </p:graphicFrame>
+      <p:pic>
+        <p:nvPicPr>
+          <p:cNvPr id="5" name="Picture 4">
+            <a:extLst>
+              <a:ext uri="{FF2B5EF4-FFF2-40B4-BE49-F238E27FC236}">
+                <a16:creationId xmlns:a16="http://schemas.microsoft.com/office/drawing/2014/main" id="{5174DE35-6DAA-4FBC-4A33-00BE6DDAA5C5}"/>
+              </a:ext>
+            </a:extLst>
+          </p:cNvPr>
+          <p:cNvPicPr>
+            <a:picLocks noChangeAspect="1"/>
+          </p:cNvPicPr>
+          <p:nvPr/>
+        </p:nvPicPr>
+        <p:blipFill>
+          <a:blip r:embed="rId3"/>
+          <a:srcRect t="25524"/>
+          <a:stretch>
+            <a:fillRect/>
+          </a:stretch>
+        </p:blipFill>
+        <p:spPr>
+          <a:xfrm>
+            <a:off x="2446986" y="758174"/>
+            <a:ext cx="6535062" cy="936514"/>
+          </a:xfrm>
+          <a:prstGeom prst="rect">
+            <a:avLst/>
+          </a:prstGeom>
+        </p:spPr>
+      </p:pic>
     </p:spTree>
+    <p:extLst>
+      <p:ext uri="{BB962C8B-B14F-4D97-AF65-F5344CB8AC3E}">
+        <p14:creationId xmlns:p14="http://schemas.microsoft.com/office/powerpoint/2010/main" val="2237710589"/>
+      </p:ext>
+    </p:extLst>
   </p:cSld>
   <p:clrMapOvr>
     <a:masterClrMapping/>
